--- a/Speech/Reinforcement Learning 2.pptx
+++ b/Speech/Reinforcement Learning 2.pptx
@@ -236,7 +236,7 @@
                 <a:ea typeface="微软雅黑" panose="020B0503020204020204" pitchFamily="34" charset="-122"/>
               </a:rPr>
               <a:pPr algn="r" rtl="0"/>
-              <a:t>2019/3/12</a:t>
+              <a:t>2019/3/13</a:t>
             </a:fld>
             <a:endParaRPr lang="zh-CN" altLang="en-US" dirty="0">
               <a:latin typeface="微软雅黑" panose="020B0503020204020204" pitchFamily="34" charset="-122"/>
@@ -423,7 +423,7 @@
             <a:fld id="{0760B032-84D0-4C37-BA11-143E54573B20}" type="datetime1">
               <a:rPr lang="zh-CN" altLang="en-US" smtClean="0"/>
               <a:pPr/>
-              <a:t>2019/3/12</a:t>
+              <a:t>2019/3/13</a:t>
             </a:fld>
             <a:endParaRPr lang="zh-CN" altLang="en-US" dirty="0"/>
           </a:p>
@@ -1034,7 +1034,7 @@
             <a:fld id="{CCC847F5-93BF-420F-8B65-846E937E9C1A}" type="datetime1">
               <a:rPr lang="zh-CN" altLang="en-US" smtClean="0"/>
               <a:pPr/>
-              <a:t>2019/3/12</a:t>
+              <a:t>2019/3/13</a:t>
             </a:fld>
             <a:endParaRPr lang="zh-CN" altLang="en-US" dirty="0"/>
           </a:p>
@@ -1234,7 +1234,7 @@
             <a:fld id="{6E377329-BC83-4AA4-8C27-9230F654D81D}" type="datetime1">
               <a:rPr lang="zh-CN" altLang="en-US" smtClean="0"/>
               <a:pPr/>
-              <a:t>2019/3/12</a:t>
+              <a:t>2019/3/13</a:t>
             </a:fld>
             <a:endParaRPr lang="zh-CN" altLang="en-US" dirty="0"/>
           </a:p>
@@ -1468,7 +1468,7 @@
             <a:fld id="{0590CACB-45F2-4467-AFEF-2FAF076B81D1}" type="datetime1">
               <a:rPr lang="zh-CN" altLang="en-US" smtClean="0"/>
               <a:pPr/>
-              <a:t>2019/3/12</a:t>
+              <a:t>2019/3/13</a:t>
             </a:fld>
             <a:endParaRPr lang="zh-CN" altLang="en-US" dirty="0"/>
           </a:p>
@@ -1769,7 +1769,7 @@
             <a:fld id="{2B5F8077-0E3A-4E2F-B75E-22C62A81D703}" type="datetime1">
               <a:rPr lang="zh-CN" altLang="en-US" smtClean="0"/>
               <a:pPr/>
-              <a:t>2019/3/12</a:t>
+              <a:t>2019/3/13</a:t>
             </a:fld>
             <a:endParaRPr lang="zh-CN" altLang="en-US" dirty="0"/>
           </a:p>
@@ -2121,7 +2121,7 @@
             <a:fld id="{17CC0278-CB38-4147-A3E5-29E0B37DAE13}" type="datetime1">
               <a:rPr lang="zh-CN" altLang="en-US" smtClean="0"/>
               <a:pPr/>
-              <a:t>2019/3/12</a:t>
+              <a:t>2019/3/13</a:t>
             </a:fld>
             <a:endParaRPr lang="zh-CN" altLang="en-US" dirty="0"/>
           </a:p>
@@ -2598,7 +2598,7 @@
             <a:fld id="{FE3F0142-28F1-4EAE-A000-8206DFCC5E82}" type="datetime1">
               <a:rPr lang="zh-CN" altLang="en-US" smtClean="0"/>
               <a:pPr/>
-              <a:t>2019/3/12</a:t>
+              <a:t>2019/3/13</a:t>
             </a:fld>
             <a:endParaRPr lang="zh-CN" altLang="en-US" dirty="0"/>
           </a:p>
@@ -2736,7 +2736,7 @@
             <a:fld id="{A4BB1F61-C412-4D7C-8881-587417A7B600}" type="datetime1">
               <a:rPr lang="zh-CN" altLang="en-US" smtClean="0"/>
               <a:pPr/>
-              <a:t>2019/3/12</a:t>
+              <a:t>2019/3/13</a:t>
             </a:fld>
             <a:endParaRPr lang="zh-CN" altLang="en-US" dirty="0"/>
           </a:p>
@@ -2858,7 +2858,7 @@
             <a:fld id="{8469E5D7-6C97-4873-B82C-4B22B2F17496}" type="datetime1">
               <a:rPr lang="zh-CN" altLang="en-US" smtClean="0"/>
               <a:pPr/>
-              <a:t>2019/3/12</a:t>
+              <a:t>2019/3/13</a:t>
             </a:fld>
             <a:endParaRPr lang="zh-CN" altLang="en-US" dirty="0"/>
           </a:p>
@@ -3188,7 +3188,7 @@
             <a:fld id="{D7B3E930-C3B3-4585-8A26-00F140A7FB77}" type="datetime1">
               <a:rPr lang="zh-CN" altLang="en-US" smtClean="0"/>
               <a:pPr/>
-              <a:t>2019/3/12</a:t>
+              <a:t>2019/3/13</a:t>
             </a:fld>
             <a:endParaRPr lang="zh-CN" altLang="en-US" dirty="0"/>
           </a:p>
@@ -3508,7 +3508,7 @@
             <a:fld id="{E46EF46F-E0E0-460C-B765-9380271A0BA1}" type="datetime1">
               <a:rPr lang="zh-CN" altLang="en-US" smtClean="0"/>
               <a:pPr/>
-              <a:t>2019/3/12</a:t>
+              <a:t>2019/3/13</a:t>
             </a:fld>
             <a:endParaRPr lang="zh-CN" altLang="en-US" dirty="0"/>
           </a:p>
@@ -3747,7 +3747,7 @@
             <a:fld id="{4C63F3C3-2912-4537-AF96-286DDB4356FC}" type="datetime1">
               <a:rPr lang="zh-CN" altLang="en-US" smtClean="0"/>
               <a:pPr/>
-              <a:t>2019/3/12</a:t>
+              <a:t>2019/3/13</a:t>
             </a:fld>
             <a:endParaRPr lang="zh-CN" altLang="en-US" dirty="0"/>
           </a:p>
@@ -4745,11 +4745,7 @@
           <a:p>
             <a:r>
               <a:rPr lang="en-US" altLang="zh-TW" sz="2000" dirty="0" smtClean="0"/>
-              <a:t>M</a:t>
-            </a:r>
-            <a:r>
-              <a:rPr lang="en-US" altLang="zh-TW" sz="2000" dirty="0" smtClean="0"/>
-              <a:t>arkov Process</a:t>
+              <a:t>Markov Process</a:t>
             </a:r>
             <a:r>
               <a:rPr lang="en-US" altLang="zh-TW" sz="2000" dirty="0"/>
@@ -5010,11 +5006,7 @@
             </a:r>
             <a:r>
               <a:rPr lang="en-US" altLang="zh-CN" dirty="0" smtClean="0"/>
-              <a:t>:  </a:t>
-            </a:r>
-            <a:r>
-              <a:rPr lang="en-US" altLang="zh-CN" dirty="0" smtClean="0"/>
-              <a:t>Markov State</a:t>
+              <a:t>:  Markov State</a:t>
             </a:r>
             <a:endParaRPr lang="zh-CN" altLang="en-US" dirty="0"/>
           </a:p>
@@ -5429,7 +5421,6 @@
               <a:rPr lang="en-US" altLang="zh-CN" sz="1800" dirty="0" smtClean="0"/>
               <a:t>Each row of the matrix sum to 1.</a:t>
             </a:r>
-            <a:endParaRPr lang="en-US" altLang="zh-CN" sz="1800" dirty="0" smtClean="0"/>
           </a:p>
           <a:p>
             <a:endParaRPr lang="en-US" altLang="zh-CN" sz="1800" dirty="0"/>
@@ -8486,14 +8477,14 @@
           <p:nvPr>
             <p:extLst>
               <p:ext uri="{D42A27DB-BD31-4B8C-83A1-F6EECF244321}">
-                <p14:modId xmlns:p14="http://schemas.microsoft.com/office/powerpoint/2010/main" val="100338999"/>
+                <p14:modId xmlns:p14="http://schemas.microsoft.com/office/powerpoint/2010/main" val="851627660"/>
               </p:ext>
             </p:extLst>
           </p:nvPr>
         </p:nvGraphicFramePr>
         <p:xfrm>
           <a:off x="6565385" y="1897998"/>
-          <a:ext cx="5229536" cy="4023360"/>
+          <a:ext cx="5229536" cy="4016961"/>
         </p:xfrm>
         <a:graphic>
           <a:graphicData uri="http://schemas.openxmlformats.org/drawingml/2006/table">
@@ -8502,8 +8493,8 @@
                 <a:tableStyleId>{5C22544A-7EE6-4342-B048-85BDC9FD1C3A}</a:tableStyleId>
               </a:tblPr>
               <a:tblGrid>
-                <a:gridCol w="653692"/>
-                <a:gridCol w="653692"/>
+                <a:gridCol w="900627"/>
+                <a:gridCol w="406757"/>
                 <a:gridCol w="653692"/>
                 <a:gridCol w="653692"/>
                 <a:gridCol w="653692"/>
@@ -10110,142 +10101,6 @@
 </file>
 
 <file path=customXml/item1.xml><?xml version="1.0" encoding="utf-8"?>
-<?mso-contentType ?>
-<FormTemplates xmlns="http://schemas.microsoft.com/sharepoint/v3/contenttype/forms">
-  <Display>DocumentLibraryForm</Display>
-  <Edit>AssetEditForm</Edit>
-  <New>DocumentLibraryForm</New>
-</FormTemplates>
-</file>
-
-<file path=customXml/item2.xml><?xml version="1.0" encoding="utf-8"?>
-<p:properties xmlns:p="http://schemas.microsoft.com/office/2006/metadata/properties" xmlns:xsi="http://www.w3.org/2001/XMLSchema-instance" xmlns:pc="http://schemas.microsoft.com/office/infopath/2007/PartnerControls">
-  <documentManagement>
-    <DirectSourceMarket xmlns="4873beb7-5857-4685-be1f-d57550cc96cc" xsi:nil="true"/>
-    <ApprovalStatus xmlns="4873beb7-5857-4685-be1f-d57550cc96cc">InProgress</ApprovalStatus>
-    <MarketSpecific xmlns="4873beb7-5857-4685-be1f-d57550cc96cc">false</MarketSpecific>
-    <LocComments xmlns="4873beb7-5857-4685-be1f-d57550cc96cc" xsi:nil="true"/>
-    <ThumbnailAssetId xmlns="4873beb7-5857-4685-be1f-d57550cc96cc" xsi:nil="true"/>
-    <PrimaryImageGen xmlns="4873beb7-5857-4685-be1f-d57550cc96cc">true</PrimaryImageGen>
-    <LegacyData xmlns="4873beb7-5857-4685-be1f-d57550cc96cc" xsi:nil="true"/>
-    <LocRecommendedHandoff xmlns="4873beb7-5857-4685-be1f-d57550cc96cc" xsi:nil="true"/>
-    <BusinessGroup xmlns="4873beb7-5857-4685-be1f-d57550cc96cc" xsi:nil="true"/>
-    <BlockPublish xmlns="4873beb7-5857-4685-be1f-d57550cc96cc">false</BlockPublish>
-    <TPFriendlyName xmlns="4873beb7-5857-4685-be1f-d57550cc96cc" xsi:nil="true"/>
-    <NumericId xmlns="4873beb7-5857-4685-be1f-d57550cc96cc" xsi:nil="true"/>
-    <APEditor xmlns="4873beb7-5857-4685-be1f-d57550cc96cc">
-      <UserInfo>
-        <DisplayName/>
-        <AccountId xsi:nil="true"/>
-        <AccountType/>
-      </UserInfo>
-    </APEditor>
-    <SourceTitle xmlns="4873beb7-5857-4685-be1f-d57550cc96cc" xsi:nil="true"/>
-    <OpenTemplate xmlns="4873beb7-5857-4685-be1f-d57550cc96cc">true</OpenTemplate>
-    <UALocComments xmlns="4873beb7-5857-4685-be1f-d57550cc96cc" xsi:nil="true"/>
-    <ParentAssetId xmlns="4873beb7-5857-4685-be1f-d57550cc96cc" xsi:nil="true"/>
-    <IntlLangReviewDate xmlns="4873beb7-5857-4685-be1f-d57550cc96cc" xsi:nil="true"/>
-    <FeatureTagsTaxHTField0 xmlns="4873beb7-5857-4685-be1f-d57550cc96cc">
-      <Terms xmlns="http://schemas.microsoft.com/office/infopath/2007/PartnerControls"/>
-    </FeatureTagsTaxHTField0>
-    <PublishStatusLookup xmlns="4873beb7-5857-4685-be1f-d57550cc96cc">
-      <Value>1564227</Value>
-    </PublishStatusLookup>
-    <Providers xmlns="4873beb7-5857-4685-be1f-d57550cc96cc" xsi:nil="true"/>
-    <MachineTranslated xmlns="4873beb7-5857-4685-be1f-d57550cc96cc">false</MachineTranslated>
-    <OriginalSourceMarket xmlns="4873beb7-5857-4685-be1f-d57550cc96cc" xsi:nil="true"/>
-    <APDescription xmlns="4873beb7-5857-4685-be1f-d57550cc96cc">Take your audience through a digital tunnel where they'll  burst through to the other side and see the information you want to present. Show them lists, charts, tables, SmartArt,  and pictures using a variety of layouts in widescreen (16X9) format. This design works well for subjects on science and technology, computers, communication, and more.   
-</APDescription>
-    <ClipArtFilename xmlns="4873beb7-5857-4685-be1f-d57550cc96cc" xsi:nil="true"/>
-    <ContentItem xmlns="4873beb7-5857-4685-be1f-d57550cc96cc" xsi:nil="true"/>
-    <TPInstallLocation xmlns="4873beb7-5857-4685-be1f-d57550cc96cc" xsi:nil="true"/>
-    <PublishTargets xmlns="4873beb7-5857-4685-be1f-d57550cc96cc">OfficeOnlineVNext</PublishTargets>
-    <TimesCloned xmlns="4873beb7-5857-4685-be1f-d57550cc96cc" xsi:nil="true"/>
-    <AssetStart xmlns="4873beb7-5857-4685-be1f-d57550cc96cc">2012-05-11T02:04:00+00:00</AssetStart>
-    <Provider xmlns="4873beb7-5857-4685-be1f-d57550cc96cc" xsi:nil="true"/>
-    <AcquiredFrom xmlns="4873beb7-5857-4685-be1f-d57550cc96cc">Internal MS</AcquiredFrom>
-    <FriendlyTitle xmlns="4873beb7-5857-4685-be1f-d57550cc96cc" xsi:nil="true"/>
-    <LastHandOff xmlns="4873beb7-5857-4685-be1f-d57550cc96cc" xsi:nil="true"/>
-    <TPClientViewer xmlns="4873beb7-5857-4685-be1f-d57550cc96cc" xsi:nil="true"/>
-    <UACurrentWords xmlns="4873beb7-5857-4685-be1f-d57550cc96cc" xsi:nil="true"/>
-    <ArtSampleDocs xmlns="4873beb7-5857-4685-be1f-d57550cc96cc" xsi:nil="true"/>
-    <UALocRecommendation xmlns="4873beb7-5857-4685-be1f-d57550cc96cc">Localize</UALocRecommendation>
-    <Manager xmlns="4873beb7-5857-4685-be1f-d57550cc96cc" xsi:nil="true"/>
-    <ShowIn xmlns="4873beb7-5857-4685-be1f-d57550cc96cc">Show everywhere</ShowIn>
-    <UANotes xmlns="4873beb7-5857-4685-be1f-d57550cc96cc" xsi:nil="true"/>
-    <TemplateStatus xmlns="4873beb7-5857-4685-be1f-d57550cc96cc">Complete</TemplateStatus>
-    <InternalTagsTaxHTField0 xmlns="4873beb7-5857-4685-be1f-d57550cc96cc">
-      <Terms xmlns="http://schemas.microsoft.com/office/infopath/2007/PartnerControls"/>
-    </InternalTagsTaxHTField0>
-    <CSXHash xmlns="4873beb7-5857-4685-be1f-d57550cc96cc" xsi:nil="true"/>
-    <Downloads xmlns="4873beb7-5857-4685-be1f-d57550cc96cc">0</Downloads>
-    <VoteCount xmlns="4873beb7-5857-4685-be1f-d57550cc96cc" xsi:nil="true"/>
-    <OOCacheId xmlns="4873beb7-5857-4685-be1f-d57550cc96cc" xsi:nil="true"/>
-    <IsDeleted xmlns="4873beb7-5857-4685-be1f-d57550cc96cc">false</IsDeleted>
-    <AssetExpire xmlns="4873beb7-5857-4685-be1f-d57550cc96cc">2029-01-01T08:00:00+00:00</AssetExpire>
-    <DSATActionTaken xmlns="4873beb7-5857-4685-be1f-d57550cc96cc" xsi:nil="true"/>
-    <CSXSubmissionMarket xmlns="4873beb7-5857-4685-be1f-d57550cc96cc" xsi:nil="true"/>
-    <TPExecutable xmlns="4873beb7-5857-4685-be1f-d57550cc96cc" xsi:nil="true"/>
-    <SubmitterId xmlns="4873beb7-5857-4685-be1f-d57550cc96cc" xsi:nil="true"/>
-    <EditorialTags xmlns="4873beb7-5857-4685-be1f-d57550cc96cc" xsi:nil="true"/>
-    <ApprovalLog xmlns="4873beb7-5857-4685-be1f-d57550cc96cc" xsi:nil="true"/>
-    <AssetType xmlns="4873beb7-5857-4685-be1f-d57550cc96cc">TP</AssetType>
-    <BugNumber xmlns="4873beb7-5857-4685-be1f-d57550cc96cc" xsi:nil="true"/>
-    <CSXSubmissionDate xmlns="4873beb7-5857-4685-be1f-d57550cc96cc" xsi:nil="true"/>
-    <CSXUpdate xmlns="4873beb7-5857-4685-be1f-d57550cc96cc">false</CSXUpdate>
-    <Milestone xmlns="4873beb7-5857-4685-be1f-d57550cc96cc" xsi:nil="true"/>
-    <RecommendationsModifier xmlns="4873beb7-5857-4685-be1f-d57550cc96cc" xsi:nil="true"/>
-    <OriginAsset xmlns="4873beb7-5857-4685-be1f-d57550cc96cc" xsi:nil="true"/>
-    <TPComponent xmlns="4873beb7-5857-4685-be1f-d57550cc96cc" xsi:nil="true"/>
-    <AssetId xmlns="4873beb7-5857-4685-be1f-d57550cc96cc">TP102895246</AssetId>
-    <IntlLocPriority xmlns="4873beb7-5857-4685-be1f-d57550cc96cc" xsi:nil="true"/>
-    <PolicheckWords xmlns="4873beb7-5857-4685-be1f-d57550cc96cc" xsi:nil="true"/>
-    <TPLaunchHelpLink xmlns="4873beb7-5857-4685-be1f-d57550cc96cc" xsi:nil="true"/>
-    <TPApplication xmlns="4873beb7-5857-4685-be1f-d57550cc96cc" xsi:nil="true"/>
-    <CrawlForDependencies xmlns="4873beb7-5857-4685-be1f-d57550cc96cc">false</CrawlForDependencies>
-    <HandoffToMSDN xmlns="4873beb7-5857-4685-be1f-d57550cc96cc" xsi:nil="true"/>
-    <PlannedPubDate xmlns="4873beb7-5857-4685-be1f-d57550cc96cc" xsi:nil="true"/>
-    <IntlLangReviewer xmlns="4873beb7-5857-4685-be1f-d57550cc96cc" xsi:nil="true"/>
-    <TrustLevel xmlns="4873beb7-5857-4685-be1f-d57550cc96cc">1 Microsoft Managed Content</TrustLevel>
-    <LocLastLocAttemptVersionLookup xmlns="4873beb7-5857-4685-be1f-d57550cc96cc">835483</LocLastLocAttemptVersionLookup>
-    <IsSearchable xmlns="4873beb7-5857-4685-be1f-d57550cc96cc">true</IsSearchable>
-    <TemplateTemplateType xmlns="4873beb7-5857-4685-be1f-d57550cc96cc">PowerPoint Presentation Template</TemplateTemplateType>
-    <CampaignTagsTaxHTField0 xmlns="4873beb7-5857-4685-be1f-d57550cc96cc">
-      <Terms xmlns="http://schemas.microsoft.com/office/infopath/2007/PartnerControls"/>
-    </CampaignTagsTaxHTField0>
-    <TPNamespace xmlns="4873beb7-5857-4685-be1f-d57550cc96cc" xsi:nil="true"/>
-    <TaxCatchAll xmlns="4873beb7-5857-4685-be1f-d57550cc96cc"/>
-    <Markets xmlns="4873beb7-5857-4685-be1f-d57550cc96cc"/>
-    <UAProjectedTotalWords xmlns="4873beb7-5857-4685-be1f-d57550cc96cc" xsi:nil="true"/>
-    <IntlLangReview xmlns="4873beb7-5857-4685-be1f-d57550cc96cc">false</IntlLangReview>
-    <OutputCachingOn xmlns="4873beb7-5857-4685-be1f-d57550cc96cc">false</OutputCachingOn>
-    <AverageRating xmlns="4873beb7-5857-4685-be1f-d57550cc96cc" xsi:nil="true"/>
-    <APAuthor xmlns="4873beb7-5857-4685-be1f-d57550cc96cc">
-      <UserInfo>
-        <DisplayName>REDMOND\v-vaddu</DisplayName>
-        <AccountId>2567</AccountId>
-        <AccountType/>
-      </UserInfo>
-    </APAuthor>
-    <LocManualTestRequired xmlns="4873beb7-5857-4685-be1f-d57550cc96cc">false</LocManualTestRequired>
-    <TPCommandLine xmlns="4873beb7-5857-4685-be1f-d57550cc96cc" xsi:nil="true"/>
-    <TPAppVersion xmlns="4873beb7-5857-4685-be1f-d57550cc96cc" xsi:nil="true"/>
-    <EditorialStatus xmlns="4873beb7-5857-4685-be1f-d57550cc96cc">Complete</EditorialStatus>
-    <LastModifiedDateTime xmlns="4873beb7-5857-4685-be1f-d57550cc96cc" xsi:nil="true"/>
-    <ScenarioTagsTaxHTField0 xmlns="4873beb7-5857-4685-be1f-d57550cc96cc">
-      <Terms xmlns="http://schemas.microsoft.com/office/infopath/2007/PartnerControls"/>
-    </ScenarioTagsTaxHTField0>
-    <OriginalRelease xmlns="4873beb7-5857-4685-be1f-d57550cc96cc">15</OriginalRelease>
-    <TPLaunchHelpLinkType xmlns="4873beb7-5857-4685-be1f-d57550cc96cc">Template</TPLaunchHelpLinkType>
-    <LocalizationTagsTaxHTField0 xmlns="4873beb7-5857-4685-be1f-d57550cc96cc">
-      <Terms xmlns="http://schemas.microsoft.com/office/infopath/2007/PartnerControls"/>
-    </LocalizationTagsTaxHTField0>
-    <LocMarketGroupTiers2 xmlns="4873beb7-5857-4685-be1f-d57550cc96cc" xsi:nil="true"/>
-  </documentManagement>
-</p:properties>
-</file>
-
-<file path=customXml/item3.xml><?xml version="1.0" encoding="utf-8"?>
 <ct:contentTypeSchema xmlns:ct="http://schemas.microsoft.com/office/2006/metadata/contentType" xmlns:ma="http://schemas.microsoft.com/office/2006/metadata/properties/metaAttributes" ct:_="" ma:_="" ma:contentTypeName="TemplateFile" ma:contentTypeID="0x0101006EDDDB5EE6D98C44930B742096920B300400F5B6D36B3EF94B4E9A635CDF2A18F5B8" ma:contentTypeVersion="72" ma:contentTypeDescription="Create a new document." ma:contentTypeScope="" ma:versionID="a23e56308344d904b51738559c3d67c9">
   <xsd:schema xmlns:xsd="http://www.w3.org/2001/XMLSchema" xmlns:xs="http://www.w3.org/2001/XMLSchema" xmlns:p="http://schemas.microsoft.com/office/2006/metadata/properties" xmlns:ns2="4873beb7-5857-4685-be1f-d57550cc96cc" targetNamespace="http://schemas.microsoft.com/office/2006/metadata/properties" ma:root="true" ma:fieldsID="cd0908cc4600e77bf5da051303e00c8d" ns2:_="">
     <xsd:import namespace="4873beb7-5857-4685-be1f-d57550cc96cc"/>
@@ -11285,10 +11140,156 @@
 </ct:contentTypeSchema>
 </file>
 
+<file path=customXml/item2.xml><?xml version="1.0" encoding="utf-8"?>
+<p:properties xmlns:p="http://schemas.microsoft.com/office/2006/metadata/properties" xmlns:xsi="http://www.w3.org/2001/XMLSchema-instance" xmlns:pc="http://schemas.microsoft.com/office/infopath/2007/PartnerControls">
+  <documentManagement>
+    <DirectSourceMarket xmlns="4873beb7-5857-4685-be1f-d57550cc96cc" xsi:nil="true"/>
+    <ApprovalStatus xmlns="4873beb7-5857-4685-be1f-d57550cc96cc">InProgress</ApprovalStatus>
+    <MarketSpecific xmlns="4873beb7-5857-4685-be1f-d57550cc96cc">false</MarketSpecific>
+    <LocComments xmlns="4873beb7-5857-4685-be1f-d57550cc96cc" xsi:nil="true"/>
+    <ThumbnailAssetId xmlns="4873beb7-5857-4685-be1f-d57550cc96cc" xsi:nil="true"/>
+    <PrimaryImageGen xmlns="4873beb7-5857-4685-be1f-d57550cc96cc">true</PrimaryImageGen>
+    <LegacyData xmlns="4873beb7-5857-4685-be1f-d57550cc96cc" xsi:nil="true"/>
+    <LocRecommendedHandoff xmlns="4873beb7-5857-4685-be1f-d57550cc96cc" xsi:nil="true"/>
+    <BusinessGroup xmlns="4873beb7-5857-4685-be1f-d57550cc96cc" xsi:nil="true"/>
+    <BlockPublish xmlns="4873beb7-5857-4685-be1f-d57550cc96cc">false</BlockPublish>
+    <TPFriendlyName xmlns="4873beb7-5857-4685-be1f-d57550cc96cc" xsi:nil="true"/>
+    <NumericId xmlns="4873beb7-5857-4685-be1f-d57550cc96cc" xsi:nil="true"/>
+    <APEditor xmlns="4873beb7-5857-4685-be1f-d57550cc96cc">
+      <UserInfo>
+        <DisplayName/>
+        <AccountId xsi:nil="true"/>
+        <AccountType/>
+      </UserInfo>
+    </APEditor>
+    <SourceTitle xmlns="4873beb7-5857-4685-be1f-d57550cc96cc" xsi:nil="true"/>
+    <OpenTemplate xmlns="4873beb7-5857-4685-be1f-d57550cc96cc">true</OpenTemplate>
+    <UALocComments xmlns="4873beb7-5857-4685-be1f-d57550cc96cc" xsi:nil="true"/>
+    <ParentAssetId xmlns="4873beb7-5857-4685-be1f-d57550cc96cc" xsi:nil="true"/>
+    <IntlLangReviewDate xmlns="4873beb7-5857-4685-be1f-d57550cc96cc" xsi:nil="true"/>
+    <FeatureTagsTaxHTField0 xmlns="4873beb7-5857-4685-be1f-d57550cc96cc">
+      <Terms xmlns="http://schemas.microsoft.com/office/infopath/2007/PartnerControls"/>
+    </FeatureTagsTaxHTField0>
+    <PublishStatusLookup xmlns="4873beb7-5857-4685-be1f-d57550cc96cc">
+      <Value>1564227</Value>
+    </PublishStatusLookup>
+    <Providers xmlns="4873beb7-5857-4685-be1f-d57550cc96cc" xsi:nil="true"/>
+    <MachineTranslated xmlns="4873beb7-5857-4685-be1f-d57550cc96cc">false</MachineTranslated>
+    <OriginalSourceMarket xmlns="4873beb7-5857-4685-be1f-d57550cc96cc" xsi:nil="true"/>
+    <APDescription xmlns="4873beb7-5857-4685-be1f-d57550cc96cc">Take your audience through a digital tunnel where they'll  burst through to the other side and see the information you want to present. Show them lists, charts, tables, SmartArt,  and pictures using a variety of layouts in widescreen (16X9) format. This design works well for subjects on science and technology, computers, communication, and more.   
+</APDescription>
+    <ClipArtFilename xmlns="4873beb7-5857-4685-be1f-d57550cc96cc" xsi:nil="true"/>
+    <ContentItem xmlns="4873beb7-5857-4685-be1f-d57550cc96cc" xsi:nil="true"/>
+    <TPInstallLocation xmlns="4873beb7-5857-4685-be1f-d57550cc96cc" xsi:nil="true"/>
+    <PublishTargets xmlns="4873beb7-5857-4685-be1f-d57550cc96cc">OfficeOnlineVNext</PublishTargets>
+    <TimesCloned xmlns="4873beb7-5857-4685-be1f-d57550cc96cc" xsi:nil="true"/>
+    <AssetStart xmlns="4873beb7-5857-4685-be1f-d57550cc96cc">2012-05-11T02:04:00+00:00</AssetStart>
+    <Provider xmlns="4873beb7-5857-4685-be1f-d57550cc96cc" xsi:nil="true"/>
+    <AcquiredFrom xmlns="4873beb7-5857-4685-be1f-d57550cc96cc">Internal MS</AcquiredFrom>
+    <FriendlyTitle xmlns="4873beb7-5857-4685-be1f-d57550cc96cc" xsi:nil="true"/>
+    <LastHandOff xmlns="4873beb7-5857-4685-be1f-d57550cc96cc" xsi:nil="true"/>
+    <TPClientViewer xmlns="4873beb7-5857-4685-be1f-d57550cc96cc" xsi:nil="true"/>
+    <UACurrentWords xmlns="4873beb7-5857-4685-be1f-d57550cc96cc" xsi:nil="true"/>
+    <ArtSampleDocs xmlns="4873beb7-5857-4685-be1f-d57550cc96cc" xsi:nil="true"/>
+    <UALocRecommendation xmlns="4873beb7-5857-4685-be1f-d57550cc96cc">Localize</UALocRecommendation>
+    <Manager xmlns="4873beb7-5857-4685-be1f-d57550cc96cc" xsi:nil="true"/>
+    <ShowIn xmlns="4873beb7-5857-4685-be1f-d57550cc96cc">Show everywhere</ShowIn>
+    <UANotes xmlns="4873beb7-5857-4685-be1f-d57550cc96cc" xsi:nil="true"/>
+    <TemplateStatus xmlns="4873beb7-5857-4685-be1f-d57550cc96cc">Complete</TemplateStatus>
+    <InternalTagsTaxHTField0 xmlns="4873beb7-5857-4685-be1f-d57550cc96cc">
+      <Terms xmlns="http://schemas.microsoft.com/office/infopath/2007/PartnerControls"/>
+    </InternalTagsTaxHTField0>
+    <CSXHash xmlns="4873beb7-5857-4685-be1f-d57550cc96cc" xsi:nil="true"/>
+    <Downloads xmlns="4873beb7-5857-4685-be1f-d57550cc96cc">0</Downloads>
+    <VoteCount xmlns="4873beb7-5857-4685-be1f-d57550cc96cc" xsi:nil="true"/>
+    <OOCacheId xmlns="4873beb7-5857-4685-be1f-d57550cc96cc" xsi:nil="true"/>
+    <IsDeleted xmlns="4873beb7-5857-4685-be1f-d57550cc96cc">false</IsDeleted>
+    <AssetExpire xmlns="4873beb7-5857-4685-be1f-d57550cc96cc">2029-01-01T08:00:00+00:00</AssetExpire>
+    <DSATActionTaken xmlns="4873beb7-5857-4685-be1f-d57550cc96cc" xsi:nil="true"/>
+    <CSXSubmissionMarket xmlns="4873beb7-5857-4685-be1f-d57550cc96cc" xsi:nil="true"/>
+    <TPExecutable xmlns="4873beb7-5857-4685-be1f-d57550cc96cc" xsi:nil="true"/>
+    <SubmitterId xmlns="4873beb7-5857-4685-be1f-d57550cc96cc" xsi:nil="true"/>
+    <EditorialTags xmlns="4873beb7-5857-4685-be1f-d57550cc96cc" xsi:nil="true"/>
+    <ApprovalLog xmlns="4873beb7-5857-4685-be1f-d57550cc96cc" xsi:nil="true"/>
+    <AssetType xmlns="4873beb7-5857-4685-be1f-d57550cc96cc">TP</AssetType>
+    <BugNumber xmlns="4873beb7-5857-4685-be1f-d57550cc96cc" xsi:nil="true"/>
+    <CSXSubmissionDate xmlns="4873beb7-5857-4685-be1f-d57550cc96cc" xsi:nil="true"/>
+    <CSXUpdate xmlns="4873beb7-5857-4685-be1f-d57550cc96cc">false</CSXUpdate>
+    <Milestone xmlns="4873beb7-5857-4685-be1f-d57550cc96cc" xsi:nil="true"/>
+    <RecommendationsModifier xmlns="4873beb7-5857-4685-be1f-d57550cc96cc" xsi:nil="true"/>
+    <OriginAsset xmlns="4873beb7-5857-4685-be1f-d57550cc96cc" xsi:nil="true"/>
+    <TPComponent xmlns="4873beb7-5857-4685-be1f-d57550cc96cc" xsi:nil="true"/>
+    <AssetId xmlns="4873beb7-5857-4685-be1f-d57550cc96cc">TP102895246</AssetId>
+    <IntlLocPriority xmlns="4873beb7-5857-4685-be1f-d57550cc96cc" xsi:nil="true"/>
+    <PolicheckWords xmlns="4873beb7-5857-4685-be1f-d57550cc96cc" xsi:nil="true"/>
+    <TPLaunchHelpLink xmlns="4873beb7-5857-4685-be1f-d57550cc96cc" xsi:nil="true"/>
+    <TPApplication xmlns="4873beb7-5857-4685-be1f-d57550cc96cc" xsi:nil="true"/>
+    <CrawlForDependencies xmlns="4873beb7-5857-4685-be1f-d57550cc96cc">false</CrawlForDependencies>
+    <HandoffToMSDN xmlns="4873beb7-5857-4685-be1f-d57550cc96cc" xsi:nil="true"/>
+    <PlannedPubDate xmlns="4873beb7-5857-4685-be1f-d57550cc96cc" xsi:nil="true"/>
+    <IntlLangReviewer xmlns="4873beb7-5857-4685-be1f-d57550cc96cc" xsi:nil="true"/>
+    <TrustLevel xmlns="4873beb7-5857-4685-be1f-d57550cc96cc">1 Microsoft Managed Content</TrustLevel>
+    <LocLastLocAttemptVersionLookup xmlns="4873beb7-5857-4685-be1f-d57550cc96cc">835483</LocLastLocAttemptVersionLookup>
+    <IsSearchable xmlns="4873beb7-5857-4685-be1f-d57550cc96cc">true</IsSearchable>
+    <TemplateTemplateType xmlns="4873beb7-5857-4685-be1f-d57550cc96cc">PowerPoint Presentation Template</TemplateTemplateType>
+    <CampaignTagsTaxHTField0 xmlns="4873beb7-5857-4685-be1f-d57550cc96cc">
+      <Terms xmlns="http://schemas.microsoft.com/office/infopath/2007/PartnerControls"/>
+    </CampaignTagsTaxHTField0>
+    <TPNamespace xmlns="4873beb7-5857-4685-be1f-d57550cc96cc" xsi:nil="true"/>
+    <TaxCatchAll xmlns="4873beb7-5857-4685-be1f-d57550cc96cc"/>
+    <Markets xmlns="4873beb7-5857-4685-be1f-d57550cc96cc"/>
+    <UAProjectedTotalWords xmlns="4873beb7-5857-4685-be1f-d57550cc96cc" xsi:nil="true"/>
+    <IntlLangReview xmlns="4873beb7-5857-4685-be1f-d57550cc96cc">false</IntlLangReview>
+    <OutputCachingOn xmlns="4873beb7-5857-4685-be1f-d57550cc96cc">false</OutputCachingOn>
+    <AverageRating xmlns="4873beb7-5857-4685-be1f-d57550cc96cc" xsi:nil="true"/>
+    <APAuthor xmlns="4873beb7-5857-4685-be1f-d57550cc96cc">
+      <UserInfo>
+        <DisplayName>REDMOND\v-vaddu</DisplayName>
+        <AccountId>2567</AccountId>
+        <AccountType/>
+      </UserInfo>
+    </APAuthor>
+    <LocManualTestRequired xmlns="4873beb7-5857-4685-be1f-d57550cc96cc">false</LocManualTestRequired>
+    <TPCommandLine xmlns="4873beb7-5857-4685-be1f-d57550cc96cc" xsi:nil="true"/>
+    <TPAppVersion xmlns="4873beb7-5857-4685-be1f-d57550cc96cc" xsi:nil="true"/>
+    <EditorialStatus xmlns="4873beb7-5857-4685-be1f-d57550cc96cc">Complete</EditorialStatus>
+    <LastModifiedDateTime xmlns="4873beb7-5857-4685-be1f-d57550cc96cc" xsi:nil="true"/>
+    <ScenarioTagsTaxHTField0 xmlns="4873beb7-5857-4685-be1f-d57550cc96cc">
+      <Terms xmlns="http://schemas.microsoft.com/office/infopath/2007/PartnerControls"/>
+    </ScenarioTagsTaxHTField0>
+    <OriginalRelease xmlns="4873beb7-5857-4685-be1f-d57550cc96cc">15</OriginalRelease>
+    <TPLaunchHelpLinkType xmlns="4873beb7-5857-4685-be1f-d57550cc96cc">Template</TPLaunchHelpLinkType>
+    <LocalizationTagsTaxHTField0 xmlns="4873beb7-5857-4685-be1f-d57550cc96cc">
+      <Terms xmlns="http://schemas.microsoft.com/office/infopath/2007/PartnerControls"/>
+    </LocalizationTagsTaxHTField0>
+    <LocMarketGroupTiers2 xmlns="4873beb7-5857-4685-be1f-d57550cc96cc" xsi:nil="true"/>
+  </documentManagement>
+</p:properties>
+</file>
+
+<file path=customXml/item3.xml><?xml version="1.0" encoding="utf-8"?>
+<?mso-contentType ?>
+<FormTemplates xmlns="http://schemas.microsoft.com/sharepoint/v3/contenttype/forms">
+  <Display>DocumentLibraryForm</Display>
+  <Edit>AssetEditForm</Edit>
+  <New>DocumentLibraryForm</New>
+</FormTemplates>
+</file>
+
 <file path=customXml/itemProps1.xml><?xml version="1.0" encoding="utf-8"?>
-<ds:datastoreItem xmlns:ds="http://schemas.openxmlformats.org/officeDocument/2006/customXml" ds:itemID="{74228E6B-D70C-44BB-A81F-A245495F612B}">
+<ds:datastoreItem xmlns:ds="http://schemas.openxmlformats.org/officeDocument/2006/customXml" ds:itemID="{22CCB507-0646-4A50-A4F7-7F385079D589}">
   <ds:schemaRefs>
-    <ds:schemaRef ds:uri="http://schemas.microsoft.com/sharepoint/v3/contenttype/forms"/>
+    <ds:schemaRef ds:uri="http://schemas.microsoft.com/office/2006/metadata/contentType"/>
+    <ds:schemaRef ds:uri="http://schemas.microsoft.com/office/2006/metadata/properties/metaAttributes"/>
+    <ds:schemaRef ds:uri="http://www.w3.org/2001/XMLSchema"/>
+    <ds:schemaRef ds:uri="http://schemas.microsoft.com/office/2006/metadata/properties"/>
+    <ds:schemaRef ds:uri="4873beb7-5857-4685-be1f-d57550cc96cc"/>
+    <ds:schemaRef ds:uri="http://schemas.microsoft.com/office/2006/documentManagement/types"/>
+    <ds:schemaRef ds:uri="http://schemas.microsoft.com/office/infopath/2007/PartnerControls"/>
+    <ds:schemaRef ds:uri="http://schemas.openxmlformats.org/package/2006/metadata/core-properties"/>
+    <ds:schemaRef ds:uri="http://purl.org/dc/elements/1.1/"/>
+    <ds:schemaRef ds:uri="http://purl.org/dc/terms/"/>
+    <ds:schemaRef ds:uri="http://schemas.microsoft.com/internal/obd"/>
   </ds:schemaRefs>
 </ds:datastoreItem>
 </file>
@@ -11304,19 +11305,9 @@
 </file>
 
 <file path=customXml/itemProps3.xml><?xml version="1.0" encoding="utf-8"?>
-<ds:datastoreItem xmlns:ds="http://schemas.openxmlformats.org/officeDocument/2006/customXml" ds:itemID="{22CCB507-0646-4A50-A4F7-7F385079D589}">
+<ds:datastoreItem xmlns:ds="http://schemas.openxmlformats.org/officeDocument/2006/customXml" ds:itemID="{74228E6B-D70C-44BB-A81F-A245495F612B}">
   <ds:schemaRefs>
-    <ds:schemaRef ds:uri="http://schemas.microsoft.com/office/2006/metadata/contentType"/>
-    <ds:schemaRef ds:uri="http://schemas.microsoft.com/office/2006/metadata/properties/metaAttributes"/>
-    <ds:schemaRef ds:uri="http://www.w3.org/2001/XMLSchema"/>
-    <ds:schemaRef ds:uri="http://schemas.microsoft.com/office/2006/metadata/properties"/>
-    <ds:schemaRef ds:uri="4873beb7-5857-4685-be1f-d57550cc96cc"/>
-    <ds:schemaRef ds:uri="http://schemas.microsoft.com/office/2006/documentManagement/types"/>
-    <ds:schemaRef ds:uri="http://schemas.microsoft.com/office/infopath/2007/PartnerControls"/>
-    <ds:schemaRef ds:uri="http://schemas.openxmlformats.org/package/2006/metadata/core-properties"/>
-    <ds:schemaRef ds:uri="http://purl.org/dc/elements/1.1/"/>
-    <ds:schemaRef ds:uri="http://purl.org/dc/terms/"/>
-    <ds:schemaRef ds:uri="http://schemas.microsoft.com/internal/obd"/>
+    <ds:schemaRef ds:uri="http://schemas.microsoft.com/sharepoint/v3/contenttype/forms"/>
   </ds:schemaRefs>
 </ds:datastoreItem>
 </file>
--- a/Speech/Reinforcement Learning 2.pptx
+++ b/Speech/Reinforcement Learning 2.pptx
@@ -5,10 +5,10 @@
     <p:sldMasterId id="2147483648" r:id="rId4"/>
   </p:sldMasterIdLst>
   <p:notesMasterIdLst>
-    <p:notesMasterId r:id="rId27"/>
+    <p:notesMasterId r:id="rId34"/>
   </p:notesMasterIdLst>
   <p:handoutMasterIdLst>
-    <p:handoutMasterId r:id="rId28"/>
+    <p:handoutMasterId r:id="rId35"/>
   </p:handoutMasterIdLst>
   <p:sldIdLst>
     <p:sldId id="265" r:id="rId5"/>
@@ -31,13 +31,20 @@
     <p:sldId id="337" r:id="rId22"/>
     <p:sldId id="338" r:id="rId23"/>
     <p:sldId id="339" r:id="rId24"/>
-    <p:sldId id="340" r:id="rId25"/>
-    <p:sldId id="319" r:id="rId26"/>
+    <p:sldId id="345" r:id="rId25"/>
+    <p:sldId id="340" r:id="rId26"/>
+    <p:sldId id="341" r:id="rId27"/>
+    <p:sldId id="342" r:id="rId28"/>
+    <p:sldId id="344" r:id="rId29"/>
+    <p:sldId id="346" r:id="rId30"/>
+    <p:sldId id="343" r:id="rId31"/>
+    <p:sldId id="347" r:id="rId32"/>
+    <p:sldId id="319" r:id="rId33"/>
   </p:sldIdLst>
   <p:sldSz cx="12188825" cy="6858000"/>
   <p:notesSz cx="6858000" cy="9144000"/>
   <p:custDataLst>
-    <p:tags r:id="rId29"/>
+    <p:tags r:id="rId36"/>
   </p:custDataLst>
   <p:defaultTextStyle>
     <a:defPPr rtl="0">
@@ -156,6 +163,12 @@
 </p:presentation>
 </file>
 
+<file path=ppt/commentAuthors.xml><?xml version="1.0" encoding="utf-8"?>
+<p:cmAuthorLst xmlns:a="http://schemas.openxmlformats.org/drawingml/2006/main" xmlns:r="http://schemas.openxmlformats.org/officeDocument/2006/relationships" xmlns:p="http://schemas.openxmlformats.org/presentationml/2006/main">
+  <p:cmAuthor id="2" name="作者" initials="A" lastIdx="0" clrIdx="1"/>
+</p:cmAuthorLst>
+</file>
+
 <file path=ppt/handoutMasters/handoutMaster1.xml><?xml version="1.0" encoding="utf-8"?>
 <p:handoutMaster xmlns:a="http://schemas.openxmlformats.org/drawingml/2006/main" xmlns:r="http://schemas.openxmlformats.org/officeDocument/2006/relationships" xmlns:p="http://schemas.openxmlformats.org/presentationml/2006/main">
   <p:cSld>
@@ -247,7 +260,7 @@
                 <a:ea typeface="微软雅黑" panose="020B0503020204020204" pitchFamily="34" charset="-122"/>
               </a:rPr>
               <a:pPr algn="r" rtl="0"/>
-              <a:t>2019/3/13</a:t>
+              <a:t>2019/3/14</a:t>
             </a:fld>
             <a:endParaRPr lang="zh-CN" altLang="en-US" dirty="0">
               <a:latin typeface="微软雅黑" panose="020B0503020204020204" pitchFamily="34" charset="-122"/>
@@ -434,7 +447,7 @@
             <a:fld id="{0760B032-84D0-4C37-BA11-143E54573B20}" type="datetime1">
               <a:rPr lang="zh-CN" altLang="en-US" smtClean="0"/>
               <a:pPr/>
-              <a:t>2019/3/13</a:t>
+              <a:t>2019/3/14</a:t>
             </a:fld>
             <a:endParaRPr lang="zh-CN" altLang="en-US" dirty="0"/>
           </a:p>
@@ -709,6 +722,91 @@
 </p:notesMaster>
 </file>
 
+<file path=ppt/notesSlides/notesSlide1.xml><?xml version="1.0" encoding="utf-8"?>
+<p:notes xmlns:a="http://schemas.openxmlformats.org/drawingml/2006/main" xmlns:r="http://schemas.openxmlformats.org/officeDocument/2006/relationships" xmlns:p="http://schemas.openxmlformats.org/presentationml/2006/main">
+  <p:cSld>
+    <p:spTree>
+      <p:nvGrpSpPr>
+        <p:cNvPr id="1" name=""/>
+        <p:cNvGrpSpPr/>
+        <p:nvPr/>
+      </p:nvGrpSpPr>
+      <p:grpSpPr>
+        <a:xfrm>
+          <a:off x="0" y="0"/>
+          <a:ext cx="0" cy="0"/>
+          <a:chOff x="0" y="0"/>
+          <a:chExt cx="0" cy="0"/>
+        </a:xfrm>
+      </p:grpSpPr>
+      <p:sp>
+        <p:nvSpPr>
+          <p:cNvPr id="2" name="幻灯片图像占位符 1"/>
+          <p:cNvSpPr>
+            <a:spLocks noGrp="1" noRot="1" noChangeAspect="1"/>
+          </p:cNvSpPr>
+          <p:nvPr>
+            <p:ph type="sldImg"/>
+          </p:nvPr>
+        </p:nvSpPr>
+        <p:spPr/>
+      </p:sp>
+      <p:sp>
+        <p:nvSpPr>
+          <p:cNvPr id="3" name="备注占位符 2"/>
+          <p:cNvSpPr>
+            <a:spLocks noGrp="1"/>
+          </p:cNvSpPr>
+          <p:nvPr>
+            <p:ph type="body" idx="1"/>
+          </p:nvPr>
+        </p:nvSpPr>
+        <p:spPr/>
+        <p:txBody>
+          <a:bodyPr/>
+          <a:lstStyle/>
+          <a:p>
+            <a:endParaRPr lang="zh-CN" altLang="en-US"/>
+          </a:p>
+        </p:txBody>
+      </p:sp>
+      <p:sp>
+        <p:nvSpPr>
+          <p:cNvPr id="4" name="灯片编号占位符 3"/>
+          <p:cNvSpPr>
+            <a:spLocks noGrp="1"/>
+          </p:cNvSpPr>
+          <p:nvPr>
+            <p:ph type="sldNum" sz="quarter" idx="10"/>
+          </p:nvPr>
+        </p:nvSpPr>
+        <p:spPr/>
+        <p:txBody>
+          <a:bodyPr/>
+          <a:lstStyle/>
+          <a:p>
+            <a:fld id="{F93199CD-3E1B-4AE6-990F-76F925F5EA9F}" type="slidenum">
+              <a:rPr lang="en-US" altLang="zh-CN" smtClean="0"/>
+              <a:pPr/>
+              <a:t>5</a:t>
+            </a:fld>
+            <a:endParaRPr lang="zh-CN" altLang="en-US" dirty="0"/>
+          </a:p>
+        </p:txBody>
+      </p:sp>
+    </p:spTree>
+    <p:extLst>
+      <p:ext uri="{BB962C8B-B14F-4D97-AF65-F5344CB8AC3E}">
+        <p14:creationId xmlns:p14="http://schemas.microsoft.com/office/powerpoint/2010/main" val="3735776660"/>
+      </p:ext>
+    </p:extLst>
+  </p:cSld>
+  <p:clrMapOvr>
+    <a:masterClrMapping/>
+  </p:clrMapOvr>
+</p:notes>
+</file>
+
 <file path=ppt/slideLayouts/slideLayout1.xml><?xml version="1.0" encoding="utf-8"?>
 <p:sldLayout xmlns:a="http://schemas.openxmlformats.org/drawingml/2006/main" xmlns:r="http://schemas.openxmlformats.org/officeDocument/2006/relationships" xmlns:p="http://schemas.openxmlformats.org/presentationml/2006/main" type="title" preserve="1">
   <p:cSld name="标题幻灯片">
@@ -1045,7 +1143,7 @@
             <a:fld id="{CCC847F5-93BF-420F-8B65-846E937E9C1A}" type="datetime1">
               <a:rPr lang="zh-CN" altLang="en-US" smtClean="0"/>
               <a:pPr/>
-              <a:t>2019/3/13</a:t>
+              <a:t>2019/3/14</a:t>
             </a:fld>
             <a:endParaRPr lang="zh-CN" altLang="en-US" dirty="0"/>
           </a:p>
@@ -1245,7 +1343,7 @@
             <a:fld id="{6E377329-BC83-4AA4-8C27-9230F654D81D}" type="datetime1">
               <a:rPr lang="zh-CN" altLang="en-US" smtClean="0"/>
               <a:pPr/>
-              <a:t>2019/3/13</a:t>
+              <a:t>2019/3/14</a:t>
             </a:fld>
             <a:endParaRPr lang="zh-CN" altLang="en-US" dirty="0"/>
           </a:p>
@@ -1479,7 +1577,7 @@
             <a:fld id="{0590CACB-45F2-4467-AFEF-2FAF076B81D1}" type="datetime1">
               <a:rPr lang="zh-CN" altLang="en-US" smtClean="0"/>
               <a:pPr/>
-              <a:t>2019/3/13</a:t>
+              <a:t>2019/3/14</a:t>
             </a:fld>
             <a:endParaRPr lang="zh-CN" altLang="en-US" dirty="0"/>
           </a:p>
@@ -1780,7 +1878,7 @@
             <a:fld id="{2B5F8077-0E3A-4E2F-B75E-22C62A81D703}" type="datetime1">
               <a:rPr lang="zh-CN" altLang="en-US" smtClean="0"/>
               <a:pPr/>
-              <a:t>2019/3/13</a:t>
+              <a:t>2019/3/14</a:t>
             </a:fld>
             <a:endParaRPr lang="zh-CN" altLang="en-US" dirty="0"/>
           </a:p>
@@ -2132,7 +2230,7 @@
             <a:fld id="{17CC0278-CB38-4147-A3E5-29E0B37DAE13}" type="datetime1">
               <a:rPr lang="zh-CN" altLang="en-US" smtClean="0"/>
               <a:pPr/>
-              <a:t>2019/3/13</a:t>
+              <a:t>2019/3/14</a:t>
             </a:fld>
             <a:endParaRPr lang="zh-CN" altLang="en-US" dirty="0"/>
           </a:p>
@@ -2609,7 +2707,7 @@
             <a:fld id="{FE3F0142-28F1-4EAE-A000-8206DFCC5E82}" type="datetime1">
               <a:rPr lang="zh-CN" altLang="en-US" smtClean="0"/>
               <a:pPr/>
-              <a:t>2019/3/13</a:t>
+              <a:t>2019/3/14</a:t>
             </a:fld>
             <a:endParaRPr lang="zh-CN" altLang="en-US" dirty="0"/>
           </a:p>
@@ -2747,7 +2845,7 @@
             <a:fld id="{A4BB1F61-C412-4D7C-8881-587417A7B600}" type="datetime1">
               <a:rPr lang="zh-CN" altLang="en-US" smtClean="0"/>
               <a:pPr/>
-              <a:t>2019/3/13</a:t>
+              <a:t>2019/3/14</a:t>
             </a:fld>
             <a:endParaRPr lang="zh-CN" altLang="en-US" dirty="0"/>
           </a:p>
@@ -2869,7 +2967,7 @@
             <a:fld id="{8469E5D7-6C97-4873-B82C-4B22B2F17496}" type="datetime1">
               <a:rPr lang="zh-CN" altLang="en-US" smtClean="0"/>
               <a:pPr/>
-              <a:t>2019/3/13</a:t>
+              <a:t>2019/3/14</a:t>
             </a:fld>
             <a:endParaRPr lang="zh-CN" altLang="en-US" dirty="0"/>
           </a:p>
@@ -3199,7 +3297,7 @@
             <a:fld id="{D7B3E930-C3B3-4585-8A26-00F140A7FB77}" type="datetime1">
               <a:rPr lang="zh-CN" altLang="en-US" smtClean="0"/>
               <a:pPr/>
-              <a:t>2019/3/13</a:t>
+              <a:t>2019/3/14</a:t>
             </a:fld>
             <a:endParaRPr lang="zh-CN" altLang="en-US" dirty="0"/>
           </a:p>
@@ -3519,7 +3617,7 @@
             <a:fld id="{E46EF46F-E0E0-460C-B765-9380271A0BA1}" type="datetime1">
               <a:rPr lang="zh-CN" altLang="en-US" smtClean="0"/>
               <a:pPr/>
-              <a:t>2019/3/13</a:t>
+              <a:t>2019/3/14</a:t>
             </a:fld>
             <a:endParaRPr lang="zh-CN" altLang="en-US" dirty="0"/>
           </a:p>
@@ -3758,7 +3856,7 @@
             <a:fld id="{4C63F3C3-2912-4537-AF96-286DDB4356FC}" type="datetime1">
               <a:rPr lang="zh-CN" altLang="en-US" smtClean="0"/>
               <a:pPr/>
-              <a:t>2019/3/13</a:t>
+              <a:t>2019/3/14</a:t>
             </a:fld>
             <a:endParaRPr lang="zh-CN" altLang="en-US" dirty="0"/>
           </a:p>
@@ -4248,7 +4346,15 @@
             </a:br>
             <a:r>
               <a:rPr lang="en-US" altLang="zh-CN" dirty="0" smtClean="0"/>
-              <a:t>Reinforcement Learning</a:t>
+              <a:t>Reinforcement </a:t>
+            </a:r>
+            <a:r>
+              <a:rPr lang="en-US" altLang="zh-CN" dirty="0" smtClean="0"/>
+              <a:t>Learning 2</a:t>
+            </a:r>
+            <a:r>
+              <a:rPr lang="en-US" altLang="zh-CN" dirty="0" smtClean="0"/>
+              <a:t/>
             </a:r>
             <a:br>
               <a:rPr lang="en-US" altLang="zh-CN" dirty="0" smtClean="0"/>
@@ -4542,7 +4648,23 @@
             </a:pPr>
             <a:r>
               <a:rPr lang="en-US" altLang="zh-CN" sz="2400" dirty="0" smtClean="0"/>
-              <a:t>R : a reward function, Rs = E[Rt+1 | St=s]</a:t>
+              <a:t>R : a reward function, R</a:t>
+            </a:r>
+            <a:r>
+              <a:rPr lang="en-US" altLang="zh-CN" sz="2400" baseline="-25000" dirty="0" smtClean="0"/>
+              <a:t>s</a:t>
+            </a:r>
+            <a:r>
+              <a:rPr lang="en-US" altLang="zh-CN" sz="2400" dirty="0" smtClean="0"/>
+              <a:t> = E[R</a:t>
+            </a:r>
+            <a:r>
+              <a:rPr lang="en-US" altLang="zh-CN" sz="2400" baseline="-25000" dirty="0" smtClean="0"/>
+              <a:t>t+1</a:t>
+            </a:r>
+            <a:r>
+              <a:rPr lang="en-US" altLang="zh-CN" sz="2400" dirty="0" smtClean="0"/>
+              <a:t> | St=s]</a:t>
             </a:r>
           </a:p>
           <a:p>
@@ -6007,11 +6129,6 @@
               </a:rPr>
               <a:t>R=-2</a:t>
             </a:r>
-            <a:endParaRPr lang="en-US" altLang="zh-CN" dirty="0" smtClean="0">
-              <a:solidFill>
-                <a:srgbClr val="FFFF00"/>
-              </a:solidFill>
-            </a:endParaRPr>
           </a:p>
         </p:txBody>
       </p:sp>
@@ -6045,11 +6162,6 @@
               </a:rPr>
               <a:t>R=-2</a:t>
             </a:r>
-            <a:endParaRPr lang="en-US" altLang="zh-CN" dirty="0" smtClean="0">
-              <a:solidFill>
-                <a:srgbClr val="FFFF00"/>
-              </a:solidFill>
-            </a:endParaRPr>
           </a:p>
         </p:txBody>
       </p:sp>
@@ -6083,41 +6195,6 @@
               </a:rPr>
               <a:t>R=+10</a:t>
             </a:r>
-            <a:endParaRPr lang="en-US" altLang="zh-CN" dirty="0" smtClean="0">
-              <a:solidFill>
-                <a:srgbClr val="FFFF00"/>
-              </a:solidFill>
-            </a:endParaRPr>
-          </a:p>
-        </p:txBody>
-      </p:sp>
-      <p:sp>
-        <p:nvSpPr>
-          <p:cNvPr id="46" name="文本框 45"/>
-          <p:cNvSpPr txBox="1"/>
-          <p:nvPr/>
-        </p:nvSpPr>
-        <p:spPr>
-          <a:xfrm>
-            <a:off x="2742908" y="2898217"/>
-            <a:ext cx="558166" cy="369332"/>
-          </a:xfrm>
-          <a:prstGeom prst="rect">
-            <a:avLst/>
-          </a:prstGeom>
-          <a:noFill/>
-        </p:spPr>
-        <p:txBody>
-          <a:bodyPr wrap="none" rtlCol="0">
-            <a:spAutoFit/>
-          </a:bodyPr>
-          <a:lstStyle/>
-          <a:p>
-            <a:r>
-              <a:rPr lang="en-US" altLang="zh-CN" dirty="0" smtClean="0"/>
-              <a:t>R=0</a:t>
-            </a:r>
-            <a:endParaRPr lang="en-US" altLang="zh-CN" dirty="0" smtClean="0"/>
           </a:p>
         </p:txBody>
       </p:sp>
@@ -6151,11 +6228,6 @@
               </a:rPr>
               <a:t>R=-1</a:t>
             </a:r>
-            <a:endParaRPr lang="en-US" altLang="zh-CN" dirty="0" smtClean="0">
-              <a:solidFill>
-                <a:srgbClr val="FFFF00"/>
-              </a:solidFill>
-            </a:endParaRPr>
           </a:p>
         </p:txBody>
       </p:sp>
@@ -6189,11 +6261,6 @@
               </a:rPr>
               <a:t>R=-1</a:t>
             </a:r>
-            <a:endParaRPr lang="en-US" altLang="zh-CN" dirty="0" smtClean="0">
-              <a:solidFill>
-                <a:srgbClr val="FFFF00"/>
-              </a:solidFill>
-            </a:endParaRPr>
           </a:p>
         </p:txBody>
       </p:sp>
@@ -6227,11 +6294,6 @@
               </a:rPr>
               <a:t>R=-2</a:t>
             </a:r>
-            <a:endParaRPr lang="en-US" altLang="zh-CN" dirty="0" smtClean="0">
-              <a:solidFill>
-                <a:srgbClr val="FFFF00"/>
-              </a:solidFill>
-            </a:endParaRPr>
           </a:p>
         </p:txBody>
       </p:sp>
@@ -6265,11 +6327,6 @@
               </a:rPr>
               <a:t>R=0</a:t>
             </a:r>
-            <a:endParaRPr lang="en-US" altLang="zh-CN" dirty="0" smtClean="0">
-              <a:solidFill>
-                <a:srgbClr val="FFFF00"/>
-              </a:solidFill>
-            </a:endParaRPr>
           </a:p>
         </p:txBody>
       </p:sp>
@@ -6421,7 +6478,6 @@
               <a:rPr lang="en-US" altLang="zh-CN" dirty="0" smtClean="0"/>
               <a:t>1.0</a:t>
             </a:r>
-            <a:endParaRPr lang="en-US" altLang="zh-CN" dirty="0" smtClean="0"/>
           </a:p>
         </p:txBody>
       </p:sp>
@@ -6529,7 +6585,7 @@
         <p:spPr>
           <a:xfrm>
             <a:off x="1141412" y="1189305"/>
-            <a:ext cx="8382000" cy="5088573"/>
+            <a:ext cx="10058400" cy="5088573"/>
           </a:xfrm>
           <a:prstGeom prst="rect">
             <a:avLst/>
@@ -6821,8 +6877,19 @@
             </a:r>
             <a:r>
               <a:rPr lang="en-US" altLang="zh-CN" sz="2800" dirty="0" smtClean="0"/>
-              <a:t>=0, prefer immediate rewards</a:t>
-            </a:r>
+              <a:t>=0, prefer immediate </a:t>
+            </a:r>
+            <a:r>
+              <a:rPr lang="en-US" altLang="zh-CN" sz="2800" dirty="0" smtClean="0"/>
+              <a:t>rewards</a:t>
+            </a:r>
+          </a:p>
+          <a:p>
+            <a:pPr marL="285750" indent="-285750">
+              <a:buFont typeface="Arial" panose="020B0604020202020204" pitchFamily="34" charset="0"/>
+              <a:buChar char="•"/>
+            </a:pPr>
+            <a:endParaRPr lang="en-US" altLang="zh-CN" sz="2800" dirty="0" smtClean="0"/>
           </a:p>
           <a:p>
             <a:pPr marL="285750" indent="-285750">
@@ -6950,11 +7017,7 @@
             </a:r>
             <a:r>
               <a:rPr lang="en-US" altLang="zh-TW" dirty="0" smtClean="0"/>
-              <a:t>Reward </a:t>
-            </a:r>
-            <a:r>
-              <a:rPr lang="en-US" altLang="zh-TW" dirty="0" smtClean="0"/>
-              <a:t>Process: Why discount</a:t>
+              <a:t>Reward Process: Why discount</a:t>
             </a:r>
             <a:endParaRPr lang="zh-CN" altLang="en-US" dirty="0"/>
           </a:p>
@@ -7094,12 +7157,12 @@
               <a:t>Uncertainty of the future. We </a:t>
             </a:r>
             <a:r>
-              <a:rPr lang="en-US" altLang="zh-CN" sz="2400" dirty="0" err="1" smtClean="0"/>
-              <a:t>dont</a:t>
-            </a:r>
-            <a:r>
               <a:rPr lang="en-US" altLang="zh-CN" sz="2400" dirty="0" smtClean="0"/>
-              <a:t> have a perfect understanding of the environment, just a model.</a:t>
+              <a:t>don't </a:t>
+            </a:r>
+            <a:r>
+              <a:rPr lang="en-US" altLang="zh-CN" sz="2400" dirty="0" smtClean="0"/>
+              <a:t>have a perfect understanding of the environment, just a model.</a:t>
             </a:r>
           </a:p>
           <a:p>
@@ -7233,11 +7296,7 @@
             </a:r>
             <a:r>
               <a:rPr lang="en-US" altLang="zh-TW" dirty="0" smtClean="0"/>
-              <a:t>Reward </a:t>
-            </a:r>
-            <a:r>
-              <a:rPr lang="en-US" altLang="zh-TW" dirty="0" smtClean="0"/>
-              <a:t>Process : State Value Function</a:t>
+              <a:t>Reward Process : State Value Function</a:t>
             </a:r>
             <a:endParaRPr lang="zh-CN" altLang="en-US" dirty="0"/>
           </a:p>
@@ -7479,7 +7538,7 @@
         </p:blipFill>
         <p:spPr>
           <a:xfrm>
-            <a:off x="3425228" y="4461613"/>
+            <a:off x="3425228" y="4564608"/>
             <a:ext cx="4787761" cy="844899"/>
           </a:xfrm>
           <a:prstGeom prst="rect">
@@ -7564,11 +7623,7 @@
             </a:r>
             <a:r>
               <a:rPr lang="en-US" altLang="zh-TW" dirty="0" smtClean="0"/>
-              <a:t>Reward </a:t>
-            </a:r>
-            <a:r>
-              <a:rPr lang="en-US" altLang="zh-TW" dirty="0" smtClean="0"/>
-              <a:t>Process : Example</a:t>
+              <a:t>Reward Process : Example</a:t>
             </a:r>
             <a:endParaRPr lang="zh-CN" altLang="en-US" dirty="0"/>
           </a:p>
@@ -7638,8 +7693,19 @@
                 <a:ea typeface="Microsoft Sans Serif" panose="020B0604020202020204" pitchFamily="34" charset="0"/>
                 <a:cs typeface="Microsoft Sans Serif" panose="020B0604020202020204" pitchFamily="34" charset="0"/>
               </a:rPr>
-              <a:t> = 0.5</a:t>
-            </a:r>
+              <a:t> = </a:t>
+            </a:r>
+            <a:r>
+              <a:rPr lang="en-US" altLang="zh-CN" sz="3800" dirty="0" smtClean="0">
+                <a:ea typeface="Microsoft Sans Serif" panose="020B0604020202020204" pitchFamily="34" charset="0"/>
+                <a:cs typeface="Microsoft Sans Serif" panose="020B0604020202020204" pitchFamily="34" charset="0"/>
+              </a:rPr>
+              <a:t>1/2</a:t>
+            </a:r>
+            <a:endParaRPr lang="en-US" altLang="zh-CN" sz="3800" dirty="0" smtClean="0">
+              <a:ea typeface="Microsoft Sans Serif" panose="020B0604020202020204" pitchFamily="34" charset="0"/>
+              <a:cs typeface="Microsoft Sans Serif" panose="020B0604020202020204" pitchFamily="34" charset="0"/>
+            </a:endParaRPr>
           </a:p>
           <a:p>
             <a:endParaRPr lang="en-US" altLang="zh-CN" sz="3800" dirty="0" smtClean="0">
@@ -9203,11 +9269,6 @@
               </a:rPr>
               <a:t>R=-2</a:t>
             </a:r>
-            <a:endParaRPr lang="en-US" altLang="zh-CN" dirty="0" smtClean="0">
-              <a:solidFill>
-                <a:srgbClr val="FFFF00"/>
-              </a:solidFill>
-            </a:endParaRPr>
           </a:p>
         </p:txBody>
       </p:sp>
@@ -9241,11 +9302,6 @@
               </a:rPr>
               <a:t>R=-2</a:t>
             </a:r>
-            <a:endParaRPr lang="en-US" altLang="zh-CN" dirty="0" smtClean="0">
-              <a:solidFill>
-                <a:srgbClr val="FFFF00"/>
-              </a:solidFill>
-            </a:endParaRPr>
           </a:p>
         </p:txBody>
       </p:sp>
@@ -9279,41 +9335,6 @@
               </a:rPr>
               <a:t>R=+10</a:t>
             </a:r>
-            <a:endParaRPr lang="en-US" altLang="zh-CN" dirty="0" smtClean="0">
-              <a:solidFill>
-                <a:srgbClr val="FFFF00"/>
-              </a:solidFill>
-            </a:endParaRPr>
-          </a:p>
-        </p:txBody>
-      </p:sp>
-      <p:sp>
-        <p:nvSpPr>
-          <p:cNvPr id="46" name="文本框 45"/>
-          <p:cNvSpPr txBox="1"/>
-          <p:nvPr/>
-        </p:nvSpPr>
-        <p:spPr>
-          <a:xfrm>
-            <a:off x="2742908" y="2898217"/>
-            <a:ext cx="558166" cy="369332"/>
-          </a:xfrm>
-          <a:prstGeom prst="rect">
-            <a:avLst/>
-          </a:prstGeom>
-          <a:noFill/>
-        </p:spPr>
-        <p:txBody>
-          <a:bodyPr wrap="none" rtlCol="0">
-            <a:spAutoFit/>
-          </a:bodyPr>
-          <a:lstStyle/>
-          <a:p>
-            <a:r>
-              <a:rPr lang="en-US" altLang="zh-CN" dirty="0" smtClean="0"/>
-              <a:t>R=0</a:t>
-            </a:r>
-            <a:endParaRPr lang="en-US" altLang="zh-CN" dirty="0" smtClean="0"/>
           </a:p>
         </p:txBody>
       </p:sp>
@@ -9347,11 +9368,6 @@
               </a:rPr>
               <a:t>R=-1</a:t>
             </a:r>
-            <a:endParaRPr lang="en-US" altLang="zh-CN" dirty="0" smtClean="0">
-              <a:solidFill>
-                <a:srgbClr val="FFFF00"/>
-              </a:solidFill>
-            </a:endParaRPr>
           </a:p>
         </p:txBody>
       </p:sp>
@@ -9385,11 +9401,6 @@
               </a:rPr>
               <a:t>R=-2</a:t>
             </a:r>
-            <a:endParaRPr lang="en-US" altLang="zh-CN" dirty="0" smtClean="0">
-              <a:solidFill>
-                <a:srgbClr val="FFFF00"/>
-              </a:solidFill>
-            </a:endParaRPr>
           </a:p>
         </p:txBody>
       </p:sp>
@@ -9423,11 +9434,6 @@
               </a:rPr>
               <a:t>R=0</a:t>
             </a:r>
-            <a:endParaRPr lang="en-US" altLang="zh-CN" dirty="0" smtClean="0">
-              <a:solidFill>
-                <a:srgbClr val="FFFF00"/>
-              </a:solidFill>
-            </a:endParaRPr>
           </a:p>
         </p:txBody>
       </p:sp>
@@ -9579,7 +9585,6 @@
               <a:rPr lang="en-US" altLang="zh-CN" dirty="0" smtClean="0"/>
               <a:t>1.0</a:t>
             </a:r>
-            <a:endParaRPr lang="en-US" altLang="zh-CN" dirty="0" smtClean="0"/>
           </a:p>
         </p:txBody>
       </p:sp>
@@ -9613,11 +9618,6 @@
               </a:rPr>
               <a:t>-2</a:t>
             </a:r>
-            <a:endParaRPr lang="en-US" altLang="zh-CN" dirty="0" smtClean="0">
-              <a:solidFill>
-                <a:srgbClr val="FFFF00"/>
-              </a:solidFill>
-            </a:endParaRPr>
           </a:p>
         </p:txBody>
       </p:sp>
@@ -9651,11 +9651,6 @@
               </a:rPr>
               <a:t>-2</a:t>
             </a:r>
-            <a:endParaRPr lang="en-US" altLang="zh-CN" dirty="0" smtClean="0">
-              <a:solidFill>
-                <a:srgbClr val="FFFF00"/>
-              </a:solidFill>
-            </a:endParaRPr>
           </a:p>
         </p:txBody>
       </p:sp>
@@ -9689,11 +9684,6 @@
               </a:rPr>
               <a:t>-2</a:t>
             </a:r>
-            <a:endParaRPr lang="en-US" altLang="zh-CN" dirty="0" smtClean="0">
-              <a:solidFill>
-                <a:srgbClr val="FFFF00"/>
-              </a:solidFill>
-            </a:endParaRPr>
           </a:p>
         </p:txBody>
       </p:sp>
@@ -9735,11 +9725,6 @@
               </a:rPr>
               <a:t>10</a:t>
             </a:r>
-            <a:endParaRPr lang="en-US" altLang="zh-CN" dirty="0" smtClean="0">
-              <a:solidFill>
-                <a:srgbClr val="FFFF00"/>
-              </a:solidFill>
-            </a:endParaRPr>
           </a:p>
         </p:txBody>
       </p:sp>
@@ -9773,11 +9758,6 @@
               </a:rPr>
               <a:t>0</a:t>
             </a:r>
-            <a:endParaRPr lang="en-US" altLang="zh-CN" dirty="0" smtClean="0">
-              <a:solidFill>
-                <a:srgbClr val="FFFF00"/>
-              </a:solidFill>
-            </a:endParaRPr>
           </a:p>
         </p:txBody>
       </p:sp>
@@ -9811,11 +9791,6 @@
               </a:rPr>
               <a:t>-1</a:t>
             </a:r>
-            <a:endParaRPr lang="en-US" altLang="zh-CN" dirty="0" smtClean="0">
-              <a:solidFill>
-                <a:srgbClr val="FFFF00"/>
-              </a:solidFill>
-            </a:endParaRPr>
           </a:p>
         </p:txBody>
       </p:sp>
@@ -9849,11 +9824,6 @@
               </a:rPr>
               <a:t>R=+1</a:t>
             </a:r>
-            <a:endParaRPr lang="en-US" altLang="zh-CN" dirty="0" smtClean="0">
-              <a:solidFill>
-                <a:srgbClr val="FFFF00"/>
-              </a:solidFill>
-            </a:endParaRPr>
           </a:p>
         </p:txBody>
       </p:sp>
@@ -9887,11 +9857,6 @@
               </a:rPr>
               <a:t>-1</a:t>
             </a:r>
-            <a:endParaRPr lang="en-US" altLang="zh-CN" dirty="0" smtClean="0">
-              <a:solidFill>
-                <a:srgbClr val="FFFF00"/>
-              </a:solidFill>
-            </a:endParaRPr>
           </a:p>
         </p:txBody>
       </p:sp>
@@ -11254,11 +11219,6 @@
               </a:rPr>
               <a:t>R=-2</a:t>
             </a:r>
-            <a:endParaRPr lang="en-US" altLang="zh-CN" dirty="0" smtClean="0">
-              <a:solidFill>
-                <a:srgbClr val="FFFF00"/>
-              </a:solidFill>
-            </a:endParaRPr>
           </a:p>
         </p:txBody>
       </p:sp>
@@ -11292,11 +11252,6 @@
               </a:rPr>
               <a:t>R=-2</a:t>
             </a:r>
-            <a:endParaRPr lang="en-US" altLang="zh-CN" dirty="0" smtClean="0">
-              <a:solidFill>
-                <a:srgbClr val="FFFF00"/>
-              </a:solidFill>
-            </a:endParaRPr>
           </a:p>
         </p:txBody>
       </p:sp>
@@ -11330,41 +11285,6 @@
               </a:rPr>
               <a:t>R=+10</a:t>
             </a:r>
-            <a:endParaRPr lang="en-US" altLang="zh-CN" dirty="0" smtClean="0">
-              <a:solidFill>
-                <a:srgbClr val="FFFF00"/>
-              </a:solidFill>
-            </a:endParaRPr>
-          </a:p>
-        </p:txBody>
-      </p:sp>
-      <p:sp>
-        <p:nvSpPr>
-          <p:cNvPr id="46" name="文本框 45"/>
-          <p:cNvSpPr txBox="1"/>
-          <p:nvPr/>
-        </p:nvSpPr>
-        <p:spPr>
-          <a:xfrm>
-            <a:off x="2742908" y="2898217"/>
-            <a:ext cx="558166" cy="369332"/>
-          </a:xfrm>
-          <a:prstGeom prst="rect">
-            <a:avLst/>
-          </a:prstGeom>
-          <a:noFill/>
-        </p:spPr>
-        <p:txBody>
-          <a:bodyPr wrap="none" rtlCol="0">
-            <a:spAutoFit/>
-          </a:bodyPr>
-          <a:lstStyle/>
-          <a:p>
-            <a:r>
-              <a:rPr lang="en-US" altLang="zh-CN" dirty="0" smtClean="0"/>
-              <a:t>R=0</a:t>
-            </a:r>
-            <a:endParaRPr lang="en-US" altLang="zh-CN" dirty="0" smtClean="0"/>
           </a:p>
         </p:txBody>
       </p:sp>
@@ -11398,11 +11318,6 @@
               </a:rPr>
               <a:t>R=-1</a:t>
             </a:r>
-            <a:endParaRPr lang="en-US" altLang="zh-CN" dirty="0" smtClean="0">
-              <a:solidFill>
-                <a:srgbClr val="FFFF00"/>
-              </a:solidFill>
-            </a:endParaRPr>
           </a:p>
         </p:txBody>
       </p:sp>
@@ -11436,11 +11351,6 @@
               </a:rPr>
               <a:t>R=-2</a:t>
             </a:r>
-            <a:endParaRPr lang="en-US" altLang="zh-CN" dirty="0" smtClean="0">
-              <a:solidFill>
-                <a:srgbClr val="FFFF00"/>
-              </a:solidFill>
-            </a:endParaRPr>
           </a:p>
         </p:txBody>
       </p:sp>
@@ -11474,11 +11384,6 @@
               </a:rPr>
               <a:t>R=0</a:t>
             </a:r>
-            <a:endParaRPr lang="en-US" altLang="zh-CN" dirty="0" smtClean="0">
-              <a:solidFill>
-                <a:srgbClr val="FFFF00"/>
-              </a:solidFill>
-            </a:endParaRPr>
           </a:p>
         </p:txBody>
       </p:sp>
@@ -11630,7 +11535,6 @@
               <a:rPr lang="en-US" altLang="zh-CN" dirty="0" smtClean="0"/>
               <a:t>1.0</a:t>
             </a:r>
-            <a:endParaRPr lang="en-US" altLang="zh-CN" dirty="0" smtClean="0"/>
           </a:p>
         </p:txBody>
       </p:sp>
@@ -11664,11 +11568,6 @@
               </a:rPr>
               <a:t>-5.0</a:t>
             </a:r>
-            <a:endParaRPr lang="en-US" altLang="zh-CN" dirty="0" smtClean="0">
-              <a:solidFill>
-                <a:srgbClr val="FFFF00"/>
-              </a:solidFill>
-            </a:endParaRPr>
           </a:p>
         </p:txBody>
       </p:sp>
@@ -11702,11 +11601,6 @@
               </a:rPr>
               <a:t>0.9</a:t>
             </a:r>
-            <a:endParaRPr lang="en-US" altLang="zh-CN" dirty="0" smtClean="0">
-              <a:solidFill>
-                <a:srgbClr val="FFFF00"/>
-              </a:solidFill>
-            </a:endParaRPr>
           </a:p>
         </p:txBody>
       </p:sp>
@@ -11740,11 +11634,6 @@
               </a:rPr>
               <a:t>4.3</a:t>
             </a:r>
-            <a:endParaRPr lang="en-US" altLang="zh-CN" dirty="0" smtClean="0">
-              <a:solidFill>
-                <a:srgbClr val="FFFF00"/>
-              </a:solidFill>
-            </a:endParaRPr>
           </a:p>
         </p:txBody>
       </p:sp>
@@ -11786,11 +11675,6 @@
               </a:rPr>
               <a:t>10</a:t>
             </a:r>
-            <a:endParaRPr lang="en-US" altLang="zh-CN" dirty="0" smtClean="0">
-              <a:solidFill>
-                <a:srgbClr val="FFFF00"/>
-              </a:solidFill>
-            </a:endParaRPr>
           </a:p>
         </p:txBody>
       </p:sp>
@@ -11824,11 +11708,6 @@
               </a:rPr>
               <a:t>0</a:t>
             </a:r>
-            <a:endParaRPr lang="en-US" altLang="zh-CN" dirty="0" smtClean="0">
-              <a:solidFill>
-                <a:srgbClr val="FFFF00"/>
-              </a:solidFill>
-            </a:endParaRPr>
           </a:p>
         </p:txBody>
       </p:sp>
@@ -11862,11 +11741,6 @@
               </a:rPr>
               <a:t>1.9</a:t>
             </a:r>
-            <a:endParaRPr lang="en-US" altLang="zh-CN" dirty="0" smtClean="0">
-              <a:solidFill>
-                <a:srgbClr val="FFFF00"/>
-              </a:solidFill>
-            </a:endParaRPr>
           </a:p>
         </p:txBody>
       </p:sp>
@@ -11900,11 +11774,6 @@
               </a:rPr>
               <a:t>R=+1</a:t>
             </a:r>
-            <a:endParaRPr lang="en-US" altLang="zh-CN" dirty="0" smtClean="0">
-              <a:solidFill>
-                <a:srgbClr val="FFFF00"/>
-              </a:solidFill>
-            </a:endParaRPr>
           </a:p>
         </p:txBody>
       </p:sp>
@@ -11938,11 +11807,6 @@
               </a:rPr>
               <a:t>-7.6</a:t>
             </a:r>
-            <a:endParaRPr lang="en-US" altLang="zh-CN" dirty="0" smtClean="0">
-              <a:solidFill>
-                <a:srgbClr val="FFFF00"/>
-              </a:solidFill>
-            </a:endParaRPr>
           </a:p>
         </p:txBody>
       </p:sp>
@@ -12577,7 +12441,24 @@
                   <a:srgbClr val="FFFF00"/>
                 </a:solidFill>
               </a:rPr>
-              <a:t>=s]</a:t>
+              <a:t>=s</a:t>
+            </a:r>
+            <a:r>
+              <a:rPr lang="en-US" altLang="zh-CN" sz="2000" dirty="0" smtClean="0">
+                <a:solidFill>
+                  <a:srgbClr val="FFFF00"/>
+                </a:solidFill>
+              </a:rPr>
+              <a:t>]     </a:t>
+            </a:r>
+            <a:r>
+              <a:rPr lang="en-US" altLang="zh-CN" sz="2000" dirty="0" smtClean="0">
+                <a:solidFill>
+                  <a:srgbClr val="FFFF00"/>
+                </a:solidFill>
+                <a:sym typeface="Wingdings" panose="05000000000000000000" pitchFamily="2" charset="2"/>
+              </a:rPr>
+              <a:t>Bellman simplest form</a:t>
             </a:r>
             <a:endParaRPr lang="en-US" altLang="zh-CN" sz="2000" dirty="0" smtClean="0">
               <a:solidFill>
@@ -12779,10 +12660,30 @@
                 <a:ea typeface="Microsoft Sans Serif" panose="020B0604020202020204" pitchFamily="34" charset="0"/>
                 <a:cs typeface="Microsoft Sans Serif" panose="020B0604020202020204" pitchFamily="34" charset="0"/>
               </a:rPr>
-              <a:t>* Sum(P</a:t>
-            </a:r>
-            <a:r>
-              <a:rPr lang="en-US" altLang="zh-CN" sz="2400" baseline="-25000" dirty="0" smtClean="0">
+              <a:t>* </a:t>
+            </a:r>
+            <a:r>
+              <a:rPr lang="en-US" altLang="zh-CN" sz="2400" dirty="0" smtClean="0">
+                <a:solidFill>
+                  <a:srgbClr val="FFFF00"/>
+                </a:solidFill>
+                <a:ea typeface="Microsoft Sans Serif" panose="020B0604020202020204" pitchFamily="34" charset="0"/>
+                <a:cs typeface="Microsoft Sans Serif" panose="020B0604020202020204" pitchFamily="34" charset="0"/>
+              </a:rPr>
+              <a:t>∑ </a:t>
+            </a:r>
+            <a:r>
+              <a:rPr lang="en-US" altLang="zh-CN" sz="2400" dirty="0" err="1" smtClean="0">
+                <a:solidFill>
+                  <a:srgbClr val="FFFF00"/>
+                </a:solidFill>
+                <a:ea typeface="Microsoft Sans Serif" panose="020B0604020202020204" pitchFamily="34" charset="0"/>
+                <a:cs typeface="Microsoft Sans Serif" panose="020B0604020202020204" pitchFamily="34" charset="0"/>
+              </a:rPr>
+              <a:t>P</a:t>
+            </a:r>
+            <a:r>
+              <a:rPr lang="en-US" altLang="zh-CN" sz="2400" baseline="-25000" dirty="0" err="1" smtClean="0">
                 <a:solidFill>
                   <a:srgbClr val="FFFF00"/>
                 </a:solidFill>
@@ -12792,14 +12693,12 @@
               <a:t>ss’</a:t>
             </a:r>
             <a:r>
-              <a:rPr lang="en-US" altLang="zh-CN" sz="2400" dirty="0" smtClean="0">
+              <a:rPr lang="en-US" altLang="zh-CN" sz="2400" dirty="0" err="1" smtClean="0">
                 <a:solidFill>
                   <a:srgbClr val="FFFF00"/>
                 </a:solidFill>
-                <a:ea typeface="Microsoft Sans Serif" panose="020B0604020202020204" pitchFamily="34" charset="0"/>
-                <a:cs typeface="Microsoft Sans Serif" panose="020B0604020202020204" pitchFamily="34" charset="0"/>
               </a:rPr>
-              <a:t> * </a:t>
+              <a:t>v</a:t>
             </a:r>
             <a:r>
               <a:rPr lang="en-US" altLang="zh-CN" sz="2400" dirty="0" smtClean="0">
@@ -12807,7 +12706,7 @@
                   <a:srgbClr val="FFFF00"/>
                 </a:solidFill>
               </a:rPr>
-              <a:t>v(</a:t>
+              <a:t>(</a:t>
             </a:r>
             <a:r>
               <a:rPr lang="en-US" altLang="zh-CN" sz="1600" dirty="0" smtClean="0">
@@ -12823,7 +12722,33 @@
                   <a:srgbClr val="FFFF00"/>
                 </a:solidFill>
               </a:rPr>
-              <a:t>) )</a:t>
+              <a:t>)</a:t>
+            </a:r>
+          </a:p>
+          <a:p>
+            <a:r>
+              <a:rPr lang="en-US" altLang="zh-CN" sz="2400" dirty="0">
+                <a:solidFill>
+                  <a:srgbClr val="FFFF00"/>
+                </a:solidFill>
+              </a:rPr>
+              <a:t> </a:t>
+            </a:r>
+            <a:r>
+              <a:rPr lang="en-US" altLang="zh-CN" sz="2400" dirty="0" smtClean="0">
+                <a:solidFill>
+                  <a:srgbClr val="FFFF00"/>
+                </a:solidFill>
+              </a:rPr>
+              <a:t>                                       </a:t>
+            </a:r>
+            <a:r>
+              <a:rPr lang="en-US" altLang="zh-CN" sz="1600" dirty="0" smtClean="0">
+                <a:solidFill>
+                  <a:srgbClr val="FFFF00"/>
+                </a:solidFill>
+              </a:rPr>
+              <a:t>s’</a:t>
             </a:r>
             <a:endParaRPr lang="en-US" altLang="zh-CN" sz="2400" dirty="0">
               <a:solidFill>
@@ -12895,30 +12820,6 @@
           </a:p>
         </p:txBody>
       </p:sp>
-      <p:pic>
-        <p:nvPicPr>
-          <p:cNvPr id="3" name="图片 2"/>
-          <p:cNvPicPr>
-            <a:picLocks noChangeAspect="1"/>
-          </p:cNvPicPr>
-          <p:nvPr/>
-        </p:nvPicPr>
-        <p:blipFill>
-          <a:blip r:embed="rId2"/>
-          <a:stretch>
-            <a:fillRect/>
-          </a:stretch>
-        </p:blipFill>
-        <p:spPr>
-          <a:xfrm>
-            <a:off x="3351212" y="2272856"/>
-            <a:ext cx="3705225" cy="2352675"/>
-          </a:xfrm>
-          <a:prstGeom prst="rect">
-            <a:avLst/>
-          </a:prstGeom>
-        </p:spPr>
-      </p:pic>
       <p:sp>
         <p:nvSpPr>
           <p:cNvPr id="5" name="矩形 4"/>
@@ -13049,6 +12950,30 @@
           </a:p>
         </p:txBody>
       </p:sp>
+      <p:pic>
+        <p:nvPicPr>
+          <p:cNvPr id="6" name="图片 5"/>
+          <p:cNvPicPr>
+            <a:picLocks noChangeAspect="1"/>
+          </p:cNvPicPr>
+          <p:nvPr/>
+        </p:nvPicPr>
+        <p:blipFill>
+          <a:blip r:embed="rId2"/>
+          <a:stretch>
+            <a:fillRect/>
+          </a:stretch>
+        </p:blipFill>
+        <p:spPr>
+          <a:xfrm>
+            <a:off x="2741612" y="2257425"/>
+            <a:ext cx="3581400" cy="2400300"/>
+          </a:xfrm>
+          <a:prstGeom prst="rect">
+            <a:avLst/>
+          </a:prstGeom>
+        </p:spPr>
+      </p:pic>
     </p:spTree>
     <p:extLst>
       <p:ext uri="{BB962C8B-B14F-4D97-AF65-F5344CB8AC3E}">
@@ -14523,7 +14448,11 @@
           <a:p>
             <a:r>
               <a:rPr lang="en-US" altLang="zh-CN" dirty="0" smtClean="0"/>
-              <a:t>V(C3) = 4.32 = -2 +  0.6 *10 + 0.4*0.8</a:t>
+              <a:t>v(C3</a:t>
+            </a:r>
+            <a:r>
+              <a:rPr lang="en-US" altLang="zh-CN" dirty="0" smtClean="0"/>
+              <a:t>) = 4.32 = -2 +  0.6 *10 + 0.4*0.8</a:t>
             </a:r>
           </a:p>
           <a:p>
@@ -14542,7 +14471,7 @@
         </p:nvSpPr>
         <p:spPr>
           <a:xfrm>
-            <a:off x="1114680" y="3600425"/>
+            <a:off x="995308" y="3681926"/>
             <a:ext cx="635110" cy="369332"/>
           </a:xfrm>
           <a:prstGeom prst="rect">
@@ -14564,11 +14493,6 @@
               </a:rPr>
               <a:t>R=-2</a:t>
             </a:r>
-            <a:endParaRPr lang="en-US" altLang="zh-CN" dirty="0" smtClean="0">
-              <a:solidFill>
-                <a:srgbClr val="FFFF00"/>
-              </a:solidFill>
-            </a:endParaRPr>
           </a:p>
         </p:txBody>
       </p:sp>
@@ -14580,7 +14504,7 @@
         </p:nvSpPr>
         <p:spPr>
           <a:xfrm>
-            <a:off x="3677363" y="3599642"/>
+            <a:off x="3499170" y="3707747"/>
             <a:ext cx="635110" cy="369332"/>
           </a:xfrm>
           <a:prstGeom prst="rect">
@@ -14602,11 +14526,6 @@
               </a:rPr>
               <a:t>R=-2</a:t>
             </a:r>
-            <a:endParaRPr lang="en-US" altLang="zh-CN" dirty="0" smtClean="0">
-              <a:solidFill>
-                <a:srgbClr val="FFFF00"/>
-              </a:solidFill>
-            </a:endParaRPr>
           </a:p>
         </p:txBody>
       </p:sp>
@@ -14618,7 +14537,7 @@
         </p:nvSpPr>
         <p:spPr>
           <a:xfrm>
-            <a:off x="5627410" y="1946605"/>
+            <a:off x="5537988" y="1909987"/>
             <a:ext cx="780983" cy="369332"/>
           </a:xfrm>
           <a:prstGeom prst="rect">
@@ -14640,41 +14559,6 @@
               </a:rPr>
               <a:t>R=+10</a:t>
             </a:r>
-            <a:endParaRPr lang="en-US" altLang="zh-CN" dirty="0" smtClean="0">
-              <a:solidFill>
-                <a:srgbClr val="FFFF00"/>
-              </a:solidFill>
-            </a:endParaRPr>
-          </a:p>
-        </p:txBody>
-      </p:sp>
-      <p:sp>
-        <p:nvSpPr>
-          <p:cNvPr id="46" name="文本框 45"/>
-          <p:cNvSpPr txBox="1"/>
-          <p:nvPr/>
-        </p:nvSpPr>
-        <p:spPr>
-          <a:xfrm>
-            <a:off x="2742908" y="2898217"/>
-            <a:ext cx="558166" cy="369332"/>
-          </a:xfrm>
-          <a:prstGeom prst="rect">
-            <a:avLst/>
-          </a:prstGeom>
-          <a:noFill/>
-        </p:spPr>
-        <p:txBody>
-          <a:bodyPr wrap="none" rtlCol="0">
-            <a:spAutoFit/>
-          </a:bodyPr>
-          <a:lstStyle/>
-          <a:p>
-            <a:r>
-              <a:rPr lang="en-US" altLang="zh-CN" dirty="0" smtClean="0"/>
-              <a:t>R=0</a:t>
-            </a:r>
-            <a:endParaRPr lang="en-US" altLang="zh-CN" dirty="0" smtClean="0"/>
           </a:p>
         </p:txBody>
       </p:sp>
@@ -14686,7 +14570,7 @@
         </p:nvSpPr>
         <p:spPr>
           <a:xfrm>
-            <a:off x="1225226" y="1925776"/>
+            <a:off x="1050172" y="1938876"/>
             <a:ext cx="620683" cy="369332"/>
           </a:xfrm>
           <a:prstGeom prst="rect">
@@ -14708,11 +14592,6 @@
               </a:rPr>
               <a:t>R=-1</a:t>
             </a:r>
-            <a:endParaRPr lang="en-US" altLang="zh-CN" dirty="0" smtClean="0">
-              <a:solidFill>
-                <a:srgbClr val="FFFF00"/>
-              </a:solidFill>
-            </a:endParaRPr>
           </a:p>
         </p:txBody>
       </p:sp>
@@ -14724,7 +14603,7 @@
         </p:nvSpPr>
         <p:spPr>
           <a:xfrm>
-            <a:off x="5818549" y="3615089"/>
+            <a:off x="5710438" y="3614634"/>
             <a:ext cx="635110" cy="369332"/>
           </a:xfrm>
           <a:prstGeom prst="rect">
@@ -14746,11 +14625,6 @@
               </a:rPr>
               <a:t>R=-2</a:t>
             </a:r>
-            <a:endParaRPr lang="en-US" altLang="zh-CN" dirty="0" smtClean="0">
-              <a:solidFill>
-                <a:srgbClr val="FFFF00"/>
-              </a:solidFill>
-            </a:endParaRPr>
           </a:p>
         </p:txBody>
       </p:sp>
@@ -14762,7 +14636,7 @@
         </p:nvSpPr>
         <p:spPr>
           <a:xfrm>
-            <a:off x="3707572" y="1886644"/>
+            <a:off x="3515678" y="1967780"/>
             <a:ext cx="558166" cy="369332"/>
           </a:xfrm>
           <a:prstGeom prst="rect">
@@ -14784,11 +14658,6 @@
               </a:rPr>
               <a:t>R=0</a:t>
             </a:r>
-            <a:endParaRPr lang="en-US" altLang="zh-CN" dirty="0" smtClean="0">
-              <a:solidFill>
-                <a:srgbClr val="FFFF00"/>
-              </a:solidFill>
-            </a:endParaRPr>
           </a:p>
         </p:txBody>
       </p:sp>
@@ -14940,7 +14809,6 @@
               <a:rPr lang="en-US" altLang="zh-CN" dirty="0" smtClean="0"/>
               <a:t>1.0</a:t>
             </a:r>
-            <a:endParaRPr lang="en-US" altLang="zh-CN" dirty="0" smtClean="0"/>
           </a:p>
         </p:txBody>
       </p:sp>
@@ -14952,8 +14820,8 @@
         </p:nvSpPr>
         <p:spPr>
           <a:xfrm>
-            <a:off x="1132298" y="4133289"/>
-            <a:ext cx="551754" cy="369332"/>
+            <a:off x="809370" y="4155666"/>
+            <a:ext cx="809837" cy="369332"/>
           </a:xfrm>
           <a:prstGeom prst="rect">
             <a:avLst/>
@@ -14972,7 +14840,7 @@
                   <a:srgbClr val="FFFF00"/>
                 </a:solidFill>
               </a:rPr>
-              <a:t>-5.0</a:t>
+              <a:t>V=-5.0</a:t>
             </a:r>
             <a:endParaRPr lang="en-US" altLang="zh-CN" dirty="0" smtClean="0">
               <a:solidFill>
@@ -14990,8 +14858,8 @@
         </p:nvSpPr>
         <p:spPr>
           <a:xfrm>
-            <a:off x="3525127" y="4118644"/>
-            <a:ext cx="486030" cy="369332"/>
+            <a:off x="3340071" y="4128272"/>
+            <a:ext cx="744114" cy="369332"/>
           </a:xfrm>
           <a:prstGeom prst="rect">
             <a:avLst/>
@@ -15010,7 +14878,7 @@
                   <a:srgbClr val="FFFF00"/>
                 </a:solidFill>
               </a:rPr>
-              <a:t>0.9</a:t>
+              <a:t>V=0.9</a:t>
             </a:r>
             <a:endParaRPr lang="en-US" altLang="zh-CN" dirty="0" smtClean="0">
               <a:solidFill>
@@ -15028,8 +14896,8 @@
         </p:nvSpPr>
         <p:spPr>
           <a:xfrm>
-            <a:off x="5876915" y="4071605"/>
-            <a:ext cx="468398" cy="369332"/>
+            <a:off x="5500445" y="4087244"/>
+            <a:ext cx="845103" cy="369332"/>
           </a:xfrm>
           <a:prstGeom prst="rect">
             <a:avLst/>
@@ -15048,7 +14916,7 @@
                   <a:srgbClr val="FFFF00"/>
                 </a:solidFill>
               </a:rPr>
-              <a:t>4.3</a:t>
+              <a:t>V=4.32</a:t>
             </a:r>
             <a:endParaRPr lang="en-US" altLang="zh-CN" dirty="0" smtClean="0">
               <a:solidFill>
@@ -15066,8 +14934,8 @@
         </p:nvSpPr>
         <p:spPr>
           <a:xfrm>
-            <a:off x="5772719" y="2337840"/>
-            <a:ext cx="526106" cy="369332"/>
+            <a:off x="5539457" y="2335177"/>
+            <a:ext cx="784189" cy="369332"/>
           </a:xfrm>
           <a:prstGeom prst="rect">
             <a:avLst/>
@@ -15080,21 +14948,13 @@
           </a:bodyPr>
           <a:lstStyle/>
           <a:p>
-            <a:r>
-              <a:rPr lang="en-US" altLang="zh-CN" dirty="0">
-                <a:solidFill>
-                  <a:srgbClr val="FFFF00"/>
-                </a:solidFill>
-              </a:rPr>
-              <a:t>+</a:t>
-            </a:r>
             <a:r>
               <a:rPr lang="en-US" altLang="zh-CN" dirty="0" smtClean="0">
                 <a:solidFill>
                   <a:srgbClr val="FFFF00"/>
                 </a:solidFill>
               </a:rPr>
-              <a:t>10</a:t>
+              <a:t>V=+10</a:t>
             </a:r>
             <a:endParaRPr lang="en-US" altLang="zh-CN" dirty="0" smtClean="0">
               <a:solidFill>
@@ -15112,8 +14972,8 @@
         </p:nvSpPr>
         <p:spPr>
           <a:xfrm>
-            <a:off x="3715243" y="2362191"/>
-            <a:ext cx="303288" cy="369332"/>
+            <a:off x="3528211" y="2403867"/>
+            <a:ext cx="561372" cy="369332"/>
           </a:xfrm>
           <a:prstGeom prst="rect">
             <a:avLst/>
@@ -15132,7 +14992,7 @@
                   <a:srgbClr val="FFFF00"/>
                 </a:solidFill>
               </a:rPr>
-              <a:t>0</a:t>
+              <a:t>V=0</a:t>
             </a:r>
             <a:endParaRPr lang="en-US" altLang="zh-CN" dirty="0" smtClean="0">
               <a:solidFill>
@@ -15150,8 +15010,8 @@
         </p:nvSpPr>
         <p:spPr>
           <a:xfrm>
-            <a:off x="4359597" y="6081559"/>
-            <a:ext cx="471604" cy="369332"/>
+            <a:off x="4171633" y="6081412"/>
+            <a:ext cx="729687" cy="369332"/>
           </a:xfrm>
           <a:prstGeom prst="rect">
             <a:avLst/>
@@ -15170,7 +15030,7 @@
                   <a:srgbClr val="FFFF00"/>
                 </a:solidFill>
               </a:rPr>
-              <a:t>1.9</a:t>
+              <a:t>V=1.9</a:t>
             </a:r>
             <a:endParaRPr lang="en-US" altLang="zh-CN" dirty="0" smtClean="0">
               <a:solidFill>
@@ -15188,7 +15048,7 @@
         </p:nvSpPr>
         <p:spPr>
           <a:xfrm>
-            <a:off x="4402727" y="5673571"/>
+            <a:off x="4264218" y="5648420"/>
             <a:ext cx="662361" cy="369332"/>
           </a:xfrm>
           <a:prstGeom prst="rect">
@@ -15210,11 +15070,6 @@
               </a:rPr>
               <a:t>R=+1</a:t>
             </a:r>
-            <a:endParaRPr lang="en-US" altLang="zh-CN" dirty="0" smtClean="0">
-              <a:solidFill>
-                <a:srgbClr val="FFFF00"/>
-              </a:solidFill>
-            </a:endParaRPr>
           </a:p>
         </p:txBody>
       </p:sp>
@@ -15226,8 +15081,8 @@
         </p:nvSpPr>
         <p:spPr>
           <a:xfrm>
-            <a:off x="1127116" y="2427107"/>
-            <a:ext cx="543739" cy="369332"/>
+            <a:off x="903960" y="2440110"/>
+            <a:ext cx="801823" cy="369332"/>
           </a:xfrm>
           <a:prstGeom prst="rect">
             <a:avLst/>
@@ -15246,7 +15101,7 @@
                   <a:srgbClr val="FFFF00"/>
                 </a:solidFill>
               </a:rPr>
-              <a:t>-7.6</a:t>
+              <a:t>V=-7.6</a:t>
             </a:r>
             <a:endParaRPr lang="en-US" altLang="zh-CN" dirty="0" smtClean="0">
               <a:solidFill>
@@ -15329,6 +15184,2044 @@
           <a:p>
             <a:r>
               <a:rPr lang="en-US" altLang="zh-TW" dirty="0"/>
+              <a:t>Bellman Equation: </a:t>
+            </a:r>
+            <a:r>
+              <a:rPr lang="en-US" altLang="zh-TW" dirty="0" smtClean="0"/>
+              <a:t>Example</a:t>
+            </a:r>
+            <a:endParaRPr lang="zh-CN" altLang="en-US" dirty="0"/>
+          </a:p>
+        </p:txBody>
+      </p:sp>
+      <p:sp>
+        <p:nvSpPr>
+          <p:cNvPr id="8" name="内容占位符 2"/>
+          <p:cNvSpPr>
+            <a:spLocks noGrp="1"/>
+          </p:cNvSpPr>
+          <p:nvPr>
+            <p:ph sz="half" idx="1"/>
+          </p:nvPr>
+        </p:nvSpPr>
+        <p:spPr>
+          <a:xfrm>
+            <a:off x="743204" y="1471846"/>
+            <a:ext cx="10591799" cy="5029200"/>
+          </a:xfrm>
+        </p:spPr>
+        <p:txBody>
+          <a:bodyPr rtlCol="0">
+            <a:normAutofit/>
+          </a:bodyPr>
+          <a:lstStyle/>
+          <a:p>
+            <a:endParaRPr lang="en-US" altLang="zh-CN" sz="1800" b="1" i="1" dirty="0">
+              <a:solidFill>
+                <a:schemeClr val="tx1">
+                  <a:lumMod val="95000"/>
+                </a:schemeClr>
+              </a:solidFill>
+            </a:endParaRPr>
+          </a:p>
+          <a:p>
+            <a:endParaRPr lang="en-US" altLang="zh-CN" sz="1800" b="1" i="1" dirty="0" smtClean="0">
+              <a:solidFill>
+                <a:schemeClr val="tx1">
+                  <a:lumMod val="95000"/>
+                </a:schemeClr>
+              </a:solidFill>
+            </a:endParaRPr>
+          </a:p>
+          <a:p>
+            <a:endParaRPr lang="en-US" altLang="zh-CN" sz="1800" b="1" i="1" dirty="0">
+              <a:solidFill>
+                <a:schemeClr val="tx1">
+                  <a:lumMod val="95000"/>
+                </a:schemeClr>
+              </a:solidFill>
+            </a:endParaRPr>
+          </a:p>
+          <a:p>
+            <a:endParaRPr lang="en-US" altLang="zh-CN" sz="1800" b="1" i="1" dirty="0" smtClean="0">
+              <a:solidFill>
+                <a:schemeClr val="tx1">
+                  <a:lumMod val="95000"/>
+                </a:schemeClr>
+              </a:solidFill>
+            </a:endParaRPr>
+          </a:p>
+        </p:txBody>
+      </p:sp>
+      <p:sp>
+        <p:nvSpPr>
+          <p:cNvPr id="4" name="圆角矩形 3"/>
+          <p:cNvSpPr/>
+          <p:nvPr/>
+        </p:nvSpPr>
+        <p:spPr>
+          <a:xfrm>
+            <a:off x="275969" y="2014210"/>
+            <a:ext cx="1371600" cy="762000"/>
+          </a:xfrm>
+          <a:prstGeom prst="roundRect">
+            <a:avLst/>
+          </a:prstGeom>
+        </p:spPr>
+        <p:style>
+          <a:lnRef idx="2">
+            <a:schemeClr val="accent1">
+              <a:shade val="50000"/>
+            </a:schemeClr>
+          </a:lnRef>
+          <a:fillRef idx="1">
+            <a:schemeClr val="accent1"/>
+          </a:fillRef>
+          <a:effectRef idx="0">
+            <a:schemeClr val="accent1"/>
+          </a:effectRef>
+          <a:fontRef idx="minor">
+            <a:schemeClr val="lt1"/>
+          </a:fontRef>
+        </p:style>
+        <p:txBody>
+          <a:bodyPr rtlCol="0" anchor="ctr"/>
+          <a:lstStyle/>
+          <a:p>
+            <a:pPr algn="ctr"/>
+            <a:r>
+              <a:rPr lang="en-US" altLang="zh-CN" dirty="0" err="1" smtClean="0"/>
+              <a:t>Wechat</a:t>
+            </a:r>
+            <a:endParaRPr lang="zh-CN" altLang="en-US" dirty="0"/>
+          </a:p>
+        </p:txBody>
+      </p:sp>
+      <p:sp>
+        <p:nvSpPr>
+          <p:cNvPr id="7" name="圆角矩形 6"/>
+          <p:cNvSpPr/>
+          <p:nvPr/>
+        </p:nvSpPr>
+        <p:spPr>
+          <a:xfrm>
+            <a:off x="275969" y="3719840"/>
+            <a:ext cx="1371600" cy="762000"/>
+          </a:xfrm>
+          <a:prstGeom prst="roundRect">
+            <a:avLst/>
+          </a:prstGeom>
+        </p:spPr>
+        <p:style>
+          <a:lnRef idx="2">
+            <a:schemeClr val="accent1">
+              <a:shade val="50000"/>
+            </a:schemeClr>
+          </a:lnRef>
+          <a:fillRef idx="1">
+            <a:schemeClr val="accent1"/>
+          </a:fillRef>
+          <a:effectRef idx="0">
+            <a:schemeClr val="accent1"/>
+          </a:effectRef>
+          <a:fontRef idx="minor">
+            <a:schemeClr val="lt1"/>
+          </a:fontRef>
+        </p:style>
+        <p:txBody>
+          <a:bodyPr rtlCol="0" anchor="ctr"/>
+          <a:lstStyle/>
+          <a:p>
+            <a:pPr algn="ctr"/>
+            <a:r>
+              <a:rPr lang="en-US" altLang="zh-CN" dirty="0" smtClean="0"/>
+              <a:t>Class 1</a:t>
+            </a:r>
+            <a:endParaRPr lang="zh-CN" altLang="en-US" dirty="0"/>
+          </a:p>
+        </p:txBody>
+      </p:sp>
+      <p:sp>
+        <p:nvSpPr>
+          <p:cNvPr id="9" name="圆角矩形 8"/>
+          <p:cNvSpPr/>
+          <p:nvPr/>
+        </p:nvSpPr>
+        <p:spPr>
+          <a:xfrm>
+            <a:off x="2699015" y="1982068"/>
+            <a:ext cx="1371600" cy="762000"/>
+          </a:xfrm>
+          <a:prstGeom prst="roundRect">
+            <a:avLst/>
+          </a:prstGeom>
+        </p:spPr>
+        <p:style>
+          <a:lnRef idx="2">
+            <a:schemeClr val="accent1">
+              <a:shade val="50000"/>
+            </a:schemeClr>
+          </a:lnRef>
+          <a:fillRef idx="1">
+            <a:schemeClr val="accent1"/>
+          </a:fillRef>
+          <a:effectRef idx="0">
+            <a:schemeClr val="accent1"/>
+          </a:effectRef>
+          <a:fontRef idx="minor">
+            <a:schemeClr val="lt1"/>
+          </a:fontRef>
+        </p:style>
+        <p:txBody>
+          <a:bodyPr rtlCol="0" anchor="ctr"/>
+          <a:lstStyle/>
+          <a:p>
+            <a:pPr algn="ctr"/>
+            <a:r>
+              <a:rPr lang="en-US" altLang="zh-CN" dirty="0" smtClean="0"/>
+              <a:t>Sleep</a:t>
+            </a:r>
+            <a:endParaRPr lang="zh-CN" altLang="en-US" dirty="0"/>
+          </a:p>
+        </p:txBody>
+      </p:sp>
+      <p:sp>
+        <p:nvSpPr>
+          <p:cNvPr id="10" name="圆角矩形 9"/>
+          <p:cNvSpPr/>
+          <p:nvPr/>
+        </p:nvSpPr>
+        <p:spPr>
+          <a:xfrm>
+            <a:off x="4924508" y="3671149"/>
+            <a:ext cx="1371600" cy="762000"/>
+          </a:xfrm>
+          <a:prstGeom prst="roundRect">
+            <a:avLst/>
+          </a:prstGeom>
+        </p:spPr>
+        <p:style>
+          <a:lnRef idx="2">
+            <a:schemeClr val="accent1">
+              <a:shade val="50000"/>
+            </a:schemeClr>
+          </a:lnRef>
+          <a:fillRef idx="1">
+            <a:schemeClr val="accent1"/>
+          </a:fillRef>
+          <a:effectRef idx="0">
+            <a:schemeClr val="accent1"/>
+          </a:effectRef>
+          <a:fontRef idx="minor">
+            <a:schemeClr val="lt1"/>
+          </a:fontRef>
+        </p:style>
+        <p:txBody>
+          <a:bodyPr rtlCol="0" anchor="ctr"/>
+          <a:lstStyle/>
+          <a:p>
+            <a:pPr algn="ctr"/>
+            <a:r>
+              <a:rPr lang="en-US" altLang="zh-CN" dirty="0" smtClean="0"/>
+              <a:t>Class3</a:t>
+            </a:r>
+            <a:endParaRPr lang="zh-CN" altLang="en-US" dirty="0"/>
+          </a:p>
+        </p:txBody>
+      </p:sp>
+      <p:sp>
+        <p:nvSpPr>
+          <p:cNvPr id="11" name="圆角矩形 10"/>
+          <p:cNvSpPr/>
+          <p:nvPr/>
+        </p:nvSpPr>
+        <p:spPr>
+          <a:xfrm>
+            <a:off x="4889290" y="1954591"/>
+            <a:ext cx="1371600" cy="762000"/>
+          </a:xfrm>
+          <a:prstGeom prst="roundRect">
+            <a:avLst/>
+          </a:prstGeom>
+        </p:spPr>
+        <p:style>
+          <a:lnRef idx="2">
+            <a:schemeClr val="accent1">
+              <a:shade val="50000"/>
+            </a:schemeClr>
+          </a:lnRef>
+          <a:fillRef idx="1">
+            <a:schemeClr val="accent1"/>
+          </a:fillRef>
+          <a:effectRef idx="0">
+            <a:schemeClr val="accent1"/>
+          </a:effectRef>
+          <a:fontRef idx="minor">
+            <a:schemeClr val="lt1"/>
+          </a:fontRef>
+        </p:style>
+        <p:txBody>
+          <a:bodyPr rtlCol="0" anchor="ctr"/>
+          <a:lstStyle/>
+          <a:p>
+            <a:pPr algn="ctr"/>
+            <a:r>
+              <a:rPr lang="en-US" altLang="zh-CN" dirty="0" smtClean="0"/>
+              <a:t>Pass</a:t>
+            </a:r>
+            <a:endParaRPr lang="zh-CN" altLang="en-US" dirty="0"/>
+          </a:p>
+        </p:txBody>
+      </p:sp>
+      <p:sp>
+        <p:nvSpPr>
+          <p:cNvPr id="12" name="圆角矩形 11"/>
+          <p:cNvSpPr/>
+          <p:nvPr/>
+        </p:nvSpPr>
+        <p:spPr>
+          <a:xfrm>
+            <a:off x="3515678" y="5669571"/>
+            <a:ext cx="1371600" cy="762000"/>
+          </a:xfrm>
+          <a:prstGeom prst="roundRect">
+            <a:avLst/>
+          </a:prstGeom>
+        </p:spPr>
+        <p:style>
+          <a:lnRef idx="2">
+            <a:schemeClr val="accent1">
+              <a:shade val="50000"/>
+            </a:schemeClr>
+          </a:lnRef>
+          <a:fillRef idx="1">
+            <a:schemeClr val="accent1"/>
+          </a:fillRef>
+          <a:effectRef idx="0">
+            <a:schemeClr val="accent1"/>
+          </a:effectRef>
+          <a:fontRef idx="minor">
+            <a:schemeClr val="lt1"/>
+          </a:fontRef>
+        </p:style>
+        <p:txBody>
+          <a:bodyPr rtlCol="0" anchor="ctr"/>
+          <a:lstStyle/>
+          <a:p>
+            <a:pPr algn="ctr"/>
+            <a:r>
+              <a:rPr lang="en-US" altLang="zh-CN" dirty="0" smtClean="0"/>
+              <a:t>Date</a:t>
+            </a:r>
+            <a:endParaRPr lang="zh-CN" altLang="en-US" dirty="0"/>
+          </a:p>
+        </p:txBody>
+      </p:sp>
+      <p:cxnSp>
+        <p:nvCxnSpPr>
+          <p:cNvPr id="13" name="直接箭头连接符 12"/>
+          <p:cNvCxnSpPr/>
+          <p:nvPr/>
+        </p:nvCxnSpPr>
+        <p:spPr>
+          <a:xfrm flipV="1">
+            <a:off x="559703" y="2862590"/>
+            <a:ext cx="0" cy="772180"/>
+          </a:xfrm>
+          <a:prstGeom prst="straightConnector1">
+            <a:avLst/>
+          </a:prstGeom>
+          <a:ln>
+            <a:tailEnd type="triangle"/>
+          </a:ln>
+        </p:spPr>
+        <p:style>
+          <a:lnRef idx="1">
+            <a:schemeClr val="accent1"/>
+          </a:lnRef>
+          <a:fillRef idx="0">
+            <a:schemeClr val="accent1"/>
+          </a:fillRef>
+          <a:effectRef idx="0">
+            <a:schemeClr val="accent1"/>
+          </a:effectRef>
+          <a:fontRef idx="minor">
+            <a:schemeClr val="tx1"/>
+          </a:fontRef>
+        </p:style>
+      </p:cxnSp>
+      <p:cxnSp>
+        <p:nvCxnSpPr>
+          <p:cNvPr id="14" name="直接箭头连接符 13"/>
+          <p:cNvCxnSpPr/>
+          <p:nvPr/>
+        </p:nvCxnSpPr>
+        <p:spPr>
+          <a:xfrm>
+            <a:off x="1321703" y="2891164"/>
+            <a:ext cx="0" cy="715031"/>
+          </a:xfrm>
+          <a:prstGeom prst="straightConnector1">
+            <a:avLst/>
+          </a:prstGeom>
+          <a:ln>
+            <a:tailEnd type="triangle"/>
+          </a:ln>
+        </p:spPr>
+        <p:style>
+          <a:lnRef idx="1">
+            <a:schemeClr val="accent1"/>
+          </a:lnRef>
+          <a:fillRef idx="0">
+            <a:schemeClr val="accent1"/>
+          </a:fillRef>
+          <a:effectRef idx="0">
+            <a:schemeClr val="accent1"/>
+          </a:effectRef>
+          <a:fontRef idx="minor">
+            <a:schemeClr val="tx1"/>
+          </a:fontRef>
+        </p:style>
+      </p:cxnSp>
+      <p:cxnSp>
+        <p:nvCxnSpPr>
+          <p:cNvPr id="28" name="直接箭头连接符 27"/>
+          <p:cNvCxnSpPr/>
+          <p:nvPr/>
+        </p:nvCxnSpPr>
+        <p:spPr>
+          <a:xfrm>
+            <a:off x="1708415" y="4098993"/>
+            <a:ext cx="990600" cy="0"/>
+          </a:xfrm>
+          <a:prstGeom prst="straightConnector1">
+            <a:avLst/>
+          </a:prstGeom>
+          <a:ln>
+            <a:tailEnd type="triangle"/>
+          </a:ln>
+        </p:spPr>
+        <p:style>
+          <a:lnRef idx="1">
+            <a:schemeClr val="accent1"/>
+          </a:lnRef>
+          <a:fillRef idx="0">
+            <a:schemeClr val="accent1"/>
+          </a:fillRef>
+          <a:effectRef idx="0">
+            <a:schemeClr val="accent1"/>
+          </a:effectRef>
+          <a:fontRef idx="minor">
+            <a:schemeClr val="tx1"/>
+          </a:fontRef>
+        </p:style>
+      </p:cxnSp>
+      <p:cxnSp>
+        <p:nvCxnSpPr>
+          <p:cNvPr id="29" name="直接箭头连接符 28"/>
+          <p:cNvCxnSpPr/>
+          <p:nvPr/>
+        </p:nvCxnSpPr>
+        <p:spPr>
+          <a:xfrm>
+            <a:off x="4162319" y="4046838"/>
+            <a:ext cx="706111" cy="5311"/>
+          </a:xfrm>
+          <a:prstGeom prst="straightConnector1">
+            <a:avLst/>
+          </a:prstGeom>
+          <a:ln>
+            <a:tailEnd type="triangle"/>
+          </a:ln>
+        </p:spPr>
+        <p:style>
+          <a:lnRef idx="1">
+            <a:schemeClr val="accent1"/>
+          </a:lnRef>
+          <a:fillRef idx="0">
+            <a:schemeClr val="accent1"/>
+          </a:fillRef>
+          <a:effectRef idx="0">
+            <a:schemeClr val="accent1"/>
+          </a:effectRef>
+          <a:fontRef idx="minor">
+            <a:schemeClr val="tx1"/>
+          </a:fontRef>
+        </p:style>
+      </p:cxnSp>
+      <p:cxnSp>
+        <p:nvCxnSpPr>
+          <p:cNvPr id="30" name="直接箭头连接符 29"/>
+          <p:cNvCxnSpPr/>
+          <p:nvPr/>
+        </p:nvCxnSpPr>
+        <p:spPr>
+          <a:xfrm flipV="1">
+            <a:off x="5466748" y="2798303"/>
+            <a:ext cx="13657" cy="816988"/>
+          </a:xfrm>
+          <a:prstGeom prst="straightConnector1">
+            <a:avLst/>
+          </a:prstGeom>
+          <a:ln>
+            <a:tailEnd type="triangle"/>
+          </a:ln>
+        </p:spPr>
+        <p:style>
+          <a:lnRef idx="1">
+            <a:schemeClr val="accent1"/>
+          </a:lnRef>
+          <a:fillRef idx="0">
+            <a:schemeClr val="accent1"/>
+          </a:fillRef>
+          <a:effectRef idx="0">
+            <a:schemeClr val="accent1"/>
+          </a:effectRef>
+          <a:fontRef idx="minor">
+            <a:schemeClr val="tx1"/>
+          </a:fontRef>
+        </p:style>
+      </p:cxnSp>
+      <p:cxnSp>
+        <p:nvCxnSpPr>
+          <p:cNvPr id="31" name="直接箭头连接符 30"/>
+          <p:cNvCxnSpPr/>
+          <p:nvPr/>
+        </p:nvCxnSpPr>
+        <p:spPr>
+          <a:xfrm flipH="1">
+            <a:off x="4609578" y="4517960"/>
+            <a:ext cx="952499" cy="1066800"/>
+          </a:xfrm>
+          <a:prstGeom prst="straightConnector1">
+            <a:avLst/>
+          </a:prstGeom>
+          <a:ln>
+            <a:tailEnd type="triangle"/>
+          </a:ln>
+        </p:spPr>
+        <p:style>
+          <a:lnRef idx="1">
+            <a:schemeClr val="accent1"/>
+          </a:lnRef>
+          <a:fillRef idx="0">
+            <a:schemeClr val="accent1"/>
+          </a:fillRef>
+          <a:effectRef idx="0">
+            <a:schemeClr val="accent1"/>
+          </a:effectRef>
+          <a:fontRef idx="minor">
+            <a:schemeClr val="tx1"/>
+          </a:fontRef>
+        </p:style>
+      </p:cxnSp>
+      <p:cxnSp>
+        <p:nvCxnSpPr>
+          <p:cNvPr id="33" name="直接箭头连接符 32"/>
+          <p:cNvCxnSpPr/>
+          <p:nvPr/>
+        </p:nvCxnSpPr>
+        <p:spPr>
+          <a:xfrm flipH="1" flipV="1">
+            <a:off x="3388262" y="4597203"/>
+            <a:ext cx="800099" cy="990600"/>
+          </a:xfrm>
+          <a:prstGeom prst="straightConnector1">
+            <a:avLst/>
+          </a:prstGeom>
+          <a:ln>
+            <a:tailEnd type="triangle"/>
+          </a:ln>
+        </p:spPr>
+        <p:style>
+          <a:lnRef idx="1">
+            <a:schemeClr val="accent1"/>
+          </a:lnRef>
+          <a:fillRef idx="0">
+            <a:schemeClr val="accent1"/>
+          </a:fillRef>
+          <a:effectRef idx="0">
+            <a:schemeClr val="accent1"/>
+          </a:effectRef>
+          <a:fontRef idx="minor">
+            <a:schemeClr val="tx1"/>
+          </a:fontRef>
+        </p:style>
+      </p:cxnSp>
+      <p:cxnSp>
+        <p:nvCxnSpPr>
+          <p:cNvPr id="35" name="直接箭头连接符 34"/>
+          <p:cNvCxnSpPr/>
+          <p:nvPr/>
+        </p:nvCxnSpPr>
+        <p:spPr>
+          <a:xfrm flipH="1" flipV="1">
+            <a:off x="1190369" y="4605010"/>
+            <a:ext cx="2246814" cy="1448451"/>
+          </a:xfrm>
+          <a:prstGeom prst="straightConnector1">
+            <a:avLst/>
+          </a:prstGeom>
+          <a:ln>
+            <a:tailEnd type="triangle"/>
+          </a:ln>
+        </p:spPr>
+        <p:style>
+          <a:lnRef idx="1">
+            <a:schemeClr val="accent1"/>
+          </a:lnRef>
+          <a:fillRef idx="0">
+            <a:schemeClr val="accent1"/>
+          </a:fillRef>
+          <a:effectRef idx="0">
+            <a:schemeClr val="accent1"/>
+          </a:effectRef>
+          <a:fontRef idx="minor">
+            <a:schemeClr val="tx1"/>
+          </a:fontRef>
+        </p:style>
+      </p:cxnSp>
+      <p:cxnSp>
+        <p:nvCxnSpPr>
+          <p:cNvPr id="37" name="直接箭头连接符 36"/>
+          <p:cNvCxnSpPr/>
+          <p:nvPr/>
+        </p:nvCxnSpPr>
+        <p:spPr>
+          <a:xfrm flipV="1">
+            <a:off x="4791788" y="4491670"/>
+            <a:ext cx="1026761" cy="1085283"/>
+          </a:xfrm>
+          <a:prstGeom prst="straightConnector1">
+            <a:avLst/>
+          </a:prstGeom>
+          <a:ln>
+            <a:tailEnd type="triangle"/>
+          </a:ln>
+        </p:spPr>
+        <p:style>
+          <a:lnRef idx="1">
+            <a:schemeClr val="accent1"/>
+          </a:lnRef>
+          <a:fillRef idx="0">
+            <a:schemeClr val="accent1"/>
+          </a:fillRef>
+          <a:effectRef idx="0">
+            <a:schemeClr val="accent1"/>
+          </a:effectRef>
+          <a:fontRef idx="minor">
+            <a:schemeClr val="tx1"/>
+          </a:fontRef>
+        </p:style>
+      </p:cxnSp>
+      <p:sp>
+        <p:nvSpPr>
+          <p:cNvPr id="41" name="圆角矩形 40"/>
+          <p:cNvSpPr/>
+          <p:nvPr/>
+        </p:nvSpPr>
+        <p:spPr>
+          <a:xfrm>
+            <a:off x="2741461" y="3711108"/>
+            <a:ext cx="1371600" cy="762000"/>
+          </a:xfrm>
+          <a:prstGeom prst="roundRect">
+            <a:avLst/>
+          </a:prstGeom>
+        </p:spPr>
+        <p:style>
+          <a:lnRef idx="2">
+            <a:schemeClr val="accent1">
+              <a:shade val="50000"/>
+            </a:schemeClr>
+          </a:lnRef>
+          <a:fillRef idx="1">
+            <a:schemeClr val="accent1"/>
+          </a:fillRef>
+          <a:effectRef idx="0">
+            <a:schemeClr val="accent1"/>
+          </a:effectRef>
+          <a:fontRef idx="minor">
+            <a:schemeClr val="lt1"/>
+          </a:fontRef>
+        </p:style>
+        <p:txBody>
+          <a:bodyPr rtlCol="0" anchor="ctr"/>
+          <a:lstStyle/>
+          <a:p>
+            <a:pPr algn="ctr"/>
+            <a:r>
+              <a:rPr lang="en-US" altLang="zh-CN" dirty="0" smtClean="0"/>
+              <a:t>Class2</a:t>
+            </a:r>
+            <a:endParaRPr lang="zh-CN" altLang="en-US" dirty="0"/>
+          </a:p>
+        </p:txBody>
+      </p:sp>
+      <p:cxnSp>
+        <p:nvCxnSpPr>
+          <p:cNvPr id="42" name="直接箭头连接符 41"/>
+          <p:cNvCxnSpPr/>
+          <p:nvPr/>
+        </p:nvCxnSpPr>
+        <p:spPr>
+          <a:xfrm flipV="1">
+            <a:off x="3454057" y="2834015"/>
+            <a:ext cx="0" cy="772180"/>
+          </a:xfrm>
+          <a:prstGeom prst="straightConnector1">
+            <a:avLst/>
+          </a:prstGeom>
+          <a:ln>
+            <a:tailEnd type="triangle"/>
+          </a:ln>
+        </p:spPr>
+        <p:style>
+          <a:lnRef idx="1">
+            <a:schemeClr val="accent1"/>
+          </a:lnRef>
+          <a:fillRef idx="0">
+            <a:schemeClr val="accent1"/>
+          </a:fillRef>
+          <a:effectRef idx="0">
+            <a:schemeClr val="accent1"/>
+          </a:effectRef>
+          <a:fontRef idx="minor">
+            <a:schemeClr val="tx1"/>
+          </a:fontRef>
+        </p:style>
+      </p:cxnSp>
+      <p:cxnSp>
+        <p:nvCxnSpPr>
+          <p:cNvPr id="43" name="直接箭头连接符 42"/>
+          <p:cNvCxnSpPr/>
+          <p:nvPr/>
+        </p:nvCxnSpPr>
+        <p:spPr>
+          <a:xfrm flipH="1">
+            <a:off x="4113062" y="2359961"/>
+            <a:ext cx="695673" cy="2239"/>
+          </a:xfrm>
+          <a:prstGeom prst="straightConnector1">
+            <a:avLst/>
+          </a:prstGeom>
+          <a:ln>
+            <a:tailEnd type="triangle"/>
+          </a:ln>
+        </p:spPr>
+        <p:style>
+          <a:lnRef idx="1">
+            <a:schemeClr val="accent1"/>
+          </a:lnRef>
+          <a:fillRef idx="0">
+            <a:schemeClr val="accent1"/>
+          </a:fillRef>
+          <a:effectRef idx="0">
+            <a:schemeClr val="accent1"/>
+          </a:effectRef>
+          <a:fontRef idx="minor">
+            <a:schemeClr val="tx1"/>
+          </a:fontRef>
+        </p:style>
+      </p:cxnSp>
+      <p:sp>
+        <p:nvSpPr>
+          <p:cNvPr id="47" name="任意多边形 46"/>
+          <p:cNvSpPr/>
+          <p:nvPr/>
+        </p:nvSpPr>
+        <p:spPr>
+          <a:xfrm>
+            <a:off x="644106" y="1065975"/>
+            <a:ext cx="714632" cy="810594"/>
+          </a:xfrm>
+          <a:custGeom>
+            <a:avLst/>
+            <a:gdLst>
+              <a:gd name="connsiteX0" fmla="*/ 815545 w 815545"/>
+              <a:gd name="connsiteY0" fmla="*/ 794119 h 810594"/>
+              <a:gd name="connsiteX1" fmla="*/ 543697 w 815545"/>
+              <a:gd name="connsiteY1" fmla="*/ 77427 h 810594"/>
+              <a:gd name="connsiteX2" fmla="*/ 329513 w 815545"/>
+              <a:gd name="connsiteY2" fmla="*/ 102140 h 810594"/>
+              <a:gd name="connsiteX3" fmla="*/ 0 w 815545"/>
+              <a:gd name="connsiteY3" fmla="*/ 810594 h 810594"/>
+            </a:gdLst>
+            <a:ahLst/>
+            <a:cxnLst>
+              <a:cxn ang="0">
+                <a:pos x="connsiteX0" y="connsiteY0"/>
+              </a:cxn>
+              <a:cxn ang="0">
+                <a:pos x="connsiteX1" y="connsiteY1"/>
+              </a:cxn>
+              <a:cxn ang="0">
+                <a:pos x="connsiteX2" y="connsiteY2"/>
+              </a:cxn>
+              <a:cxn ang="0">
+                <a:pos x="connsiteX3" y="connsiteY3"/>
+              </a:cxn>
+            </a:cxnLst>
+            <a:rect l="l" t="t" r="r" b="b"/>
+            <a:pathLst>
+              <a:path w="815545" h="810594">
+                <a:moveTo>
+                  <a:pt x="815545" y="794119"/>
+                </a:moveTo>
+                <a:cubicBezTo>
+                  <a:pt x="720123" y="493438"/>
+                  <a:pt x="624702" y="192757"/>
+                  <a:pt x="543697" y="77427"/>
+                </a:cubicBezTo>
+                <a:cubicBezTo>
+                  <a:pt x="462692" y="-37903"/>
+                  <a:pt x="420129" y="-20054"/>
+                  <a:pt x="329513" y="102140"/>
+                </a:cubicBezTo>
+                <a:cubicBezTo>
+                  <a:pt x="238897" y="224334"/>
+                  <a:pt x="119448" y="517464"/>
+                  <a:pt x="0" y="810594"/>
+                </a:cubicBezTo>
+              </a:path>
+            </a:pathLst>
+          </a:custGeom>
+          <a:noFill/>
+        </p:spPr>
+        <p:style>
+          <a:lnRef idx="2">
+            <a:schemeClr val="accent1">
+              <a:shade val="50000"/>
+            </a:schemeClr>
+          </a:lnRef>
+          <a:fillRef idx="1">
+            <a:schemeClr val="accent1"/>
+          </a:fillRef>
+          <a:effectRef idx="0">
+            <a:schemeClr val="accent1"/>
+          </a:effectRef>
+          <a:fontRef idx="minor">
+            <a:schemeClr val="lt1"/>
+          </a:fontRef>
+        </p:style>
+        <p:txBody>
+          <a:bodyPr rtlCol="0" anchor="ctr"/>
+          <a:lstStyle/>
+          <a:p>
+            <a:pPr algn="ctr"/>
+            <a:endParaRPr lang="zh-CN" altLang="en-US"/>
+          </a:p>
+        </p:txBody>
+      </p:sp>
+      <p:cxnSp>
+        <p:nvCxnSpPr>
+          <p:cNvPr id="49" name="直接箭头连接符 48"/>
+          <p:cNvCxnSpPr/>
+          <p:nvPr/>
+        </p:nvCxnSpPr>
+        <p:spPr>
+          <a:xfrm flipH="1">
+            <a:off x="607072" y="1404610"/>
+            <a:ext cx="202298" cy="539578"/>
+          </a:xfrm>
+          <a:prstGeom prst="straightConnector1">
+            <a:avLst/>
+          </a:prstGeom>
+          <a:ln>
+            <a:tailEnd type="triangle"/>
+          </a:ln>
+        </p:spPr>
+        <p:style>
+          <a:lnRef idx="1">
+            <a:schemeClr val="accent1"/>
+          </a:lnRef>
+          <a:fillRef idx="0">
+            <a:schemeClr val="accent1"/>
+          </a:fillRef>
+          <a:effectRef idx="0">
+            <a:schemeClr val="accent1"/>
+          </a:effectRef>
+          <a:fontRef idx="minor">
+            <a:schemeClr val="tx1"/>
+          </a:fontRef>
+        </p:style>
+      </p:cxnSp>
+      <p:sp>
+        <p:nvSpPr>
+          <p:cNvPr id="50" name="文本框 49"/>
+          <p:cNvSpPr txBox="1"/>
+          <p:nvPr/>
+        </p:nvSpPr>
+        <p:spPr>
+          <a:xfrm>
+            <a:off x="1366096" y="2996525"/>
+            <a:ext cx="468398" cy="369332"/>
+          </a:xfrm>
+          <a:prstGeom prst="rect">
+            <a:avLst/>
+          </a:prstGeom>
+          <a:noFill/>
+        </p:spPr>
+        <p:txBody>
+          <a:bodyPr wrap="none" rtlCol="0">
+            <a:spAutoFit/>
+          </a:bodyPr>
+          <a:lstStyle/>
+          <a:p>
+            <a:r>
+              <a:rPr lang="en-US" altLang="zh-CN" dirty="0" smtClean="0"/>
+              <a:t>0.1</a:t>
+            </a:r>
+          </a:p>
+        </p:txBody>
+      </p:sp>
+      <p:sp>
+        <p:nvSpPr>
+          <p:cNvPr id="51" name="文本框 50"/>
+          <p:cNvSpPr txBox="1"/>
+          <p:nvPr/>
+        </p:nvSpPr>
+        <p:spPr>
+          <a:xfrm>
+            <a:off x="523711" y="3011873"/>
+            <a:ext cx="474810" cy="369332"/>
+          </a:xfrm>
+          <a:prstGeom prst="rect">
+            <a:avLst/>
+          </a:prstGeom>
+          <a:noFill/>
+        </p:spPr>
+        <p:txBody>
+          <a:bodyPr wrap="none" rtlCol="0">
+            <a:spAutoFit/>
+          </a:bodyPr>
+          <a:lstStyle/>
+          <a:p>
+            <a:r>
+              <a:rPr lang="en-US" altLang="zh-CN" dirty="0" smtClean="0"/>
+              <a:t>0.5</a:t>
+            </a:r>
+          </a:p>
+        </p:txBody>
+      </p:sp>
+      <p:sp>
+        <p:nvSpPr>
+          <p:cNvPr id="52" name="文本框 51"/>
+          <p:cNvSpPr txBox="1"/>
+          <p:nvPr/>
+        </p:nvSpPr>
+        <p:spPr>
+          <a:xfrm>
+            <a:off x="1877399" y="3722776"/>
+            <a:ext cx="474810" cy="369332"/>
+          </a:xfrm>
+          <a:prstGeom prst="rect">
+            <a:avLst/>
+          </a:prstGeom>
+          <a:noFill/>
+        </p:spPr>
+        <p:txBody>
+          <a:bodyPr wrap="none" rtlCol="0">
+            <a:spAutoFit/>
+          </a:bodyPr>
+          <a:lstStyle/>
+          <a:p>
+            <a:r>
+              <a:rPr lang="en-US" altLang="zh-CN" dirty="0" smtClean="0"/>
+              <a:t>0.5</a:t>
+            </a:r>
+          </a:p>
+        </p:txBody>
+      </p:sp>
+      <p:sp>
+        <p:nvSpPr>
+          <p:cNvPr id="54" name="文本框 53"/>
+          <p:cNvSpPr txBox="1"/>
+          <p:nvPr/>
+        </p:nvSpPr>
+        <p:spPr>
+          <a:xfrm>
+            <a:off x="2333938" y="4975661"/>
+            <a:ext cx="482824" cy="369332"/>
+          </a:xfrm>
+          <a:prstGeom prst="rect">
+            <a:avLst/>
+          </a:prstGeom>
+          <a:noFill/>
+        </p:spPr>
+        <p:txBody>
+          <a:bodyPr wrap="none" rtlCol="0">
+            <a:spAutoFit/>
+          </a:bodyPr>
+          <a:lstStyle/>
+          <a:p>
+            <a:r>
+              <a:rPr lang="en-US" altLang="zh-CN" dirty="0" smtClean="0"/>
+              <a:t>0.2</a:t>
+            </a:r>
+          </a:p>
+        </p:txBody>
+      </p:sp>
+      <p:sp>
+        <p:nvSpPr>
+          <p:cNvPr id="55" name="文本框 54"/>
+          <p:cNvSpPr txBox="1"/>
+          <p:nvPr/>
+        </p:nvSpPr>
+        <p:spPr>
+          <a:xfrm>
+            <a:off x="3718654" y="4712453"/>
+            <a:ext cx="482824" cy="369332"/>
+          </a:xfrm>
+          <a:prstGeom prst="rect">
+            <a:avLst/>
+          </a:prstGeom>
+          <a:noFill/>
+        </p:spPr>
+        <p:txBody>
+          <a:bodyPr wrap="none" rtlCol="0">
+            <a:spAutoFit/>
+          </a:bodyPr>
+          <a:lstStyle/>
+          <a:p>
+            <a:r>
+              <a:rPr lang="en-US" altLang="zh-CN" dirty="0" smtClean="0"/>
+              <a:t>0.4</a:t>
+            </a:r>
+          </a:p>
+        </p:txBody>
+      </p:sp>
+      <p:sp>
+        <p:nvSpPr>
+          <p:cNvPr id="56" name="文本框 55"/>
+          <p:cNvSpPr txBox="1"/>
+          <p:nvPr/>
+        </p:nvSpPr>
+        <p:spPr>
+          <a:xfrm>
+            <a:off x="4333062" y="3660108"/>
+            <a:ext cx="482824" cy="369332"/>
+          </a:xfrm>
+          <a:prstGeom prst="rect">
+            <a:avLst/>
+          </a:prstGeom>
+          <a:noFill/>
+        </p:spPr>
+        <p:txBody>
+          <a:bodyPr wrap="none" rtlCol="0">
+            <a:spAutoFit/>
+          </a:bodyPr>
+          <a:lstStyle/>
+          <a:p>
+            <a:r>
+              <a:rPr lang="en-US" altLang="zh-CN" dirty="0" smtClean="0"/>
+              <a:t>0.8</a:t>
+            </a:r>
+          </a:p>
+        </p:txBody>
+      </p:sp>
+      <p:sp>
+        <p:nvSpPr>
+          <p:cNvPr id="57" name="文本框 56"/>
+          <p:cNvSpPr txBox="1"/>
+          <p:nvPr/>
+        </p:nvSpPr>
+        <p:spPr>
+          <a:xfrm>
+            <a:off x="3437183" y="2976566"/>
+            <a:ext cx="482824" cy="369332"/>
+          </a:xfrm>
+          <a:prstGeom prst="rect">
+            <a:avLst/>
+          </a:prstGeom>
+          <a:noFill/>
+        </p:spPr>
+        <p:txBody>
+          <a:bodyPr wrap="none" rtlCol="0">
+            <a:spAutoFit/>
+          </a:bodyPr>
+          <a:lstStyle/>
+          <a:p>
+            <a:r>
+              <a:rPr lang="en-US" altLang="zh-CN" dirty="0" smtClean="0"/>
+              <a:t>0.2</a:t>
+            </a:r>
+          </a:p>
+        </p:txBody>
+      </p:sp>
+      <p:sp>
+        <p:nvSpPr>
+          <p:cNvPr id="58" name="文本框 57"/>
+          <p:cNvSpPr txBox="1"/>
+          <p:nvPr/>
+        </p:nvSpPr>
+        <p:spPr>
+          <a:xfrm>
+            <a:off x="4340337" y="1923393"/>
+            <a:ext cx="468398" cy="369332"/>
+          </a:xfrm>
+          <a:prstGeom prst="rect">
+            <a:avLst/>
+          </a:prstGeom>
+          <a:noFill/>
+        </p:spPr>
+        <p:txBody>
+          <a:bodyPr wrap="none" rtlCol="0">
+            <a:spAutoFit/>
+          </a:bodyPr>
+          <a:lstStyle/>
+          <a:p>
+            <a:r>
+              <a:rPr lang="en-US" altLang="zh-CN" dirty="0" smtClean="0"/>
+              <a:t>1.0</a:t>
+            </a:r>
+          </a:p>
+        </p:txBody>
+      </p:sp>
+      <p:sp>
+        <p:nvSpPr>
+          <p:cNvPr id="59" name="文本框 58"/>
+          <p:cNvSpPr txBox="1"/>
+          <p:nvPr/>
+        </p:nvSpPr>
+        <p:spPr>
+          <a:xfrm>
+            <a:off x="4892076" y="4541116"/>
+            <a:ext cx="482824" cy="369332"/>
+          </a:xfrm>
+          <a:prstGeom prst="rect">
+            <a:avLst/>
+          </a:prstGeom>
+          <a:noFill/>
+        </p:spPr>
+        <p:txBody>
+          <a:bodyPr wrap="none" rtlCol="0">
+            <a:spAutoFit/>
+          </a:bodyPr>
+          <a:lstStyle/>
+          <a:p>
+            <a:r>
+              <a:rPr lang="en-US" altLang="zh-CN" dirty="0" smtClean="0"/>
+              <a:t>0.4</a:t>
+            </a:r>
+          </a:p>
+        </p:txBody>
+      </p:sp>
+      <p:sp>
+        <p:nvSpPr>
+          <p:cNvPr id="60" name="文本框 59"/>
+          <p:cNvSpPr txBox="1"/>
+          <p:nvPr/>
+        </p:nvSpPr>
+        <p:spPr>
+          <a:xfrm>
+            <a:off x="5471857" y="4745815"/>
+            <a:ext cx="482824" cy="369332"/>
+          </a:xfrm>
+          <a:prstGeom prst="rect">
+            <a:avLst/>
+          </a:prstGeom>
+          <a:noFill/>
+        </p:spPr>
+        <p:txBody>
+          <a:bodyPr wrap="none" rtlCol="0">
+            <a:spAutoFit/>
+          </a:bodyPr>
+          <a:lstStyle/>
+          <a:p>
+            <a:r>
+              <a:rPr lang="en-US" altLang="zh-CN" dirty="0" smtClean="0"/>
+              <a:t>0.4</a:t>
+            </a:r>
+          </a:p>
+        </p:txBody>
+      </p:sp>
+      <p:sp>
+        <p:nvSpPr>
+          <p:cNvPr id="61" name="文本框 60"/>
+          <p:cNvSpPr txBox="1"/>
+          <p:nvPr/>
+        </p:nvSpPr>
+        <p:spPr>
+          <a:xfrm>
+            <a:off x="5539570" y="3220105"/>
+            <a:ext cx="486030" cy="369332"/>
+          </a:xfrm>
+          <a:prstGeom prst="rect">
+            <a:avLst/>
+          </a:prstGeom>
+          <a:noFill/>
+        </p:spPr>
+        <p:txBody>
+          <a:bodyPr wrap="none" rtlCol="0">
+            <a:spAutoFit/>
+          </a:bodyPr>
+          <a:lstStyle/>
+          <a:p>
+            <a:r>
+              <a:rPr lang="en-US" altLang="zh-CN" dirty="0" smtClean="0"/>
+              <a:t>0.6</a:t>
+            </a:r>
+          </a:p>
+        </p:txBody>
+      </p:sp>
+      <p:sp>
+        <p:nvSpPr>
+          <p:cNvPr id="62" name="文本框 61"/>
+          <p:cNvSpPr txBox="1"/>
+          <p:nvPr/>
+        </p:nvSpPr>
+        <p:spPr>
+          <a:xfrm>
+            <a:off x="1366096" y="1282395"/>
+            <a:ext cx="486030" cy="369332"/>
+          </a:xfrm>
+          <a:prstGeom prst="rect">
+            <a:avLst/>
+          </a:prstGeom>
+          <a:noFill/>
+        </p:spPr>
+        <p:txBody>
+          <a:bodyPr wrap="none" rtlCol="0">
+            <a:spAutoFit/>
+          </a:bodyPr>
+          <a:lstStyle/>
+          <a:p>
+            <a:r>
+              <a:rPr lang="en-US" altLang="zh-CN" dirty="0" smtClean="0"/>
+              <a:t>0.9</a:t>
+            </a:r>
+          </a:p>
+        </p:txBody>
+      </p:sp>
+      <p:sp>
+        <p:nvSpPr>
+          <p:cNvPr id="44" name="文本框 43"/>
+          <p:cNvSpPr txBox="1"/>
+          <p:nvPr/>
+        </p:nvSpPr>
+        <p:spPr>
+          <a:xfrm>
+            <a:off x="6459980" y="2021857"/>
+            <a:ext cx="5302504" cy="2369880"/>
+          </a:xfrm>
+          <a:prstGeom prst="rect">
+            <a:avLst/>
+          </a:prstGeom>
+          <a:noFill/>
+        </p:spPr>
+        <p:txBody>
+          <a:bodyPr wrap="square" rtlCol="0">
+            <a:spAutoFit/>
+          </a:bodyPr>
+          <a:lstStyle/>
+          <a:p>
+            <a:r>
+              <a:rPr lang="en-US" altLang="zh-CN" sz="2000" dirty="0" smtClean="0"/>
+              <a:t>Try </a:t>
+            </a:r>
+            <a:r>
+              <a:rPr lang="el-GR" altLang="zh-CN" sz="2000" dirty="0" smtClean="0"/>
+              <a:t>γ</a:t>
+            </a:r>
+            <a:r>
+              <a:rPr lang="en-US" altLang="zh-CN" sz="2000" dirty="0" smtClean="0"/>
+              <a:t> = </a:t>
+            </a:r>
+            <a:r>
+              <a:rPr lang="en-US" altLang="zh-CN" sz="2000" dirty="0" smtClean="0"/>
+              <a:t>0.2 </a:t>
+            </a:r>
+            <a:r>
+              <a:rPr lang="en-US" altLang="zh-CN" sz="2000" dirty="0" smtClean="0"/>
+              <a:t>with Bellman equation</a:t>
+            </a:r>
+          </a:p>
+          <a:p>
+            <a:endParaRPr lang="en-US" altLang="zh-CN" sz="2000" dirty="0" smtClean="0"/>
+          </a:p>
+          <a:p>
+            <a:endParaRPr lang="en-US" altLang="zh-CN" sz="2000" dirty="0" smtClean="0"/>
+          </a:p>
+          <a:p>
+            <a:r>
+              <a:rPr lang="en-US" altLang="zh-CN" sz="2400" dirty="0" smtClean="0"/>
+              <a:t>v(C3</a:t>
+            </a:r>
+            <a:r>
+              <a:rPr lang="en-US" altLang="zh-CN" sz="2400" dirty="0" smtClean="0"/>
+              <a:t>) = 4.32 </a:t>
+            </a:r>
+            <a:endParaRPr lang="en-US" altLang="zh-CN" sz="2400" dirty="0" smtClean="0"/>
+          </a:p>
+          <a:p>
+            <a:r>
+              <a:rPr lang="en-US" altLang="zh-CN" sz="2400" dirty="0"/>
+              <a:t> </a:t>
+            </a:r>
+            <a:r>
+              <a:rPr lang="en-US" altLang="zh-CN" sz="2400" dirty="0" smtClean="0"/>
+              <a:t>           </a:t>
+            </a:r>
+            <a:r>
+              <a:rPr lang="en-US" altLang="zh-CN" sz="2400" dirty="0" smtClean="0"/>
+              <a:t>= </a:t>
+            </a:r>
+            <a:r>
+              <a:rPr lang="en-US" altLang="zh-CN" sz="2400" dirty="0" smtClean="0"/>
+              <a:t>-2 + </a:t>
+            </a:r>
+            <a:r>
+              <a:rPr lang="en-US" altLang="zh-CN" sz="2400" dirty="0" smtClean="0"/>
+              <a:t>0.2* </a:t>
+            </a:r>
+            <a:r>
+              <a:rPr lang="en-US" altLang="zh-CN" sz="2400" dirty="0" smtClean="0"/>
+              <a:t>0.6 *10 + </a:t>
+            </a:r>
+            <a:r>
+              <a:rPr lang="en-US" altLang="zh-CN" sz="2400" dirty="0" smtClean="0"/>
+              <a:t>0.2</a:t>
+            </a:r>
+            <a:r>
+              <a:rPr lang="en-US" altLang="zh-CN" sz="2400" baseline="30000" dirty="0" smtClean="0"/>
+              <a:t>2</a:t>
+            </a:r>
+            <a:r>
+              <a:rPr lang="en-US" altLang="zh-CN" sz="2400" dirty="0" smtClean="0"/>
+              <a:t> *0.4*0.8</a:t>
+            </a:r>
+            <a:endParaRPr lang="en-US" altLang="zh-CN" sz="2400" dirty="0" smtClean="0"/>
+          </a:p>
+          <a:p>
+            <a:endParaRPr lang="en-US" altLang="zh-CN" sz="2000" dirty="0" smtClean="0"/>
+          </a:p>
+          <a:p>
+            <a:endParaRPr lang="en-US" altLang="zh-CN" sz="2000" dirty="0" smtClean="0"/>
+          </a:p>
+        </p:txBody>
+      </p:sp>
+      <p:sp>
+        <p:nvSpPr>
+          <p:cNvPr id="38" name="文本框 37"/>
+          <p:cNvSpPr txBox="1"/>
+          <p:nvPr/>
+        </p:nvSpPr>
+        <p:spPr>
+          <a:xfrm>
+            <a:off x="995308" y="3681926"/>
+            <a:ext cx="635110" cy="369332"/>
+          </a:xfrm>
+          <a:prstGeom prst="rect">
+            <a:avLst/>
+          </a:prstGeom>
+          <a:noFill/>
+        </p:spPr>
+        <p:txBody>
+          <a:bodyPr wrap="none" rtlCol="0">
+            <a:spAutoFit/>
+          </a:bodyPr>
+          <a:lstStyle/>
+          <a:p>
+            <a:r>
+              <a:rPr lang="en-US" altLang="zh-CN" dirty="0" smtClean="0">
+                <a:solidFill>
+                  <a:srgbClr val="FFFF00"/>
+                </a:solidFill>
+              </a:rPr>
+              <a:t>R=-2</a:t>
+            </a:r>
+          </a:p>
+        </p:txBody>
+      </p:sp>
+      <p:sp>
+        <p:nvSpPr>
+          <p:cNvPr id="39" name="文本框 38"/>
+          <p:cNvSpPr txBox="1"/>
+          <p:nvPr/>
+        </p:nvSpPr>
+        <p:spPr>
+          <a:xfrm>
+            <a:off x="3499170" y="3707747"/>
+            <a:ext cx="635110" cy="369332"/>
+          </a:xfrm>
+          <a:prstGeom prst="rect">
+            <a:avLst/>
+          </a:prstGeom>
+          <a:noFill/>
+        </p:spPr>
+        <p:txBody>
+          <a:bodyPr wrap="none" rtlCol="0">
+            <a:spAutoFit/>
+          </a:bodyPr>
+          <a:lstStyle/>
+          <a:p>
+            <a:r>
+              <a:rPr lang="en-US" altLang="zh-CN" dirty="0" smtClean="0">
+                <a:solidFill>
+                  <a:srgbClr val="FFFF00"/>
+                </a:solidFill>
+              </a:rPr>
+              <a:t>R=-2</a:t>
+            </a:r>
+          </a:p>
+        </p:txBody>
+      </p:sp>
+      <p:sp>
+        <p:nvSpPr>
+          <p:cNvPr id="45" name="文本框 44"/>
+          <p:cNvSpPr txBox="1"/>
+          <p:nvPr/>
+        </p:nvSpPr>
+        <p:spPr>
+          <a:xfrm>
+            <a:off x="5537988" y="1909987"/>
+            <a:ext cx="780983" cy="369332"/>
+          </a:xfrm>
+          <a:prstGeom prst="rect">
+            <a:avLst/>
+          </a:prstGeom>
+          <a:noFill/>
+        </p:spPr>
+        <p:txBody>
+          <a:bodyPr wrap="none" rtlCol="0">
+            <a:spAutoFit/>
+          </a:bodyPr>
+          <a:lstStyle/>
+          <a:p>
+            <a:r>
+              <a:rPr lang="en-US" altLang="zh-CN" dirty="0" smtClean="0">
+                <a:solidFill>
+                  <a:srgbClr val="FFFF00"/>
+                </a:solidFill>
+              </a:rPr>
+              <a:t>R=+10</a:t>
+            </a:r>
+          </a:p>
+        </p:txBody>
+      </p:sp>
+      <p:sp>
+        <p:nvSpPr>
+          <p:cNvPr id="48" name="文本框 47"/>
+          <p:cNvSpPr txBox="1"/>
+          <p:nvPr/>
+        </p:nvSpPr>
+        <p:spPr>
+          <a:xfrm>
+            <a:off x="1050172" y="1938876"/>
+            <a:ext cx="620683" cy="369332"/>
+          </a:xfrm>
+          <a:prstGeom prst="rect">
+            <a:avLst/>
+          </a:prstGeom>
+          <a:noFill/>
+        </p:spPr>
+        <p:txBody>
+          <a:bodyPr wrap="none" rtlCol="0">
+            <a:spAutoFit/>
+          </a:bodyPr>
+          <a:lstStyle/>
+          <a:p>
+            <a:r>
+              <a:rPr lang="en-US" altLang="zh-CN" dirty="0" smtClean="0">
+                <a:solidFill>
+                  <a:srgbClr val="FFFF00"/>
+                </a:solidFill>
+              </a:rPr>
+              <a:t>R=-1</a:t>
+            </a:r>
+          </a:p>
+        </p:txBody>
+      </p:sp>
+      <p:sp>
+        <p:nvSpPr>
+          <p:cNvPr id="64" name="文本框 63"/>
+          <p:cNvSpPr txBox="1"/>
+          <p:nvPr/>
+        </p:nvSpPr>
+        <p:spPr>
+          <a:xfrm>
+            <a:off x="5710438" y="3614634"/>
+            <a:ext cx="635110" cy="369332"/>
+          </a:xfrm>
+          <a:prstGeom prst="rect">
+            <a:avLst/>
+          </a:prstGeom>
+          <a:noFill/>
+        </p:spPr>
+        <p:txBody>
+          <a:bodyPr wrap="none" rtlCol="0">
+            <a:spAutoFit/>
+          </a:bodyPr>
+          <a:lstStyle/>
+          <a:p>
+            <a:r>
+              <a:rPr lang="en-US" altLang="zh-CN" dirty="0" smtClean="0">
+                <a:solidFill>
+                  <a:srgbClr val="FFFF00"/>
+                </a:solidFill>
+              </a:rPr>
+              <a:t>R=-2</a:t>
+            </a:r>
+          </a:p>
+        </p:txBody>
+      </p:sp>
+      <p:sp>
+        <p:nvSpPr>
+          <p:cNvPr id="65" name="文本框 64"/>
+          <p:cNvSpPr txBox="1"/>
+          <p:nvPr/>
+        </p:nvSpPr>
+        <p:spPr>
+          <a:xfrm>
+            <a:off x="3515678" y="1967780"/>
+            <a:ext cx="558166" cy="369332"/>
+          </a:xfrm>
+          <a:prstGeom prst="rect">
+            <a:avLst/>
+          </a:prstGeom>
+          <a:noFill/>
+        </p:spPr>
+        <p:txBody>
+          <a:bodyPr wrap="none" rtlCol="0">
+            <a:spAutoFit/>
+          </a:bodyPr>
+          <a:lstStyle/>
+          <a:p>
+            <a:r>
+              <a:rPr lang="en-US" altLang="zh-CN" dirty="0" smtClean="0">
+                <a:solidFill>
+                  <a:srgbClr val="FFFF00"/>
+                </a:solidFill>
+              </a:rPr>
+              <a:t>R=0</a:t>
+            </a:r>
+          </a:p>
+        </p:txBody>
+      </p:sp>
+      <p:sp>
+        <p:nvSpPr>
+          <p:cNvPr id="66" name="任意多边形 65"/>
+          <p:cNvSpPr/>
+          <p:nvPr/>
+        </p:nvSpPr>
+        <p:spPr>
+          <a:xfrm>
+            <a:off x="3026002" y="1121316"/>
+            <a:ext cx="714632" cy="810594"/>
+          </a:xfrm>
+          <a:custGeom>
+            <a:avLst/>
+            <a:gdLst>
+              <a:gd name="connsiteX0" fmla="*/ 815545 w 815545"/>
+              <a:gd name="connsiteY0" fmla="*/ 794119 h 810594"/>
+              <a:gd name="connsiteX1" fmla="*/ 543697 w 815545"/>
+              <a:gd name="connsiteY1" fmla="*/ 77427 h 810594"/>
+              <a:gd name="connsiteX2" fmla="*/ 329513 w 815545"/>
+              <a:gd name="connsiteY2" fmla="*/ 102140 h 810594"/>
+              <a:gd name="connsiteX3" fmla="*/ 0 w 815545"/>
+              <a:gd name="connsiteY3" fmla="*/ 810594 h 810594"/>
+            </a:gdLst>
+            <a:ahLst/>
+            <a:cxnLst>
+              <a:cxn ang="0">
+                <a:pos x="connsiteX0" y="connsiteY0"/>
+              </a:cxn>
+              <a:cxn ang="0">
+                <a:pos x="connsiteX1" y="connsiteY1"/>
+              </a:cxn>
+              <a:cxn ang="0">
+                <a:pos x="connsiteX2" y="connsiteY2"/>
+              </a:cxn>
+              <a:cxn ang="0">
+                <a:pos x="connsiteX3" y="connsiteY3"/>
+              </a:cxn>
+            </a:cxnLst>
+            <a:rect l="l" t="t" r="r" b="b"/>
+            <a:pathLst>
+              <a:path w="815545" h="810594">
+                <a:moveTo>
+                  <a:pt x="815545" y="794119"/>
+                </a:moveTo>
+                <a:cubicBezTo>
+                  <a:pt x="720123" y="493438"/>
+                  <a:pt x="624702" y="192757"/>
+                  <a:pt x="543697" y="77427"/>
+                </a:cubicBezTo>
+                <a:cubicBezTo>
+                  <a:pt x="462692" y="-37903"/>
+                  <a:pt x="420129" y="-20054"/>
+                  <a:pt x="329513" y="102140"/>
+                </a:cubicBezTo>
+                <a:cubicBezTo>
+                  <a:pt x="238897" y="224334"/>
+                  <a:pt x="119448" y="517464"/>
+                  <a:pt x="0" y="810594"/>
+                </a:cubicBezTo>
+              </a:path>
+            </a:pathLst>
+          </a:custGeom>
+          <a:noFill/>
+        </p:spPr>
+        <p:style>
+          <a:lnRef idx="2">
+            <a:schemeClr val="accent1">
+              <a:shade val="50000"/>
+            </a:schemeClr>
+          </a:lnRef>
+          <a:fillRef idx="1">
+            <a:schemeClr val="accent1"/>
+          </a:fillRef>
+          <a:effectRef idx="0">
+            <a:schemeClr val="accent1"/>
+          </a:effectRef>
+          <a:fontRef idx="minor">
+            <a:schemeClr val="lt1"/>
+          </a:fontRef>
+        </p:style>
+        <p:txBody>
+          <a:bodyPr rtlCol="0" anchor="ctr"/>
+          <a:lstStyle/>
+          <a:p>
+            <a:pPr algn="ctr"/>
+            <a:endParaRPr lang="zh-CN" altLang="en-US"/>
+          </a:p>
+        </p:txBody>
+      </p:sp>
+      <p:cxnSp>
+        <p:nvCxnSpPr>
+          <p:cNvPr id="67" name="直接箭头连接符 66"/>
+          <p:cNvCxnSpPr/>
+          <p:nvPr/>
+        </p:nvCxnSpPr>
+        <p:spPr>
+          <a:xfrm flipH="1">
+            <a:off x="2988968" y="1459951"/>
+            <a:ext cx="202298" cy="539578"/>
+          </a:xfrm>
+          <a:prstGeom prst="straightConnector1">
+            <a:avLst/>
+          </a:prstGeom>
+          <a:ln>
+            <a:tailEnd type="triangle"/>
+          </a:ln>
+        </p:spPr>
+        <p:style>
+          <a:lnRef idx="1">
+            <a:schemeClr val="accent1"/>
+          </a:lnRef>
+          <a:fillRef idx="0">
+            <a:schemeClr val="accent1"/>
+          </a:fillRef>
+          <a:effectRef idx="0">
+            <a:schemeClr val="accent1"/>
+          </a:effectRef>
+          <a:fontRef idx="minor">
+            <a:schemeClr val="tx1"/>
+          </a:fontRef>
+        </p:style>
+      </p:cxnSp>
+      <p:sp>
+        <p:nvSpPr>
+          <p:cNvPr id="68" name="文本框 67"/>
+          <p:cNvSpPr txBox="1"/>
+          <p:nvPr/>
+        </p:nvSpPr>
+        <p:spPr>
+          <a:xfrm>
+            <a:off x="3712128" y="1311821"/>
+            <a:ext cx="468398" cy="369332"/>
+          </a:xfrm>
+          <a:prstGeom prst="rect">
+            <a:avLst/>
+          </a:prstGeom>
+          <a:noFill/>
+        </p:spPr>
+        <p:txBody>
+          <a:bodyPr wrap="none" rtlCol="0">
+            <a:spAutoFit/>
+          </a:bodyPr>
+          <a:lstStyle/>
+          <a:p>
+            <a:r>
+              <a:rPr lang="en-US" altLang="zh-CN" dirty="0" smtClean="0"/>
+              <a:t>1.0</a:t>
+            </a:r>
+          </a:p>
+        </p:txBody>
+      </p:sp>
+      <p:sp>
+        <p:nvSpPr>
+          <p:cNvPr id="63" name="文本框 62"/>
+          <p:cNvSpPr txBox="1"/>
+          <p:nvPr/>
+        </p:nvSpPr>
+        <p:spPr>
+          <a:xfrm>
+            <a:off x="809370" y="4155666"/>
+            <a:ext cx="809837" cy="369332"/>
+          </a:xfrm>
+          <a:prstGeom prst="rect">
+            <a:avLst/>
+          </a:prstGeom>
+          <a:noFill/>
+        </p:spPr>
+        <p:txBody>
+          <a:bodyPr wrap="none" rtlCol="0">
+            <a:spAutoFit/>
+          </a:bodyPr>
+          <a:lstStyle/>
+          <a:p>
+            <a:r>
+              <a:rPr lang="en-US" altLang="zh-CN" dirty="0" smtClean="0">
+                <a:solidFill>
+                  <a:srgbClr val="FFFF00"/>
+                </a:solidFill>
+              </a:rPr>
+              <a:t>V=-5.0</a:t>
+            </a:r>
+            <a:endParaRPr lang="en-US" altLang="zh-CN" dirty="0" smtClean="0">
+              <a:solidFill>
+                <a:srgbClr val="FFFF00"/>
+              </a:solidFill>
+            </a:endParaRPr>
+          </a:p>
+        </p:txBody>
+      </p:sp>
+      <p:sp>
+        <p:nvSpPr>
+          <p:cNvPr id="69" name="文本框 68"/>
+          <p:cNvSpPr txBox="1"/>
+          <p:nvPr/>
+        </p:nvSpPr>
+        <p:spPr>
+          <a:xfrm>
+            <a:off x="3340071" y="4128272"/>
+            <a:ext cx="744114" cy="369332"/>
+          </a:xfrm>
+          <a:prstGeom prst="rect">
+            <a:avLst/>
+          </a:prstGeom>
+          <a:noFill/>
+        </p:spPr>
+        <p:txBody>
+          <a:bodyPr wrap="none" rtlCol="0">
+            <a:spAutoFit/>
+          </a:bodyPr>
+          <a:lstStyle/>
+          <a:p>
+            <a:r>
+              <a:rPr lang="en-US" altLang="zh-CN" dirty="0" smtClean="0">
+                <a:solidFill>
+                  <a:srgbClr val="FFFF00"/>
+                </a:solidFill>
+              </a:rPr>
+              <a:t>V=0.9</a:t>
+            </a:r>
+            <a:endParaRPr lang="en-US" altLang="zh-CN" dirty="0" smtClean="0">
+              <a:solidFill>
+                <a:srgbClr val="FFFF00"/>
+              </a:solidFill>
+            </a:endParaRPr>
+          </a:p>
+        </p:txBody>
+      </p:sp>
+      <p:sp>
+        <p:nvSpPr>
+          <p:cNvPr id="70" name="文本框 69"/>
+          <p:cNvSpPr txBox="1"/>
+          <p:nvPr/>
+        </p:nvSpPr>
+        <p:spPr>
+          <a:xfrm>
+            <a:off x="5500445" y="4087244"/>
+            <a:ext cx="845103" cy="369332"/>
+          </a:xfrm>
+          <a:prstGeom prst="rect">
+            <a:avLst/>
+          </a:prstGeom>
+          <a:noFill/>
+        </p:spPr>
+        <p:txBody>
+          <a:bodyPr wrap="none" rtlCol="0">
+            <a:spAutoFit/>
+          </a:bodyPr>
+          <a:lstStyle/>
+          <a:p>
+            <a:r>
+              <a:rPr lang="en-US" altLang="zh-CN" dirty="0" smtClean="0">
+                <a:solidFill>
+                  <a:srgbClr val="FFFF00"/>
+                </a:solidFill>
+              </a:rPr>
+              <a:t>V=4.32</a:t>
+            </a:r>
+            <a:endParaRPr lang="en-US" altLang="zh-CN" dirty="0" smtClean="0">
+              <a:solidFill>
+                <a:srgbClr val="FFFF00"/>
+              </a:solidFill>
+            </a:endParaRPr>
+          </a:p>
+        </p:txBody>
+      </p:sp>
+      <p:sp>
+        <p:nvSpPr>
+          <p:cNvPr id="71" name="文本框 70"/>
+          <p:cNvSpPr txBox="1"/>
+          <p:nvPr/>
+        </p:nvSpPr>
+        <p:spPr>
+          <a:xfrm>
+            <a:off x="5539457" y="2335177"/>
+            <a:ext cx="784189" cy="369332"/>
+          </a:xfrm>
+          <a:prstGeom prst="rect">
+            <a:avLst/>
+          </a:prstGeom>
+          <a:noFill/>
+        </p:spPr>
+        <p:txBody>
+          <a:bodyPr wrap="none" rtlCol="0">
+            <a:spAutoFit/>
+          </a:bodyPr>
+          <a:lstStyle/>
+          <a:p>
+            <a:r>
+              <a:rPr lang="en-US" altLang="zh-CN" dirty="0" smtClean="0">
+                <a:solidFill>
+                  <a:srgbClr val="FFFF00"/>
+                </a:solidFill>
+              </a:rPr>
+              <a:t>V=+10</a:t>
+            </a:r>
+            <a:endParaRPr lang="en-US" altLang="zh-CN" dirty="0" smtClean="0">
+              <a:solidFill>
+                <a:srgbClr val="FFFF00"/>
+              </a:solidFill>
+            </a:endParaRPr>
+          </a:p>
+        </p:txBody>
+      </p:sp>
+      <p:sp>
+        <p:nvSpPr>
+          <p:cNvPr id="72" name="文本框 71"/>
+          <p:cNvSpPr txBox="1"/>
+          <p:nvPr/>
+        </p:nvSpPr>
+        <p:spPr>
+          <a:xfrm>
+            <a:off x="3528211" y="2403867"/>
+            <a:ext cx="561372" cy="369332"/>
+          </a:xfrm>
+          <a:prstGeom prst="rect">
+            <a:avLst/>
+          </a:prstGeom>
+          <a:noFill/>
+        </p:spPr>
+        <p:txBody>
+          <a:bodyPr wrap="none" rtlCol="0">
+            <a:spAutoFit/>
+          </a:bodyPr>
+          <a:lstStyle/>
+          <a:p>
+            <a:r>
+              <a:rPr lang="en-US" altLang="zh-CN" dirty="0" smtClean="0">
+                <a:solidFill>
+                  <a:srgbClr val="FFFF00"/>
+                </a:solidFill>
+              </a:rPr>
+              <a:t>V=0</a:t>
+            </a:r>
+            <a:endParaRPr lang="en-US" altLang="zh-CN" dirty="0" smtClean="0">
+              <a:solidFill>
+                <a:srgbClr val="FFFF00"/>
+              </a:solidFill>
+            </a:endParaRPr>
+          </a:p>
+        </p:txBody>
+      </p:sp>
+      <p:sp>
+        <p:nvSpPr>
+          <p:cNvPr id="73" name="文本框 72"/>
+          <p:cNvSpPr txBox="1"/>
+          <p:nvPr/>
+        </p:nvSpPr>
+        <p:spPr>
+          <a:xfrm>
+            <a:off x="4171633" y="6081412"/>
+            <a:ext cx="729687" cy="369332"/>
+          </a:xfrm>
+          <a:prstGeom prst="rect">
+            <a:avLst/>
+          </a:prstGeom>
+          <a:noFill/>
+        </p:spPr>
+        <p:txBody>
+          <a:bodyPr wrap="none" rtlCol="0">
+            <a:spAutoFit/>
+          </a:bodyPr>
+          <a:lstStyle/>
+          <a:p>
+            <a:r>
+              <a:rPr lang="en-US" altLang="zh-CN" dirty="0" smtClean="0">
+                <a:solidFill>
+                  <a:srgbClr val="FFFF00"/>
+                </a:solidFill>
+              </a:rPr>
+              <a:t>V=1.9</a:t>
+            </a:r>
+            <a:endParaRPr lang="en-US" altLang="zh-CN" dirty="0" smtClean="0">
+              <a:solidFill>
+                <a:srgbClr val="FFFF00"/>
+              </a:solidFill>
+            </a:endParaRPr>
+          </a:p>
+        </p:txBody>
+      </p:sp>
+      <p:sp>
+        <p:nvSpPr>
+          <p:cNvPr id="75" name="文本框 74"/>
+          <p:cNvSpPr txBox="1"/>
+          <p:nvPr/>
+        </p:nvSpPr>
+        <p:spPr>
+          <a:xfrm>
+            <a:off x="4264218" y="5648420"/>
+            <a:ext cx="662361" cy="369332"/>
+          </a:xfrm>
+          <a:prstGeom prst="rect">
+            <a:avLst/>
+          </a:prstGeom>
+          <a:noFill/>
+        </p:spPr>
+        <p:txBody>
+          <a:bodyPr wrap="none" rtlCol="0">
+            <a:spAutoFit/>
+          </a:bodyPr>
+          <a:lstStyle/>
+          <a:p>
+            <a:r>
+              <a:rPr lang="en-US" altLang="zh-CN" dirty="0" smtClean="0">
+                <a:solidFill>
+                  <a:srgbClr val="FFFF00"/>
+                </a:solidFill>
+              </a:rPr>
+              <a:t>R=+1</a:t>
+            </a:r>
+          </a:p>
+        </p:txBody>
+      </p:sp>
+      <p:sp>
+        <p:nvSpPr>
+          <p:cNvPr id="76" name="文本框 75"/>
+          <p:cNvSpPr txBox="1"/>
+          <p:nvPr/>
+        </p:nvSpPr>
+        <p:spPr>
+          <a:xfrm>
+            <a:off x="903960" y="2440110"/>
+            <a:ext cx="801823" cy="369332"/>
+          </a:xfrm>
+          <a:prstGeom prst="rect">
+            <a:avLst/>
+          </a:prstGeom>
+          <a:noFill/>
+        </p:spPr>
+        <p:txBody>
+          <a:bodyPr wrap="none" rtlCol="0">
+            <a:spAutoFit/>
+          </a:bodyPr>
+          <a:lstStyle/>
+          <a:p>
+            <a:r>
+              <a:rPr lang="en-US" altLang="zh-CN" dirty="0" smtClean="0">
+                <a:solidFill>
+                  <a:srgbClr val="FFFF00"/>
+                </a:solidFill>
+              </a:rPr>
+              <a:t>V=-7.6</a:t>
+            </a:r>
+            <a:endParaRPr lang="en-US" altLang="zh-CN" dirty="0" smtClean="0">
+              <a:solidFill>
+                <a:srgbClr val="FFFF00"/>
+              </a:solidFill>
+            </a:endParaRPr>
+          </a:p>
+        </p:txBody>
+      </p:sp>
+    </p:spTree>
+    <p:extLst>
+      <p:ext uri="{BB962C8B-B14F-4D97-AF65-F5344CB8AC3E}">
+        <p14:creationId xmlns:p14="http://schemas.microsoft.com/office/powerpoint/2010/main" val="2398880793"/>
+      </p:ext>
+    </p:extLst>
+  </p:cSld>
+  <p:clrMapOvr>
+    <a:masterClrMapping/>
+  </p:clrMapOvr>
+  <mc:AlternateContent xmlns:mc="http://schemas.openxmlformats.org/markup-compatibility/2006" xmlns:p14="http://schemas.microsoft.com/office/powerpoint/2010/main">
+    <mc:Choice Requires="p14">
+      <p:transition spd="med" p14:dur="700">
+        <p:fade/>
+      </p:transition>
+    </mc:Choice>
+    <mc:Fallback xmlns="">
+      <p:transition spd="med">
+        <p:fade/>
+      </p:transition>
+    </mc:Fallback>
+  </mc:AlternateContent>
+  <p:timing>
+    <p:tnLst>
+      <p:par>
+        <p:cTn id="1" dur="indefinite" restart="never" nodeType="tmRoot"/>
+      </p:par>
+    </p:tnLst>
+  </p:timing>
+</p:sld>
+</file>
+
+<file path=ppt/slides/slide22.xml><?xml version="1.0" encoding="utf-8"?>
+<p:sld xmlns:a="http://schemas.openxmlformats.org/drawingml/2006/main" xmlns:r="http://schemas.openxmlformats.org/officeDocument/2006/relationships" xmlns:p="http://schemas.openxmlformats.org/presentationml/2006/main">
+  <p:cSld>
+    <p:spTree>
+      <p:nvGrpSpPr>
+        <p:cNvPr id="1" name=""/>
+        <p:cNvGrpSpPr/>
+        <p:nvPr/>
+      </p:nvGrpSpPr>
+      <p:grpSpPr>
+        <a:xfrm>
+          <a:off x="0" y="0"/>
+          <a:ext cx="0" cy="0"/>
+          <a:chOff x="0" y="0"/>
+          <a:chExt cx="0" cy="0"/>
+        </a:xfrm>
+      </p:grpSpPr>
+      <p:sp>
+        <p:nvSpPr>
+          <p:cNvPr id="2" name="标题 1"/>
+          <p:cNvSpPr>
+            <a:spLocks noGrp="1"/>
+          </p:cNvSpPr>
+          <p:nvPr>
+            <p:ph type="title"/>
+          </p:nvPr>
+        </p:nvSpPr>
+        <p:spPr>
+          <a:xfrm>
+            <a:off x="1522413" y="393777"/>
+            <a:ext cx="9144001" cy="762000"/>
+          </a:xfrm>
+        </p:spPr>
+        <p:txBody>
+          <a:bodyPr>
+            <a:normAutofit/>
+          </a:bodyPr>
+          <a:lstStyle/>
+          <a:p>
+            <a:r>
+              <a:rPr lang="en-US" altLang="zh-TW" dirty="0"/>
               <a:t>Bellman </a:t>
             </a:r>
             <a:r>
@@ -15395,7 +17288,3230 @@
 </p:sld>
 </file>
 
-<file path=ppt/slides/slide22.xml><?xml version="1.0" encoding="utf-8"?>
+<file path=ppt/slides/slide23.xml><?xml version="1.0" encoding="utf-8"?>
+<p:sld xmlns:a="http://schemas.openxmlformats.org/drawingml/2006/main" xmlns:r="http://schemas.openxmlformats.org/officeDocument/2006/relationships" xmlns:p="http://schemas.openxmlformats.org/presentationml/2006/main">
+  <p:cSld>
+    <p:spTree>
+      <p:nvGrpSpPr>
+        <p:cNvPr id="1" name=""/>
+        <p:cNvGrpSpPr/>
+        <p:nvPr/>
+      </p:nvGrpSpPr>
+      <p:grpSpPr>
+        <a:xfrm>
+          <a:off x="0" y="0"/>
+          <a:ext cx="0" cy="0"/>
+          <a:chOff x="0" y="0"/>
+          <a:chExt cx="0" cy="0"/>
+        </a:xfrm>
+      </p:grpSpPr>
+      <p:sp>
+        <p:nvSpPr>
+          <p:cNvPr id="2" name="标题 1"/>
+          <p:cNvSpPr>
+            <a:spLocks noGrp="1"/>
+          </p:cNvSpPr>
+          <p:nvPr>
+            <p:ph type="title"/>
+          </p:nvPr>
+        </p:nvSpPr>
+        <p:spPr>
+          <a:xfrm>
+            <a:off x="1522413" y="393777"/>
+            <a:ext cx="9144001" cy="762000"/>
+          </a:xfrm>
+        </p:spPr>
+        <p:txBody>
+          <a:bodyPr>
+            <a:normAutofit/>
+          </a:bodyPr>
+          <a:lstStyle/>
+          <a:p>
+            <a:r>
+              <a:rPr lang="en-US" altLang="zh-TW" dirty="0"/>
+              <a:t>Bellman </a:t>
+            </a:r>
+            <a:r>
+              <a:rPr lang="en-US" altLang="zh-TW" dirty="0" smtClean="0"/>
+              <a:t>Equation: as a matrices</a:t>
+            </a:r>
+            <a:endParaRPr lang="zh-CN" altLang="en-US" dirty="0"/>
+          </a:p>
+        </p:txBody>
+      </p:sp>
+      <p:sp>
+        <p:nvSpPr>
+          <p:cNvPr id="3" name="矩形 2"/>
+          <p:cNvSpPr/>
+          <p:nvPr/>
+        </p:nvSpPr>
+        <p:spPr>
+          <a:xfrm>
+            <a:off x="4494212" y="1973483"/>
+            <a:ext cx="2590800" cy="1384995"/>
+          </a:xfrm>
+          <a:prstGeom prst="rect">
+            <a:avLst/>
+          </a:prstGeom>
+        </p:spPr>
+        <p:txBody>
+          <a:bodyPr wrap="square">
+            <a:spAutoFit/>
+          </a:bodyPr>
+          <a:lstStyle/>
+          <a:p>
+            <a:r>
+              <a:rPr lang="en-US" altLang="zh-CN" sz="2800" dirty="0" smtClean="0"/>
+              <a:t>v = R + </a:t>
+            </a:r>
+            <a:r>
+              <a:rPr lang="el-GR" altLang="zh-CN" sz="2800" dirty="0">
+                <a:ea typeface="Microsoft Sans Serif" panose="020B0604020202020204" pitchFamily="34" charset="0"/>
+                <a:cs typeface="Microsoft Sans Serif" panose="020B0604020202020204" pitchFamily="34" charset="0"/>
+              </a:rPr>
+              <a:t>γ</a:t>
+            </a:r>
+            <a:r>
+              <a:rPr lang="en-US" altLang="zh-CN" sz="2800" dirty="0" smtClean="0"/>
+              <a:t> P v</a:t>
+            </a:r>
+          </a:p>
+          <a:p>
+            <a:r>
+              <a:rPr lang="en-US" altLang="zh-CN" sz="2800" dirty="0"/>
+              <a:t>(1-</a:t>
+            </a:r>
+            <a:r>
+              <a:rPr lang="el-GR" altLang="zh-CN" sz="2800" dirty="0">
+                <a:ea typeface="Microsoft Sans Serif" panose="020B0604020202020204" pitchFamily="34" charset="0"/>
+                <a:cs typeface="Microsoft Sans Serif" panose="020B0604020202020204" pitchFamily="34" charset="0"/>
+              </a:rPr>
+              <a:t> γ</a:t>
+            </a:r>
+            <a:r>
+              <a:rPr lang="en-US" altLang="zh-CN" sz="2800" dirty="0"/>
+              <a:t> P) </a:t>
+            </a:r>
+            <a:r>
+              <a:rPr lang="en-US" altLang="zh-CN" sz="2800" dirty="0" smtClean="0"/>
+              <a:t>v = R</a:t>
+            </a:r>
+          </a:p>
+          <a:p>
+            <a:r>
+              <a:rPr lang="en-US" altLang="zh-CN" sz="2800" dirty="0" smtClean="0"/>
+              <a:t>v = </a:t>
+            </a:r>
+            <a:r>
+              <a:rPr lang="en-US" altLang="zh-CN" sz="2800" dirty="0"/>
+              <a:t>(1-</a:t>
+            </a:r>
+            <a:r>
+              <a:rPr lang="el-GR" altLang="zh-CN" sz="2800" dirty="0">
+                <a:ea typeface="Microsoft Sans Serif" panose="020B0604020202020204" pitchFamily="34" charset="0"/>
+                <a:cs typeface="Microsoft Sans Serif" panose="020B0604020202020204" pitchFamily="34" charset="0"/>
+              </a:rPr>
+              <a:t> γ</a:t>
+            </a:r>
+            <a:r>
+              <a:rPr lang="en-US" altLang="zh-CN" sz="2800" dirty="0"/>
+              <a:t> P) </a:t>
+            </a:r>
+            <a:r>
+              <a:rPr lang="en-US" altLang="zh-CN" sz="2800" baseline="30000" dirty="0" smtClean="0"/>
+              <a:t>-1</a:t>
+            </a:r>
+            <a:r>
+              <a:rPr lang="en-US" altLang="zh-CN" sz="2800" dirty="0" smtClean="0"/>
+              <a:t>R</a:t>
+            </a:r>
+            <a:endParaRPr lang="en-US" altLang="zh-CN" sz="2800" dirty="0"/>
+          </a:p>
+        </p:txBody>
+      </p:sp>
+      <p:sp>
+        <p:nvSpPr>
+          <p:cNvPr id="5" name="矩形 4"/>
+          <p:cNvSpPr/>
+          <p:nvPr/>
+        </p:nvSpPr>
+        <p:spPr>
+          <a:xfrm>
+            <a:off x="1533016" y="1295400"/>
+            <a:ext cx="8218995" cy="5509200"/>
+          </a:xfrm>
+          <a:prstGeom prst="rect">
+            <a:avLst/>
+          </a:prstGeom>
+        </p:spPr>
+        <p:txBody>
+          <a:bodyPr wrap="square">
+            <a:spAutoFit/>
+          </a:bodyPr>
+          <a:lstStyle/>
+          <a:p>
+            <a:pPr marL="457200" indent="-457200">
+              <a:buFont typeface="Arial" panose="020B0604020202020204" pitchFamily="34" charset="0"/>
+              <a:buChar char="•"/>
+            </a:pPr>
+            <a:r>
+              <a:rPr lang="en-US" altLang="zh-CN" sz="2800" dirty="0" smtClean="0"/>
+              <a:t>Being a linear equation: v can be solved by</a:t>
+            </a:r>
+          </a:p>
+          <a:p>
+            <a:endParaRPr lang="en-US" altLang="zh-CN" sz="2800" dirty="0"/>
+          </a:p>
+          <a:p>
+            <a:endParaRPr lang="en-US" altLang="zh-CN" sz="2800" dirty="0" smtClean="0"/>
+          </a:p>
+          <a:p>
+            <a:endParaRPr lang="en-US" altLang="zh-CN" sz="2800" dirty="0"/>
+          </a:p>
+          <a:p>
+            <a:endParaRPr lang="en-US" altLang="zh-CN" sz="2800" dirty="0" smtClean="0"/>
+          </a:p>
+          <a:p>
+            <a:pPr marL="457200" indent="-457200">
+              <a:buFont typeface="Arial" panose="020B0604020202020204" pitchFamily="34" charset="0"/>
+              <a:buChar char="•"/>
+            </a:pPr>
+            <a:r>
+              <a:rPr lang="en-US" altLang="zh-CN" sz="2800" dirty="0" smtClean="0"/>
+              <a:t>Computation is O(n</a:t>
+            </a:r>
+            <a:r>
+              <a:rPr lang="en-US" altLang="zh-CN" sz="2800" baseline="30000" dirty="0" smtClean="0"/>
+              <a:t>3</a:t>
+            </a:r>
+            <a:r>
+              <a:rPr lang="en-US" altLang="zh-CN" sz="2800" dirty="0" smtClean="0"/>
+              <a:t>) for n states</a:t>
+            </a:r>
+          </a:p>
+          <a:p>
+            <a:pPr marL="457200" indent="-457200">
+              <a:buFont typeface="Arial" panose="020B0604020202020204" pitchFamily="34" charset="0"/>
+              <a:buChar char="•"/>
+            </a:pPr>
+            <a:r>
+              <a:rPr lang="en-US" altLang="zh-CN" sz="2800" dirty="0" smtClean="0"/>
+              <a:t>Direct solution only possible for small MRPs</a:t>
+            </a:r>
+          </a:p>
+          <a:p>
+            <a:pPr marL="457200" indent="-457200">
+              <a:buFont typeface="Arial" panose="020B0604020202020204" pitchFamily="34" charset="0"/>
+              <a:buChar char="•"/>
+            </a:pPr>
+            <a:r>
+              <a:rPr lang="en-US" altLang="zh-CN" sz="2800" dirty="0" smtClean="0"/>
+              <a:t>There are many iterative methods for large MRPs</a:t>
+            </a:r>
+          </a:p>
+          <a:p>
+            <a:pPr marL="914400" lvl="1" indent="-457200">
+              <a:buFont typeface="Arial" panose="020B0604020202020204" pitchFamily="34" charset="0"/>
+              <a:buChar char="•"/>
+            </a:pPr>
+            <a:r>
+              <a:rPr lang="en-US" altLang="zh-CN" sz="2400" dirty="0" smtClean="0">
+                <a:solidFill>
+                  <a:srgbClr val="FFFF00"/>
+                </a:solidFill>
+              </a:rPr>
+              <a:t>Dynamic Programming</a:t>
+            </a:r>
+          </a:p>
+          <a:p>
+            <a:pPr marL="914400" lvl="1" indent="-457200">
+              <a:buFont typeface="Arial" panose="020B0604020202020204" pitchFamily="34" charset="0"/>
+              <a:buChar char="•"/>
+            </a:pPr>
+            <a:r>
+              <a:rPr lang="en-US" altLang="zh-CN" sz="2400" dirty="0"/>
+              <a:t>Mote-Carlo evaluation</a:t>
+            </a:r>
+          </a:p>
+          <a:p>
+            <a:pPr marL="914400" lvl="1" indent="-457200">
+              <a:buFont typeface="Arial" panose="020B0604020202020204" pitchFamily="34" charset="0"/>
+              <a:buChar char="•"/>
+            </a:pPr>
+            <a:r>
+              <a:rPr lang="en-US" altLang="zh-CN" sz="2400" dirty="0" smtClean="0"/>
+              <a:t>Temporal-Difference Learning</a:t>
+            </a:r>
+          </a:p>
+          <a:p>
+            <a:endParaRPr lang="en-US" altLang="zh-CN" sz="2800" dirty="0" smtClean="0"/>
+          </a:p>
+          <a:p>
+            <a:endParaRPr lang="en-US" altLang="zh-CN" sz="2800" dirty="0" smtClean="0"/>
+          </a:p>
+        </p:txBody>
+      </p:sp>
+    </p:spTree>
+    <p:extLst>
+      <p:ext uri="{BB962C8B-B14F-4D97-AF65-F5344CB8AC3E}">
+        <p14:creationId xmlns:p14="http://schemas.microsoft.com/office/powerpoint/2010/main" val="3713079131"/>
+      </p:ext>
+    </p:extLst>
+  </p:cSld>
+  <p:clrMapOvr>
+    <a:masterClrMapping/>
+  </p:clrMapOvr>
+  <mc:AlternateContent xmlns:mc="http://schemas.openxmlformats.org/markup-compatibility/2006" xmlns:p14="http://schemas.microsoft.com/office/powerpoint/2010/main">
+    <mc:Choice Requires="p14">
+      <p:transition spd="med" p14:dur="700">
+        <p:fade/>
+      </p:transition>
+    </mc:Choice>
+    <mc:Fallback xmlns="">
+      <p:transition spd="med">
+        <p:fade/>
+      </p:transition>
+    </mc:Fallback>
+  </mc:AlternateContent>
+  <p:timing>
+    <p:tnLst>
+      <p:par>
+        <p:cTn id="1" dur="indefinite" restart="never" nodeType="tmRoot"/>
+      </p:par>
+    </p:tnLst>
+  </p:timing>
+</p:sld>
+</file>
+
+<file path=ppt/slides/slide24.xml><?xml version="1.0" encoding="utf-8"?>
+<p:sld xmlns:a="http://schemas.openxmlformats.org/drawingml/2006/main" xmlns:r="http://schemas.openxmlformats.org/officeDocument/2006/relationships" xmlns:p="http://schemas.openxmlformats.org/presentationml/2006/main">
+  <p:cSld>
+    <p:spTree>
+      <p:nvGrpSpPr>
+        <p:cNvPr id="1" name=""/>
+        <p:cNvGrpSpPr/>
+        <p:nvPr/>
+      </p:nvGrpSpPr>
+      <p:grpSpPr>
+        <a:xfrm>
+          <a:off x="0" y="0"/>
+          <a:ext cx="0" cy="0"/>
+          <a:chOff x="0" y="0"/>
+          <a:chExt cx="0" cy="0"/>
+        </a:xfrm>
+      </p:grpSpPr>
+      <p:sp>
+        <p:nvSpPr>
+          <p:cNvPr id="2" name="标题 1"/>
+          <p:cNvSpPr>
+            <a:spLocks noGrp="1"/>
+          </p:cNvSpPr>
+          <p:nvPr>
+            <p:ph type="title"/>
+          </p:nvPr>
+        </p:nvSpPr>
+        <p:spPr>
+          <a:xfrm>
+            <a:off x="1522413" y="393777"/>
+            <a:ext cx="9144001" cy="762000"/>
+          </a:xfrm>
+        </p:spPr>
+        <p:txBody>
+          <a:bodyPr>
+            <a:normAutofit/>
+          </a:bodyPr>
+          <a:lstStyle/>
+          <a:p>
+            <a:r>
+              <a:rPr lang="en-US" altLang="zh-TW" dirty="0"/>
+              <a:t>Markov </a:t>
+            </a:r>
+            <a:r>
+              <a:rPr lang="en-US" altLang="zh-TW" dirty="0" smtClean="0"/>
+              <a:t>Decision Process</a:t>
+            </a:r>
+            <a:endParaRPr lang="zh-CN" altLang="en-US" dirty="0"/>
+          </a:p>
+        </p:txBody>
+      </p:sp>
+      <p:sp>
+        <p:nvSpPr>
+          <p:cNvPr id="8" name="内容占位符 2"/>
+          <p:cNvSpPr>
+            <a:spLocks noGrp="1"/>
+          </p:cNvSpPr>
+          <p:nvPr>
+            <p:ph sz="half" idx="1"/>
+          </p:nvPr>
+        </p:nvSpPr>
+        <p:spPr>
+          <a:xfrm>
+            <a:off x="798513" y="1295400"/>
+            <a:ext cx="10591799" cy="5029200"/>
+          </a:xfrm>
+        </p:spPr>
+        <p:txBody>
+          <a:bodyPr rtlCol="0">
+            <a:normAutofit/>
+          </a:bodyPr>
+          <a:lstStyle/>
+          <a:p>
+            <a:endParaRPr lang="en-US" altLang="zh-CN" sz="1800" b="1" i="1" dirty="0">
+              <a:solidFill>
+                <a:schemeClr val="tx1">
+                  <a:lumMod val="95000"/>
+                </a:schemeClr>
+              </a:solidFill>
+            </a:endParaRPr>
+          </a:p>
+          <a:p>
+            <a:endParaRPr lang="en-US" altLang="zh-CN" sz="1800" b="1" i="1" dirty="0" smtClean="0">
+              <a:solidFill>
+                <a:schemeClr val="tx1">
+                  <a:lumMod val="95000"/>
+                </a:schemeClr>
+              </a:solidFill>
+            </a:endParaRPr>
+          </a:p>
+          <a:p>
+            <a:endParaRPr lang="en-US" altLang="zh-CN" sz="1800" b="1" i="1" dirty="0">
+              <a:solidFill>
+                <a:schemeClr val="tx1">
+                  <a:lumMod val="95000"/>
+                </a:schemeClr>
+              </a:solidFill>
+            </a:endParaRPr>
+          </a:p>
+          <a:p>
+            <a:endParaRPr lang="en-US" altLang="zh-CN" sz="1800" b="1" i="1" dirty="0" smtClean="0">
+              <a:solidFill>
+                <a:schemeClr val="tx1">
+                  <a:lumMod val="95000"/>
+                </a:schemeClr>
+              </a:solidFill>
+            </a:endParaRPr>
+          </a:p>
+        </p:txBody>
+      </p:sp>
+      <p:pic>
+        <p:nvPicPr>
+          <p:cNvPr id="4" name="图片 3"/>
+          <p:cNvPicPr>
+            <a:picLocks noChangeAspect="1"/>
+          </p:cNvPicPr>
+          <p:nvPr/>
+        </p:nvPicPr>
+        <p:blipFill>
+          <a:blip r:embed="rId2"/>
+          <a:stretch>
+            <a:fillRect/>
+          </a:stretch>
+        </p:blipFill>
+        <p:spPr>
+          <a:xfrm>
+            <a:off x="1159995" y="1917777"/>
+            <a:ext cx="8220075" cy="619125"/>
+          </a:xfrm>
+          <a:prstGeom prst="rect">
+            <a:avLst/>
+          </a:prstGeom>
+        </p:spPr>
+      </p:pic>
+      <p:sp>
+        <p:nvSpPr>
+          <p:cNvPr id="3" name="文本框 2"/>
+          <p:cNvSpPr txBox="1"/>
+          <p:nvPr/>
+        </p:nvSpPr>
+        <p:spPr>
+          <a:xfrm>
+            <a:off x="1159995" y="1155777"/>
+            <a:ext cx="9906000" cy="6001643"/>
+          </a:xfrm>
+          <a:prstGeom prst="rect">
+            <a:avLst/>
+          </a:prstGeom>
+          <a:noFill/>
+        </p:spPr>
+        <p:txBody>
+          <a:bodyPr wrap="square" rtlCol="0">
+            <a:spAutoFit/>
+          </a:bodyPr>
+          <a:lstStyle/>
+          <a:p>
+            <a:r>
+              <a:rPr lang="en-US" altLang="zh-CN" sz="2400" dirty="0" smtClean="0"/>
+              <a:t>A Markov </a:t>
+            </a:r>
+            <a:r>
+              <a:rPr lang="en-US" altLang="zh-CN" sz="2400" dirty="0" smtClean="0"/>
+              <a:t>decision process </a:t>
+            </a:r>
+            <a:r>
+              <a:rPr lang="en-US" altLang="zh-CN" sz="2400" dirty="0" smtClean="0"/>
+              <a:t>is a Markov </a:t>
+            </a:r>
+            <a:r>
+              <a:rPr lang="en-US" altLang="zh-CN" sz="2400" dirty="0" smtClean="0"/>
+              <a:t>reward process with decisions. It is an environment in which all states are Markov</a:t>
+            </a:r>
+            <a:endParaRPr lang="en-US" altLang="zh-CN" dirty="0"/>
+          </a:p>
+          <a:p>
+            <a:endParaRPr lang="en-US" altLang="zh-CN" dirty="0" smtClean="0"/>
+          </a:p>
+          <a:p>
+            <a:endParaRPr lang="en-US" altLang="zh-CN" dirty="0"/>
+          </a:p>
+          <a:p>
+            <a:endParaRPr lang="en-US" altLang="zh-CN" dirty="0" smtClean="0"/>
+          </a:p>
+          <a:p>
+            <a:pPr marL="285750" indent="-285750">
+              <a:buFont typeface="Arial" panose="020B0604020202020204" pitchFamily="34" charset="0"/>
+              <a:buChar char="•"/>
+            </a:pPr>
+            <a:r>
+              <a:rPr lang="en-US" altLang="zh-CN" sz="2400" dirty="0" smtClean="0"/>
+              <a:t>A Markov reward process is a tuple &lt;S, </a:t>
+            </a:r>
+            <a:r>
+              <a:rPr lang="en-US" altLang="zh-CN" sz="2400" dirty="0" smtClean="0">
+                <a:solidFill>
+                  <a:srgbClr val="FFFF00"/>
+                </a:solidFill>
+              </a:rPr>
+              <a:t>A</a:t>
+            </a:r>
+            <a:r>
+              <a:rPr lang="en-US" altLang="zh-CN" sz="2400" dirty="0" smtClean="0"/>
+              <a:t>, P</a:t>
+            </a:r>
+            <a:r>
+              <a:rPr lang="en-US" altLang="zh-CN" sz="2400" dirty="0" smtClean="0"/>
+              <a:t>, R, </a:t>
+            </a:r>
+            <a:r>
+              <a:rPr lang="el-GR" altLang="zh-CN" sz="2400" dirty="0" smtClean="0"/>
+              <a:t>γ</a:t>
+            </a:r>
+            <a:r>
+              <a:rPr lang="en-US" altLang="zh-CN" sz="2400" dirty="0" smtClean="0"/>
+              <a:t>&gt;</a:t>
+            </a:r>
+          </a:p>
+          <a:p>
+            <a:pPr marL="285750" indent="-285750">
+              <a:buFont typeface="Arial" panose="020B0604020202020204" pitchFamily="34" charset="0"/>
+              <a:buChar char="•"/>
+            </a:pPr>
+            <a:endParaRPr lang="en-US" altLang="zh-CN" sz="2400" dirty="0" smtClean="0"/>
+          </a:p>
+          <a:p>
+            <a:pPr marL="285750" indent="-285750">
+              <a:buFont typeface="Arial" panose="020B0604020202020204" pitchFamily="34" charset="0"/>
+              <a:buChar char="•"/>
+            </a:pPr>
+            <a:r>
+              <a:rPr lang="en-US" altLang="zh-CN" sz="2400" dirty="0" smtClean="0"/>
+              <a:t>S : a finite set of </a:t>
+            </a:r>
+            <a:r>
+              <a:rPr lang="en-US" altLang="zh-CN" sz="2400" dirty="0" smtClean="0"/>
+              <a:t>states</a:t>
+            </a:r>
+          </a:p>
+          <a:p>
+            <a:pPr marL="285750" indent="-285750">
+              <a:buFont typeface="Arial" panose="020B0604020202020204" pitchFamily="34" charset="0"/>
+              <a:buChar char="•"/>
+            </a:pPr>
+            <a:endParaRPr lang="en-US" altLang="zh-CN" sz="2400" dirty="0"/>
+          </a:p>
+          <a:p>
+            <a:pPr marL="285750" indent="-285750">
+              <a:buFont typeface="Arial" panose="020B0604020202020204" pitchFamily="34" charset="0"/>
+              <a:buChar char="•"/>
+            </a:pPr>
+            <a:r>
+              <a:rPr lang="en-US" altLang="zh-CN" sz="2400" dirty="0" smtClean="0">
+                <a:solidFill>
+                  <a:srgbClr val="FFFF00"/>
+                </a:solidFill>
+              </a:rPr>
+              <a:t>A </a:t>
+            </a:r>
+            <a:r>
+              <a:rPr lang="en-US" altLang="zh-CN" sz="2400" dirty="0">
+                <a:solidFill>
+                  <a:srgbClr val="FFFF00"/>
+                </a:solidFill>
+              </a:rPr>
+              <a:t>: a finite set of </a:t>
+            </a:r>
+            <a:r>
+              <a:rPr lang="en-US" altLang="zh-CN" sz="2400" dirty="0" smtClean="0">
+                <a:solidFill>
+                  <a:srgbClr val="FFFF00"/>
+                </a:solidFill>
+              </a:rPr>
+              <a:t>actions</a:t>
+            </a:r>
+            <a:endParaRPr lang="en-US" altLang="zh-CN" sz="2400" dirty="0" smtClean="0">
+              <a:solidFill>
+                <a:srgbClr val="FFFF00"/>
+              </a:solidFill>
+            </a:endParaRPr>
+          </a:p>
+          <a:p>
+            <a:pPr marL="285750" indent="-285750">
+              <a:buFont typeface="Arial" panose="020B0604020202020204" pitchFamily="34" charset="0"/>
+              <a:buChar char="•"/>
+            </a:pPr>
+            <a:endParaRPr lang="en-US" altLang="zh-CN" sz="2400" dirty="0" smtClean="0"/>
+          </a:p>
+          <a:p>
+            <a:pPr marL="285750" indent="-285750">
+              <a:buFont typeface="Arial" panose="020B0604020202020204" pitchFamily="34" charset="0"/>
+              <a:buChar char="•"/>
+            </a:pPr>
+            <a:r>
+              <a:rPr lang="en-US" altLang="zh-CN" sz="2400" dirty="0" smtClean="0"/>
+              <a:t>P : a state transition probability </a:t>
+            </a:r>
+            <a:r>
+              <a:rPr lang="en-US" altLang="zh-CN" sz="2400" dirty="0" smtClean="0"/>
+              <a:t>matrix P</a:t>
+            </a:r>
+            <a:r>
+              <a:rPr lang="en-US" altLang="zh-CN" sz="2400" baseline="30000" dirty="0" smtClean="0"/>
+              <a:t>a</a:t>
+            </a:r>
+            <a:r>
+              <a:rPr lang="en-US" altLang="zh-CN" sz="2400" baseline="-25000" dirty="0" smtClean="0"/>
+              <a:t>ss’ </a:t>
+            </a:r>
+            <a:r>
+              <a:rPr lang="en-US" altLang="zh-CN" sz="2400" dirty="0" smtClean="0"/>
+              <a:t>= P[S</a:t>
+            </a:r>
+            <a:r>
+              <a:rPr lang="en-US" altLang="zh-CN" sz="2400" baseline="-25000" dirty="0" smtClean="0"/>
+              <a:t>t+1</a:t>
+            </a:r>
+            <a:r>
+              <a:rPr lang="en-US" altLang="zh-CN" sz="2400" dirty="0" smtClean="0"/>
+              <a:t>=s’ | S</a:t>
+            </a:r>
+            <a:r>
+              <a:rPr lang="en-US" altLang="zh-CN" sz="2400" baseline="-25000" dirty="0" smtClean="0"/>
+              <a:t>t</a:t>
+            </a:r>
+            <a:r>
+              <a:rPr lang="en-US" altLang="zh-CN" sz="2400" dirty="0" smtClean="0"/>
+              <a:t>=s, A</a:t>
+            </a:r>
+            <a:r>
+              <a:rPr lang="en-US" altLang="zh-CN" sz="2400" baseline="-25000" dirty="0" smtClean="0"/>
+              <a:t>t</a:t>
+            </a:r>
+            <a:r>
+              <a:rPr lang="en-US" altLang="zh-CN" sz="2400" dirty="0" smtClean="0"/>
+              <a:t>=a]</a:t>
+            </a:r>
+          </a:p>
+          <a:p>
+            <a:pPr marL="285750" indent="-285750">
+              <a:buFont typeface="Arial" panose="020B0604020202020204" pitchFamily="34" charset="0"/>
+              <a:buChar char="•"/>
+            </a:pPr>
+            <a:endParaRPr lang="en-US" altLang="zh-CN" sz="2400" dirty="0" smtClean="0"/>
+          </a:p>
+          <a:p>
+            <a:pPr marL="285750" indent="-285750">
+              <a:buFont typeface="Arial" panose="020B0604020202020204" pitchFamily="34" charset="0"/>
+              <a:buChar char="•"/>
+            </a:pPr>
+            <a:r>
+              <a:rPr lang="en-US" altLang="zh-CN" sz="2400" dirty="0" smtClean="0"/>
+              <a:t>R : a reward function, </a:t>
+            </a:r>
+            <a:r>
+              <a:rPr lang="en-US" altLang="zh-CN" sz="2400" dirty="0" smtClean="0"/>
+              <a:t>R</a:t>
+            </a:r>
+            <a:r>
+              <a:rPr lang="en-US" altLang="zh-CN" sz="2400" baseline="30000" dirty="0" smtClean="0"/>
+              <a:t>a</a:t>
+            </a:r>
+            <a:r>
+              <a:rPr lang="en-US" altLang="zh-CN" sz="2400" baseline="-25000" dirty="0" smtClean="0"/>
+              <a:t>s</a:t>
+            </a:r>
+            <a:r>
+              <a:rPr lang="en-US" altLang="zh-CN" sz="2400" dirty="0" smtClean="0"/>
+              <a:t> </a:t>
+            </a:r>
+            <a:r>
+              <a:rPr lang="en-US" altLang="zh-CN" sz="2400" dirty="0" smtClean="0"/>
+              <a:t>= E[R</a:t>
+            </a:r>
+            <a:r>
+              <a:rPr lang="en-US" altLang="zh-CN" sz="2400" baseline="-25000" dirty="0" smtClean="0"/>
+              <a:t>t+1</a:t>
+            </a:r>
+            <a:r>
+              <a:rPr lang="en-US" altLang="zh-CN" sz="2400" dirty="0" smtClean="0"/>
+              <a:t> | </a:t>
+            </a:r>
+            <a:r>
+              <a:rPr lang="en-US" altLang="zh-CN" sz="2400" dirty="0" smtClean="0"/>
+              <a:t>S</a:t>
+            </a:r>
+            <a:r>
+              <a:rPr lang="en-US" altLang="zh-CN" sz="2400" baseline="-25000" dirty="0" smtClean="0"/>
+              <a:t>t</a:t>
+            </a:r>
+            <a:r>
+              <a:rPr lang="en-US" altLang="zh-CN" sz="2400" dirty="0" smtClean="0"/>
+              <a:t>=s, A</a:t>
+            </a:r>
+            <a:r>
+              <a:rPr lang="en-US" altLang="zh-CN" sz="2400" baseline="-25000" dirty="0" smtClean="0"/>
+              <a:t>t</a:t>
+            </a:r>
+            <a:r>
+              <a:rPr lang="en-US" altLang="zh-CN" sz="2400" dirty="0" smtClean="0"/>
+              <a:t>=a]</a:t>
+            </a:r>
+            <a:endParaRPr lang="en-US" altLang="zh-CN" sz="2400" dirty="0" smtClean="0"/>
+          </a:p>
+          <a:p>
+            <a:pPr marL="285750" indent="-285750">
+              <a:buFont typeface="Arial" panose="020B0604020202020204" pitchFamily="34" charset="0"/>
+              <a:buChar char="•"/>
+            </a:pPr>
+            <a:endParaRPr lang="en-US" altLang="zh-CN" sz="2400" dirty="0"/>
+          </a:p>
+          <a:p>
+            <a:pPr marL="285750" indent="-285750">
+              <a:buFont typeface="Arial" panose="020B0604020202020204" pitchFamily="34" charset="0"/>
+              <a:buChar char="•"/>
+            </a:pPr>
+            <a:r>
+              <a:rPr lang="el-GR" altLang="zh-CN" sz="2400" dirty="0"/>
+              <a:t>γ </a:t>
+            </a:r>
+            <a:r>
+              <a:rPr lang="en-US" altLang="zh-CN" sz="2400" dirty="0" smtClean="0"/>
+              <a:t>: discount factor </a:t>
+            </a:r>
+            <a:r>
+              <a:rPr lang="el-GR" altLang="zh-CN" sz="2400" dirty="0" smtClean="0"/>
+              <a:t>γ</a:t>
+            </a:r>
+            <a:r>
+              <a:rPr lang="en-US" altLang="zh-CN" sz="2400" dirty="0" smtClean="0"/>
+              <a:t> </a:t>
+            </a:r>
+            <a:r>
+              <a:rPr lang="az-Cyrl-AZ" altLang="zh-CN" sz="2400" dirty="0" smtClean="0"/>
+              <a:t>є</a:t>
+            </a:r>
+            <a:r>
+              <a:rPr lang="en-US" altLang="zh-CN" sz="2400" dirty="0" smtClean="0"/>
+              <a:t> [0, 1</a:t>
+            </a:r>
+            <a:r>
+              <a:rPr lang="en-US" altLang="zh-CN" sz="2400" dirty="0" smtClean="0"/>
+              <a:t>]</a:t>
+            </a:r>
+            <a:endParaRPr lang="en-US" altLang="zh-CN" dirty="0"/>
+          </a:p>
+          <a:p>
+            <a:pPr marL="285750" indent="-285750">
+              <a:buFont typeface="Arial" panose="020B0604020202020204" pitchFamily="34" charset="0"/>
+              <a:buChar char="•"/>
+            </a:pPr>
+            <a:endParaRPr lang="zh-CN" altLang="en-US" dirty="0"/>
+          </a:p>
+        </p:txBody>
+      </p:sp>
+    </p:spTree>
+    <p:extLst>
+      <p:ext uri="{BB962C8B-B14F-4D97-AF65-F5344CB8AC3E}">
+        <p14:creationId xmlns:p14="http://schemas.microsoft.com/office/powerpoint/2010/main" val="3933017848"/>
+      </p:ext>
+    </p:extLst>
+  </p:cSld>
+  <p:clrMapOvr>
+    <a:masterClrMapping/>
+  </p:clrMapOvr>
+  <mc:AlternateContent xmlns:mc="http://schemas.openxmlformats.org/markup-compatibility/2006" xmlns:p14="http://schemas.microsoft.com/office/powerpoint/2010/main">
+    <mc:Choice Requires="p14">
+      <p:transition spd="med" p14:dur="700">
+        <p:fade/>
+      </p:transition>
+    </mc:Choice>
+    <mc:Fallback xmlns="">
+      <p:transition spd="med">
+        <p:fade/>
+      </p:transition>
+    </mc:Fallback>
+  </mc:AlternateContent>
+  <p:timing>
+    <p:tnLst>
+      <p:par>
+        <p:cTn id="1" dur="indefinite" restart="never" nodeType="tmRoot"/>
+      </p:par>
+    </p:tnLst>
+  </p:timing>
+</p:sld>
+</file>
+
+<file path=ppt/slides/slide25.xml><?xml version="1.0" encoding="utf-8"?>
+<p:sld xmlns:a="http://schemas.openxmlformats.org/drawingml/2006/main" xmlns:r="http://schemas.openxmlformats.org/officeDocument/2006/relationships" xmlns:p="http://schemas.openxmlformats.org/presentationml/2006/main">
+  <p:cSld>
+    <p:spTree>
+      <p:nvGrpSpPr>
+        <p:cNvPr id="1" name=""/>
+        <p:cNvGrpSpPr/>
+        <p:nvPr/>
+      </p:nvGrpSpPr>
+      <p:grpSpPr>
+        <a:xfrm>
+          <a:off x="0" y="0"/>
+          <a:ext cx="0" cy="0"/>
+          <a:chOff x="0" y="0"/>
+          <a:chExt cx="0" cy="0"/>
+        </a:xfrm>
+      </p:grpSpPr>
+      <p:pic>
+        <p:nvPicPr>
+          <p:cNvPr id="4" name="内容占位符 3"/>
+          <p:cNvPicPr>
+            <a:picLocks noGrp="1" noChangeAspect="1"/>
+          </p:cNvPicPr>
+          <p:nvPr>
+            <p:ph idx="1"/>
+          </p:nvPr>
+        </p:nvPicPr>
+        <p:blipFill>
+          <a:blip r:embed="rId2"/>
+          <a:stretch>
+            <a:fillRect/>
+          </a:stretch>
+        </p:blipFill>
+        <p:spPr>
+          <a:xfrm>
+            <a:off x="3778705" y="2057400"/>
+            <a:ext cx="4631415" cy="4114800"/>
+          </a:xfrm>
+          <a:prstGeom prst="rect">
+            <a:avLst/>
+          </a:prstGeom>
+        </p:spPr>
+      </p:pic>
+      <p:sp>
+        <p:nvSpPr>
+          <p:cNvPr id="5" name="标题 1"/>
+          <p:cNvSpPr txBox="1">
+            <a:spLocks/>
+          </p:cNvSpPr>
+          <p:nvPr/>
+        </p:nvSpPr>
+        <p:spPr>
+          <a:xfrm>
+            <a:off x="1522413" y="393777"/>
+            <a:ext cx="9144001" cy="762000"/>
+          </a:xfrm>
+          <a:prstGeom prst="rect">
+            <a:avLst/>
+          </a:prstGeom>
+        </p:spPr>
+        <p:txBody>
+          <a:bodyPr vert="horz" lIns="91440" tIns="45720" rIns="91440" bIns="45720" rtlCol="0" anchor="b">
+            <a:normAutofit/>
+          </a:bodyPr>
+          <a:lstStyle>
+            <a:lvl1pPr algn="l" defTabSz="914400" rtl="0" eaLnBrk="1" latinLnBrk="0" hangingPunct="1">
+              <a:lnSpc>
+                <a:spcPct val="90000"/>
+              </a:lnSpc>
+              <a:spcBef>
+                <a:spcPct val="0"/>
+              </a:spcBef>
+              <a:buNone/>
+              <a:defRPr sz="3600" kern="1200" spc="100" baseline="0">
+                <a:solidFill>
+                  <a:schemeClr val="tx1"/>
+                </a:solidFill>
+                <a:latin typeface="微软雅黑" panose="020B0503020204020204" pitchFamily="34" charset="-122"/>
+                <a:ea typeface="微软雅黑" panose="020B0503020204020204" pitchFamily="34" charset="-122"/>
+                <a:cs typeface="+mj-cs"/>
+              </a:defRPr>
+            </a:lvl1pPr>
+          </a:lstStyle>
+          <a:p>
+            <a:r>
+              <a:rPr lang="en-US" altLang="zh-TW" smtClean="0"/>
+              <a:t>Markov Decision Process</a:t>
+            </a:r>
+            <a:endParaRPr lang="zh-CN" altLang="en-US" dirty="0"/>
+          </a:p>
+        </p:txBody>
+      </p:sp>
+    </p:spTree>
+    <p:extLst>
+      <p:ext uri="{BB962C8B-B14F-4D97-AF65-F5344CB8AC3E}">
+        <p14:creationId xmlns:p14="http://schemas.microsoft.com/office/powerpoint/2010/main" val="883228324"/>
+      </p:ext>
+    </p:extLst>
+  </p:cSld>
+  <p:clrMapOvr>
+    <a:masterClrMapping/>
+  </p:clrMapOvr>
+  <mc:AlternateContent xmlns:mc="http://schemas.openxmlformats.org/markup-compatibility/2006" xmlns:p14="http://schemas.microsoft.com/office/powerpoint/2010/main">
+    <mc:Choice Requires="p14">
+      <p:transition spd="med" p14:dur="700">
+        <p:fade/>
+      </p:transition>
+    </mc:Choice>
+    <mc:Fallback xmlns="">
+      <p:transition spd="med">
+        <p:fade/>
+      </p:transition>
+    </mc:Fallback>
+  </mc:AlternateContent>
+</p:sld>
+</file>
+
+<file path=ppt/slides/slide26.xml><?xml version="1.0" encoding="utf-8"?>
+<p:sld xmlns:a="http://schemas.openxmlformats.org/drawingml/2006/main" xmlns:r="http://schemas.openxmlformats.org/officeDocument/2006/relationships" xmlns:p="http://schemas.openxmlformats.org/presentationml/2006/main">
+  <p:cSld>
+    <p:spTree>
+      <p:nvGrpSpPr>
+        <p:cNvPr id="1" name=""/>
+        <p:cNvGrpSpPr/>
+        <p:nvPr/>
+      </p:nvGrpSpPr>
+      <p:grpSpPr>
+        <a:xfrm>
+          <a:off x="0" y="0"/>
+          <a:ext cx="0" cy="0"/>
+          <a:chOff x="0" y="0"/>
+          <a:chExt cx="0" cy="0"/>
+        </a:xfrm>
+      </p:grpSpPr>
+      <p:sp>
+        <p:nvSpPr>
+          <p:cNvPr id="2" name="标题 1"/>
+          <p:cNvSpPr>
+            <a:spLocks noGrp="1"/>
+          </p:cNvSpPr>
+          <p:nvPr>
+            <p:ph type="title"/>
+          </p:nvPr>
+        </p:nvSpPr>
+        <p:spPr>
+          <a:xfrm>
+            <a:off x="1522413" y="393777"/>
+            <a:ext cx="9144001" cy="762000"/>
+          </a:xfrm>
+        </p:spPr>
+        <p:txBody>
+          <a:bodyPr>
+            <a:normAutofit/>
+          </a:bodyPr>
+          <a:lstStyle/>
+          <a:p>
+            <a:r>
+              <a:rPr lang="en-US" altLang="zh-TW" dirty="0"/>
+              <a:t>Markov </a:t>
+            </a:r>
+            <a:r>
+              <a:rPr lang="en-US" altLang="zh-TW" dirty="0" smtClean="0"/>
+              <a:t>Decision Process</a:t>
+            </a:r>
+            <a:endParaRPr lang="zh-CN" altLang="en-US" dirty="0"/>
+          </a:p>
+        </p:txBody>
+      </p:sp>
+      <p:sp>
+        <p:nvSpPr>
+          <p:cNvPr id="4" name="圆角矩形 3"/>
+          <p:cNvSpPr/>
+          <p:nvPr/>
+        </p:nvSpPr>
+        <p:spPr>
+          <a:xfrm>
+            <a:off x="2547891" y="2193219"/>
+            <a:ext cx="1371600" cy="762000"/>
+          </a:xfrm>
+          <a:prstGeom prst="roundRect">
+            <a:avLst/>
+          </a:prstGeom>
+        </p:spPr>
+        <p:style>
+          <a:lnRef idx="2">
+            <a:schemeClr val="accent1">
+              <a:shade val="50000"/>
+            </a:schemeClr>
+          </a:lnRef>
+          <a:fillRef idx="1">
+            <a:schemeClr val="accent1"/>
+          </a:fillRef>
+          <a:effectRef idx="0">
+            <a:schemeClr val="accent1"/>
+          </a:effectRef>
+          <a:fontRef idx="minor">
+            <a:schemeClr val="lt1"/>
+          </a:fontRef>
+        </p:style>
+        <p:txBody>
+          <a:bodyPr rtlCol="0" anchor="ctr"/>
+          <a:lstStyle/>
+          <a:p>
+            <a:pPr algn="ctr"/>
+            <a:endParaRPr lang="zh-CN" altLang="en-US" dirty="0"/>
+          </a:p>
+        </p:txBody>
+      </p:sp>
+      <p:sp>
+        <p:nvSpPr>
+          <p:cNvPr id="7" name="圆角矩形 6"/>
+          <p:cNvSpPr/>
+          <p:nvPr/>
+        </p:nvSpPr>
+        <p:spPr>
+          <a:xfrm>
+            <a:off x="2547891" y="3898849"/>
+            <a:ext cx="1371600" cy="762000"/>
+          </a:xfrm>
+          <a:prstGeom prst="roundRect">
+            <a:avLst/>
+          </a:prstGeom>
+        </p:spPr>
+        <p:style>
+          <a:lnRef idx="2">
+            <a:schemeClr val="accent1">
+              <a:shade val="50000"/>
+            </a:schemeClr>
+          </a:lnRef>
+          <a:fillRef idx="1">
+            <a:schemeClr val="accent1"/>
+          </a:fillRef>
+          <a:effectRef idx="0">
+            <a:schemeClr val="accent1"/>
+          </a:effectRef>
+          <a:fontRef idx="minor">
+            <a:schemeClr val="lt1"/>
+          </a:fontRef>
+        </p:style>
+        <p:txBody>
+          <a:bodyPr rtlCol="0" anchor="ctr"/>
+          <a:lstStyle/>
+          <a:p>
+            <a:pPr algn="ctr"/>
+            <a:endParaRPr lang="zh-CN" altLang="en-US" dirty="0"/>
+          </a:p>
+        </p:txBody>
+      </p:sp>
+      <p:sp>
+        <p:nvSpPr>
+          <p:cNvPr id="9" name="圆角矩形 8"/>
+          <p:cNvSpPr/>
+          <p:nvPr/>
+        </p:nvSpPr>
+        <p:spPr>
+          <a:xfrm>
+            <a:off x="4970937" y="2161077"/>
+            <a:ext cx="1371600" cy="762000"/>
+          </a:xfrm>
+          <a:prstGeom prst="roundRect">
+            <a:avLst/>
+          </a:prstGeom>
+        </p:spPr>
+        <p:style>
+          <a:lnRef idx="2">
+            <a:schemeClr val="accent1">
+              <a:shade val="50000"/>
+            </a:schemeClr>
+          </a:lnRef>
+          <a:fillRef idx="1">
+            <a:schemeClr val="accent1"/>
+          </a:fillRef>
+          <a:effectRef idx="0">
+            <a:schemeClr val="accent1"/>
+          </a:effectRef>
+          <a:fontRef idx="minor">
+            <a:schemeClr val="lt1"/>
+          </a:fontRef>
+        </p:style>
+        <p:txBody>
+          <a:bodyPr rtlCol="0" anchor="ctr"/>
+          <a:lstStyle/>
+          <a:p>
+            <a:pPr algn="ctr"/>
+            <a:endParaRPr lang="zh-CN" altLang="en-US" dirty="0"/>
+          </a:p>
+        </p:txBody>
+      </p:sp>
+      <p:sp>
+        <p:nvSpPr>
+          <p:cNvPr id="10" name="圆角矩形 9"/>
+          <p:cNvSpPr/>
+          <p:nvPr/>
+        </p:nvSpPr>
+        <p:spPr>
+          <a:xfrm>
+            <a:off x="7196430" y="3850158"/>
+            <a:ext cx="1371600" cy="762000"/>
+          </a:xfrm>
+          <a:prstGeom prst="roundRect">
+            <a:avLst/>
+          </a:prstGeom>
+        </p:spPr>
+        <p:style>
+          <a:lnRef idx="2">
+            <a:schemeClr val="accent1">
+              <a:shade val="50000"/>
+            </a:schemeClr>
+          </a:lnRef>
+          <a:fillRef idx="1">
+            <a:schemeClr val="accent1"/>
+          </a:fillRef>
+          <a:effectRef idx="0">
+            <a:schemeClr val="accent1"/>
+          </a:effectRef>
+          <a:fontRef idx="minor">
+            <a:schemeClr val="lt1"/>
+          </a:fontRef>
+        </p:style>
+        <p:txBody>
+          <a:bodyPr rtlCol="0" anchor="ctr"/>
+          <a:lstStyle/>
+          <a:p>
+            <a:pPr algn="ctr"/>
+            <a:endParaRPr lang="zh-CN" altLang="en-US" dirty="0"/>
+          </a:p>
+        </p:txBody>
+      </p:sp>
+      <p:sp>
+        <p:nvSpPr>
+          <p:cNvPr id="11" name="圆角矩形 10"/>
+          <p:cNvSpPr/>
+          <p:nvPr/>
+        </p:nvSpPr>
+        <p:spPr>
+          <a:xfrm>
+            <a:off x="7161212" y="2133600"/>
+            <a:ext cx="1371600" cy="762000"/>
+          </a:xfrm>
+          <a:prstGeom prst="roundRect">
+            <a:avLst/>
+          </a:prstGeom>
+        </p:spPr>
+        <p:style>
+          <a:lnRef idx="2">
+            <a:schemeClr val="accent1">
+              <a:shade val="50000"/>
+            </a:schemeClr>
+          </a:lnRef>
+          <a:fillRef idx="1">
+            <a:schemeClr val="accent1"/>
+          </a:fillRef>
+          <a:effectRef idx="0">
+            <a:schemeClr val="accent1"/>
+          </a:effectRef>
+          <a:fontRef idx="minor">
+            <a:schemeClr val="lt1"/>
+          </a:fontRef>
+        </p:style>
+        <p:txBody>
+          <a:bodyPr rtlCol="0" anchor="ctr"/>
+          <a:lstStyle/>
+          <a:p>
+            <a:pPr algn="ctr"/>
+            <a:endParaRPr lang="zh-CN" altLang="en-US" dirty="0"/>
+          </a:p>
+        </p:txBody>
+      </p:sp>
+      <p:cxnSp>
+        <p:nvCxnSpPr>
+          <p:cNvPr id="13" name="直接箭头连接符 12"/>
+          <p:cNvCxnSpPr/>
+          <p:nvPr/>
+        </p:nvCxnSpPr>
+        <p:spPr>
+          <a:xfrm flipV="1">
+            <a:off x="2831625" y="3041599"/>
+            <a:ext cx="0" cy="772180"/>
+          </a:xfrm>
+          <a:prstGeom prst="straightConnector1">
+            <a:avLst/>
+          </a:prstGeom>
+          <a:ln>
+            <a:tailEnd type="triangle"/>
+          </a:ln>
+        </p:spPr>
+        <p:style>
+          <a:lnRef idx="1">
+            <a:schemeClr val="accent1"/>
+          </a:lnRef>
+          <a:fillRef idx="0">
+            <a:schemeClr val="accent1"/>
+          </a:fillRef>
+          <a:effectRef idx="0">
+            <a:schemeClr val="accent1"/>
+          </a:effectRef>
+          <a:fontRef idx="minor">
+            <a:schemeClr val="tx1"/>
+          </a:fontRef>
+        </p:style>
+      </p:cxnSp>
+      <p:cxnSp>
+        <p:nvCxnSpPr>
+          <p:cNvPr id="14" name="直接箭头连接符 13"/>
+          <p:cNvCxnSpPr/>
+          <p:nvPr/>
+        </p:nvCxnSpPr>
+        <p:spPr>
+          <a:xfrm>
+            <a:off x="3593625" y="3070173"/>
+            <a:ext cx="0" cy="715031"/>
+          </a:xfrm>
+          <a:prstGeom prst="straightConnector1">
+            <a:avLst/>
+          </a:prstGeom>
+          <a:ln>
+            <a:tailEnd type="triangle"/>
+          </a:ln>
+        </p:spPr>
+        <p:style>
+          <a:lnRef idx="1">
+            <a:schemeClr val="accent1"/>
+          </a:lnRef>
+          <a:fillRef idx="0">
+            <a:schemeClr val="accent1"/>
+          </a:fillRef>
+          <a:effectRef idx="0">
+            <a:schemeClr val="accent1"/>
+          </a:effectRef>
+          <a:fontRef idx="minor">
+            <a:schemeClr val="tx1"/>
+          </a:fontRef>
+        </p:style>
+      </p:cxnSp>
+      <p:cxnSp>
+        <p:nvCxnSpPr>
+          <p:cNvPr id="28" name="直接箭头连接符 27"/>
+          <p:cNvCxnSpPr/>
+          <p:nvPr/>
+        </p:nvCxnSpPr>
+        <p:spPr>
+          <a:xfrm>
+            <a:off x="3980337" y="4278002"/>
+            <a:ext cx="990600" cy="0"/>
+          </a:xfrm>
+          <a:prstGeom prst="straightConnector1">
+            <a:avLst/>
+          </a:prstGeom>
+          <a:ln>
+            <a:tailEnd type="triangle"/>
+          </a:ln>
+        </p:spPr>
+        <p:style>
+          <a:lnRef idx="1">
+            <a:schemeClr val="accent1"/>
+          </a:lnRef>
+          <a:fillRef idx="0">
+            <a:schemeClr val="accent1"/>
+          </a:fillRef>
+          <a:effectRef idx="0">
+            <a:schemeClr val="accent1"/>
+          </a:effectRef>
+          <a:fontRef idx="minor">
+            <a:schemeClr val="tx1"/>
+          </a:fontRef>
+        </p:style>
+      </p:cxnSp>
+      <p:cxnSp>
+        <p:nvCxnSpPr>
+          <p:cNvPr id="29" name="直接箭头连接符 28"/>
+          <p:cNvCxnSpPr/>
+          <p:nvPr/>
+        </p:nvCxnSpPr>
+        <p:spPr>
+          <a:xfrm>
+            <a:off x="6434241" y="4225847"/>
+            <a:ext cx="706111" cy="5311"/>
+          </a:xfrm>
+          <a:prstGeom prst="straightConnector1">
+            <a:avLst/>
+          </a:prstGeom>
+          <a:ln>
+            <a:tailEnd type="triangle"/>
+          </a:ln>
+        </p:spPr>
+        <p:style>
+          <a:lnRef idx="1">
+            <a:schemeClr val="accent1"/>
+          </a:lnRef>
+          <a:fillRef idx="0">
+            <a:schemeClr val="accent1"/>
+          </a:fillRef>
+          <a:effectRef idx="0">
+            <a:schemeClr val="accent1"/>
+          </a:effectRef>
+          <a:fontRef idx="minor">
+            <a:schemeClr val="tx1"/>
+          </a:fontRef>
+        </p:style>
+      </p:cxnSp>
+      <p:cxnSp>
+        <p:nvCxnSpPr>
+          <p:cNvPr id="30" name="直接箭头连接符 29"/>
+          <p:cNvCxnSpPr/>
+          <p:nvPr/>
+        </p:nvCxnSpPr>
+        <p:spPr>
+          <a:xfrm flipV="1">
+            <a:off x="7738670" y="2977312"/>
+            <a:ext cx="13657" cy="816988"/>
+          </a:xfrm>
+          <a:prstGeom prst="straightConnector1">
+            <a:avLst/>
+          </a:prstGeom>
+          <a:ln>
+            <a:tailEnd type="triangle"/>
+          </a:ln>
+        </p:spPr>
+        <p:style>
+          <a:lnRef idx="1">
+            <a:schemeClr val="accent1"/>
+          </a:lnRef>
+          <a:fillRef idx="0">
+            <a:schemeClr val="accent1"/>
+          </a:fillRef>
+          <a:effectRef idx="0">
+            <a:schemeClr val="accent1"/>
+          </a:effectRef>
+          <a:fontRef idx="minor">
+            <a:schemeClr val="tx1"/>
+          </a:fontRef>
+        </p:style>
+      </p:cxnSp>
+      <p:cxnSp>
+        <p:nvCxnSpPr>
+          <p:cNvPr id="31" name="直接箭头连接符 30"/>
+          <p:cNvCxnSpPr/>
+          <p:nvPr/>
+        </p:nvCxnSpPr>
+        <p:spPr>
+          <a:xfrm flipH="1">
+            <a:off x="6342537" y="4696969"/>
+            <a:ext cx="1491463" cy="1321332"/>
+          </a:xfrm>
+          <a:prstGeom prst="straightConnector1">
+            <a:avLst/>
+          </a:prstGeom>
+          <a:ln>
+            <a:tailEnd type="triangle"/>
+          </a:ln>
+        </p:spPr>
+        <p:style>
+          <a:lnRef idx="1">
+            <a:schemeClr val="accent1"/>
+          </a:lnRef>
+          <a:fillRef idx="0">
+            <a:schemeClr val="accent1"/>
+          </a:fillRef>
+          <a:effectRef idx="0">
+            <a:schemeClr val="accent1"/>
+          </a:effectRef>
+          <a:fontRef idx="minor">
+            <a:schemeClr val="tx1"/>
+          </a:fontRef>
+        </p:style>
+      </p:cxnSp>
+      <p:cxnSp>
+        <p:nvCxnSpPr>
+          <p:cNvPr id="33" name="直接箭头连接符 32"/>
+          <p:cNvCxnSpPr/>
+          <p:nvPr/>
+        </p:nvCxnSpPr>
+        <p:spPr>
+          <a:xfrm flipH="1" flipV="1">
+            <a:off x="5660186" y="4776212"/>
+            <a:ext cx="633176" cy="1260697"/>
+          </a:xfrm>
+          <a:prstGeom prst="straightConnector1">
+            <a:avLst/>
+          </a:prstGeom>
+          <a:ln>
+            <a:tailEnd type="triangle"/>
+          </a:ln>
+        </p:spPr>
+        <p:style>
+          <a:lnRef idx="1">
+            <a:schemeClr val="accent1"/>
+          </a:lnRef>
+          <a:fillRef idx="0">
+            <a:schemeClr val="accent1"/>
+          </a:fillRef>
+          <a:effectRef idx="0">
+            <a:schemeClr val="accent1"/>
+          </a:effectRef>
+          <a:fontRef idx="minor">
+            <a:schemeClr val="tx1"/>
+          </a:fontRef>
+        </p:style>
+      </p:cxnSp>
+      <p:cxnSp>
+        <p:nvCxnSpPr>
+          <p:cNvPr id="35" name="直接箭头连接符 34"/>
+          <p:cNvCxnSpPr/>
+          <p:nvPr/>
+        </p:nvCxnSpPr>
+        <p:spPr>
+          <a:xfrm flipH="1" flipV="1">
+            <a:off x="3462291" y="4784020"/>
+            <a:ext cx="2670597" cy="1252889"/>
+          </a:xfrm>
+          <a:prstGeom prst="straightConnector1">
+            <a:avLst/>
+          </a:prstGeom>
+          <a:ln>
+            <a:tailEnd type="triangle"/>
+          </a:ln>
+        </p:spPr>
+        <p:style>
+          <a:lnRef idx="1">
+            <a:schemeClr val="accent1"/>
+          </a:lnRef>
+          <a:fillRef idx="0">
+            <a:schemeClr val="accent1"/>
+          </a:fillRef>
+          <a:effectRef idx="0">
+            <a:schemeClr val="accent1"/>
+          </a:effectRef>
+          <a:fontRef idx="minor">
+            <a:schemeClr val="tx1"/>
+          </a:fontRef>
+        </p:style>
+      </p:cxnSp>
+      <p:cxnSp>
+        <p:nvCxnSpPr>
+          <p:cNvPr id="37" name="直接箭头连接符 36"/>
+          <p:cNvCxnSpPr/>
+          <p:nvPr/>
+        </p:nvCxnSpPr>
+        <p:spPr>
+          <a:xfrm flipV="1">
+            <a:off x="6398713" y="4701865"/>
+            <a:ext cx="1664503" cy="1409390"/>
+          </a:xfrm>
+          <a:prstGeom prst="straightConnector1">
+            <a:avLst/>
+          </a:prstGeom>
+          <a:ln>
+            <a:tailEnd type="triangle"/>
+          </a:ln>
+        </p:spPr>
+        <p:style>
+          <a:lnRef idx="1">
+            <a:schemeClr val="accent1"/>
+          </a:lnRef>
+          <a:fillRef idx="0">
+            <a:schemeClr val="accent1"/>
+          </a:fillRef>
+          <a:effectRef idx="0">
+            <a:schemeClr val="accent1"/>
+          </a:effectRef>
+          <a:fontRef idx="minor">
+            <a:schemeClr val="tx1"/>
+          </a:fontRef>
+        </p:style>
+      </p:cxnSp>
+      <p:sp>
+        <p:nvSpPr>
+          <p:cNvPr id="41" name="圆角矩形 40"/>
+          <p:cNvSpPr/>
+          <p:nvPr/>
+        </p:nvSpPr>
+        <p:spPr>
+          <a:xfrm>
+            <a:off x="5013383" y="3890117"/>
+            <a:ext cx="1371600" cy="762000"/>
+          </a:xfrm>
+          <a:prstGeom prst="roundRect">
+            <a:avLst/>
+          </a:prstGeom>
+        </p:spPr>
+        <p:style>
+          <a:lnRef idx="2">
+            <a:schemeClr val="accent1">
+              <a:shade val="50000"/>
+            </a:schemeClr>
+          </a:lnRef>
+          <a:fillRef idx="1">
+            <a:schemeClr val="accent1"/>
+          </a:fillRef>
+          <a:effectRef idx="0">
+            <a:schemeClr val="accent1"/>
+          </a:effectRef>
+          <a:fontRef idx="minor">
+            <a:schemeClr val="lt1"/>
+          </a:fontRef>
+        </p:style>
+        <p:txBody>
+          <a:bodyPr rtlCol="0" anchor="ctr"/>
+          <a:lstStyle/>
+          <a:p>
+            <a:pPr algn="ctr"/>
+            <a:endParaRPr lang="zh-CN" altLang="en-US" dirty="0"/>
+          </a:p>
+        </p:txBody>
+      </p:sp>
+      <p:cxnSp>
+        <p:nvCxnSpPr>
+          <p:cNvPr id="42" name="直接箭头连接符 41"/>
+          <p:cNvCxnSpPr/>
+          <p:nvPr/>
+        </p:nvCxnSpPr>
+        <p:spPr>
+          <a:xfrm flipV="1">
+            <a:off x="5725979" y="3013024"/>
+            <a:ext cx="0" cy="772180"/>
+          </a:xfrm>
+          <a:prstGeom prst="straightConnector1">
+            <a:avLst/>
+          </a:prstGeom>
+          <a:ln>
+            <a:tailEnd type="triangle"/>
+          </a:ln>
+        </p:spPr>
+        <p:style>
+          <a:lnRef idx="1">
+            <a:schemeClr val="accent1"/>
+          </a:lnRef>
+          <a:fillRef idx="0">
+            <a:schemeClr val="accent1"/>
+          </a:fillRef>
+          <a:effectRef idx="0">
+            <a:schemeClr val="accent1"/>
+          </a:effectRef>
+          <a:fontRef idx="minor">
+            <a:schemeClr val="tx1"/>
+          </a:fontRef>
+        </p:style>
+      </p:cxnSp>
+      <p:cxnSp>
+        <p:nvCxnSpPr>
+          <p:cNvPr id="43" name="直接箭头连接符 42"/>
+          <p:cNvCxnSpPr/>
+          <p:nvPr/>
+        </p:nvCxnSpPr>
+        <p:spPr>
+          <a:xfrm flipH="1">
+            <a:off x="6384984" y="2538970"/>
+            <a:ext cx="695673" cy="2239"/>
+          </a:xfrm>
+          <a:prstGeom prst="straightConnector1">
+            <a:avLst/>
+          </a:prstGeom>
+          <a:ln>
+            <a:tailEnd type="triangle"/>
+          </a:ln>
+        </p:spPr>
+        <p:style>
+          <a:lnRef idx="1">
+            <a:schemeClr val="accent1"/>
+          </a:lnRef>
+          <a:fillRef idx="0">
+            <a:schemeClr val="accent1"/>
+          </a:fillRef>
+          <a:effectRef idx="0">
+            <a:schemeClr val="accent1"/>
+          </a:effectRef>
+          <a:fontRef idx="minor">
+            <a:schemeClr val="tx1"/>
+          </a:fontRef>
+        </p:style>
+      </p:cxnSp>
+      <p:sp>
+        <p:nvSpPr>
+          <p:cNvPr id="47" name="任意多边形 46"/>
+          <p:cNvSpPr/>
+          <p:nvPr/>
+        </p:nvSpPr>
+        <p:spPr>
+          <a:xfrm>
+            <a:off x="2916028" y="1244984"/>
+            <a:ext cx="714632" cy="810594"/>
+          </a:xfrm>
+          <a:custGeom>
+            <a:avLst/>
+            <a:gdLst>
+              <a:gd name="connsiteX0" fmla="*/ 815545 w 815545"/>
+              <a:gd name="connsiteY0" fmla="*/ 794119 h 810594"/>
+              <a:gd name="connsiteX1" fmla="*/ 543697 w 815545"/>
+              <a:gd name="connsiteY1" fmla="*/ 77427 h 810594"/>
+              <a:gd name="connsiteX2" fmla="*/ 329513 w 815545"/>
+              <a:gd name="connsiteY2" fmla="*/ 102140 h 810594"/>
+              <a:gd name="connsiteX3" fmla="*/ 0 w 815545"/>
+              <a:gd name="connsiteY3" fmla="*/ 810594 h 810594"/>
+            </a:gdLst>
+            <a:ahLst/>
+            <a:cxnLst>
+              <a:cxn ang="0">
+                <a:pos x="connsiteX0" y="connsiteY0"/>
+              </a:cxn>
+              <a:cxn ang="0">
+                <a:pos x="connsiteX1" y="connsiteY1"/>
+              </a:cxn>
+              <a:cxn ang="0">
+                <a:pos x="connsiteX2" y="connsiteY2"/>
+              </a:cxn>
+              <a:cxn ang="0">
+                <a:pos x="connsiteX3" y="connsiteY3"/>
+              </a:cxn>
+            </a:cxnLst>
+            <a:rect l="l" t="t" r="r" b="b"/>
+            <a:pathLst>
+              <a:path w="815545" h="810594">
+                <a:moveTo>
+                  <a:pt x="815545" y="794119"/>
+                </a:moveTo>
+                <a:cubicBezTo>
+                  <a:pt x="720123" y="493438"/>
+                  <a:pt x="624702" y="192757"/>
+                  <a:pt x="543697" y="77427"/>
+                </a:cubicBezTo>
+                <a:cubicBezTo>
+                  <a:pt x="462692" y="-37903"/>
+                  <a:pt x="420129" y="-20054"/>
+                  <a:pt x="329513" y="102140"/>
+                </a:cubicBezTo>
+                <a:cubicBezTo>
+                  <a:pt x="238897" y="224334"/>
+                  <a:pt x="119448" y="517464"/>
+                  <a:pt x="0" y="810594"/>
+                </a:cubicBezTo>
+              </a:path>
+            </a:pathLst>
+          </a:custGeom>
+          <a:noFill/>
+        </p:spPr>
+        <p:style>
+          <a:lnRef idx="2">
+            <a:schemeClr val="accent1">
+              <a:shade val="50000"/>
+            </a:schemeClr>
+          </a:lnRef>
+          <a:fillRef idx="1">
+            <a:schemeClr val="accent1"/>
+          </a:fillRef>
+          <a:effectRef idx="0">
+            <a:schemeClr val="accent1"/>
+          </a:effectRef>
+          <a:fontRef idx="minor">
+            <a:schemeClr val="lt1"/>
+          </a:fontRef>
+        </p:style>
+        <p:txBody>
+          <a:bodyPr rtlCol="0" anchor="ctr"/>
+          <a:lstStyle/>
+          <a:p>
+            <a:pPr algn="ctr"/>
+            <a:endParaRPr lang="zh-CN" altLang="en-US"/>
+          </a:p>
+        </p:txBody>
+      </p:sp>
+      <p:cxnSp>
+        <p:nvCxnSpPr>
+          <p:cNvPr id="49" name="直接箭头连接符 48"/>
+          <p:cNvCxnSpPr/>
+          <p:nvPr/>
+        </p:nvCxnSpPr>
+        <p:spPr>
+          <a:xfrm flipH="1">
+            <a:off x="2878994" y="1583619"/>
+            <a:ext cx="202298" cy="539578"/>
+          </a:xfrm>
+          <a:prstGeom prst="straightConnector1">
+            <a:avLst/>
+          </a:prstGeom>
+          <a:ln>
+            <a:tailEnd type="triangle"/>
+          </a:ln>
+        </p:spPr>
+        <p:style>
+          <a:lnRef idx="1">
+            <a:schemeClr val="accent1"/>
+          </a:lnRef>
+          <a:fillRef idx="0">
+            <a:schemeClr val="accent1"/>
+          </a:fillRef>
+          <a:effectRef idx="0">
+            <a:schemeClr val="accent1"/>
+          </a:effectRef>
+          <a:fontRef idx="minor">
+            <a:schemeClr val="tx1"/>
+          </a:fontRef>
+        </p:style>
+      </p:cxnSp>
+      <p:sp>
+        <p:nvSpPr>
+          <p:cNvPr id="50" name="文本框 49"/>
+          <p:cNvSpPr txBox="1"/>
+          <p:nvPr/>
+        </p:nvSpPr>
+        <p:spPr>
+          <a:xfrm>
+            <a:off x="3783757" y="3155575"/>
+            <a:ext cx="913583" cy="646331"/>
+          </a:xfrm>
+          <a:prstGeom prst="rect">
+            <a:avLst/>
+          </a:prstGeom>
+          <a:noFill/>
+        </p:spPr>
+        <p:txBody>
+          <a:bodyPr wrap="none" rtlCol="0">
+            <a:spAutoFit/>
+          </a:bodyPr>
+          <a:lstStyle/>
+          <a:p>
+            <a:r>
+              <a:rPr lang="en-US" altLang="zh-TW" dirty="0" err="1" smtClean="0"/>
+              <a:t>W</a:t>
+            </a:r>
+            <a:r>
+              <a:rPr lang="en-US" altLang="zh-TW" dirty="0" err="1" smtClean="0"/>
+              <a:t>echat</a:t>
+            </a:r>
+            <a:endParaRPr lang="en-US" altLang="zh-TW" dirty="0" smtClean="0"/>
+          </a:p>
+          <a:p>
+            <a:r>
+              <a:rPr lang="en-US" altLang="zh-CN" dirty="0" smtClean="0"/>
+              <a:t>R=-1</a:t>
+            </a:r>
+            <a:endParaRPr lang="en-US" altLang="zh-CN" dirty="0" smtClean="0"/>
+          </a:p>
+        </p:txBody>
+      </p:sp>
+      <p:sp>
+        <p:nvSpPr>
+          <p:cNvPr id="51" name="文本框 50"/>
+          <p:cNvSpPr txBox="1"/>
+          <p:nvPr/>
+        </p:nvSpPr>
+        <p:spPr>
+          <a:xfrm>
+            <a:off x="2890700" y="3124589"/>
+            <a:ext cx="607859" cy="646331"/>
+          </a:xfrm>
+          <a:prstGeom prst="rect">
+            <a:avLst/>
+          </a:prstGeom>
+          <a:noFill/>
+        </p:spPr>
+        <p:txBody>
+          <a:bodyPr wrap="none" rtlCol="0">
+            <a:spAutoFit/>
+          </a:bodyPr>
+          <a:lstStyle/>
+          <a:p>
+            <a:r>
+              <a:rPr lang="en-US" altLang="zh-CN" dirty="0" smtClean="0"/>
+              <a:t>Quit</a:t>
+            </a:r>
+          </a:p>
+          <a:p>
+            <a:r>
+              <a:rPr lang="en-US" altLang="zh-CN" dirty="0" smtClean="0"/>
+              <a:t>R=0</a:t>
+            </a:r>
+            <a:endParaRPr lang="en-US" altLang="zh-CN" dirty="0" smtClean="0"/>
+          </a:p>
+        </p:txBody>
+      </p:sp>
+      <p:sp>
+        <p:nvSpPr>
+          <p:cNvPr id="52" name="文本框 51"/>
+          <p:cNvSpPr txBox="1"/>
+          <p:nvPr/>
+        </p:nvSpPr>
+        <p:spPr>
+          <a:xfrm>
+            <a:off x="4149321" y="3901785"/>
+            <a:ext cx="745717" cy="646331"/>
+          </a:xfrm>
+          <a:prstGeom prst="rect">
+            <a:avLst/>
+          </a:prstGeom>
+          <a:noFill/>
+        </p:spPr>
+        <p:txBody>
+          <a:bodyPr wrap="none" rtlCol="0">
+            <a:spAutoFit/>
+          </a:bodyPr>
+          <a:lstStyle/>
+          <a:p>
+            <a:r>
+              <a:rPr lang="en-US" altLang="zh-CN" dirty="0" smtClean="0"/>
+              <a:t>Study</a:t>
+            </a:r>
+          </a:p>
+          <a:p>
+            <a:r>
+              <a:rPr lang="en-US" altLang="zh-CN" dirty="0" smtClean="0"/>
+              <a:t>R=-2</a:t>
+            </a:r>
+            <a:endParaRPr lang="en-US" altLang="zh-CN" dirty="0" smtClean="0"/>
+          </a:p>
+        </p:txBody>
+      </p:sp>
+      <p:sp>
+        <p:nvSpPr>
+          <p:cNvPr id="54" name="文本框 53"/>
+          <p:cNvSpPr txBox="1"/>
+          <p:nvPr/>
+        </p:nvSpPr>
+        <p:spPr>
+          <a:xfrm>
+            <a:off x="4985043" y="5215011"/>
+            <a:ext cx="482824" cy="369332"/>
+          </a:xfrm>
+          <a:prstGeom prst="rect">
+            <a:avLst/>
+          </a:prstGeom>
+          <a:noFill/>
+        </p:spPr>
+        <p:txBody>
+          <a:bodyPr wrap="none" rtlCol="0">
+            <a:spAutoFit/>
+          </a:bodyPr>
+          <a:lstStyle/>
+          <a:p>
+            <a:r>
+              <a:rPr lang="en-US" altLang="zh-CN" dirty="0" smtClean="0"/>
+              <a:t>0.2</a:t>
+            </a:r>
+          </a:p>
+        </p:txBody>
+      </p:sp>
+      <p:sp>
+        <p:nvSpPr>
+          <p:cNvPr id="55" name="文本框 54"/>
+          <p:cNvSpPr txBox="1"/>
+          <p:nvPr/>
+        </p:nvSpPr>
+        <p:spPr>
+          <a:xfrm>
+            <a:off x="5961153" y="5201475"/>
+            <a:ext cx="482824" cy="369332"/>
+          </a:xfrm>
+          <a:prstGeom prst="rect">
+            <a:avLst/>
+          </a:prstGeom>
+          <a:noFill/>
+        </p:spPr>
+        <p:txBody>
+          <a:bodyPr wrap="none" rtlCol="0">
+            <a:spAutoFit/>
+          </a:bodyPr>
+          <a:lstStyle/>
+          <a:p>
+            <a:r>
+              <a:rPr lang="en-US" altLang="zh-CN" dirty="0" smtClean="0"/>
+              <a:t>0.4</a:t>
+            </a:r>
+          </a:p>
+        </p:txBody>
+      </p:sp>
+      <p:sp>
+        <p:nvSpPr>
+          <p:cNvPr id="56" name="文本框 55"/>
+          <p:cNvSpPr txBox="1"/>
+          <p:nvPr/>
+        </p:nvSpPr>
+        <p:spPr>
+          <a:xfrm>
+            <a:off x="6428297" y="3890117"/>
+            <a:ext cx="745717" cy="646331"/>
+          </a:xfrm>
+          <a:prstGeom prst="rect">
+            <a:avLst/>
+          </a:prstGeom>
+          <a:noFill/>
+        </p:spPr>
+        <p:txBody>
+          <a:bodyPr wrap="none" rtlCol="0">
+            <a:spAutoFit/>
+          </a:bodyPr>
+          <a:lstStyle/>
+          <a:p>
+            <a:r>
+              <a:rPr lang="en-US" altLang="zh-CN" dirty="0" smtClean="0"/>
+              <a:t>Study</a:t>
+            </a:r>
+          </a:p>
+          <a:p>
+            <a:r>
+              <a:rPr lang="en-US" altLang="zh-CN" dirty="0" smtClean="0"/>
+              <a:t>R=-2</a:t>
+            </a:r>
+            <a:endParaRPr lang="en-US" altLang="zh-CN" dirty="0" smtClean="0"/>
+          </a:p>
+        </p:txBody>
+      </p:sp>
+      <p:sp>
+        <p:nvSpPr>
+          <p:cNvPr id="57" name="文本框 56"/>
+          <p:cNvSpPr txBox="1"/>
+          <p:nvPr/>
+        </p:nvSpPr>
+        <p:spPr>
+          <a:xfrm>
+            <a:off x="5774455" y="3175627"/>
+            <a:ext cx="716863" cy="646331"/>
+          </a:xfrm>
+          <a:prstGeom prst="rect">
+            <a:avLst/>
+          </a:prstGeom>
+          <a:noFill/>
+        </p:spPr>
+        <p:txBody>
+          <a:bodyPr wrap="none" rtlCol="0">
+            <a:spAutoFit/>
+          </a:bodyPr>
+          <a:lstStyle/>
+          <a:p>
+            <a:r>
+              <a:rPr lang="en-US" altLang="zh-CN" dirty="0" smtClean="0"/>
+              <a:t>Sleep</a:t>
+            </a:r>
+          </a:p>
+          <a:p>
+            <a:r>
+              <a:rPr lang="en-US" altLang="zh-CN" dirty="0" smtClean="0"/>
+              <a:t>R=0</a:t>
+            </a:r>
+            <a:endParaRPr lang="en-US" altLang="zh-CN" dirty="0" smtClean="0"/>
+          </a:p>
+        </p:txBody>
+      </p:sp>
+      <p:sp>
+        <p:nvSpPr>
+          <p:cNvPr id="58" name="文本框 57"/>
+          <p:cNvSpPr txBox="1"/>
+          <p:nvPr/>
+        </p:nvSpPr>
+        <p:spPr>
+          <a:xfrm>
+            <a:off x="6457151" y="1824887"/>
+            <a:ext cx="716863" cy="646331"/>
+          </a:xfrm>
+          <a:prstGeom prst="rect">
+            <a:avLst/>
+          </a:prstGeom>
+          <a:noFill/>
+        </p:spPr>
+        <p:txBody>
+          <a:bodyPr wrap="none" rtlCol="0">
+            <a:spAutoFit/>
+          </a:bodyPr>
+          <a:lstStyle/>
+          <a:p>
+            <a:r>
+              <a:rPr lang="en-US" altLang="zh-CN" dirty="0" smtClean="0"/>
+              <a:t>Sleep</a:t>
+            </a:r>
+          </a:p>
+          <a:p>
+            <a:r>
+              <a:rPr lang="en-US" altLang="zh-CN" dirty="0" smtClean="0"/>
+              <a:t>R=0</a:t>
+            </a:r>
+            <a:endParaRPr lang="en-US" altLang="zh-CN" dirty="0" smtClean="0"/>
+          </a:p>
+        </p:txBody>
+      </p:sp>
+      <p:sp>
+        <p:nvSpPr>
+          <p:cNvPr id="59" name="文本框 58"/>
+          <p:cNvSpPr txBox="1"/>
+          <p:nvPr/>
+        </p:nvSpPr>
+        <p:spPr>
+          <a:xfrm>
+            <a:off x="6568603" y="4696969"/>
+            <a:ext cx="662361" cy="646331"/>
+          </a:xfrm>
+          <a:prstGeom prst="rect">
+            <a:avLst/>
+          </a:prstGeom>
+          <a:noFill/>
+        </p:spPr>
+        <p:txBody>
+          <a:bodyPr wrap="none" rtlCol="0">
+            <a:spAutoFit/>
+          </a:bodyPr>
+          <a:lstStyle/>
+          <a:p>
+            <a:r>
+              <a:rPr lang="en-US" altLang="zh-CN" dirty="0" smtClean="0"/>
+              <a:t>Date</a:t>
+            </a:r>
+          </a:p>
+          <a:p>
+            <a:r>
+              <a:rPr lang="en-US" altLang="zh-CN" dirty="0" smtClean="0"/>
+              <a:t>R=+1</a:t>
+            </a:r>
+            <a:endParaRPr lang="en-US" altLang="zh-CN" dirty="0" smtClean="0"/>
+          </a:p>
+        </p:txBody>
+      </p:sp>
+      <p:sp>
+        <p:nvSpPr>
+          <p:cNvPr id="60" name="文本框 59"/>
+          <p:cNvSpPr txBox="1"/>
+          <p:nvPr/>
+        </p:nvSpPr>
+        <p:spPr>
+          <a:xfrm>
+            <a:off x="7743779" y="4924824"/>
+            <a:ext cx="482824" cy="369332"/>
+          </a:xfrm>
+          <a:prstGeom prst="rect">
+            <a:avLst/>
+          </a:prstGeom>
+          <a:noFill/>
+        </p:spPr>
+        <p:txBody>
+          <a:bodyPr wrap="none" rtlCol="0">
+            <a:spAutoFit/>
+          </a:bodyPr>
+          <a:lstStyle/>
+          <a:p>
+            <a:r>
+              <a:rPr lang="en-US" altLang="zh-CN" dirty="0" smtClean="0"/>
+              <a:t>0.4</a:t>
+            </a:r>
+          </a:p>
+        </p:txBody>
+      </p:sp>
+      <p:sp>
+        <p:nvSpPr>
+          <p:cNvPr id="61" name="文本框 60"/>
+          <p:cNvSpPr txBox="1"/>
+          <p:nvPr/>
+        </p:nvSpPr>
+        <p:spPr>
+          <a:xfrm>
+            <a:off x="7933864" y="3062639"/>
+            <a:ext cx="780983" cy="646331"/>
+          </a:xfrm>
+          <a:prstGeom prst="rect">
+            <a:avLst/>
+          </a:prstGeom>
+          <a:noFill/>
+        </p:spPr>
+        <p:txBody>
+          <a:bodyPr wrap="none" rtlCol="0">
+            <a:spAutoFit/>
+          </a:bodyPr>
+          <a:lstStyle/>
+          <a:p>
+            <a:r>
+              <a:rPr lang="en-US" altLang="zh-CN" dirty="0" smtClean="0"/>
+              <a:t>Study</a:t>
+            </a:r>
+          </a:p>
+          <a:p>
+            <a:r>
+              <a:rPr lang="en-US" altLang="zh-CN" dirty="0" smtClean="0"/>
+              <a:t>R=+10</a:t>
+            </a:r>
+            <a:endParaRPr lang="en-US" altLang="zh-CN" dirty="0" smtClean="0"/>
+          </a:p>
+        </p:txBody>
+      </p:sp>
+      <p:sp>
+        <p:nvSpPr>
+          <p:cNvPr id="62" name="文本框 61"/>
+          <p:cNvSpPr txBox="1"/>
+          <p:nvPr/>
+        </p:nvSpPr>
+        <p:spPr>
+          <a:xfrm>
+            <a:off x="3638018" y="1461404"/>
+            <a:ext cx="913583" cy="646331"/>
+          </a:xfrm>
+          <a:prstGeom prst="rect">
+            <a:avLst/>
+          </a:prstGeom>
+          <a:noFill/>
+        </p:spPr>
+        <p:txBody>
+          <a:bodyPr wrap="none" rtlCol="0">
+            <a:spAutoFit/>
+          </a:bodyPr>
+          <a:lstStyle/>
+          <a:p>
+            <a:r>
+              <a:rPr lang="en-US" altLang="zh-CN" dirty="0" err="1" smtClean="0"/>
+              <a:t>Wechat</a:t>
+            </a:r>
+            <a:endParaRPr lang="en-US" altLang="zh-CN" dirty="0" smtClean="0"/>
+          </a:p>
+          <a:p>
+            <a:r>
+              <a:rPr lang="en-US" altLang="zh-CN" dirty="0" smtClean="0"/>
+              <a:t>R=-1</a:t>
+            </a:r>
+            <a:endParaRPr lang="en-US" altLang="zh-CN" dirty="0" smtClean="0"/>
+          </a:p>
+        </p:txBody>
+      </p:sp>
+      <p:sp>
+        <p:nvSpPr>
+          <p:cNvPr id="5" name="椭圆 4"/>
+          <p:cNvSpPr/>
+          <p:nvPr/>
+        </p:nvSpPr>
+        <p:spPr>
+          <a:xfrm>
+            <a:off x="6132887" y="6120166"/>
+            <a:ext cx="265825" cy="226993"/>
+          </a:xfrm>
+          <a:prstGeom prst="ellipse">
+            <a:avLst/>
+          </a:prstGeom>
+        </p:spPr>
+        <p:style>
+          <a:lnRef idx="2">
+            <a:schemeClr val="accent6">
+              <a:shade val="50000"/>
+            </a:schemeClr>
+          </a:lnRef>
+          <a:fillRef idx="1">
+            <a:schemeClr val="accent6"/>
+          </a:fillRef>
+          <a:effectRef idx="0">
+            <a:schemeClr val="accent6"/>
+          </a:effectRef>
+          <a:fontRef idx="minor">
+            <a:schemeClr val="lt1"/>
+          </a:fontRef>
+        </p:style>
+        <p:txBody>
+          <a:bodyPr rtlCol="0" anchor="ctr"/>
+          <a:lstStyle/>
+          <a:p>
+            <a:pPr algn="ctr"/>
+            <a:endParaRPr lang="zh-CN" altLang="en-US"/>
+          </a:p>
+        </p:txBody>
+      </p:sp>
+      <p:sp>
+        <p:nvSpPr>
+          <p:cNvPr id="77" name="椭圆 76"/>
+          <p:cNvSpPr/>
+          <p:nvPr/>
+        </p:nvSpPr>
+        <p:spPr>
+          <a:xfrm>
+            <a:off x="2697027" y="3287054"/>
+            <a:ext cx="265825" cy="226993"/>
+          </a:xfrm>
+          <a:prstGeom prst="ellipse">
+            <a:avLst/>
+          </a:prstGeom>
+          <a:ln>
+            <a:solidFill>
+              <a:schemeClr val="bg1"/>
+            </a:solidFill>
+          </a:ln>
+        </p:spPr>
+        <p:style>
+          <a:lnRef idx="2">
+            <a:schemeClr val="accent6">
+              <a:shade val="50000"/>
+            </a:schemeClr>
+          </a:lnRef>
+          <a:fillRef idx="1">
+            <a:schemeClr val="accent6"/>
+          </a:fillRef>
+          <a:effectRef idx="0">
+            <a:schemeClr val="accent6"/>
+          </a:effectRef>
+          <a:fontRef idx="minor">
+            <a:schemeClr val="lt1"/>
+          </a:fontRef>
+        </p:style>
+        <p:txBody>
+          <a:bodyPr rtlCol="0" anchor="ctr"/>
+          <a:lstStyle/>
+          <a:p>
+            <a:pPr algn="ctr"/>
+            <a:endParaRPr lang="zh-CN" altLang="en-US"/>
+          </a:p>
+        </p:txBody>
+      </p:sp>
+      <p:sp>
+        <p:nvSpPr>
+          <p:cNvPr id="78" name="椭圆 77"/>
+          <p:cNvSpPr/>
+          <p:nvPr/>
+        </p:nvSpPr>
+        <p:spPr>
+          <a:xfrm>
+            <a:off x="3447464" y="3284821"/>
+            <a:ext cx="265825" cy="226993"/>
+          </a:xfrm>
+          <a:prstGeom prst="ellipse">
+            <a:avLst/>
+          </a:prstGeom>
+        </p:spPr>
+        <p:style>
+          <a:lnRef idx="2">
+            <a:schemeClr val="accent6">
+              <a:shade val="50000"/>
+            </a:schemeClr>
+          </a:lnRef>
+          <a:fillRef idx="1">
+            <a:schemeClr val="accent6"/>
+          </a:fillRef>
+          <a:effectRef idx="0">
+            <a:schemeClr val="accent6"/>
+          </a:effectRef>
+          <a:fontRef idx="minor">
+            <a:schemeClr val="lt1"/>
+          </a:fontRef>
+        </p:style>
+        <p:txBody>
+          <a:bodyPr rtlCol="0" anchor="ctr"/>
+          <a:lstStyle/>
+          <a:p>
+            <a:pPr algn="ctr"/>
+            <a:endParaRPr lang="zh-CN" altLang="en-US"/>
+          </a:p>
+        </p:txBody>
+      </p:sp>
+      <p:sp>
+        <p:nvSpPr>
+          <p:cNvPr id="79" name="椭圆 78"/>
+          <p:cNvSpPr/>
+          <p:nvPr/>
+        </p:nvSpPr>
+        <p:spPr>
+          <a:xfrm>
+            <a:off x="5576192" y="3272309"/>
+            <a:ext cx="265825" cy="226993"/>
+          </a:xfrm>
+          <a:prstGeom prst="ellipse">
+            <a:avLst/>
+          </a:prstGeom>
+        </p:spPr>
+        <p:style>
+          <a:lnRef idx="2">
+            <a:schemeClr val="accent6">
+              <a:shade val="50000"/>
+            </a:schemeClr>
+          </a:lnRef>
+          <a:fillRef idx="1">
+            <a:schemeClr val="accent6"/>
+          </a:fillRef>
+          <a:effectRef idx="0">
+            <a:schemeClr val="accent6"/>
+          </a:effectRef>
+          <a:fontRef idx="minor">
+            <a:schemeClr val="lt1"/>
+          </a:fontRef>
+        </p:style>
+        <p:txBody>
+          <a:bodyPr rtlCol="0" anchor="ctr"/>
+          <a:lstStyle/>
+          <a:p>
+            <a:pPr algn="ctr"/>
+            <a:endParaRPr lang="zh-CN" altLang="en-US"/>
+          </a:p>
+        </p:txBody>
+      </p:sp>
+      <p:sp>
+        <p:nvSpPr>
+          <p:cNvPr id="80" name="椭圆 79"/>
+          <p:cNvSpPr/>
+          <p:nvPr/>
+        </p:nvSpPr>
+        <p:spPr>
+          <a:xfrm>
+            <a:off x="7605757" y="3314191"/>
+            <a:ext cx="265825" cy="226993"/>
+          </a:xfrm>
+          <a:prstGeom prst="ellipse">
+            <a:avLst/>
+          </a:prstGeom>
+        </p:spPr>
+        <p:style>
+          <a:lnRef idx="2">
+            <a:schemeClr val="accent6">
+              <a:shade val="50000"/>
+            </a:schemeClr>
+          </a:lnRef>
+          <a:fillRef idx="1">
+            <a:schemeClr val="accent6"/>
+          </a:fillRef>
+          <a:effectRef idx="0">
+            <a:schemeClr val="accent6"/>
+          </a:effectRef>
+          <a:fontRef idx="minor">
+            <a:schemeClr val="lt1"/>
+          </a:fontRef>
+        </p:style>
+        <p:txBody>
+          <a:bodyPr rtlCol="0" anchor="ctr"/>
+          <a:lstStyle/>
+          <a:p>
+            <a:pPr algn="ctr"/>
+            <a:endParaRPr lang="zh-CN" altLang="en-US"/>
+          </a:p>
+        </p:txBody>
+      </p:sp>
+      <p:sp>
+        <p:nvSpPr>
+          <p:cNvPr id="81" name="椭圆 80"/>
+          <p:cNvSpPr/>
+          <p:nvPr/>
+        </p:nvSpPr>
+        <p:spPr>
+          <a:xfrm>
+            <a:off x="6618962" y="2415141"/>
+            <a:ext cx="265825" cy="226993"/>
+          </a:xfrm>
+          <a:prstGeom prst="ellipse">
+            <a:avLst/>
+          </a:prstGeom>
+        </p:spPr>
+        <p:style>
+          <a:lnRef idx="2">
+            <a:schemeClr val="accent6">
+              <a:shade val="50000"/>
+            </a:schemeClr>
+          </a:lnRef>
+          <a:fillRef idx="1">
+            <a:schemeClr val="accent6"/>
+          </a:fillRef>
+          <a:effectRef idx="0">
+            <a:schemeClr val="accent6"/>
+          </a:effectRef>
+          <a:fontRef idx="minor">
+            <a:schemeClr val="lt1"/>
+          </a:fontRef>
+        </p:style>
+        <p:txBody>
+          <a:bodyPr rtlCol="0" anchor="ctr"/>
+          <a:lstStyle/>
+          <a:p>
+            <a:pPr algn="ctr"/>
+            <a:endParaRPr lang="zh-CN" altLang="en-US"/>
+          </a:p>
+        </p:txBody>
+      </p:sp>
+    </p:spTree>
+    <p:extLst>
+      <p:ext uri="{BB962C8B-B14F-4D97-AF65-F5344CB8AC3E}">
+        <p14:creationId xmlns:p14="http://schemas.microsoft.com/office/powerpoint/2010/main" val="3639133684"/>
+      </p:ext>
+    </p:extLst>
+  </p:cSld>
+  <p:clrMapOvr>
+    <a:masterClrMapping/>
+  </p:clrMapOvr>
+  <mc:AlternateContent xmlns:mc="http://schemas.openxmlformats.org/markup-compatibility/2006" xmlns:p14="http://schemas.microsoft.com/office/powerpoint/2010/main">
+    <mc:Choice Requires="p14">
+      <p:transition spd="med" p14:dur="700">
+        <p:fade/>
+      </p:transition>
+    </mc:Choice>
+    <mc:Fallback xmlns="">
+      <p:transition spd="med">
+        <p:fade/>
+      </p:transition>
+    </mc:Fallback>
+  </mc:AlternateContent>
+  <p:timing>
+    <p:tnLst>
+      <p:par>
+        <p:cTn id="1" dur="indefinite" restart="never" nodeType="tmRoot"/>
+      </p:par>
+    </p:tnLst>
+  </p:timing>
+</p:sld>
+</file>
+
+<file path=ppt/slides/slide27.xml><?xml version="1.0" encoding="utf-8"?>
+<p:sld xmlns:a="http://schemas.openxmlformats.org/drawingml/2006/main" xmlns:r="http://schemas.openxmlformats.org/officeDocument/2006/relationships" xmlns:p="http://schemas.openxmlformats.org/presentationml/2006/main">
+  <p:cSld>
+    <p:spTree>
+      <p:nvGrpSpPr>
+        <p:cNvPr id="1" name=""/>
+        <p:cNvGrpSpPr/>
+        <p:nvPr/>
+      </p:nvGrpSpPr>
+      <p:grpSpPr>
+        <a:xfrm>
+          <a:off x="0" y="0"/>
+          <a:ext cx="0" cy="0"/>
+          <a:chOff x="0" y="0"/>
+          <a:chExt cx="0" cy="0"/>
+        </a:xfrm>
+      </p:grpSpPr>
+      <p:sp>
+        <p:nvSpPr>
+          <p:cNvPr id="2" name="标题 1"/>
+          <p:cNvSpPr>
+            <a:spLocks noGrp="1"/>
+          </p:cNvSpPr>
+          <p:nvPr>
+            <p:ph type="title"/>
+          </p:nvPr>
+        </p:nvSpPr>
+        <p:spPr>
+          <a:xfrm>
+            <a:off x="1522413" y="393777"/>
+            <a:ext cx="9144001" cy="762000"/>
+          </a:xfrm>
+        </p:spPr>
+        <p:txBody>
+          <a:bodyPr>
+            <a:normAutofit/>
+          </a:bodyPr>
+          <a:lstStyle/>
+          <a:p>
+            <a:r>
+              <a:rPr lang="en-US" altLang="zh-TW" dirty="0"/>
+              <a:t>Markov </a:t>
+            </a:r>
+            <a:r>
+              <a:rPr lang="en-US" altLang="zh-TW" dirty="0" smtClean="0"/>
+              <a:t>Decision Process: Policy</a:t>
+            </a:r>
+            <a:endParaRPr lang="zh-CN" altLang="en-US" dirty="0"/>
+          </a:p>
+        </p:txBody>
+      </p:sp>
+      <p:sp>
+        <p:nvSpPr>
+          <p:cNvPr id="8" name="内容占位符 2"/>
+          <p:cNvSpPr>
+            <a:spLocks noGrp="1"/>
+          </p:cNvSpPr>
+          <p:nvPr>
+            <p:ph sz="half" idx="1"/>
+          </p:nvPr>
+        </p:nvSpPr>
+        <p:spPr>
+          <a:xfrm>
+            <a:off x="798513" y="1295400"/>
+            <a:ext cx="10591799" cy="5029200"/>
+          </a:xfrm>
+        </p:spPr>
+        <p:txBody>
+          <a:bodyPr rtlCol="0">
+            <a:normAutofit/>
+          </a:bodyPr>
+          <a:lstStyle/>
+          <a:p>
+            <a:endParaRPr lang="en-US" altLang="zh-CN" sz="1800" b="1" i="1" dirty="0">
+              <a:solidFill>
+                <a:schemeClr val="tx1">
+                  <a:lumMod val="95000"/>
+                </a:schemeClr>
+              </a:solidFill>
+            </a:endParaRPr>
+          </a:p>
+          <a:p>
+            <a:endParaRPr lang="en-US" altLang="zh-CN" sz="1800" b="1" i="1" dirty="0" smtClean="0">
+              <a:solidFill>
+                <a:schemeClr val="tx1">
+                  <a:lumMod val="95000"/>
+                </a:schemeClr>
+              </a:solidFill>
+            </a:endParaRPr>
+          </a:p>
+          <a:p>
+            <a:endParaRPr lang="en-US" altLang="zh-CN" sz="1800" b="1" i="1" dirty="0">
+              <a:solidFill>
+                <a:schemeClr val="tx1">
+                  <a:lumMod val="95000"/>
+                </a:schemeClr>
+              </a:solidFill>
+            </a:endParaRPr>
+          </a:p>
+          <a:p>
+            <a:endParaRPr lang="en-US" altLang="zh-CN" sz="1800" b="1" i="1" dirty="0" smtClean="0">
+              <a:solidFill>
+                <a:schemeClr val="tx1">
+                  <a:lumMod val="95000"/>
+                </a:schemeClr>
+              </a:solidFill>
+            </a:endParaRPr>
+          </a:p>
+        </p:txBody>
+      </p:sp>
+      <p:pic>
+        <p:nvPicPr>
+          <p:cNvPr id="4" name="图片 3"/>
+          <p:cNvPicPr>
+            <a:picLocks noChangeAspect="1"/>
+          </p:cNvPicPr>
+          <p:nvPr/>
+        </p:nvPicPr>
+        <p:blipFill>
+          <a:blip r:embed="rId2"/>
+          <a:stretch>
+            <a:fillRect/>
+          </a:stretch>
+        </p:blipFill>
+        <p:spPr>
+          <a:xfrm>
+            <a:off x="1217612" y="1275094"/>
+            <a:ext cx="8220075" cy="619125"/>
+          </a:xfrm>
+          <a:prstGeom prst="rect">
+            <a:avLst/>
+          </a:prstGeom>
+        </p:spPr>
+      </p:pic>
+      <p:sp>
+        <p:nvSpPr>
+          <p:cNvPr id="6" name="文本框 5"/>
+          <p:cNvSpPr txBox="1"/>
+          <p:nvPr/>
+        </p:nvSpPr>
+        <p:spPr>
+          <a:xfrm>
+            <a:off x="1217612" y="2033842"/>
+            <a:ext cx="8915400" cy="2923877"/>
+          </a:xfrm>
+          <a:prstGeom prst="rect">
+            <a:avLst/>
+          </a:prstGeom>
+          <a:noFill/>
+        </p:spPr>
+        <p:txBody>
+          <a:bodyPr wrap="square" rtlCol="0">
+            <a:spAutoFit/>
+          </a:bodyPr>
+          <a:lstStyle/>
+          <a:p>
+            <a:r>
+              <a:rPr lang="en-US" altLang="zh-CN" sz="2800" dirty="0" smtClean="0"/>
+              <a:t>A policy is a distribution over actions given states.</a:t>
+            </a:r>
+          </a:p>
+          <a:p>
+            <a:endParaRPr lang="en-US" altLang="zh-CN" sz="2800" dirty="0" smtClean="0"/>
+          </a:p>
+          <a:p>
+            <a:r>
+              <a:rPr lang="en-US" altLang="zh-CN" sz="2800" dirty="0" smtClean="0"/>
+              <a:t>                         </a:t>
+            </a:r>
+            <a:r>
+              <a:rPr lang="el-GR" altLang="zh-CN" sz="2800" dirty="0" smtClean="0"/>
+              <a:t>π</a:t>
+            </a:r>
+            <a:r>
+              <a:rPr lang="en-US" altLang="zh-CN" sz="2800" dirty="0" smtClean="0"/>
+              <a:t>(a | s) = P[A</a:t>
+            </a:r>
+            <a:r>
+              <a:rPr lang="en-US" altLang="zh-CN" sz="2800" baseline="-25000" dirty="0" smtClean="0"/>
+              <a:t>t</a:t>
+            </a:r>
+            <a:r>
+              <a:rPr lang="en-US" altLang="zh-CN" sz="2800" dirty="0" smtClean="0"/>
+              <a:t>=a | S</a:t>
+            </a:r>
+            <a:r>
+              <a:rPr lang="en-US" altLang="zh-CN" sz="2800" baseline="-25000" dirty="0" smtClean="0"/>
+              <a:t>t</a:t>
+            </a:r>
+            <a:r>
+              <a:rPr lang="en-US" altLang="zh-CN" sz="2800" dirty="0" smtClean="0"/>
+              <a:t>=s]</a:t>
+            </a:r>
+          </a:p>
+          <a:p>
+            <a:endParaRPr lang="en-US" altLang="zh-CN" sz="2800" dirty="0"/>
+          </a:p>
+          <a:p>
+            <a:pPr marL="457200" indent="-457200">
+              <a:buFont typeface="Arial" panose="020B0604020202020204" pitchFamily="34" charset="0"/>
+              <a:buChar char="•"/>
+            </a:pPr>
+            <a:r>
+              <a:rPr lang="en-US" altLang="zh-CN" sz="2400" dirty="0" smtClean="0"/>
+              <a:t>A policy fully defines the behaviors of an agent.</a:t>
+            </a:r>
+          </a:p>
+          <a:p>
+            <a:pPr marL="457200" indent="-457200">
+              <a:buFont typeface="Arial" panose="020B0604020202020204" pitchFamily="34" charset="0"/>
+              <a:buChar char="•"/>
+            </a:pPr>
+            <a:r>
+              <a:rPr lang="en-US" altLang="zh-CN" sz="2400" dirty="0" smtClean="0"/>
+              <a:t>MDP policy depends on the current state (not history).</a:t>
+            </a:r>
+          </a:p>
+          <a:p>
+            <a:pPr marL="457200" indent="-457200">
+              <a:buFont typeface="Arial" panose="020B0604020202020204" pitchFamily="34" charset="0"/>
+              <a:buChar char="•"/>
+            </a:pPr>
+            <a:r>
+              <a:rPr lang="en-US" altLang="zh-CN" sz="2400" dirty="0" smtClean="0"/>
+              <a:t>Policy is time-independent.</a:t>
+            </a:r>
+          </a:p>
+        </p:txBody>
+      </p:sp>
+    </p:spTree>
+    <p:extLst>
+      <p:ext uri="{BB962C8B-B14F-4D97-AF65-F5344CB8AC3E}">
+        <p14:creationId xmlns:p14="http://schemas.microsoft.com/office/powerpoint/2010/main" val="322871112"/>
+      </p:ext>
+    </p:extLst>
+  </p:cSld>
+  <p:clrMapOvr>
+    <a:masterClrMapping/>
+  </p:clrMapOvr>
+  <mc:AlternateContent xmlns:mc="http://schemas.openxmlformats.org/markup-compatibility/2006" xmlns:p14="http://schemas.microsoft.com/office/powerpoint/2010/main">
+    <mc:Choice Requires="p14">
+      <p:transition spd="med" p14:dur="700">
+        <p:fade/>
+      </p:transition>
+    </mc:Choice>
+    <mc:Fallback xmlns="">
+      <p:transition spd="med">
+        <p:fade/>
+      </p:transition>
+    </mc:Fallback>
+  </mc:AlternateContent>
+  <p:timing>
+    <p:tnLst>
+      <p:par>
+        <p:cTn id="1" dur="indefinite" restart="never" nodeType="tmRoot"/>
+      </p:par>
+    </p:tnLst>
+  </p:timing>
+</p:sld>
+</file>
+
+<file path=ppt/slides/slide28.xml><?xml version="1.0" encoding="utf-8"?>
+<p:sld xmlns:a="http://schemas.openxmlformats.org/drawingml/2006/main" xmlns:r="http://schemas.openxmlformats.org/officeDocument/2006/relationships" xmlns:p="http://schemas.openxmlformats.org/presentationml/2006/main">
+  <p:cSld>
+    <p:spTree>
+      <p:nvGrpSpPr>
+        <p:cNvPr id="1" name=""/>
+        <p:cNvGrpSpPr/>
+        <p:nvPr/>
+      </p:nvGrpSpPr>
+      <p:grpSpPr>
+        <a:xfrm>
+          <a:off x="0" y="0"/>
+          <a:ext cx="0" cy="0"/>
+          <a:chOff x="0" y="0"/>
+          <a:chExt cx="0" cy="0"/>
+        </a:xfrm>
+      </p:grpSpPr>
+      <p:sp>
+        <p:nvSpPr>
+          <p:cNvPr id="2" name="标题 1"/>
+          <p:cNvSpPr>
+            <a:spLocks noGrp="1"/>
+          </p:cNvSpPr>
+          <p:nvPr>
+            <p:ph type="title"/>
+          </p:nvPr>
+        </p:nvSpPr>
+        <p:spPr>
+          <a:xfrm>
+            <a:off x="1522413" y="393777"/>
+            <a:ext cx="9144001" cy="762000"/>
+          </a:xfrm>
+        </p:spPr>
+        <p:txBody>
+          <a:bodyPr>
+            <a:normAutofit/>
+          </a:bodyPr>
+          <a:lstStyle/>
+          <a:p>
+            <a:r>
+              <a:rPr lang="en-US" altLang="zh-TW" dirty="0"/>
+              <a:t>Markov </a:t>
+            </a:r>
+            <a:r>
+              <a:rPr lang="en-US" altLang="zh-TW" dirty="0" smtClean="0"/>
+              <a:t>Decision Process: Policy</a:t>
+            </a:r>
+            <a:endParaRPr lang="zh-CN" altLang="en-US" dirty="0"/>
+          </a:p>
+        </p:txBody>
+      </p:sp>
+      <p:sp>
+        <p:nvSpPr>
+          <p:cNvPr id="8" name="内容占位符 2"/>
+          <p:cNvSpPr>
+            <a:spLocks noGrp="1"/>
+          </p:cNvSpPr>
+          <p:nvPr>
+            <p:ph sz="half" idx="1"/>
+          </p:nvPr>
+        </p:nvSpPr>
+        <p:spPr>
+          <a:xfrm>
+            <a:off x="798513" y="1295400"/>
+            <a:ext cx="10591799" cy="5029200"/>
+          </a:xfrm>
+        </p:spPr>
+        <p:txBody>
+          <a:bodyPr rtlCol="0">
+            <a:normAutofit/>
+          </a:bodyPr>
+          <a:lstStyle/>
+          <a:p>
+            <a:endParaRPr lang="en-US" altLang="zh-CN" sz="1800" b="1" i="1" dirty="0">
+              <a:solidFill>
+                <a:schemeClr val="tx1">
+                  <a:lumMod val="95000"/>
+                </a:schemeClr>
+              </a:solidFill>
+            </a:endParaRPr>
+          </a:p>
+          <a:p>
+            <a:endParaRPr lang="en-US" altLang="zh-CN" sz="1800" b="1" i="1" dirty="0" smtClean="0">
+              <a:solidFill>
+                <a:schemeClr val="tx1">
+                  <a:lumMod val="95000"/>
+                </a:schemeClr>
+              </a:solidFill>
+            </a:endParaRPr>
+          </a:p>
+          <a:p>
+            <a:endParaRPr lang="en-US" altLang="zh-CN" sz="1800" b="1" i="1" dirty="0">
+              <a:solidFill>
+                <a:schemeClr val="tx1">
+                  <a:lumMod val="95000"/>
+                </a:schemeClr>
+              </a:solidFill>
+            </a:endParaRPr>
+          </a:p>
+          <a:p>
+            <a:endParaRPr lang="en-US" altLang="zh-CN" sz="1800" b="1" i="1" dirty="0" smtClean="0">
+              <a:solidFill>
+                <a:schemeClr val="tx1">
+                  <a:lumMod val="95000"/>
+                </a:schemeClr>
+              </a:solidFill>
+            </a:endParaRPr>
+          </a:p>
+        </p:txBody>
+      </p:sp>
+      <p:pic>
+        <p:nvPicPr>
+          <p:cNvPr id="4" name="图片 3"/>
+          <p:cNvPicPr>
+            <a:picLocks noChangeAspect="1"/>
+          </p:cNvPicPr>
+          <p:nvPr/>
+        </p:nvPicPr>
+        <p:blipFill>
+          <a:blip r:embed="rId2"/>
+          <a:stretch>
+            <a:fillRect/>
+          </a:stretch>
+        </p:blipFill>
+        <p:spPr>
+          <a:xfrm>
+            <a:off x="1217612" y="1275094"/>
+            <a:ext cx="8220075" cy="619125"/>
+          </a:xfrm>
+          <a:prstGeom prst="rect">
+            <a:avLst/>
+          </a:prstGeom>
+        </p:spPr>
+      </p:pic>
+      <p:sp>
+        <p:nvSpPr>
+          <p:cNvPr id="6" name="文本框 5"/>
+          <p:cNvSpPr txBox="1"/>
+          <p:nvPr/>
+        </p:nvSpPr>
+        <p:spPr>
+          <a:xfrm>
+            <a:off x="1217612" y="2170638"/>
+            <a:ext cx="8915400" cy="3765133"/>
+          </a:xfrm>
+          <a:prstGeom prst="rect">
+            <a:avLst/>
+          </a:prstGeom>
+          <a:noFill/>
+        </p:spPr>
+        <p:txBody>
+          <a:bodyPr wrap="square" rtlCol="0">
+            <a:spAutoFit/>
+          </a:bodyPr>
+          <a:lstStyle/>
+          <a:p>
+            <a:r>
+              <a:rPr lang="en-US" altLang="zh-CN" sz="2400" dirty="0" smtClean="0"/>
+              <a:t>v (s) = </a:t>
+            </a:r>
+            <a:r>
+              <a:rPr lang="en-US" altLang="zh-CN" sz="2400" dirty="0" smtClean="0">
+                <a:ea typeface="Microsoft Sans Serif" panose="020B0604020202020204" pitchFamily="34" charset="0"/>
+                <a:cs typeface="Microsoft Sans Serif" panose="020B0604020202020204" pitchFamily="34" charset="0"/>
+              </a:rPr>
+              <a:t>∑  </a:t>
+            </a:r>
+            <a:r>
+              <a:rPr lang="el-GR" altLang="zh-CN" sz="2400" dirty="0" smtClean="0">
+                <a:ea typeface="Microsoft Sans Serif" panose="020B0604020202020204" pitchFamily="34" charset="0"/>
+                <a:cs typeface="Microsoft Sans Serif" panose="020B0604020202020204" pitchFamily="34" charset="0"/>
+              </a:rPr>
+              <a:t>π</a:t>
+            </a:r>
+            <a:r>
+              <a:rPr lang="en-US" altLang="zh-CN" sz="2400" dirty="0" smtClean="0">
+                <a:ea typeface="Microsoft Sans Serif" panose="020B0604020202020204" pitchFamily="34" charset="0"/>
+                <a:cs typeface="Microsoft Sans Serif" panose="020B0604020202020204" pitchFamily="34" charset="0"/>
+              </a:rPr>
+              <a:t>(</a:t>
+            </a:r>
+            <a:r>
+              <a:rPr lang="en-US" altLang="zh-CN" sz="2400" dirty="0" err="1" smtClean="0">
+                <a:ea typeface="Microsoft Sans Serif" panose="020B0604020202020204" pitchFamily="34" charset="0"/>
+                <a:cs typeface="Microsoft Sans Serif" panose="020B0604020202020204" pitchFamily="34" charset="0"/>
+              </a:rPr>
+              <a:t>a|s</a:t>
+            </a:r>
+            <a:r>
+              <a:rPr lang="en-US" altLang="zh-CN" sz="2400" dirty="0" smtClean="0">
+                <a:ea typeface="Microsoft Sans Serif" panose="020B0604020202020204" pitchFamily="34" charset="0"/>
+                <a:cs typeface="Microsoft Sans Serif" panose="020B0604020202020204" pitchFamily="34" charset="0"/>
+              </a:rPr>
+              <a:t>) q (</a:t>
+            </a:r>
+            <a:r>
+              <a:rPr lang="en-US" altLang="zh-CN" sz="2400" dirty="0" err="1" smtClean="0">
+                <a:ea typeface="Microsoft Sans Serif" panose="020B0604020202020204" pitchFamily="34" charset="0"/>
+                <a:cs typeface="Microsoft Sans Serif" panose="020B0604020202020204" pitchFamily="34" charset="0"/>
+              </a:rPr>
+              <a:t>s,a</a:t>
+            </a:r>
+            <a:r>
+              <a:rPr lang="en-US" altLang="zh-CN" sz="2400" dirty="0" smtClean="0">
+                <a:ea typeface="Microsoft Sans Serif" panose="020B0604020202020204" pitchFamily="34" charset="0"/>
+                <a:cs typeface="Microsoft Sans Serif" panose="020B0604020202020204" pitchFamily="34" charset="0"/>
+              </a:rPr>
+              <a:t>)</a:t>
+            </a:r>
+            <a:endParaRPr lang="en-US" altLang="zh-CN" sz="2400" dirty="0" smtClean="0"/>
+          </a:p>
+          <a:p>
+            <a:r>
+              <a:rPr lang="en-US" altLang="zh-CN" sz="2400" baseline="30000" dirty="0" smtClean="0"/>
+              <a:t>   </a:t>
+            </a:r>
+            <a:r>
+              <a:rPr lang="el-GR" altLang="zh-CN" sz="2400" baseline="30000" dirty="0">
+                <a:ea typeface="Microsoft Sans Serif" panose="020B0604020202020204" pitchFamily="34" charset="0"/>
+                <a:cs typeface="Microsoft Sans Serif" panose="020B0604020202020204" pitchFamily="34" charset="0"/>
+              </a:rPr>
+              <a:t>π</a:t>
+            </a:r>
+            <a:r>
+              <a:rPr lang="en-US" altLang="zh-CN" sz="2400" baseline="30000" dirty="0" smtClean="0"/>
+              <a:t>            </a:t>
+            </a:r>
+            <a:r>
+              <a:rPr lang="en-US" altLang="zh-CN" sz="2400" baseline="30000" dirty="0" smtClean="0">
+                <a:ea typeface="Microsoft Sans Serif" panose="020B0604020202020204" pitchFamily="34" charset="0"/>
+                <a:cs typeface="Microsoft Sans Serif" panose="020B0604020202020204" pitchFamily="34" charset="0"/>
+              </a:rPr>
+              <a:t>a</a:t>
+            </a:r>
+            <a:r>
+              <a:rPr lang="az-Cyrl-AZ" altLang="zh-CN" sz="2400" baseline="30000" dirty="0">
+                <a:ea typeface="Microsoft Sans Serif" panose="020B0604020202020204" pitchFamily="34" charset="0"/>
+                <a:cs typeface="Microsoft Sans Serif" panose="020B0604020202020204" pitchFamily="34" charset="0"/>
+              </a:rPr>
+              <a:t>є</a:t>
+            </a:r>
+            <a:r>
+              <a:rPr lang="en-US" altLang="zh-CN" sz="2400" baseline="30000" dirty="0" smtClean="0">
+                <a:ea typeface="Microsoft Sans Serif" panose="020B0604020202020204" pitchFamily="34" charset="0"/>
+                <a:cs typeface="Microsoft Sans Serif" panose="020B0604020202020204" pitchFamily="34" charset="0"/>
+              </a:rPr>
+              <a:t>A                       </a:t>
+            </a:r>
+            <a:r>
+              <a:rPr lang="el-GR" altLang="zh-CN" sz="2400" baseline="30000" dirty="0" smtClean="0">
+                <a:ea typeface="Microsoft Sans Serif" panose="020B0604020202020204" pitchFamily="34" charset="0"/>
+                <a:cs typeface="Microsoft Sans Serif" panose="020B0604020202020204" pitchFamily="34" charset="0"/>
+              </a:rPr>
+              <a:t>π</a:t>
+            </a:r>
+            <a:endParaRPr lang="en-US" altLang="zh-CN" sz="2400" baseline="30000" dirty="0" smtClean="0">
+              <a:ea typeface="Microsoft Sans Serif" panose="020B0604020202020204" pitchFamily="34" charset="0"/>
+              <a:cs typeface="Microsoft Sans Serif" panose="020B0604020202020204" pitchFamily="34" charset="0"/>
+            </a:endParaRPr>
+          </a:p>
+          <a:p>
+            <a:r>
+              <a:rPr lang="en-US" altLang="zh-CN" sz="2400" baseline="-25000" dirty="0" smtClean="0"/>
+              <a:t>                              </a:t>
+            </a:r>
+          </a:p>
+          <a:p>
+            <a:r>
+              <a:rPr lang="en-US" altLang="zh-CN" sz="2400" dirty="0" smtClean="0"/>
+              <a:t>q</a:t>
+            </a:r>
+            <a:r>
+              <a:rPr lang="el-GR" altLang="zh-CN" sz="2400" baseline="30000" dirty="0">
+                <a:ea typeface="Microsoft Sans Serif" panose="020B0604020202020204" pitchFamily="34" charset="0"/>
+                <a:cs typeface="Microsoft Sans Serif" panose="020B0604020202020204" pitchFamily="34" charset="0"/>
+              </a:rPr>
+              <a:t> </a:t>
+            </a:r>
+            <a:r>
+              <a:rPr lang="el-GR" altLang="zh-CN" sz="2400" baseline="-25000" dirty="0" smtClean="0">
+                <a:ea typeface="Microsoft Sans Serif" panose="020B0604020202020204" pitchFamily="34" charset="0"/>
+                <a:cs typeface="Microsoft Sans Serif" panose="020B0604020202020204" pitchFamily="34" charset="0"/>
+              </a:rPr>
+              <a:t>π</a:t>
+            </a:r>
+            <a:r>
+              <a:rPr lang="en-US" altLang="zh-CN" sz="2400" dirty="0" smtClean="0"/>
+              <a:t>(s, a) = R</a:t>
+            </a:r>
+            <a:r>
+              <a:rPr lang="en-US" altLang="zh-CN" sz="2400" baseline="-25000" dirty="0"/>
+              <a:t> </a:t>
+            </a:r>
+            <a:r>
+              <a:rPr lang="en-US" altLang="zh-CN" sz="2400" baseline="30000" dirty="0" smtClean="0"/>
+              <a:t>a</a:t>
+            </a:r>
+            <a:r>
+              <a:rPr lang="en-US" altLang="zh-CN" sz="2400" baseline="-25000" dirty="0" smtClean="0"/>
+              <a:t>s</a:t>
+            </a:r>
+            <a:r>
+              <a:rPr lang="en-US" altLang="zh-CN" sz="2400" dirty="0" smtClean="0"/>
+              <a:t>  + </a:t>
+            </a:r>
+            <a:r>
+              <a:rPr lang="en-US" altLang="zh-CN" sz="2400" dirty="0">
+                <a:ea typeface="Microsoft Sans Serif" panose="020B0604020202020204" pitchFamily="34" charset="0"/>
+                <a:cs typeface="Microsoft Sans Serif" panose="020B0604020202020204" pitchFamily="34" charset="0"/>
+              </a:rPr>
+              <a:t>∑  </a:t>
+            </a:r>
+            <a:r>
+              <a:rPr lang="en-US" altLang="zh-CN" sz="2400" dirty="0" smtClean="0">
+                <a:ea typeface="Microsoft Sans Serif" panose="020B0604020202020204" pitchFamily="34" charset="0"/>
+                <a:cs typeface="Microsoft Sans Serif" panose="020B0604020202020204" pitchFamily="34" charset="0"/>
+              </a:rPr>
+              <a:t>P</a:t>
+            </a:r>
+            <a:r>
+              <a:rPr lang="en-US" altLang="zh-CN" sz="2400" baseline="-25000" dirty="0"/>
+              <a:t> </a:t>
+            </a:r>
+            <a:r>
+              <a:rPr lang="en-US" altLang="zh-CN" sz="2400" baseline="30000" dirty="0" smtClean="0"/>
+              <a:t>a</a:t>
+            </a:r>
+            <a:r>
+              <a:rPr lang="en-US" altLang="zh-CN" sz="2400" baseline="-25000" dirty="0" smtClean="0">
+                <a:ea typeface="Microsoft Sans Serif" panose="020B0604020202020204" pitchFamily="34" charset="0"/>
+                <a:cs typeface="Microsoft Sans Serif" panose="020B0604020202020204" pitchFamily="34" charset="0"/>
+              </a:rPr>
+              <a:t>ss’</a:t>
+            </a:r>
+            <a:r>
+              <a:rPr lang="en-US" altLang="zh-CN" sz="2400" dirty="0" smtClean="0">
+                <a:ea typeface="Microsoft Sans Serif" panose="020B0604020202020204" pitchFamily="34" charset="0"/>
+                <a:cs typeface="Microsoft Sans Serif" panose="020B0604020202020204" pitchFamily="34" charset="0"/>
+              </a:rPr>
+              <a:t> v</a:t>
+            </a:r>
+            <a:r>
+              <a:rPr lang="el-GR" altLang="zh-CN" sz="2400" baseline="30000" dirty="0">
+                <a:ea typeface="Microsoft Sans Serif" panose="020B0604020202020204" pitchFamily="34" charset="0"/>
+                <a:cs typeface="Microsoft Sans Serif" panose="020B0604020202020204" pitchFamily="34" charset="0"/>
+              </a:rPr>
+              <a:t> </a:t>
+            </a:r>
+            <a:r>
+              <a:rPr lang="el-GR" altLang="zh-CN" sz="2400" baseline="-25000" dirty="0">
+                <a:ea typeface="Microsoft Sans Serif" panose="020B0604020202020204" pitchFamily="34" charset="0"/>
+                <a:cs typeface="Microsoft Sans Serif" panose="020B0604020202020204" pitchFamily="34" charset="0"/>
+              </a:rPr>
+              <a:t>π</a:t>
+            </a:r>
+            <a:r>
+              <a:rPr lang="en-US" altLang="zh-CN" sz="2400" dirty="0" smtClean="0">
+                <a:ea typeface="Microsoft Sans Serif" panose="020B0604020202020204" pitchFamily="34" charset="0"/>
+                <a:cs typeface="Microsoft Sans Serif" panose="020B0604020202020204" pitchFamily="34" charset="0"/>
+              </a:rPr>
+              <a:t>(s’)</a:t>
+            </a:r>
+          </a:p>
+          <a:p>
+            <a:r>
+              <a:rPr lang="en-US" altLang="zh-CN" sz="2800" baseline="30000" dirty="0" smtClean="0"/>
+              <a:t>                                       s’</a:t>
+            </a:r>
+            <a:r>
+              <a:rPr lang="az-Cyrl-AZ" altLang="zh-CN" sz="2800" baseline="30000" dirty="0" smtClean="0">
+                <a:ea typeface="Microsoft Sans Serif" panose="020B0604020202020204" pitchFamily="34" charset="0"/>
+                <a:cs typeface="Microsoft Sans Serif" panose="020B0604020202020204" pitchFamily="34" charset="0"/>
+              </a:rPr>
+              <a:t>є</a:t>
+            </a:r>
+            <a:r>
+              <a:rPr lang="en-US" altLang="zh-CN" sz="2800" baseline="30000" dirty="0" smtClean="0">
+                <a:ea typeface="Microsoft Sans Serif" panose="020B0604020202020204" pitchFamily="34" charset="0"/>
+                <a:cs typeface="Microsoft Sans Serif" panose="020B0604020202020204" pitchFamily="34" charset="0"/>
+              </a:rPr>
+              <a:t>S</a:t>
+            </a:r>
+          </a:p>
+          <a:p>
+            <a:endParaRPr lang="en-US" altLang="zh-CN" sz="2800" dirty="0" smtClean="0">
+              <a:ea typeface="Microsoft Sans Serif" panose="020B0604020202020204" pitchFamily="34" charset="0"/>
+              <a:cs typeface="Microsoft Sans Serif" panose="020B0604020202020204" pitchFamily="34" charset="0"/>
+            </a:endParaRPr>
+          </a:p>
+          <a:p>
+            <a:r>
+              <a:rPr lang="en-US" altLang="zh-CN" sz="2800" dirty="0" smtClean="0">
+                <a:ea typeface="Microsoft Sans Serif" panose="020B0604020202020204" pitchFamily="34" charset="0"/>
+                <a:cs typeface="Microsoft Sans Serif" panose="020B0604020202020204" pitchFamily="34" charset="0"/>
+              </a:rPr>
+              <a:t>v</a:t>
+            </a:r>
+            <a:r>
+              <a:rPr lang="en-US" altLang="zh-CN" sz="1600" baseline="-25000" dirty="0" smtClean="0">
+                <a:ea typeface="Microsoft Sans Serif" panose="020B0604020202020204" pitchFamily="34" charset="0"/>
+                <a:cs typeface="Microsoft Sans Serif" panose="020B0604020202020204" pitchFamily="34" charset="0"/>
+              </a:rPr>
+              <a:t>*</a:t>
+            </a:r>
+            <a:r>
+              <a:rPr lang="en-US" altLang="zh-CN" sz="2800" dirty="0" smtClean="0">
+                <a:ea typeface="Microsoft Sans Serif" panose="020B0604020202020204" pitchFamily="34" charset="0"/>
+                <a:cs typeface="Microsoft Sans Serif" panose="020B0604020202020204" pitchFamily="34" charset="0"/>
+              </a:rPr>
+              <a:t>(s) = max  </a:t>
+            </a:r>
+            <a:r>
+              <a:rPr lang="en-US" altLang="zh-CN" sz="2800" dirty="0" smtClean="0"/>
+              <a:t>v</a:t>
+            </a:r>
+            <a:r>
+              <a:rPr lang="el-GR" altLang="zh-CN" sz="2800" baseline="-25000" dirty="0" smtClean="0">
+                <a:ea typeface="Microsoft Sans Serif" panose="020B0604020202020204" pitchFamily="34" charset="0"/>
+                <a:cs typeface="Microsoft Sans Serif" panose="020B0604020202020204" pitchFamily="34" charset="0"/>
+              </a:rPr>
+              <a:t>π</a:t>
+            </a:r>
+            <a:r>
+              <a:rPr lang="en-US" altLang="zh-CN" sz="2800" dirty="0" smtClean="0"/>
+              <a:t>(s</a:t>
+            </a:r>
+            <a:r>
+              <a:rPr lang="en-US" altLang="zh-CN" sz="2800" dirty="0"/>
+              <a:t>)</a:t>
+            </a:r>
+            <a:r>
+              <a:rPr lang="en-US" altLang="zh-CN" sz="2800" dirty="0" smtClean="0">
+                <a:ea typeface="Microsoft Sans Serif" panose="020B0604020202020204" pitchFamily="34" charset="0"/>
+                <a:cs typeface="Microsoft Sans Serif" panose="020B0604020202020204" pitchFamily="34" charset="0"/>
+              </a:rPr>
+              <a:t>  </a:t>
+            </a:r>
+          </a:p>
+          <a:p>
+            <a:r>
+              <a:rPr lang="en-US" altLang="zh-CN" sz="2800" baseline="30000" dirty="0" smtClean="0"/>
+              <a:t>                         </a:t>
+            </a:r>
+            <a:r>
+              <a:rPr lang="el-GR" altLang="zh-CN" sz="2800" baseline="30000" dirty="0" smtClean="0">
+                <a:ea typeface="Microsoft Sans Serif" panose="020B0604020202020204" pitchFamily="34" charset="0"/>
+                <a:cs typeface="Microsoft Sans Serif" panose="020B0604020202020204" pitchFamily="34" charset="0"/>
+              </a:rPr>
+              <a:t>π</a:t>
+            </a:r>
+            <a:r>
+              <a:rPr lang="en-US" altLang="zh-CN" sz="2800" baseline="30000" dirty="0" smtClean="0"/>
+              <a:t>           </a:t>
+            </a:r>
+          </a:p>
+          <a:p>
+            <a:r>
+              <a:rPr lang="en-US" altLang="zh-CN" sz="2400" dirty="0" smtClean="0">
+                <a:ea typeface="Microsoft Sans Serif" panose="020B0604020202020204" pitchFamily="34" charset="0"/>
+                <a:cs typeface="Microsoft Sans Serif" panose="020B0604020202020204" pitchFamily="34" charset="0"/>
+              </a:rPr>
+              <a:t>q</a:t>
+            </a:r>
+            <a:r>
+              <a:rPr lang="en-US" altLang="zh-CN" sz="1600" baseline="-25000" dirty="0" smtClean="0">
+                <a:ea typeface="Microsoft Sans Serif" panose="020B0604020202020204" pitchFamily="34" charset="0"/>
+                <a:cs typeface="Microsoft Sans Serif" panose="020B0604020202020204" pitchFamily="34" charset="0"/>
+              </a:rPr>
+              <a:t>*</a:t>
+            </a:r>
+            <a:r>
+              <a:rPr lang="en-US" altLang="zh-CN" sz="2800" dirty="0" smtClean="0">
+                <a:ea typeface="Microsoft Sans Serif" panose="020B0604020202020204" pitchFamily="34" charset="0"/>
+                <a:cs typeface="Microsoft Sans Serif" panose="020B0604020202020204" pitchFamily="34" charset="0"/>
+              </a:rPr>
+              <a:t>(</a:t>
+            </a:r>
+            <a:r>
+              <a:rPr lang="en-US" altLang="zh-CN" sz="2800" dirty="0" err="1" smtClean="0">
+                <a:ea typeface="Microsoft Sans Serif" panose="020B0604020202020204" pitchFamily="34" charset="0"/>
+                <a:cs typeface="Microsoft Sans Serif" panose="020B0604020202020204" pitchFamily="34" charset="0"/>
+              </a:rPr>
+              <a:t>s,a</a:t>
+            </a:r>
+            <a:r>
+              <a:rPr lang="en-US" altLang="zh-CN" sz="2800" dirty="0" smtClean="0">
+                <a:ea typeface="Microsoft Sans Serif" panose="020B0604020202020204" pitchFamily="34" charset="0"/>
+                <a:cs typeface="Microsoft Sans Serif" panose="020B0604020202020204" pitchFamily="34" charset="0"/>
+              </a:rPr>
+              <a:t>) </a:t>
+            </a:r>
+            <a:r>
+              <a:rPr lang="en-US" altLang="zh-CN" sz="2800" dirty="0">
+                <a:ea typeface="Microsoft Sans Serif" panose="020B0604020202020204" pitchFamily="34" charset="0"/>
+                <a:cs typeface="Microsoft Sans Serif" panose="020B0604020202020204" pitchFamily="34" charset="0"/>
+              </a:rPr>
+              <a:t>= max </a:t>
+            </a:r>
+            <a:r>
+              <a:rPr lang="en-US" altLang="zh-CN" sz="2800" dirty="0" smtClean="0">
+                <a:ea typeface="Microsoft Sans Serif" panose="020B0604020202020204" pitchFamily="34" charset="0"/>
+                <a:cs typeface="Microsoft Sans Serif" panose="020B0604020202020204" pitchFamily="34" charset="0"/>
+              </a:rPr>
+              <a:t>q</a:t>
+            </a:r>
+            <a:r>
+              <a:rPr lang="el-GR" altLang="zh-CN" sz="2800" baseline="-25000" dirty="0" smtClean="0">
+                <a:ea typeface="Microsoft Sans Serif" panose="020B0604020202020204" pitchFamily="34" charset="0"/>
+                <a:cs typeface="Microsoft Sans Serif" panose="020B0604020202020204" pitchFamily="34" charset="0"/>
+              </a:rPr>
+              <a:t>π</a:t>
+            </a:r>
+            <a:r>
+              <a:rPr lang="en-US" altLang="zh-CN" sz="2800" dirty="0" smtClean="0"/>
+              <a:t>(</a:t>
+            </a:r>
+            <a:r>
+              <a:rPr lang="en-US" altLang="zh-CN" sz="2800" dirty="0" err="1" smtClean="0"/>
+              <a:t>s,a</a:t>
+            </a:r>
+            <a:r>
+              <a:rPr lang="en-US" altLang="zh-CN" sz="2800" dirty="0" smtClean="0"/>
+              <a:t>)</a:t>
+            </a:r>
+            <a:r>
+              <a:rPr lang="en-US" altLang="zh-CN" sz="2800" dirty="0" smtClean="0">
+                <a:ea typeface="Microsoft Sans Serif" panose="020B0604020202020204" pitchFamily="34" charset="0"/>
+                <a:cs typeface="Microsoft Sans Serif" panose="020B0604020202020204" pitchFamily="34" charset="0"/>
+              </a:rPr>
+              <a:t>  </a:t>
+            </a:r>
+            <a:endParaRPr lang="en-US" altLang="zh-CN" sz="2800" dirty="0">
+              <a:ea typeface="Microsoft Sans Serif" panose="020B0604020202020204" pitchFamily="34" charset="0"/>
+              <a:cs typeface="Microsoft Sans Serif" panose="020B0604020202020204" pitchFamily="34" charset="0"/>
+            </a:endParaRPr>
+          </a:p>
+          <a:p>
+            <a:r>
+              <a:rPr lang="en-US" altLang="zh-CN" sz="2800" baseline="30000" dirty="0"/>
+              <a:t>                </a:t>
+            </a:r>
+            <a:r>
+              <a:rPr lang="en-US" altLang="zh-CN" sz="2800" baseline="30000" dirty="0" smtClean="0"/>
+              <a:t>              </a:t>
+            </a:r>
+            <a:r>
+              <a:rPr lang="el-GR" altLang="zh-CN" sz="2800" baseline="30000" dirty="0">
+                <a:ea typeface="Microsoft Sans Serif" panose="020B0604020202020204" pitchFamily="34" charset="0"/>
+                <a:cs typeface="Microsoft Sans Serif" panose="020B0604020202020204" pitchFamily="34" charset="0"/>
+              </a:rPr>
+              <a:t>π</a:t>
+            </a:r>
+            <a:r>
+              <a:rPr lang="en-US" altLang="zh-CN" sz="2800" baseline="30000" dirty="0"/>
+              <a:t>           </a:t>
+            </a:r>
+          </a:p>
+          <a:p>
+            <a:endParaRPr lang="en-US" altLang="zh-CN" sz="2800" baseline="30000" dirty="0" smtClean="0"/>
+          </a:p>
+        </p:txBody>
+      </p:sp>
+    </p:spTree>
+    <p:extLst>
+      <p:ext uri="{BB962C8B-B14F-4D97-AF65-F5344CB8AC3E}">
+        <p14:creationId xmlns:p14="http://schemas.microsoft.com/office/powerpoint/2010/main" val="3512616876"/>
+      </p:ext>
+    </p:extLst>
+  </p:cSld>
+  <p:clrMapOvr>
+    <a:masterClrMapping/>
+  </p:clrMapOvr>
+  <mc:AlternateContent xmlns:mc="http://schemas.openxmlformats.org/markup-compatibility/2006" xmlns:p14="http://schemas.microsoft.com/office/powerpoint/2010/main">
+    <mc:Choice Requires="p14">
+      <p:transition spd="med" p14:dur="700">
+        <p:fade/>
+      </p:transition>
+    </mc:Choice>
+    <mc:Fallback xmlns="">
+      <p:transition spd="med">
+        <p:fade/>
+      </p:transition>
+    </mc:Fallback>
+  </mc:AlternateContent>
+  <p:timing>
+    <p:tnLst>
+      <p:par>
+        <p:cTn id="1" dur="indefinite" restart="never" nodeType="tmRoot"/>
+      </p:par>
+    </p:tnLst>
+  </p:timing>
+</p:sld>
+</file>
+
+<file path=ppt/slides/slide29.xml><?xml version="1.0" encoding="utf-8"?>
 <p:sld xmlns:a="http://schemas.openxmlformats.org/drawingml/2006/main" xmlns:r="http://schemas.openxmlformats.org/officeDocument/2006/relationships" xmlns:p="http://schemas.openxmlformats.org/presentationml/2006/main">
   <p:cSld>
     <p:spTree>
@@ -15977,7 +21093,7 @@
           <p:nvPr/>
         </p:nvPicPr>
         <p:blipFill>
-          <a:blip r:embed="rId2"/>
+          <a:blip r:embed="rId3"/>
           <a:stretch>
             <a:fillRect/>
           </a:stretch>
@@ -16001,7 +21117,7 @@
           <p:nvPr/>
         </p:nvPicPr>
         <p:blipFill>
-          <a:blip r:embed="rId3"/>
+          <a:blip r:embed="rId4"/>
           <a:stretch>
             <a:fillRect/>
           </a:stretch>
@@ -16025,7 +21141,7 @@
           <p:nvPr/>
         </p:nvPicPr>
         <p:blipFill>
-          <a:blip r:embed="rId4"/>
+          <a:blip r:embed="rId5"/>
           <a:stretch>
             <a:fillRect/>
           </a:stretch>
@@ -16215,7 +21331,11 @@
           <a:p>
             <a:r>
               <a:rPr lang="en-US" altLang="zh-CN" sz="1800" dirty="0" smtClean="0"/>
-              <a:t>State Transition Matrix P defines transitions probabilities from all states s to all successor states s’.</a:t>
+              <a:t>State </a:t>
+            </a:r>
+            <a:r>
+              <a:rPr lang="en-US" altLang="zh-CN" sz="1800" dirty="0" smtClean="0"/>
+              <a:t>Transition Matrix P defines transitions probabilities from all states s to all successor states s’.</a:t>
             </a:r>
           </a:p>
           <a:p>
@@ -16257,7 +21377,7 @@
         </p:blipFill>
         <p:spPr>
           <a:xfrm>
-            <a:off x="4075113" y="2936939"/>
+            <a:off x="4341812" y="2919254"/>
             <a:ext cx="3810000" cy="588818"/>
           </a:xfrm>
           <a:prstGeom prst="rect">
@@ -16305,7 +21425,7 @@
         </p:blipFill>
         <p:spPr>
           <a:xfrm>
-            <a:off x="1751012" y="2226315"/>
+            <a:off x="1522413" y="2116017"/>
             <a:ext cx="8220075" cy="619125"/>
           </a:xfrm>
           <a:prstGeom prst="rect">
@@ -17912,7 +23032,7 @@
         <p:spPr>
           <a:xfrm>
             <a:off x="6754853" y="2233016"/>
-            <a:ext cx="4793065" cy="2031325"/>
+            <a:ext cx="4793065" cy="2677656"/>
           </a:xfrm>
           <a:prstGeom prst="rect">
             <a:avLst/>
@@ -17926,7 +23046,7 @@
           <a:lstStyle/>
           <a:p>
             <a:r>
-              <a:rPr lang="en-US" altLang="zh-CN" dirty="0" smtClean="0">
+              <a:rPr lang="en-US" altLang="zh-CN" sz="2400" dirty="0" smtClean="0">
                 <a:solidFill>
                   <a:srgbClr val="FFFF00"/>
                 </a:solidFill>
@@ -17934,12 +23054,20 @@
               <a:t>Sample</a:t>
             </a:r>
             <a:r>
-              <a:rPr lang="en-US" altLang="zh-CN" dirty="0" smtClean="0"/>
-              <a:t> Episodes fro Student Markov Chain starting from S1=C1</a:t>
-            </a:r>
-          </a:p>
-          <a:p>
-            <a:endParaRPr lang="en-US" altLang="zh-CN" dirty="0" smtClean="0"/>
+              <a:rPr lang="en-US" altLang="zh-CN" sz="2400" dirty="0" smtClean="0"/>
+              <a:t> Episodes </a:t>
+            </a:r>
+            <a:r>
+              <a:rPr lang="en-US" altLang="zh-CN" sz="2400" dirty="0" smtClean="0"/>
+              <a:t>from </a:t>
+            </a:r>
+            <a:r>
+              <a:rPr lang="en-US" altLang="zh-CN" sz="2400" dirty="0" smtClean="0"/>
+              <a:t>Student Markov Chain starting from S1=C1</a:t>
+            </a:r>
+          </a:p>
+          <a:p>
+            <a:endParaRPr lang="en-US" altLang="zh-CN" sz="2400" dirty="0" smtClean="0"/>
           </a:p>
           <a:p>
             <a:pPr marL="285750" indent="-285750">
@@ -17947,7 +23075,7 @@
               <a:buChar char="•"/>
             </a:pPr>
             <a:r>
-              <a:rPr lang="en-US" altLang="zh-CN" dirty="0" smtClean="0"/>
+              <a:rPr lang="en-US" altLang="zh-CN" sz="2400" dirty="0" smtClean="0"/>
               <a:t>C1 C2 C3 P S</a:t>
             </a:r>
           </a:p>
@@ -17957,15 +23085,15 @@
               <a:buChar char="•"/>
             </a:pPr>
             <a:r>
-              <a:rPr lang="en-US" altLang="zh-CN" dirty="0" smtClean="0"/>
+              <a:rPr lang="en-US" altLang="zh-CN" sz="2400" dirty="0" smtClean="0"/>
               <a:t>C1 W </a:t>
             </a:r>
             <a:r>
-              <a:rPr lang="en-US" altLang="zh-CN" dirty="0" err="1" smtClean="0"/>
+              <a:rPr lang="en-US" altLang="zh-CN" sz="2400" dirty="0" err="1" smtClean="0"/>
               <a:t>W</a:t>
             </a:r>
             <a:r>
-              <a:rPr lang="en-US" altLang="zh-CN" dirty="0" smtClean="0"/>
+              <a:rPr lang="en-US" altLang="zh-CN" sz="2400" dirty="0" smtClean="0"/>
               <a:t> C1 C2 S</a:t>
             </a:r>
           </a:p>
@@ -17975,7 +23103,7 @@
               <a:buChar char="•"/>
             </a:pPr>
             <a:r>
-              <a:rPr lang="en-US" altLang="zh-CN" dirty="0" smtClean="0"/>
+              <a:rPr lang="en-US" altLang="zh-CN" sz="2400" dirty="0" smtClean="0"/>
               <a:t>C1 C2 C3 D C2 C3 P S</a:t>
             </a:r>
           </a:p>
@@ -17985,15 +23113,15 @@
               <a:buChar char="•"/>
             </a:pPr>
             <a:r>
-              <a:rPr lang="en-US" altLang="zh-CN" dirty="0" smtClean="0"/>
+              <a:rPr lang="en-US" altLang="zh-CN" sz="2400" dirty="0" smtClean="0"/>
               <a:t>C1 W </a:t>
             </a:r>
             <a:r>
-              <a:rPr lang="en-US" altLang="zh-CN" dirty="0" err="1" smtClean="0"/>
+              <a:rPr lang="en-US" altLang="zh-CN" sz="2400" dirty="0" err="1" smtClean="0"/>
               <a:t>W</a:t>
             </a:r>
             <a:r>
-              <a:rPr lang="en-US" altLang="zh-CN" dirty="0" smtClean="0"/>
+              <a:rPr lang="en-US" altLang="zh-CN" sz="2400" dirty="0" smtClean="0"/>
               <a:t> C1 C2 C3 D C1 C2 C3 S</a:t>
             </a:r>
           </a:p>

--- a/Speech/Reinforcement Learning 2.pptx
+++ b/Speech/Reinforcement Learning 2.pptx
@@ -5,10 +5,10 @@
     <p:sldMasterId id="2147483648" r:id="rId4"/>
   </p:sldMasterIdLst>
   <p:notesMasterIdLst>
-    <p:notesMasterId r:id="rId50"/>
+    <p:notesMasterId r:id="rId51"/>
   </p:notesMasterIdLst>
   <p:handoutMasterIdLst>
-    <p:handoutMasterId r:id="rId51"/>
+    <p:handoutMasterId r:id="rId52"/>
   </p:handoutMasterIdLst>
   <p:sldIdLst>
     <p:sldId id="265" r:id="rId5"/>
@@ -53,14 +53,15 @@
     <p:sldId id="366" r:id="rId44"/>
     <p:sldId id="367" r:id="rId45"/>
     <p:sldId id="368" r:id="rId46"/>
-    <p:sldId id="360" r:id="rId47"/>
-    <p:sldId id="349" r:id="rId48"/>
-    <p:sldId id="319" r:id="rId49"/>
+    <p:sldId id="369" r:id="rId47"/>
+    <p:sldId id="360" r:id="rId48"/>
+    <p:sldId id="349" r:id="rId49"/>
+    <p:sldId id="319" r:id="rId50"/>
   </p:sldIdLst>
   <p:sldSz cx="12188825" cy="6858000"/>
   <p:notesSz cx="6858000" cy="9144000"/>
   <p:custDataLst>
-    <p:tags r:id="rId52"/>
+    <p:tags r:id="rId53"/>
   </p:custDataLst>
   <p:defaultTextStyle>
     <a:defPPr rtl="0">
@@ -276,7 +277,7 @@
                 <a:ea typeface="微软雅黑" panose="020B0503020204020204" pitchFamily="34" charset="-122"/>
               </a:rPr>
               <a:pPr algn="r" rtl="0"/>
-              <a:t>2019/3/15</a:t>
+              <a:t>2019/3/18</a:t>
             </a:fld>
             <a:endParaRPr lang="zh-CN" altLang="en-US" dirty="0">
               <a:latin typeface="微软雅黑" panose="020B0503020204020204" pitchFamily="34" charset="-122"/>
@@ -463,7 +464,7 @@
             <a:fld id="{0760B032-84D0-4C37-BA11-143E54573B20}" type="datetime1">
               <a:rPr lang="zh-CN" altLang="en-US" smtClean="0"/>
               <a:pPr/>
-              <a:t>2019/3/15</a:t>
+              <a:t>2019/3/18</a:t>
             </a:fld>
             <a:endParaRPr lang="zh-CN" altLang="en-US" dirty="0"/>
           </a:p>
@@ -1159,7 +1160,7 @@
             <a:fld id="{CCC847F5-93BF-420F-8B65-846E937E9C1A}" type="datetime1">
               <a:rPr lang="zh-CN" altLang="en-US" smtClean="0"/>
               <a:pPr/>
-              <a:t>2019/3/15</a:t>
+              <a:t>2019/3/18</a:t>
             </a:fld>
             <a:endParaRPr lang="zh-CN" altLang="en-US" dirty="0"/>
           </a:p>
@@ -1359,7 +1360,7 @@
             <a:fld id="{6E377329-BC83-4AA4-8C27-9230F654D81D}" type="datetime1">
               <a:rPr lang="zh-CN" altLang="en-US" smtClean="0"/>
               <a:pPr/>
-              <a:t>2019/3/15</a:t>
+              <a:t>2019/3/18</a:t>
             </a:fld>
             <a:endParaRPr lang="zh-CN" altLang="en-US" dirty="0"/>
           </a:p>
@@ -1593,7 +1594,7 @@
             <a:fld id="{0590CACB-45F2-4467-AFEF-2FAF076B81D1}" type="datetime1">
               <a:rPr lang="zh-CN" altLang="en-US" smtClean="0"/>
               <a:pPr/>
-              <a:t>2019/3/15</a:t>
+              <a:t>2019/3/18</a:t>
             </a:fld>
             <a:endParaRPr lang="zh-CN" altLang="en-US" dirty="0"/>
           </a:p>
@@ -1894,7 +1895,7 @@
             <a:fld id="{2B5F8077-0E3A-4E2F-B75E-22C62A81D703}" type="datetime1">
               <a:rPr lang="zh-CN" altLang="en-US" smtClean="0"/>
               <a:pPr/>
-              <a:t>2019/3/15</a:t>
+              <a:t>2019/3/18</a:t>
             </a:fld>
             <a:endParaRPr lang="zh-CN" altLang="en-US" dirty="0"/>
           </a:p>
@@ -2246,7 +2247,7 @@
             <a:fld id="{17CC0278-CB38-4147-A3E5-29E0B37DAE13}" type="datetime1">
               <a:rPr lang="zh-CN" altLang="en-US" smtClean="0"/>
               <a:pPr/>
-              <a:t>2019/3/15</a:t>
+              <a:t>2019/3/18</a:t>
             </a:fld>
             <a:endParaRPr lang="zh-CN" altLang="en-US" dirty="0"/>
           </a:p>
@@ -2723,7 +2724,7 @@
             <a:fld id="{FE3F0142-28F1-4EAE-A000-8206DFCC5E82}" type="datetime1">
               <a:rPr lang="zh-CN" altLang="en-US" smtClean="0"/>
               <a:pPr/>
-              <a:t>2019/3/15</a:t>
+              <a:t>2019/3/18</a:t>
             </a:fld>
             <a:endParaRPr lang="zh-CN" altLang="en-US" dirty="0"/>
           </a:p>
@@ -2861,7 +2862,7 @@
             <a:fld id="{A4BB1F61-C412-4D7C-8881-587417A7B600}" type="datetime1">
               <a:rPr lang="zh-CN" altLang="en-US" smtClean="0"/>
               <a:pPr/>
-              <a:t>2019/3/15</a:t>
+              <a:t>2019/3/18</a:t>
             </a:fld>
             <a:endParaRPr lang="zh-CN" altLang="en-US" dirty="0"/>
           </a:p>
@@ -2983,7 +2984,7 @@
             <a:fld id="{8469E5D7-6C97-4873-B82C-4B22B2F17496}" type="datetime1">
               <a:rPr lang="zh-CN" altLang="en-US" smtClean="0"/>
               <a:pPr/>
-              <a:t>2019/3/15</a:t>
+              <a:t>2019/3/18</a:t>
             </a:fld>
             <a:endParaRPr lang="zh-CN" altLang="en-US" dirty="0"/>
           </a:p>
@@ -3313,7 +3314,7 @@
             <a:fld id="{D7B3E930-C3B3-4585-8A26-00F140A7FB77}" type="datetime1">
               <a:rPr lang="zh-CN" altLang="en-US" smtClean="0"/>
               <a:pPr/>
-              <a:t>2019/3/15</a:t>
+              <a:t>2019/3/18</a:t>
             </a:fld>
             <a:endParaRPr lang="zh-CN" altLang="en-US" dirty="0"/>
           </a:p>
@@ -3633,7 +3634,7 @@
             <a:fld id="{E46EF46F-E0E0-460C-B765-9380271A0BA1}" type="datetime1">
               <a:rPr lang="zh-CN" altLang="en-US" smtClean="0"/>
               <a:pPr/>
-              <a:t>2019/3/15</a:t>
+              <a:t>2019/3/18</a:t>
             </a:fld>
             <a:endParaRPr lang="zh-CN" altLang="en-US" dirty="0"/>
           </a:p>
@@ -3872,7 +3873,7 @@
             <a:fld id="{4C63F3C3-2912-4537-AF96-286DDB4356FC}" type="datetime1">
               <a:rPr lang="zh-CN" altLang="en-US" smtClean="0"/>
               <a:pPr/>
-              <a:t>2019/3/15</a:t>
+              <a:t>2019/3/18</a:t>
             </a:fld>
             <a:endParaRPr lang="zh-CN" altLang="en-US" dirty="0"/>
           </a:p>
@@ -7737,14 +7738,7 @@
                 <a:ea typeface="Microsoft Sans Serif" panose="020B0604020202020204" pitchFamily="34" charset="0"/>
                 <a:cs typeface="Microsoft Sans Serif" panose="020B0604020202020204" pitchFamily="34" charset="0"/>
               </a:rPr>
-              <a:t>C1,C2,C3,P,S              G1=-</a:t>
-            </a:r>
-            <a:r>
-              <a:rPr lang="en-US" altLang="zh-CN" sz="3800" dirty="0" smtClean="0">
-                <a:ea typeface="Microsoft Sans Serif" panose="020B0604020202020204" pitchFamily="34" charset="0"/>
-                <a:cs typeface="Microsoft Sans Serif" panose="020B0604020202020204" pitchFamily="34" charset="0"/>
-              </a:rPr>
-              <a:t>2 - 2 * 1/2 - 2 * 1/4 + 10 * 1/8 = </a:t>
+              <a:t>C1,C2,C3,P,S              G1=-2 - 2 * 1/2 - 2 * 1/4 + 10 * 1/8 = </a:t>
             </a:r>
             <a:r>
               <a:rPr lang="en-US" altLang="zh-CN" sz="3800" dirty="0">
@@ -7770,14 +7764,7 @@
                 <a:ea typeface="Microsoft Sans Serif" panose="020B0604020202020204" pitchFamily="34" charset="0"/>
                 <a:cs typeface="Microsoft Sans Serif" panose="020B0604020202020204" pitchFamily="34" charset="0"/>
               </a:rPr>
-              <a:t>C1,WC,WC,C1,C2       G1=-</a:t>
-            </a:r>
-            <a:r>
-              <a:rPr lang="en-US" altLang="zh-CN" sz="3800" dirty="0" smtClean="0">
-                <a:ea typeface="Microsoft Sans Serif" panose="020B0604020202020204" pitchFamily="34" charset="0"/>
-                <a:cs typeface="Microsoft Sans Serif" panose="020B0604020202020204" pitchFamily="34" charset="0"/>
-              </a:rPr>
-              <a:t>2 - 1 * 1/2 – 1 * 1/4 -  2 * 1/8 – 2 * 1/16</a:t>
+              <a:t>C1,WC,WC,C1,C2       G1=-2 - 1 * 1/2 – 1 * 1/4 -  2 * 1/8 – 2 * 1/16</a:t>
             </a:r>
             <a:r>
               <a:rPr lang="en-US" altLang="zh-CN" sz="3800" dirty="0">
@@ -7806,14 +7793,7 @@
                 <a:ea typeface="Microsoft Sans Serif" panose="020B0604020202020204" pitchFamily="34" charset="0"/>
                 <a:cs typeface="Microsoft Sans Serif" panose="020B0604020202020204" pitchFamily="34" charset="0"/>
               </a:rPr>
-              <a:t>C1,C2,C3,D,C2,C3,P,S  G1=-</a:t>
-            </a:r>
-            <a:r>
-              <a:rPr lang="en-US" altLang="zh-CN" sz="3800" dirty="0" smtClean="0">
-                <a:ea typeface="Microsoft Sans Serif" panose="020B0604020202020204" pitchFamily="34" charset="0"/>
-                <a:cs typeface="Microsoft Sans Serif" panose="020B0604020202020204" pitchFamily="34" charset="0"/>
-              </a:rPr>
-              <a:t>2 – 2 * 1/2 – 2 * 1/4 + 1 * 1/8 – 2 * 1/16 – 2 * 1/32+10  </a:t>
+              <a:t>C1,C2,C3,D,C2,C3,P,S  G1=-2 – 2 * 1/2 – 2 * 1/4 + 1 * 1/8 – 2 * 1/16 – 2 * 1/32+10  </a:t>
             </a:r>
           </a:p>
           <a:p>
@@ -9843,21 +9823,8 @@
                   <a:srgbClr val="FFFF00"/>
                 </a:solidFill>
               </a:rPr>
-              <a:t>R</a:t>
-            </a:r>
-            <a:r>
-              <a:rPr lang="en-US" altLang="zh-CN" dirty="0" smtClean="0">
-                <a:solidFill>
-                  <a:srgbClr val="FFFF00"/>
-                </a:solidFill>
-              </a:rPr>
-              <a:t>=+0.8</a:t>
-            </a:r>
-            <a:endParaRPr lang="en-US" altLang="zh-CN" dirty="0" smtClean="0">
-              <a:solidFill>
-                <a:srgbClr val="FFFF00"/>
-              </a:solidFill>
-            </a:endParaRPr>
+              <a:t>R=+0.8</a:t>
+            </a:r>
           </a:p>
         </p:txBody>
       </p:sp>
@@ -11806,21 +11773,8 @@
                   <a:srgbClr val="FFFF00"/>
                 </a:solidFill>
               </a:rPr>
-              <a:t>R</a:t>
-            </a:r>
-            <a:r>
-              <a:rPr lang="en-US" altLang="zh-CN" dirty="0" smtClean="0">
-                <a:solidFill>
-                  <a:srgbClr val="FFFF00"/>
-                </a:solidFill>
-              </a:rPr>
-              <a:t>=+0.8</a:t>
-            </a:r>
-            <a:endParaRPr lang="en-US" altLang="zh-CN" dirty="0" smtClean="0">
-              <a:solidFill>
-                <a:srgbClr val="FFFF00"/>
-              </a:solidFill>
-            </a:endParaRPr>
+              <a:t>R=+0.8</a:t>
+            </a:r>
           </a:p>
         </p:txBody>
       </p:sp>
@@ -12027,15 +11981,7 @@
           <a:p>
             <a:r>
               <a:rPr lang="en-US" altLang="zh-CN" sz="2000" dirty="0" smtClean="0"/>
-              <a:t>The value </a:t>
-            </a:r>
-            <a:r>
-              <a:rPr lang="en-US" altLang="zh-CN" sz="2000" dirty="0" smtClean="0"/>
-              <a:t>function(how good in a state) </a:t>
-            </a:r>
-            <a:r>
-              <a:rPr lang="en-US" altLang="zh-CN" sz="2000" dirty="0" smtClean="0"/>
-              <a:t>can be decomposed into 2 parts.</a:t>
+              <a:t>The value function(how good in a state) can be decomposed into 2 parts.</a:t>
             </a:r>
           </a:p>
           <a:p>
@@ -12048,17 +11994,12 @@
             </a:pPr>
             <a:r>
               <a:rPr lang="en-US" altLang="zh-CN" sz="2000" dirty="0" smtClean="0"/>
-              <a:t>Immediate reward </a:t>
-            </a:r>
-            <a:r>
-              <a:rPr lang="en-US" altLang="zh-CN" sz="2000" dirty="0" smtClean="0"/>
-              <a:t>R</a:t>
+              <a:t>Immediate reward R</a:t>
             </a:r>
             <a:r>
               <a:rPr lang="en-US" altLang="zh-CN" sz="2000" baseline="-25000" dirty="0" smtClean="0"/>
               <a:t>t+1</a:t>
             </a:r>
-            <a:endParaRPr lang="en-US" altLang="zh-CN" sz="2000" baseline="-25000" dirty="0" smtClean="0"/>
           </a:p>
           <a:p>
             <a:pPr marL="342900" indent="-342900">
@@ -12070,7 +12011,7 @@
               <a:t>Future reward </a:t>
             </a:r>
             <a:r>
-              <a:rPr lang="el-GR" altLang="zh-CN" sz="2000" dirty="0">
+              <a:rPr lang="el-GR" altLang="zh-CN" sz="2000" dirty="0" smtClean="0">
                 <a:ea typeface="Microsoft Sans Serif" panose="020B0604020202020204" pitchFamily="34" charset="0"/>
                 <a:cs typeface="Microsoft Sans Serif" panose="020B0604020202020204" pitchFamily="34" charset="0"/>
               </a:rPr>
@@ -12451,7 +12392,15 @@
                   <a:srgbClr val="FFFF00"/>
                 </a:solidFill>
               </a:rPr>
-              <a:t>v(S</a:t>
+              <a:t>v(</a:t>
+            </a:r>
+            <a:r>
+              <a:rPr lang="en-US" altLang="zh-CN" sz="1600" dirty="0" smtClean="0">
+                <a:solidFill>
+                  <a:srgbClr val="FFFF00"/>
+                </a:solidFill>
+              </a:rPr>
+              <a:t>S</a:t>
             </a:r>
             <a:r>
               <a:rPr lang="en-US" altLang="zh-CN" sz="2000" baseline="-25000" dirty="0" smtClean="0">
@@ -12777,30 +12726,22 @@
           </a:p>
           <a:p>
             <a:r>
-              <a:rPr lang="en-US" altLang="zh-CN" sz="2400" dirty="0">
-                <a:solidFill>
-                  <a:srgbClr val="FFFF00"/>
-                </a:solidFill>
-              </a:rPr>
-              <a:t> </a:t>
-            </a:r>
-            <a:r>
-              <a:rPr lang="en-US" altLang="zh-CN" sz="2400" dirty="0" smtClean="0">
-                <a:solidFill>
-                  <a:srgbClr val="FFFF00"/>
-                </a:solidFill>
-              </a:rPr>
-              <a:t>                                       </a:t>
-            </a:r>
-            <a:r>
               <a:rPr lang="en-US" altLang="zh-CN" sz="1600" dirty="0" smtClean="0">
                 <a:solidFill>
                   <a:srgbClr val="FFFF00"/>
                 </a:solidFill>
               </a:rPr>
-              <a:t>s’</a:t>
-            </a:r>
-            <a:endParaRPr lang="en-US" altLang="zh-CN" sz="2400" dirty="0">
+              <a:t>                                                       </a:t>
+            </a:r>
+            <a:r>
+              <a:rPr lang="en-US" altLang="zh-CN" sz="1600" dirty="0" err="1" smtClean="0">
+                <a:solidFill>
+                  <a:srgbClr val="FFFF00"/>
+                </a:solidFill>
+              </a:rPr>
+              <a:t>s'∈S</a:t>
+            </a:r>
+            <a:endParaRPr lang="en-US" altLang="zh-CN" sz="1600" dirty="0">
               <a:solidFill>
                 <a:srgbClr val="FFFF00"/>
               </a:solidFill>
@@ -14498,15 +14439,7 @@
           <a:p>
             <a:r>
               <a:rPr lang="en-US" altLang="zh-CN" dirty="0" smtClean="0"/>
-              <a:t>v(C3) = </a:t>
-            </a:r>
-            <a:r>
-              <a:rPr lang="en-US" altLang="zh-CN" dirty="0" smtClean="0"/>
-              <a:t>4.2 </a:t>
-            </a:r>
-            <a:r>
-              <a:rPr lang="en-US" altLang="zh-CN" dirty="0" smtClean="0"/>
-              <a:t>= -2 +  0.6 *10 + 0.4*0.8</a:t>
+              <a:t>v(C3) = 4.2 = -2 +  0.6 *10 + 0.4*0.8</a:t>
             </a:r>
           </a:p>
           <a:p>
@@ -15092,21 +15025,8 @@
                   <a:srgbClr val="FFFF00"/>
                 </a:solidFill>
               </a:rPr>
-              <a:t>R</a:t>
-            </a:r>
-            <a:r>
-              <a:rPr lang="en-US" altLang="zh-CN" dirty="0" smtClean="0">
-                <a:solidFill>
-                  <a:srgbClr val="FFFF00"/>
-                </a:solidFill>
-              </a:rPr>
-              <a:t>=+0.8</a:t>
-            </a:r>
-            <a:endParaRPr lang="en-US" altLang="zh-CN" dirty="0" smtClean="0">
-              <a:solidFill>
-                <a:srgbClr val="FFFF00"/>
-              </a:solidFill>
-            </a:endParaRPr>
+              <a:t>R=+0.8</a:t>
+            </a:r>
           </a:p>
         </p:txBody>
       </p:sp>
@@ -17074,21 +16994,8 @@
                   <a:srgbClr val="FFFF00"/>
                 </a:solidFill>
               </a:rPr>
-              <a:t>R</a:t>
-            </a:r>
-            <a:r>
-              <a:rPr lang="en-US" altLang="zh-CN" dirty="0" smtClean="0">
-                <a:solidFill>
-                  <a:srgbClr val="FFFF00"/>
-                </a:solidFill>
-              </a:rPr>
-              <a:t>=+0.8</a:t>
-            </a:r>
-            <a:endParaRPr lang="en-US" altLang="zh-CN" dirty="0" smtClean="0">
-              <a:solidFill>
-                <a:srgbClr val="FFFF00"/>
-              </a:solidFill>
-            </a:endParaRPr>
+              <a:t>R=+0.8</a:t>
+            </a:r>
           </a:p>
         </p:txBody>
       </p:sp>
@@ -20225,20 +20132,6 @@
               <a:rPr lang="en-US" altLang="zh-CN" sz="2400" baseline="30000" dirty="0"/>
               <a:t> </a:t>
             </a:r>
-            <a:r>
-              <a:rPr lang="en-US" altLang="zh-CN" sz="2400" dirty="0" smtClean="0">
-                <a:ea typeface="Microsoft Sans Serif" panose="020B0604020202020204" pitchFamily="34" charset="0"/>
-                <a:cs typeface="Microsoft Sans Serif" panose="020B0604020202020204" pitchFamily="34" charset="0"/>
-              </a:rPr>
-              <a:t>q(s</a:t>
-            </a:r>
-            <a:r>
-              <a:rPr lang="en-US" altLang="zh-CN" sz="2400" dirty="0">
-                <a:ea typeface="Microsoft Sans Serif" panose="020B0604020202020204" pitchFamily="34" charset="0"/>
-                <a:cs typeface="Microsoft Sans Serif" panose="020B0604020202020204" pitchFamily="34" charset="0"/>
-              </a:rPr>
-              <a:t>, a)</a:t>
-            </a:r>
             <a:endParaRPr lang="en-US" altLang="zh-CN" sz="2400" dirty="0"/>
           </a:p>
           <a:p>
@@ -20347,36 +20240,31 @@
               <a:t>(a | s) </a:t>
             </a:r>
             <a:r>
-              <a:rPr lang="en-US" altLang="zh-CN" sz="2400" dirty="0"/>
-              <a:t>P</a:t>
-            </a:r>
-            <a:r>
-              <a:rPr lang="en-US" altLang="zh-CN" sz="2400" baseline="30000" dirty="0"/>
-              <a:t>a </a:t>
-            </a:r>
-            <a:r>
-              <a:rPr lang="en-US" altLang="zh-CN" sz="2400" baseline="-25000" dirty="0"/>
-              <a:t>s,s’</a:t>
-            </a:r>
-            <a:r>
-              <a:rPr lang="en-US" altLang="zh-CN" sz="2400" baseline="30000" dirty="0"/>
+              <a:rPr lang="en-US" altLang="zh-CN" sz="2400" baseline="30000" dirty="0" smtClean="0"/>
               <a:t> </a:t>
             </a:r>
             <a:r>
-              <a:rPr lang="en-US" altLang="zh-CN" sz="2400" dirty="0" smtClean="0">
+              <a:rPr lang="en-US" altLang="zh-CN" sz="2400" dirty="0" err="1" smtClean="0">
                 <a:ea typeface="Microsoft Sans Serif" panose="020B0604020202020204" pitchFamily="34" charset="0"/>
                 <a:cs typeface="Microsoft Sans Serif" panose="020B0604020202020204" pitchFamily="34" charset="0"/>
               </a:rPr>
-              <a:t>R(s</a:t>
-            </a:r>
-            <a:r>
-              <a:rPr lang="en-US" altLang="zh-CN" sz="2400" dirty="0">
+              <a:t>R</a:t>
+            </a:r>
+            <a:r>
+              <a:rPr lang="en-US" altLang="zh-CN" sz="2400" baseline="-25000" dirty="0" err="1" smtClean="0">
                 <a:ea typeface="Microsoft Sans Serif" panose="020B0604020202020204" pitchFamily="34" charset="0"/>
                 <a:cs typeface="Microsoft Sans Serif" panose="020B0604020202020204" pitchFamily="34" charset="0"/>
               </a:rPr>
-              <a:t>, a)</a:t>
-            </a:r>
-            <a:endParaRPr lang="en-US" altLang="zh-CN" sz="2400" dirty="0"/>
+              <a:t>s</a:t>
+            </a:r>
+            <a:r>
+              <a:rPr lang="en-US" altLang="zh-CN" sz="2400" baseline="30000" dirty="0" err="1" smtClean="0">
+                <a:ea typeface="Microsoft Sans Serif" panose="020B0604020202020204" pitchFamily="34" charset="0"/>
+                <a:cs typeface="Microsoft Sans Serif" panose="020B0604020202020204" pitchFamily="34" charset="0"/>
+              </a:rPr>
+              <a:t>a</a:t>
+            </a:r>
+            <a:endParaRPr lang="en-US" altLang="zh-CN" sz="2400" baseline="30000" dirty="0"/>
           </a:p>
           <a:p>
             <a:r>
@@ -20484,11 +20372,7 @@
           <a:p>
             <a:r>
               <a:rPr lang="en-US" altLang="zh-TW" dirty="0" smtClean="0"/>
-              <a:t>Markov Decision Process: </a:t>
-            </a:r>
-            <a:r>
-              <a:rPr lang="en-US" altLang="zh-TW" dirty="0" smtClean="0"/>
-              <a:t>Value Function</a:t>
+              <a:t>Markov Decision Process: Value Function</a:t>
             </a:r>
             <a:endParaRPr lang="zh-CN" altLang="en-US" dirty="0"/>
           </a:p>
@@ -22326,7 +22210,6 @@
               <a:rPr lang="en-US" altLang="zh-CN" dirty="0" smtClean="0"/>
               <a:t>-2.3</a:t>
             </a:r>
-            <a:endParaRPr lang="en-US" altLang="zh-CN" dirty="0" smtClean="0"/>
           </a:p>
         </p:txBody>
       </p:sp>
@@ -22356,7 +22239,6 @@
               <a:rPr lang="en-US" altLang="zh-CN" dirty="0" smtClean="0"/>
               <a:t>-1.3</a:t>
             </a:r>
-            <a:endParaRPr lang="en-US" altLang="zh-CN" dirty="0" smtClean="0"/>
           </a:p>
         </p:txBody>
       </p:sp>
@@ -22386,7 +22268,6 @@
               <a:rPr lang="en-US" altLang="zh-CN" dirty="0" smtClean="0"/>
               <a:t>0</a:t>
             </a:r>
-            <a:endParaRPr lang="en-US" altLang="zh-CN" dirty="0" smtClean="0"/>
           </a:p>
         </p:txBody>
       </p:sp>
@@ -22416,7 +22297,6 @@
               <a:rPr lang="en-US" altLang="zh-CN" dirty="0" smtClean="0"/>
               <a:t>2.7</a:t>
             </a:r>
-            <a:endParaRPr lang="en-US" altLang="zh-CN" dirty="0" smtClean="0"/>
           </a:p>
         </p:txBody>
       </p:sp>
@@ -22446,7 +22326,6 @@
               <a:rPr lang="en-US" altLang="zh-CN" dirty="0" smtClean="0"/>
               <a:t>7.4</a:t>
             </a:r>
-            <a:endParaRPr lang="en-US" altLang="zh-CN" dirty="0" smtClean="0"/>
           </a:p>
         </p:txBody>
       </p:sp>
@@ -22591,14 +22470,18 @@
           <a:lstStyle/>
           <a:p>
             <a:r>
-              <a:rPr lang="en-US" altLang="zh-TW" dirty="0"/>
+              <a:rPr lang="en-US" altLang="zh-TW" sz="2800" dirty="0"/>
               <a:t>Markov Decision: </a:t>
             </a:r>
             <a:r>
-              <a:rPr lang="en-US" altLang="zh-TW" dirty="0" smtClean="0"/>
-              <a:t>Bellman Equation</a:t>
-            </a:r>
-            <a:endParaRPr lang="zh-CN" altLang="en-US" dirty="0"/>
+              <a:rPr lang="en-US" altLang="zh-TW" sz="2800" dirty="0" smtClean="0"/>
+              <a:t>Bellman </a:t>
+            </a:r>
+            <a:r>
+              <a:rPr lang="en-US" altLang="zh-TW" sz="2800" dirty="0" smtClean="0"/>
+              <a:t>Expectation Equation</a:t>
+            </a:r>
+            <a:endParaRPr lang="zh-CN" altLang="en-US" sz="2800" dirty="0"/>
           </a:p>
         </p:txBody>
       </p:sp>
@@ -22624,7 +22507,16 @@
           <a:p>
             <a:r>
               <a:rPr lang="en-US" altLang="zh-CN" dirty="0"/>
-              <a:t> </a:t>
+              <a:t>The state-value function can again be decomposed into immediate reward plus discounted value of successor state,</a:t>
+            </a:r>
+          </a:p>
+          <a:p>
+            <a:pPr marL="0" indent="0">
+              <a:buNone/>
+            </a:pPr>
+            <a:r>
+              <a:rPr lang="en-US" altLang="zh-CN" dirty="0" smtClean="0"/>
+              <a:t>		 </a:t>
             </a:r>
             <a:r>
               <a:rPr lang="en-US" altLang="zh-CN" dirty="0" smtClean="0"/>
@@ -22665,125 +22557,130 @@
             <a:r>
               <a:rPr lang="en-US" altLang="zh-CN" dirty="0"/>
               <a:t>+ </a:t>
+            </a:r>
+            <a:r>
+              <a:rPr lang="el-GR" altLang="zh-CN" dirty="0" smtClean="0">
+                <a:ea typeface="Microsoft Sans Serif" panose="020B0604020202020204" pitchFamily="34" charset="0"/>
+                <a:cs typeface="Microsoft Sans Serif" panose="020B0604020202020204" pitchFamily="34" charset="0"/>
+              </a:rPr>
+              <a:t>γ </a:t>
+            </a:r>
+            <a:r>
+              <a:rPr lang="en-US" altLang="zh-CN" dirty="0" smtClean="0">
+                <a:ea typeface="Microsoft Sans Serif" panose="020B0604020202020204" pitchFamily="34" charset="0"/>
+                <a:cs typeface="Microsoft Sans Serif" panose="020B0604020202020204" pitchFamily="34" charset="0"/>
+              </a:rPr>
+              <a:t>* </a:t>
+            </a:r>
+            <a:r>
+              <a:rPr lang="en-US" altLang="zh-CN" dirty="0" smtClean="0"/>
+              <a:t>v</a:t>
+            </a:r>
+            <a:r>
+              <a:rPr lang="el-GR" altLang="zh-CN" baseline="30000" dirty="0" smtClean="0"/>
+              <a:t>π</a:t>
+            </a:r>
+            <a:r>
+              <a:rPr lang="en-US" altLang="zh-CN" dirty="0" smtClean="0"/>
+              <a:t>(</a:t>
+            </a:r>
+            <a:r>
+              <a:rPr lang="en-US" altLang="zh-CN" sz="1800" dirty="0" smtClean="0"/>
+              <a:t>S</a:t>
+            </a:r>
+            <a:r>
+              <a:rPr lang="en-US" altLang="zh-CN" baseline="-25000" dirty="0" smtClean="0"/>
+              <a:t>t+1</a:t>
+            </a:r>
+            <a:r>
+              <a:rPr lang="en-US" altLang="zh-CN" dirty="0"/>
+              <a:t>)</a:t>
             </a:r>
             <a:r>
               <a:rPr lang="el-GR" altLang="zh-CN" dirty="0">
                 <a:ea typeface="Microsoft Sans Serif" panose="020B0604020202020204" pitchFamily="34" charset="0"/>
                 <a:cs typeface="Microsoft Sans Serif" panose="020B0604020202020204" pitchFamily="34" charset="0"/>
               </a:rPr>
-              <a:t>γ </a:t>
-            </a:r>
-            <a:r>
-              <a:rPr lang="en-US" altLang="zh-CN" dirty="0">
+              <a:t> </a:t>
+            </a:r>
+            <a:r>
+              <a:rPr lang="en-US" altLang="zh-CN" dirty="0"/>
+              <a:t>| S</a:t>
+            </a:r>
+            <a:r>
+              <a:rPr lang="en-US" altLang="zh-CN" baseline="-25000" dirty="0"/>
+              <a:t>t</a:t>
+            </a:r>
+            <a:r>
+              <a:rPr lang="en-US" altLang="zh-CN" dirty="0"/>
+              <a:t>=s</a:t>
+            </a:r>
+            <a:r>
+              <a:rPr lang="en-US" altLang="zh-CN" dirty="0" smtClean="0"/>
+              <a:t>]</a:t>
+            </a:r>
+          </a:p>
+          <a:p>
+            <a:pPr marL="0" indent="0">
+              <a:buNone/>
+            </a:pPr>
+            <a:endParaRPr lang="en-US" altLang="zh-CN" dirty="0" smtClean="0"/>
+          </a:p>
+          <a:p>
+            <a:r>
+              <a:rPr lang="en-US" altLang="zh-CN" dirty="0"/>
+              <a:t>The action-value function can similarly be decomposed,</a:t>
+            </a:r>
+          </a:p>
+          <a:p>
+            <a:pPr marL="0" indent="0">
+              <a:buNone/>
+            </a:pPr>
+            <a:r>
+              <a:rPr lang="en-US" altLang="zh-CN" dirty="0" smtClean="0"/>
+              <a:t>		q</a:t>
+            </a:r>
+            <a:r>
+              <a:rPr lang="el-GR" altLang="zh-CN" baseline="30000" dirty="0" smtClean="0"/>
+              <a:t>π</a:t>
+            </a:r>
+            <a:r>
+              <a:rPr lang="en-US" altLang="zh-CN" dirty="0" smtClean="0"/>
+              <a:t>(s, a)  </a:t>
+            </a:r>
+            <a:r>
+              <a:rPr lang="en-US" altLang="zh-CN" dirty="0"/>
+              <a:t>= E</a:t>
+            </a:r>
+            <a:r>
+              <a:rPr lang="el-GR" altLang="zh-CN" baseline="30000" dirty="0"/>
+              <a:t>π</a:t>
+            </a:r>
+            <a:r>
+              <a:rPr lang="en-US" altLang="zh-CN" dirty="0"/>
+              <a:t>[R</a:t>
+            </a:r>
+            <a:r>
+              <a:rPr lang="en-US" altLang="zh-CN" baseline="-25000" dirty="0"/>
+              <a:t>t+1</a:t>
+            </a:r>
+            <a:r>
+              <a:rPr lang="en-US" altLang="zh-CN" dirty="0"/>
+              <a:t> + </a:t>
+            </a:r>
+            <a:r>
+              <a:rPr lang="el-GR" altLang="zh-CN" dirty="0" smtClean="0">
                 <a:ea typeface="Microsoft Sans Serif" panose="020B0604020202020204" pitchFamily="34" charset="0"/>
                 <a:cs typeface="Microsoft Sans Serif" panose="020B0604020202020204" pitchFamily="34" charset="0"/>
               </a:rPr>
-              <a:t>* </a:t>
-            </a:r>
-            <a:r>
-              <a:rPr lang="en-US" altLang="zh-CN" dirty="0" smtClean="0"/>
-              <a:t>v</a:t>
-            </a:r>
-            <a:r>
-              <a:rPr lang="el-GR" altLang="zh-CN" baseline="30000" dirty="0" smtClean="0"/>
-              <a:t>π</a:t>
-            </a:r>
-            <a:r>
-              <a:rPr lang="en-US" altLang="zh-CN" dirty="0" smtClean="0"/>
-              <a:t>(S</a:t>
-            </a:r>
-            <a:r>
-              <a:rPr lang="en-US" altLang="zh-CN" baseline="-25000" dirty="0" smtClean="0"/>
-              <a:t>t+1</a:t>
-            </a:r>
-            <a:r>
-              <a:rPr lang="en-US" altLang="zh-CN" dirty="0"/>
-              <a:t>)</a:t>
-            </a:r>
-            <a:r>
-              <a:rPr lang="el-GR" altLang="zh-CN" dirty="0">
-                <a:ea typeface="Microsoft Sans Serif" panose="020B0604020202020204" pitchFamily="34" charset="0"/>
-                <a:cs typeface="Microsoft Sans Serif" panose="020B0604020202020204" pitchFamily="34" charset="0"/>
-              </a:rPr>
-              <a:t> </a:t>
-            </a:r>
-            <a:r>
-              <a:rPr lang="en-US" altLang="zh-CN" dirty="0"/>
-              <a:t>| S</a:t>
-            </a:r>
-            <a:r>
-              <a:rPr lang="en-US" altLang="zh-CN" baseline="-25000" dirty="0"/>
-              <a:t>t</a:t>
-            </a:r>
-            <a:r>
-              <a:rPr lang="en-US" altLang="zh-CN" dirty="0"/>
-              <a:t>=s</a:t>
-            </a:r>
-            <a:r>
-              <a:rPr lang="en-US" altLang="zh-CN" dirty="0" smtClean="0"/>
-              <a:t>]</a:t>
-            </a:r>
-          </a:p>
-          <a:p>
-            <a:endParaRPr lang="en-US" altLang="zh-CN" dirty="0" smtClean="0"/>
-          </a:p>
-          <a:p>
-            <a:r>
-              <a:rPr lang="en-US" altLang="zh-CN" dirty="0"/>
-              <a:t> </a:t>
-            </a:r>
-            <a:r>
-              <a:rPr lang="en-US" altLang="zh-CN" dirty="0" smtClean="0"/>
-              <a:t>q</a:t>
-            </a:r>
-            <a:r>
-              <a:rPr lang="el-GR" altLang="zh-CN" baseline="30000" dirty="0" smtClean="0"/>
-              <a:t>π</a:t>
-            </a:r>
-            <a:r>
-              <a:rPr lang="en-US" altLang="zh-CN" dirty="0" smtClean="0"/>
-              <a:t>(s, a)  </a:t>
-            </a:r>
-            <a:r>
-              <a:rPr lang="en-US" altLang="zh-CN" dirty="0"/>
-              <a:t>= E</a:t>
-            </a:r>
-            <a:r>
-              <a:rPr lang="el-GR" altLang="zh-CN" baseline="30000" dirty="0"/>
-              <a:t>π</a:t>
-            </a:r>
-            <a:r>
-              <a:rPr lang="en-US" altLang="zh-CN" dirty="0"/>
-              <a:t>[R</a:t>
-            </a:r>
-            <a:r>
-              <a:rPr lang="en-US" altLang="zh-CN" baseline="-25000" dirty="0"/>
-              <a:t>t+1</a:t>
-            </a:r>
-            <a:r>
-              <a:rPr lang="en-US" altLang="zh-CN" dirty="0"/>
-              <a:t> + </a:t>
-            </a:r>
-            <a:r>
-              <a:rPr lang="el-GR" altLang="zh-CN" dirty="0">
-                <a:ea typeface="Microsoft Sans Serif" panose="020B0604020202020204" pitchFamily="34" charset="0"/>
-                <a:cs typeface="Microsoft Sans Serif" panose="020B0604020202020204" pitchFamily="34" charset="0"/>
-              </a:rPr>
               <a:t>γ </a:t>
-            </a:r>
-            <a:r>
-              <a:rPr lang="en-US" altLang="zh-CN" dirty="0">
-                <a:ea typeface="Microsoft Sans Serif" panose="020B0604020202020204" pitchFamily="34" charset="0"/>
-                <a:cs typeface="Microsoft Sans Serif" panose="020B0604020202020204" pitchFamily="34" charset="0"/>
-              </a:rPr>
-              <a:t>* </a:t>
             </a:r>
             <a:r>
               <a:rPr lang="en-US" altLang="zh-CN" dirty="0" smtClean="0">
                 <a:ea typeface="Microsoft Sans Serif" panose="020B0604020202020204" pitchFamily="34" charset="0"/>
                 <a:cs typeface="Microsoft Sans Serif" panose="020B0604020202020204" pitchFamily="34" charset="0"/>
               </a:rPr>
-              <a:t>q</a:t>
+              <a:t>* q</a:t>
             </a:r>
             <a:r>
               <a:rPr lang="el-GR" altLang="zh-CN" baseline="30000" dirty="0" smtClean="0"/>
@@ -22791,15 +22688,19 @@
             </a:r>
             <a:r>
               <a:rPr lang="en-US" altLang="zh-CN" dirty="0" smtClean="0"/>
-              <a:t>(S</a:t>
+              <a:t>(</a:t>
+            </a:r>
+            <a:r>
+              <a:rPr lang="en-US" altLang="zh-CN" sz="1800" dirty="0" smtClean="0"/>
+              <a:t>S</a:t>
             </a:r>
             <a:r>
               <a:rPr lang="en-US" altLang="zh-CN" baseline="-25000" dirty="0" smtClean="0"/>
               <a:t>t+1, </a:t>
             </a:r>
             <a:r>
-              <a:rPr lang="en-US" altLang="zh-CN" dirty="0" smtClean="0"/>
-              <a:t>A</a:t>
+              <a:rPr lang="en-US" altLang="zh-CN" sz="1800" dirty="0"/>
+              <a:t>a</a:t>
             </a:r>
             <a:r>
               <a:rPr lang="en-US" altLang="zh-CN" baseline="-25000" dirty="0" smtClean="0"/>
@@ -22927,15 +22828,15 @@
           <a:lstStyle/>
           <a:p>
             <a:r>
+              <a:rPr lang="en-US" altLang="zh-TW" dirty="0"/>
+              <a:t>Bellman Expectation Equation </a:t>
+            </a:r>
+            <a:r>
               <a:rPr lang="en-US" altLang="zh-TW" dirty="0" smtClean="0"/>
-              <a:t>Bellman </a:t>
-            </a:r>
-            <a:r>
-              <a:rPr lang="en-US" altLang="zh-TW" dirty="0" smtClean="0"/>
-              <a:t>Optimality Equation for</a:t>
-            </a:r>
-            <a:r>
-              <a:rPr lang="en-US" altLang="zh-CN" dirty="0"/>
+              <a:t>for</a:t>
+            </a:r>
+            <a:r>
+              <a:rPr lang="en-US" altLang="zh-CN" dirty="0" smtClean="0"/>
               <a:t> </a:t>
             </a:r>
             <a:r>
@@ -23363,18 +23264,10 @@
           <a:p>
             <a:r>
               <a:rPr lang="en-US" altLang="zh-TW" dirty="0"/>
-              <a:t>Bellman </a:t>
-            </a:r>
-            <a:r>
-              <a:rPr lang="en-US" altLang="zh-TW" dirty="0" smtClean="0"/>
-              <a:t>Expectation </a:t>
-            </a:r>
-            <a:r>
-              <a:rPr lang="en-US" altLang="zh-TW" dirty="0"/>
-              <a:t>Equation for</a:t>
-            </a:r>
-            <a:r>
-              <a:rPr lang="en-US" altLang="zh-CN" dirty="0"/>
+              <a:t>Bellman Expectation Equation for</a:t>
+            </a:r>
+            <a:r>
+              <a:rPr lang="en-US" altLang="zh-CN" dirty="0" smtClean="0"/>
               <a:t> </a:t>
             </a:r>
             <a:r>
@@ -24546,32 +24439,53 @@
                 <a:ea typeface="Microsoft Sans Serif" panose="020B0604020202020204" pitchFamily="34" charset="0"/>
                 <a:cs typeface="Microsoft Sans Serif" panose="020B0604020202020204" pitchFamily="34" charset="0"/>
               </a:rPr>
-              <a:t>(a</a:t>
+              <a:t>(</a:t>
+            </a:r>
+            <a:r>
+              <a:rPr lang="en-US" altLang="zh-CN" sz="2400" dirty="0" err="1">
+                <a:ea typeface="Microsoft Sans Serif" panose="020B0604020202020204" pitchFamily="34" charset="0"/>
+                <a:cs typeface="Microsoft Sans Serif" panose="020B0604020202020204" pitchFamily="34" charset="0"/>
+              </a:rPr>
+              <a:t>a</a:t>
+            </a:r>
+            <a:r>
+              <a:rPr lang="en-US" altLang="zh-CN" sz="2400" dirty="0" err="1" smtClean="0">
+                <a:ea typeface="Microsoft Sans Serif" panose="020B0604020202020204" pitchFamily="34" charset="0"/>
+                <a:cs typeface="Microsoft Sans Serif" panose="020B0604020202020204" pitchFamily="34" charset="0"/>
+              </a:rPr>
+              <a:t>'|s</a:t>
             </a:r>
             <a:r>
               <a:rPr lang="en-US" altLang="zh-CN" sz="2400" dirty="0" smtClean="0">
                 <a:ea typeface="Microsoft Sans Serif" panose="020B0604020202020204" pitchFamily="34" charset="0"/>
                 <a:cs typeface="Microsoft Sans Serif" panose="020B0604020202020204" pitchFamily="34" charset="0"/>
               </a:rPr>
-              <a:t>'| s</a:t>
+              <a:t>')q</a:t>
+            </a:r>
+            <a:r>
+              <a:rPr lang="el-GR" altLang="zh-CN" sz="2400" baseline="30000" dirty="0"/>
+              <a:t>π</a:t>
+            </a:r>
+            <a:r>
+              <a:rPr lang="en-US" altLang="zh-CN" sz="2400" dirty="0" smtClean="0">
+                <a:ea typeface="Microsoft Sans Serif" panose="020B0604020202020204" pitchFamily="34" charset="0"/>
+                <a:cs typeface="Microsoft Sans Serif" panose="020B0604020202020204" pitchFamily="34" charset="0"/>
+              </a:rPr>
+              <a:t>(</a:t>
+            </a:r>
+            <a:r>
+              <a:rPr lang="en-US" altLang="zh-CN" sz="2400" dirty="0" err="1" smtClean="0">
+                <a:ea typeface="Microsoft Sans Serif" panose="020B0604020202020204" pitchFamily="34" charset="0"/>
+                <a:cs typeface="Microsoft Sans Serif" panose="020B0604020202020204" pitchFamily="34" charset="0"/>
+              </a:rPr>
+              <a:t>s',a</a:t>
             </a:r>
             <a:r>
               <a:rPr lang="en-US" altLang="zh-CN" sz="2400" dirty="0">
                 <a:ea typeface="Microsoft Sans Serif" panose="020B0604020202020204" pitchFamily="34" charset="0"/>
                 <a:cs typeface="Microsoft Sans Serif" panose="020B0604020202020204" pitchFamily="34" charset="0"/>
               </a:rPr>
-              <a:t>) q</a:t>
-            </a:r>
-            <a:r>
-              <a:rPr lang="el-GR" altLang="zh-CN" sz="2400" baseline="30000" dirty="0"/>
-              <a:t>π</a:t>
-            </a:r>
-            <a:r>
-              <a:rPr lang="en-US" altLang="zh-CN" sz="2400" dirty="0">
-                <a:ea typeface="Microsoft Sans Serif" panose="020B0604020202020204" pitchFamily="34" charset="0"/>
-                <a:cs typeface="Microsoft Sans Serif" panose="020B0604020202020204" pitchFamily="34" charset="0"/>
-              </a:rPr>
-              <a:t>(s, a')</a:t>
+              <a:t>')</a:t>
             </a:r>
             <a:endParaRPr lang="en-US" altLang="zh-CN" sz="2400" dirty="0"/>
           </a:p>
@@ -26135,7 +26049,6 @@
               <a:rPr lang="en-US" altLang="zh-CN" dirty="0" smtClean="0"/>
               <a:t>-2.3</a:t>
             </a:r>
-            <a:endParaRPr lang="en-US" altLang="zh-CN" dirty="0" smtClean="0"/>
           </a:p>
         </p:txBody>
       </p:sp>
@@ -26165,7 +26078,6 @@
               <a:rPr lang="en-US" altLang="zh-CN" dirty="0" smtClean="0"/>
               <a:t>-1.3</a:t>
             </a:r>
-            <a:endParaRPr lang="en-US" altLang="zh-CN" dirty="0" smtClean="0"/>
           </a:p>
         </p:txBody>
       </p:sp>
@@ -26195,7 +26107,6 @@
               <a:rPr lang="en-US" altLang="zh-CN" dirty="0" smtClean="0"/>
               <a:t>0</a:t>
             </a:r>
-            <a:endParaRPr lang="en-US" altLang="zh-CN" dirty="0" smtClean="0"/>
           </a:p>
         </p:txBody>
       </p:sp>
@@ -26225,7 +26136,6 @@
               <a:rPr lang="en-US" altLang="zh-CN" dirty="0" smtClean="0"/>
               <a:t>2.7</a:t>
             </a:r>
-            <a:endParaRPr lang="en-US" altLang="zh-CN" dirty="0" smtClean="0"/>
           </a:p>
         </p:txBody>
       </p:sp>
@@ -26255,7 +26165,6 @@
               <a:rPr lang="en-US" altLang="zh-CN" dirty="0" smtClean="0"/>
               <a:t>7.4</a:t>
             </a:r>
-            <a:endParaRPr lang="en-US" altLang="zh-CN" dirty="0" smtClean="0"/>
           </a:p>
         </p:txBody>
       </p:sp>
@@ -26365,15 +26274,7 @@
             </a:r>
             <a:r>
               <a:rPr lang="en-US" altLang="zh-TW" dirty="0" smtClean="0"/>
-              <a:t>Expectation Equation</a:t>
-            </a:r>
-            <a:r>
-              <a:rPr lang="en-US" altLang="zh-TW" dirty="0" smtClean="0"/>
-              <a:t>: </a:t>
-            </a:r>
-            <a:r>
-              <a:rPr lang="en-US" altLang="zh-TW" dirty="0" smtClean="0"/>
-              <a:t>(Matrix form)</a:t>
+              <a:t>Expectation Equation: (Matrix form)</a:t>
             </a:r>
             <a:endParaRPr lang="zh-CN" altLang="en-US" dirty="0"/>
           </a:p>
@@ -26406,11 +26307,7 @@
             </a:pPr>
             <a:r>
               <a:rPr lang="en-US" altLang="zh-CN" sz="2800" dirty="0" smtClean="0"/>
-              <a:t>Being a linear equation: </a:t>
-            </a:r>
-            <a:r>
-              <a:rPr lang="en-US" altLang="zh-CN" sz="2800" dirty="0" smtClean="0"/>
-              <a:t>v</a:t>
+              <a:t>Being a linear equation: v</a:t>
             </a:r>
             <a:r>
               <a:rPr lang="el-GR" altLang="zh-CN" sz="2800" baseline="-25000" dirty="0" smtClean="0">
@@ -26421,11 +26318,7 @@
             </a:r>
             <a:r>
               <a:rPr lang="en-US" altLang="zh-CN" sz="2800" dirty="0" smtClean="0"/>
-              <a:t> </a:t>
-            </a:r>
-            <a:r>
-              <a:rPr lang="en-US" altLang="zh-CN" sz="2800" dirty="0" smtClean="0"/>
-              <a:t>can be solved by</a:t>
+              <a:t> can be solved by</a:t>
             </a:r>
           </a:p>
           <a:p>
@@ -26874,6 +26767,7 @@
             </a:endParaRPr>
           </a:p>
           <a:p>
+            <a:pPr algn="ctr"/>
             <a:r>
               <a:rPr lang="en-US" altLang="zh-CN" sz="2400" dirty="0" smtClean="0">
                 <a:ea typeface="Microsoft Sans Serif" panose="020B0604020202020204" pitchFamily="34" charset="0"/>
@@ -26983,6 +26877,7 @@
             <a:endParaRPr lang="en-US" altLang="zh-CN" sz="2400" baseline="-25000" dirty="0" smtClean="0"/>
           </a:p>
           <a:p>
+            <a:pPr algn="ctr"/>
             <a:r>
               <a:rPr lang="en-US" altLang="zh-CN" sz="2400" dirty="0" smtClean="0">
                 <a:ea typeface="Microsoft Sans Serif" panose="020B0604020202020204" pitchFamily="34" charset="0"/>
@@ -29983,8 +29878,24 @@
           <a:lstStyle/>
           <a:p>
             <a:r>
+              <a:rPr lang="en-US" altLang="zh-TW" dirty="0"/>
+              <a:t>Bellman Optimality </a:t>
+            </a:r>
+            <a:r>
               <a:rPr lang="en-US" altLang="zh-TW" dirty="0" smtClean="0"/>
-              <a:t>MDP: Optimal Value Function</a:t>
+              <a:t>Equation </a:t>
+            </a:r>
+            <a:r>
+              <a:rPr lang="en-US" altLang="zh-TW" dirty="0"/>
+              <a:t>for</a:t>
+            </a:r>
+            <a:r>
+              <a:rPr lang="en-US" altLang="zh-CN" dirty="0"/>
+              <a:t> </a:t>
+            </a:r>
+            <a:r>
+              <a:rPr lang="en-US" altLang="zh-CN" dirty="0" smtClean="0"/>
+              <a:t>q*</a:t>
             </a:r>
             <a:endParaRPr lang="zh-CN" altLang="en-US" dirty="0"/>
           </a:p>
@@ -29992,299 +29903,270 @@
       </p:sp>
       <p:sp>
         <p:nvSpPr>
-          <p:cNvPr id="8" name="内容占位符 2"/>
-          <p:cNvSpPr>
-            <a:spLocks noGrp="1"/>
+          <p:cNvPr id="4" name="标题 1"/>
+          <p:cNvSpPr txBox="1">
+            <a:spLocks/>
           </p:cNvSpPr>
-          <p:nvPr>
-            <p:ph sz="half" idx="1"/>
-          </p:nvPr>
-        </p:nvSpPr>
-        <p:spPr>
-          <a:xfrm>
-            <a:off x="798513" y="1295400"/>
-            <a:ext cx="10591799" cy="5029200"/>
-          </a:xfrm>
-        </p:spPr>
-        <p:txBody>
-          <a:bodyPr rtlCol="0">
+          <p:nvPr/>
+        </p:nvSpPr>
+        <p:spPr>
+          <a:xfrm>
+            <a:off x="1490345" y="1295400"/>
+            <a:ext cx="9144001" cy="4800600"/>
+          </a:xfrm>
+          <a:prstGeom prst="rect">
+            <a:avLst/>
+          </a:prstGeom>
+        </p:spPr>
+        <p:txBody>
+          <a:bodyPr vert="horz" lIns="91440" tIns="45720" rIns="91440" bIns="45720" rtlCol="0" anchor="b">
             <a:normAutofit/>
           </a:bodyPr>
-          <a:lstStyle/>
-          <a:p>
-            <a:endParaRPr lang="en-US" altLang="zh-CN" sz="1800" b="1" i="1" dirty="0">
+          <a:lstStyle>
+            <a:lvl1pPr algn="l" defTabSz="914400" rtl="0" eaLnBrk="1" latinLnBrk="0" hangingPunct="1">
+              <a:lnSpc>
+                <a:spcPct val="90000"/>
+              </a:lnSpc>
+              <a:spcBef>
+                <a:spcPct val="0"/>
+              </a:spcBef>
+              <a:buNone/>
+              <a:defRPr sz="3600" kern="1200" spc="100" baseline="0">
+                <a:solidFill>
+                  <a:schemeClr val="tx1"/>
+                </a:solidFill>
+                <a:latin typeface="微软雅黑" panose="020B0503020204020204" pitchFamily="34" charset="-122"/>
+                <a:ea typeface="微软雅黑" panose="020B0503020204020204" pitchFamily="34" charset="-122"/>
+                <a:cs typeface="+mj-cs"/>
+              </a:defRPr>
+            </a:lvl1pPr>
+          </a:lstStyle>
+          <a:p>
+            <a:endParaRPr lang="en-US" altLang="zh-CN" sz="2000" dirty="0">
               <a:solidFill>
-                <a:schemeClr val="tx1">
-                  <a:lumMod val="95000"/>
-                </a:schemeClr>
+                <a:srgbClr val="FFFF00"/>
               </a:solidFill>
             </a:endParaRPr>
           </a:p>
           <a:p>
-            <a:endParaRPr lang="en-US" altLang="zh-CN" sz="1800" b="1" i="1" dirty="0" smtClean="0">
+            <a:endParaRPr lang="en-US" altLang="zh-CN" sz="2000" dirty="0" smtClean="0">
               <a:solidFill>
-                <a:schemeClr val="tx1">
-                  <a:lumMod val="95000"/>
-                </a:schemeClr>
+                <a:srgbClr val="FFFF00"/>
               </a:solidFill>
             </a:endParaRPr>
           </a:p>
           <a:p>
-            <a:endParaRPr lang="en-US" altLang="zh-CN" sz="1800" b="1" i="1" dirty="0">
-              <a:solidFill>
-                <a:schemeClr val="tx1">
-                  <a:lumMod val="95000"/>
-                </a:schemeClr>
-              </a:solidFill>
-            </a:endParaRPr>
-          </a:p>
-          <a:p>
-            <a:endParaRPr lang="en-US" altLang="zh-CN" sz="1800" b="1" i="1" dirty="0" smtClean="0">
-              <a:solidFill>
-                <a:schemeClr val="tx1">
-                  <a:lumMod val="95000"/>
-                </a:schemeClr>
-              </a:solidFill>
-            </a:endParaRPr>
-          </a:p>
-        </p:txBody>
-      </p:sp>
-      <p:pic>
-        <p:nvPicPr>
-          <p:cNvPr id="4" name="图片 3"/>
-          <p:cNvPicPr>
-            <a:picLocks noChangeAspect="1"/>
-          </p:cNvPicPr>
-          <p:nvPr/>
-        </p:nvPicPr>
-        <p:blipFill>
-          <a:blip r:embed="rId2"/>
-          <a:stretch>
-            <a:fillRect/>
-          </a:stretch>
-        </p:blipFill>
-        <p:spPr>
-          <a:xfrm>
-            <a:off x="1217612" y="1275094"/>
-            <a:ext cx="8220075" cy="619125"/>
+            <a:endParaRPr lang="en-US" altLang="zh-CN" sz="2400" dirty="0" smtClean="0"/>
+          </a:p>
+          <a:p>
+            <a:endParaRPr lang="zh-CN" altLang="en-US" sz="2400" dirty="0"/>
+          </a:p>
+        </p:txBody>
+      </p:sp>
+      <p:sp>
+        <p:nvSpPr>
+          <p:cNvPr id="3" name="矩形 2"/>
+          <p:cNvSpPr/>
+          <p:nvPr/>
+        </p:nvSpPr>
+        <p:spPr>
+          <a:xfrm>
+            <a:off x="989012" y="1295400"/>
+            <a:ext cx="9067800" cy="5262979"/>
           </a:xfrm>
           <a:prstGeom prst="rect">
             <a:avLst/>
           </a:prstGeom>
         </p:spPr>
-      </p:pic>
-      <p:sp>
-        <p:nvSpPr>
-          <p:cNvPr id="6" name="文本框 5"/>
-          <p:cNvSpPr txBox="1"/>
-          <p:nvPr/>
-        </p:nvSpPr>
-        <p:spPr>
-          <a:xfrm>
-            <a:off x="1217612" y="2170638"/>
-            <a:ext cx="8915400" cy="2575064"/>
-          </a:xfrm>
-          <a:prstGeom prst="rect">
-            <a:avLst/>
-          </a:prstGeom>
-          <a:noFill/>
-        </p:spPr>
-        <p:txBody>
-          <a:bodyPr wrap="square" rtlCol="0">
+        <p:txBody>
+          <a:bodyPr wrap="square">
             <a:spAutoFit/>
           </a:bodyPr>
           <a:lstStyle/>
           <a:p>
             <a:r>
-              <a:rPr lang="en-US" altLang="zh-CN" sz="2400" dirty="0" smtClean="0">
-                <a:latin typeface="+mj-lt"/>
-                <a:ea typeface="Microsoft Sans Serif" panose="020B0604020202020204" pitchFamily="34" charset="0"/>
-                <a:cs typeface="Microsoft Sans Serif" panose="020B0604020202020204" pitchFamily="34" charset="0"/>
-              </a:rPr>
-              <a:t>The optimal policy can be found by maximizing over q</a:t>
-            </a:r>
-            <a:r>
-              <a:rPr lang="en-US" altLang="zh-CN" sz="2400" baseline="30000" dirty="0" smtClean="0">
-                <a:latin typeface="+mj-lt"/>
-                <a:ea typeface="Microsoft Sans Serif" panose="020B0604020202020204" pitchFamily="34" charset="0"/>
-                <a:cs typeface="Microsoft Sans Serif" panose="020B0604020202020204" pitchFamily="34" charset="0"/>
-              </a:rPr>
-              <a:t>*</a:t>
-            </a:r>
-            <a:r>
-              <a:rPr lang="en-US" altLang="zh-CN" sz="2400" dirty="0" smtClean="0">
-                <a:latin typeface="+mj-lt"/>
-                <a:ea typeface="Microsoft Sans Serif" panose="020B0604020202020204" pitchFamily="34" charset="0"/>
-                <a:cs typeface="Microsoft Sans Serif" panose="020B0604020202020204" pitchFamily="34" charset="0"/>
-              </a:rPr>
-              <a:t>(s, a)</a:t>
-            </a:r>
-          </a:p>
-          <a:p>
-            <a:endParaRPr lang="en-US" altLang="zh-CN" sz="2400" baseline="30000" dirty="0">
-              <a:latin typeface="+mj-lt"/>
-              <a:ea typeface="Microsoft Sans Serif" panose="020B0604020202020204" pitchFamily="34" charset="0"/>
-              <a:cs typeface="Microsoft Sans Serif" panose="020B0604020202020204" pitchFamily="34" charset="0"/>
-            </a:endParaRPr>
-          </a:p>
-          <a:p>
-            <a:endParaRPr lang="en-US" altLang="zh-CN" sz="2800" baseline="30000" dirty="0" smtClean="0">
-              <a:latin typeface="+mj-lt"/>
-            </a:endParaRPr>
-          </a:p>
-          <a:p>
-            <a:r>
-              <a:rPr lang="el-GR" altLang="zh-CN" sz="2800" dirty="0" smtClean="0">
-                <a:latin typeface="+mj-lt"/>
-                <a:ea typeface="Microsoft Sans Serif" panose="020B0604020202020204" pitchFamily="34" charset="0"/>
-                <a:cs typeface="Microsoft Sans Serif" panose="020B0604020202020204" pitchFamily="34" charset="0"/>
-              </a:rPr>
+              <a:rPr lang="zh-CN" altLang="en-US" sz="2800" dirty="0"/>
+              <a:t>Deﬁne a partial ordering over policies </a:t>
+            </a:r>
+            <a:endParaRPr lang="en-US" altLang="zh-CN" sz="2800" dirty="0" smtClean="0"/>
+          </a:p>
+          <a:p>
+            <a:r>
+              <a:rPr lang="zh-CN" altLang="en-US" sz="2800" dirty="0" smtClean="0"/>
+              <a:t>π </a:t>
+            </a:r>
+            <a:r>
+              <a:rPr lang="zh-CN" altLang="en-US" sz="2800" dirty="0"/>
+              <a:t>≥ </a:t>
+            </a:r>
+            <a:r>
+              <a:rPr lang="zh-CN" altLang="en-US" sz="2800" dirty="0" smtClean="0"/>
               <a:t>π</a:t>
             </a:r>
             <a:r>
-              <a:rPr lang="en-US" altLang="zh-CN" sz="2800" baseline="30000" dirty="0" smtClean="0">
-                <a:latin typeface="+mj-lt"/>
-                <a:ea typeface="Microsoft Sans Serif" panose="020B0604020202020204" pitchFamily="34" charset="0"/>
-                <a:cs typeface="Microsoft Sans Serif" panose="020B0604020202020204" pitchFamily="34" charset="0"/>
-              </a:rPr>
-              <a:t>*</a:t>
-            </a:r>
-            <a:r>
-              <a:rPr lang="en-US" altLang="zh-CN" sz="2800" dirty="0" smtClean="0">
-                <a:latin typeface="+mj-lt"/>
-                <a:ea typeface="Microsoft Sans Serif" panose="020B0604020202020204" pitchFamily="34" charset="0"/>
-                <a:cs typeface="Microsoft Sans Serif" panose="020B0604020202020204" pitchFamily="34" charset="0"/>
-              </a:rPr>
-              <a:t>(a | s) = 1, if a = </a:t>
-            </a:r>
-            <a:r>
-              <a:rPr lang="en-US" altLang="zh-CN" sz="2800" dirty="0" err="1" smtClean="0">
-                <a:latin typeface="+mj-lt"/>
-                <a:ea typeface="Microsoft Sans Serif" panose="020B0604020202020204" pitchFamily="34" charset="0"/>
-                <a:cs typeface="Microsoft Sans Serif" panose="020B0604020202020204" pitchFamily="34" charset="0"/>
-              </a:rPr>
-              <a:t>argmax</a:t>
-            </a:r>
-            <a:r>
-              <a:rPr lang="en-US" altLang="zh-CN" sz="2800" dirty="0" smtClean="0">
-                <a:latin typeface="+mj-lt"/>
-                <a:ea typeface="Microsoft Sans Serif" panose="020B0604020202020204" pitchFamily="34" charset="0"/>
-                <a:cs typeface="Microsoft Sans Serif" panose="020B0604020202020204" pitchFamily="34" charset="0"/>
-              </a:rPr>
-              <a:t>(q</a:t>
-            </a:r>
-            <a:r>
-              <a:rPr lang="en-US" altLang="zh-CN" sz="2800" baseline="30000" dirty="0">
-                <a:latin typeface="+mj-lt"/>
-                <a:ea typeface="Microsoft Sans Serif" panose="020B0604020202020204" pitchFamily="34" charset="0"/>
-                <a:cs typeface="Microsoft Sans Serif" panose="020B0604020202020204" pitchFamily="34" charset="0"/>
-              </a:rPr>
-              <a:t>*</a:t>
-            </a:r>
-            <a:r>
-              <a:rPr lang="en-US" altLang="zh-CN" sz="2800" dirty="0">
-                <a:latin typeface="+mj-lt"/>
-                <a:ea typeface="Microsoft Sans Serif" panose="020B0604020202020204" pitchFamily="34" charset="0"/>
-                <a:cs typeface="Microsoft Sans Serif" panose="020B0604020202020204" pitchFamily="34" charset="0"/>
-              </a:rPr>
-              <a:t>(s</a:t>
-            </a:r>
-            <a:r>
-              <a:rPr lang="en-US" altLang="zh-CN" sz="2800" dirty="0" smtClean="0">
-                <a:latin typeface="+mj-lt"/>
-                <a:ea typeface="Microsoft Sans Serif" panose="020B0604020202020204" pitchFamily="34" charset="0"/>
-                <a:cs typeface="Microsoft Sans Serif" panose="020B0604020202020204" pitchFamily="34" charset="0"/>
-              </a:rPr>
-              <a:t>, a))</a:t>
-            </a:r>
-          </a:p>
-          <a:p>
-            <a:r>
-              <a:rPr lang="en-US" altLang="zh-CN" sz="2800" baseline="30000" dirty="0">
-                <a:latin typeface="+mj-lt"/>
-                <a:ea typeface="Microsoft Sans Serif" panose="020B0604020202020204" pitchFamily="34" charset="0"/>
-                <a:cs typeface="Microsoft Sans Serif" panose="020B0604020202020204" pitchFamily="34" charset="0"/>
-              </a:rPr>
+              <a:rPr lang="en-US" altLang="zh-CN" sz="2800" dirty="0" smtClean="0"/>
+              <a:t>’</a:t>
+            </a:r>
+            <a:r>
+              <a:rPr lang="zh-CN" altLang="en-US" sz="2800" dirty="0" smtClean="0"/>
               <a:t> </a:t>
             </a:r>
             <a:r>
-              <a:rPr lang="en-US" altLang="zh-CN" sz="2800" baseline="30000" dirty="0" smtClean="0">
-                <a:latin typeface="+mj-lt"/>
-                <a:ea typeface="Microsoft Sans Serif" panose="020B0604020202020204" pitchFamily="34" charset="0"/>
-                <a:cs typeface="Microsoft Sans Serif" panose="020B0604020202020204" pitchFamily="34" charset="0"/>
-              </a:rPr>
-              <a:t>                             </a:t>
-            </a:r>
-            <a:r>
-              <a:rPr lang="en-US" altLang="zh-CN" sz="2800" dirty="0" smtClean="0">
-                <a:latin typeface="+mj-lt"/>
-                <a:ea typeface="Microsoft Sans Serif" panose="020B0604020202020204" pitchFamily="34" charset="0"/>
-                <a:cs typeface="Microsoft Sans Serif" panose="020B0604020202020204" pitchFamily="34" charset="0"/>
-              </a:rPr>
-              <a:t>0</a:t>
-            </a:r>
-            <a:r>
-              <a:rPr lang="en-US" altLang="zh-CN" sz="2800" baseline="30000" dirty="0" smtClean="0">
-                <a:latin typeface="+mj-lt"/>
-                <a:ea typeface="Microsoft Sans Serif" panose="020B0604020202020204" pitchFamily="34" charset="0"/>
-                <a:cs typeface="Microsoft Sans Serif" panose="020B0604020202020204" pitchFamily="34" charset="0"/>
-              </a:rPr>
-              <a:t>,</a:t>
-            </a:r>
-            <a:r>
-              <a:rPr lang="en-US" altLang="zh-CN" sz="2800" dirty="0" smtClean="0">
-                <a:latin typeface="+mj-lt"/>
-                <a:ea typeface="Microsoft Sans Serif" panose="020B0604020202020204" pitchFamily="34" charset="0"/>
-                <a:cs typeface="Microsoft Sans Serif" panose="020B0604020202020204" pitchFamily="34" charset="0"/>
-              </a:rPr>
-              <a:t> otherwise                                    </a:t>
-            </a:r>
-            <a:r>
-              <a:rPr lang="en-US" altLang="zh-CN" sz="2800" dirty="0" smtClean="0">
-                <a:latin typeface="+mj-lt"/>
-                <a:ea typeface="Microsoft Sans Serif" panose="020B0604020202020204" pitchFamily="34" charset="0"/>
-                <a:cs typeface="Microsoft Sans Serif" panose="020B0604020202020204" pitchFamily="34" charset="0"/>
-                <a:sym typeface="Wingdings" panose="05000000000000000000" pitchFamily="2" charset="2"/>
-              </a:rPr>
-              <a:t> non linear</a:t>
-            </a:r>
-          </a:p>
-          <a:p>
-            <a:endParaRPr lang="en-US" altLang="zh-CN" sz="2800" baseline="30000" dirty="0">
-              <a:latin typeface="+mj-lt"/>
-              <a:ea typeface="Microsoft Sans Serif" panose="020B0604020202020204" pitchFamily="34" charset="0"/>
-              <a:cs typeface="Microsoft Sans Serif" panose="020B0604020202020204" pitchFamily="34" charset="0"/>
-              <a:sym typeface="Wingdings" panose="05000000000000000000" pitchFamily="2" charset="2"/>
-            </a:endParaRPr>
-          </a:p>
-          <a:p>
-            <a:r>
-              <a:rPr lang="en-US" altLang="zh-CN" sz="2800" dirty="0" smtClean="0">
-                <a:latin typeface="+mj-lt"/>
-                <a:ea typeface="Microsoft Sans Serif" panose="020B0604020202020204" pitchFamily="34" charset="0"/>
-                <a:cs typeface="Microsoft Sans Serif" panose="020B0604020202020204" pitchFamily="34" charset="0"/>
-                <a:sym typeface="Wingdings" panose="05000000000000000000" pitchFamily="2" charset="2"/>
-              </a:rPr>
-              <a:t>There is always a deterministic optimal policy for any MDP</a:t>
-            </a:r>
-            <a:r>
-              <a:rPr lang="en-US" altLang="zh-CN" sz="2800" dirty="0" smtClean="0">
-                <a:latin typeface="+mj-lt"/>
-                <a:ea typeface="Microsoft Sans Serif" panose="020B0604020202020204" pitchFamily="34" charset="0"/>
-                <a:cs typeface="Microsoft Sans Serif" panose="020B0604020202020204" pitchFamily="34" charset="0"/>
-              </a:rPr>
-              <a:t>.</a:t>
-            </a:r>
-            <a:endParaRPr lang="en-US" altLang="zh-CN" sz="2800" dirty="0" smtClean="0">
-              <a:latin typeface="+mj-lt"/>
-            </a:endParaRPr>
+              <a:rPr lang="zh-CN" altLang="en-US" sz="2800" dirty="0"/>
+              <a:t>if v</a:t>
+            </a:r>
+            <a:r>
+              <a:rPr lang="zh-CN" altLang="en-US" sz="2800" baseline="-25000" dirty="0"/>
+              <a:t>π</a:t>
+            </a:r>
+            <a:r>
+              <a:rPr lang="zh-CN" altLang="en-US" sz="2800" dirty="0"/>
+              <a:t>(s) ≥ v</a:t>
+            </a:r>
+            <a:r>
+              <a:rPr lang="zh-CN" altLang="en-US" sz="2800" baseline="-25000" dirty="0" smtClean="0"/>
+              <a:t>π</a:t>
+            </a:r>
+            <a:r>
+              <a:rPr lang="en-US" altLang="zh-CN" sz="2800" baseline="-25000" dirty="0" smtClean="0"/>
+              <a:t>’</a:t>
+            </a:r>
+            <a:r>
+              <a:rPr lang="zh-CN" altLang="en-US" sz="2800" dirty="0" smtClean="0"/>
+              <a:t>(</a:t>
+            </a:r>
+            <a:r>
+              <a:rPr lang="zh-CN" altLang="en-US" sz="2800" dirty="0"/>
+              <a:t>s),∀</a:t>
+            </a:r>
+            <a:r>
+              <a:rPr lang="zh-CN" altLang="en-US" sz="2800" dirty="0" smtClean="0"/>
+              <a:t>s</a:t>
+            </a:r>
+            <a:endParaRPr lang="en-US" altLang="zh-CN" sz="2800" dirty="0" smtClean="0"/>
+          </a:p>
+          <a:p>
+            <a:endParaRPr lang="zh-CN" altLang="en-US" sz="2800" dirty="0"/>
+          </a:p>
+          <a:p>
+            <a:r>
+              <a:rPr lang="zh-CN" altLang="en-US" sz="2800" dirty="0"/>
+              <a:t>Theorem </a:t>
+            </a:r>
+            <a:endParaRPr lang="en-US" altLang="zh-CN" sz="2800" dirty="0" smtClean="0"/>
+          </a:p>
+          <a:p>
+            <a:endParaRPr lang="en-US" altLang="zh-CN" sz="2800" dirty="0"/>
+          </a:p>
+          <a:p>
+            <a:r>
+              <a:rPr lang="zh-CN" altLang="en-US" sz="2800" dirty="0" smtClean="0"/>
+              <a:t>For </a:t>
+            </a:r>
+            <a:r>
+              <a:rPr lang="zh-CN" altLang="en-US" sz="2800" dirty="0"/>
+              <a:t>any Markov Decision Process </a:t>
+            </a:r>
+            <a:endParaRPr lang="en-US" altLang="zh-CN" sz="2800" dirty="0" smtClean="0"/>
+          </a:p>
+          <a:p>
+            <a:pPr marL="457200" indent="-457200">
+              <a:buFont typeface="Arial" panose="020B0604020202020204" pitchFamily="34" charset="0"/>
+              <a:buChar char="•"/>
+            </a:pPr>
+            <a:r>
+              <a:rPr lang="zh-CN" altLang="en-US" sz="2800" dirty="0" smtClean="0"/>
+              <a:t>There </a:t>
+            </a:r>
+            <a:r>
+              <a:rPr lang="zh-CN" altLang="en-US" sz="2800" dirty="0"/>
+              <a:t>exists an optimal policy π</a:t>
+            </a:r>
+            <a:r>
+              <a:rPr lang="zh-CN" altLang="en-US" sz="2800" baseline="-25000" dirty="0"/>
+              <a:t>∗</a:t>
+            </a:r>
+            <a:r>
+              <a:rPr lang="zh-CN" altLang="en-US" sz="2800" dirty="0"/>
+              <a:t> that is better than or equal to all other policies, π</a:t>
+            </a:r>
+            <a:r>
+              <a:rPr lang="zh-CN" altLang="en-US" sz="2800" baseline="-25000" dirty="0"/>
+              <a:t>∗</a:t>
+            </a:r>
+            <a:r>
+              <a:rPr lang="zh-CN" altLang="en-US" sz="2800" dirty="0"/>
+              <a:t> ≥ π,∀π </a:t>
+            </a:r>
+            <a:endParaRPr lang="en-US" altLang="zh-CN" sz="2800" dirty="0" smtClean="0"/>
+          </a:p>
+          <a:p>
+            <a:pPr marL="457200" indent="-457200">
+              <a:buFont typeface="Arial" panose="020B0604020202020204" pitchFamily="34" charset="0"/>
+              <a:buChar char="•"/>
+            </a:pPr>
+            <a:r>
+              <a:rPr lang="zh-CN" altLang="en-US" sz="2800" dirty="0" smtClean="0"/>
+              <a:t>All </a:t>
+            </a:r>
+            <a:r>
+              <a:rPr lang="zh-CN" altLang="en-US" sz="2800" dirty="0"/>
+              <a:t>optimal policies achieve the optimal value function, v</a:t>
+            </a:r>
+            <a:r>
+              <a:rPr lang="zh-CN" altLang="en-US" sz="2800" baseline="-25000" dirty="0"/>
+              <a:t>π∗</a:t>
+            </a:r>
+            <a:r>
+              <a:rPr lang="zh-CN" altLang="en-US" sz="2800" dirty="0"/>
+              <a:t>(s) = v</a:t>
+            </a:r>
+            <a:r>
+              <a:rPr lang="zh-CN" altLang="en-US" sz="2800" baseline="-25000" dirty="0"/>
+              <a:t>∗</a:t>
+            </a:r>
+            <a:r>
+              <a:rPr lang="zh-CN" altLang="en-US" sz="2800" dirty="0"/>
+              <a:t>(s) </a:t>
+            </a:r>
+            <a:endParaRPr lang="en-US" altLang="zh-CN" sz="2800" dirty="0" smtClean="0"/>
+          </a:p>
+          <a:p>
+            <a:pPr marL="457200" indent="-457200">
+              <a:buFont typeface="Arial" panose="020B0604020202020204" pitchFamily="34" charset="0"/>
+              <a:buChar char="•"/>
+            </a:pPr>
+            <a:r>
+              <a:rPr lang="zh-CN" altLang="en-US" sz="2800" dirty="0" smtClean="0"/>
+              <a:t>All </a:t>
+            </a:r>
+            <a:r>
+              <a:rPr lang="zh-CN" altLang="en-US" sz="2800" dirty="0"/>
+              <a:t>optimal policies achieve the optimal action-value function, q</a:t>
+            </a:r>
+            <a:r>
+              <a:rPr lang="zh-CN" altLang="en-US" sz="2800" baseline="-25000" dirty="0"/>
+              <a:t>π∗</a:t>
+            </a:r>
+            <a:r>
+              <a:rPr lang="zh-CN" altLang="en-US" sz="2800" dirty="0"/>
+              <a:t>(s,a) = q</a:t>
+            </a:r>
+            <a:r>
+              <a:rPr lang="zh-CN" altLang="en-US" sz="2800" baseline="-25000" dirty="0"/>
+              <a:t>∗</a:t>
+            </a:r>
+            <a:r>
+              <a:rPr lang="zh-CN" altLang="en-US" sz="2800" dirty="0"/>
+              <a:t>(s,a)</a:t>
+            </a:r>
           </a:p>
         </p:txBody>
       </p:sp>
     </p:spTree>
     <p:extLst>
       <p:ext uri="{BB962C8B-B14F-4D97-AF65-F5344CB8AC3E}">
-        <p14:creationId xmlns:p14="http://schemas.microsoft.com/office/powerpoint/2010/main" val="862065479"/>
+        <p14:creationId xmlns:p14="http://schemas.microsoft.com/office/powerpoint/2010/main" val="3932573233"/>
       </p:ext>
     </p:extLst>
   </p:cSld>
@@ -30353,6 +30235,376 @@
           <a:lstStyle/>
           <a:p>
             <a:r>
+              <a:rPr lang="en-US" altLang="zh-TW" dirty="0" smtClean="0"/>
+              <a:t>MDP: Optimal Value Function</a:t>
+            </a:r>
+            <a:endParaRPr lang="zh-CN" altLang="en-US" dirty="0"/>
+          </a:p>
+        </p:txBody>
+      </p:sp>
+      <p:sp>
+        <p:nvSpPr>
+          <p:cNvPr id="8" name="内容占位符 2"/>
+          <p:cNvSpPr>
+            <a:spLocks noGrp="1"/>
+          </p:cNvSpPr>
+          <p:nvPr>
+            <p:ph sz="half" idx="1"/>
+          </p:nvPr>
+        </p:nvSpPr>
+        <p:spPr>
+          <a:xfrm>
+            <a:off x="798513" y="1295400"/>
+            <a:ext cx="10591799" cy="5029200"/>
+          </a:xfrm>
+        </p:spPr>
+        <p:txBody>
+          <a:bodyPr rtlCol="0">
+            <a:normAutofit/>
+          </a:bodyPr>
+          <a:lstStyle/>
+          <a:p>
+            <a:endParaRPr lang="en-US" altLang="zh-CN" sz="1800" b="1" i="1" dirty="0">
+              <a:solidFill>
+                <a:schemeClr val="tx1">
+                  <a:lumMod val="95000"/>
+                </a:schemeClr>
+              </a:solidFill>
+            </a:endParaRPr>
+          </a:p>
+          <a:p>
+            <a:endParaRPr lang="en-US" altLang="zh-CN" sz="1800" b="1" i="1" dirty="0" smtClean="0">
+              <a:solidFill>
+                <a:schemeClr val="tx1">
+                  <a:lumMod val="95000"/>
+                </a:schemeClr>
+              </a:solidFill>
+            </a:endParaRPr>
+          </a:p>
+          <a:p>
+            <a:endParaRPr lang="en-US" altLang="zh-CN" sz="1800" b="1" i="1" dirty="0">
+              <a:solidFill>
+                <a:schemeClr val="tx1">
+                  <a:lumMod val="95000"/>
+                </a:schemeClr>
+              </a:solidFill>
+            </a:endParaRPr>
+          </a:p>
+          <a:p>
+            <a:endParaRPr lang="en-US" altLang="zh-CN" sz="1800" b="1" i="1" dirty="0" smtClean="0">
+              <a:solidFill>
+                <a:schemeClr val="tx1">
+                  <a:lumMod val="95000"/>
+                </a:schemeClr>
+              </a:solidFill>
+            </a:endParaRPr>
+          </a:p>
+        </p:txBody>
+      </p:sp>
+      <p:pic>
+        <p:nvPicPr>
+          <p:cNvPr id="4" name="图片 3"/>
+          <p:cNvPicPr>
+            <a:picLocks noChangeAspect="1"/>
+          </p:cNvPicPr>
+          <p:nvPr/>
+        </p:nvPicPr>
+        <p:blipFill>
+          <a:blip r:embed="rId2"/>
+          <a:stretch>
+            <a:fillRect/>
+          </a:stretch>
+        </p:blipFill>
+        <p:spPr>
+          <a:xfrm>
+            <a:off x="1217612" y="1275094"/>
+            <a:ext cx="8220075" cy="619125"/>
+          </a:xfrm>
+          <a:prstGeom prst="rect">
+            <a:avLst/>
+          </a:prstGeom>
+        </p:spPr>
+      </p:pic>
+      <p:sp>
+        <p:nvSpPr>
+          <p:cNvPr id="6" name="文本框 5"/>
+          <p:cNvSpPr txBox="1"/>
+          <p:nvPr/>
+        </p:nvSpPr>
+        <p:spPr>
+          <a:xfrm>
+            <a:off x="1217612" y="2170638"/>
+            <a:ext cx="8915400" cy="2575064"/>
+          </a:xfrm>
+          <a:prstGeom prst="rect">
+            <a:avLst/>
+          </a:prstGeom>
+          <a:noFill/>
+        </p:spPr>
+        <p:txBody>
+          <a:bodyPr wrap="square" rtlCol="0">
+            <a:spAutoFit/>
+          </a:bodyPr>
+          <a:lstStyle/>
+          <a:p>
+            <a:r>
+              <a:rPr lang="en-US" altLang="zh-CN" sz="2400" dirty="0" smtClean="0">
+                <a:latin typeface="+mj-lt"/>
+                <a:ea typeface="Microsoft Sans Serif" panose="020B0604020202020204" pitchFamily="34" charset="0"/>
+                <a:cs typeface="Microsoft Sans Serif" panose="020B0604020202020204" pitchFamily="34" charset="0"/>
+              </a:rPr>
+              <a:t>The optimal policy can be found by maximizing over q</a:t>
+            </a:r>
+            <a:r>
+              <a:rPr lang="en-US" altLang="zh-CN" sz="2400" baseline="30000" dirty="0" smtClean="0">
+                <a:latin typeface="+mj-lt"/>
+                <a:ea typeface="Microsoft Sans Serif" panose="020B0604020202020204" pitchFamily="34" charset="0"/>
+                <a:cs typeface="Microsoft Sans Serif" panose="020B0604020202020204" pitchFamily="34" charset="0"/>
+              </a:rPr>
+              <a:t>*</a:t>
+            </a:r>
+            <a:r>
+              <a:rPr lang="en-US" altLang="zh-CN" sz="2400" dirty="0" smtClean="0">
+                <a:latin typeface="+mj-lt"/>
+                <a:ea typeface="Microsoft Sans Serif" panose="020B0604020202020204" pitchFamily="34" charset="0"/>
+                <a:cs typeface="Microsoft Sans Serif" panose="020B0604020202020204" pitchFamily="34" charset="0"/>
+              </a:rPr>
+              <a:t>(s, a)</a:t>
+            </a:r>
+          </a:p>
+          <a:p>
+            <a:endParaRPr lang="en-US" altLang="zh-CN" sz="2400" baseline="30000" dirty="0">
+              <a:latin typeface="+mj-lt"/>
+              <a:ea typeface="Microsoft Sans Serif" panose="020B0604020202020204" pitchFamily="34" charset="0"/>
+              <a:cs typeface="Microsoft Sans Serif" panose="020B0604020202020204" pitchFamily="34" charset="0"/>
+            </a:endParaRPr>
+          </a:p>
+          <a:p>
+            <a:endParaRPr lang="en-US" altLang="zh-CN" sz="2800" baseline="30000" dirty="0" smtClean="0">
+              <a:latin typeface="+mj-lt"/>
+            </a:endParaRPr>
+          </a:p>
+          <a:p>
+            <a:r>
+              <a:rPr lang="el-GR" altLang="zh-CN" sz="2800" dirty="0" smtClean="0">
+                <a:latin typeface="+mj-lt"/>
+                <a:ea typeface="Microsoft Sans Serif" panose="020B0604020202020204" pitchFamily="34" charset="0"/>
+                <a:cs typeface="Microsoft Sans Serif" panose="020B0604020202020204" pitchFamily="34" charset="0"/>
+              </a:rPr>
+              <a:t>π</a:t>
+            </a:r>
+            <a:r>
+              <a:rPr lang="en-US" altLang="zh-CN" sz="2800" baseline="30000" dirty="0" smtClean="0">
+                <a:latin typeface="+mj-lt"/>
+                <a:ea typeface="Microsoft Sans Serif" panose="020B0604020202020204" pitchFamily="34" charset="0"/>
+                <a:cs typeface="Microsoft Sans Serif" panose="020B0604020202020204" pitchFamily="34" charset="0"/>
+              </a:rPr>
+              <a:t>*</a:t>
+            </a:r>
+            <a:r>
+              <a:rPr lang="en-US" altLang="zh-CN" sz="2800" dirty="0" smtClean="0">
+                <a:latin typeface="+mj-lt"/>
+                <a:ea typeface="Microsoft Sans Serif" panose="020B0604020202020204" pitchFamily="34" charset="0"/>
+                <a:cs typeface="Microsoft Sans Serif" panose="020B0604020202020204" pitchFamily="34" charset="0"/>
+              </a:rPr>
+              <a:t>(a | s) = 1, if a = </a:t>
+            </a:r>
+            <a:r>
+              <a:rPr lang="en-US" altLang="zh-CN" sz="2800" dirty="0" err="1" smtClean="0">
+                <a:latin typeface="+mj-lt"/>
+                <a:ea typeface="Microsoft Sans Serif" panose="020B0604020202020204" pitchFamily="34" charset="0"/>
+                <a:cs typeface="Microsoft Sans Serif" panose="020B0604020202020204" pitchFamily="34" charset="0"/>
+              </a:rPr>
+              <a:t>argmax</a:t>
+            </a:r>
+            <a:r>
+              <a:rPr lang="en-US" altLang="zh-CN" sz="2800" dirty="0" smtClean="0">
+                <a:latin typeface="+mj-lt"/>
+                <a:ea typeface="Microsoft Sans Serif" panose="020B0604020202020204" pitchFamily="34" charset="0"/>
+                <a:cs typeface="Microsoft Sans Serif" panose="020B0604020202020204" pitchFamily="34" charset="0"/>
+              </a:rPr>
+              <a:t>(q</a:t>
+            </a:r>
+            <a:r>
+              <a:rPr lang="en-US" altLang="zh-CN" sz="2800" baseline="30000" dirty="0">
+                <a:latin typeface="+mj-lt"/>
+                <a:ea typeface="Microsoft Sans Serif" panose="020B0604020202020204" pitchFamily="34" charset="0"/>
+                <a:cs typeface="Microsoft Sans Serif" panose="020B0604020202020204" pitchFamily="34" charset="0"/>
+              </a:rPr>
+              <a:t>*</a:t>
+            </a:r>
+            <a:r>
+              <a:rPr lang="en-US" altLang="zh-CN" sz="2800" dirty="0">
+                <a:latin typeface="+mj-lt"/>
+                <a:ea typeface="Microsoft Sans Serif" panose="020B0604020202020204" pitchFamily="34" charset="0"/>
+                <a:cs typeface="Microsoft Sans Serif" panose="020B0604020202020204" pitchFamily="34" charset="0"/>
+              </a:rPr>
+              <a:t>(s</a:t>
+            </a:r>
+            <a:r>
+              <a:rPr lang="en-US" altLang="zh-CN" sz="2800" dirty="0" smtClean="0">
+                <a:latin typeface="+mj-lt"/>
+                <a:ea typeface="Microsoft Sans Serif" panose="020B0604020202020204" pitchFamily="34" charset="0"/>
+                <a:cs typeface="Microsoft Sans Serif" panose="020B0604020202020204" pitchFamily="34" charset="0"/>
+              </a:rPr>
+              <a:t>, a))</a:t>
+            </a:r>
+          </a:p>
+          <a:p>
+            <a:r>
+              <a:rPr lang="en-US" altLang="zh-CN" sz="2800" baseline="30000" dirty="0">
+                <a:latin typeface="+mj-lt"/>
+                <a:ea typeface="Microsoft Sans Serif" panose="020B0604020202020204" pitchFamily="34" charset="0"/>
+                <a:cs typeface="Microsoft Sans Serif" panose="020B0604020202020204" pitchFamily="34" charset="0"/>
+              </a:rPr>
+              <a:t> </a:t>
+            </a:r>
+            <a:r>
+              <a:rPr lang="en-US" altLang="zh-CN" sz="2800" baseline="30000" dirty="0" smtClean="0">
+                <a:latin typeface="+mj-lt"/>
+                <a:ea typeface="Microsoft Sans Serif" panose="020B0604020202020204" pitchFamily="34" charset="0"/>
+                <a:cs typeface="Microsoft Sans Serif" panose="020B0604020202020204" pitchFamily="34" charset="0"/>
+              </a:rPr>
+              <a:t>                             </a:t>
+            </a:r>
+            <a:r>
+              <a:rPr lang="en-US" altLang="zh-CN" sz="2800" dirty="0" smtClean="0">
+                <a:latin typeface="+mj-lt"/>
+                <a:ea typeface="Microsoft Sans Serif" panose="020B0604020202020204" pitchFamily="34" charset="0"/>
+                <a:cs typeface="Microsoft Sans Serif" panose="020B0604020202020204" pitchFamily="34" charset="0"/>
+              </a:rPr>
+              <a:t>0</a:t>
+            </a:r>
+            <a:r>
+              <a:rPr lang="en-US" altLang="zh-CN" sz="2800" baseline="30000" dirty="0" smtClean="0">
+                <a:latin typeface="+mj-lt"/>
+                <a:ea typeface="Microsoft Sans Serif" panose="020B0604020202020204" pitchFamily="34" charset="0"/>
+                <a:cs typeface="Microsoft Sans Serif" panose="020B0604020202020204" pitchFamily="34" charset="0"/>
+              </a:rPr>
+              <a:t>,</a:t>
+            </a:r>
+            <a:r>
+              <a:rPr lang="en-US" altLang="zh-CN" sz="2800" dirty="0" smtClean="0">
+                <a:latin typeface="+mj-lt"/>
+                <a:ea typeface="Microsoft Sans Serif" panose="020B0604020202020204" pitchFamily="34" charset="0"/>
+                <a:cs typeface="Microsoft Sans Serif" panose="020B0604020202020204" pitchFamily="34" charset="0"/>
+              </a:rPr>
+              <a:t> otherwise                                    </a:t>
+            </a:r>
+            <a:r>
+              <a:rPr lang="en-US" altLang="zh-CN" sz="2800" dirty="0" smtClean="0">
+                <a:latin typeface="+mj-lt"/>
+                <a:ea typeface="Microsoft Sans Serif" panose="020B0604020202020204" pitchFamily="34" charset="0"/>
+                <a:cs typeface="Microsoft Sans Serif" panose="020B0604020202020204" pitchFamily="34" charset="0"/>
+                <a:sym typeface="Wingdings" panose="05000000000000000000" pitchFamily="2" charset="2"/>
+              </a:rPr>
+              <a:t> non linear</a:t>
+            </a:r>
+          </a:p>
+          <a:p>
+            <a:endParaRPr lang="en-US" altLang="zh-CN" sz="2800" baseline="30000" dirty="0">
+              <a:latin typeface="+mj-lt"/>
+              <a:ea typeface="Microsoft Sans Serif" panose="020B0604020202020204" pitchFamily="34" charset="0"/>
+              <a:cs typeface="Microsoft Sans Serif" panose="020B0604020202020204" pitchFamily="34" charset="0"/>
+              <a:sym typeface="Wingdings" panose="05000000000000000000" pitchFamily="2" charset="2"/>
+            </a:endParaRPr>
+          </a:p>
+          <a:p>
+            <a:r>
+              <a:rPr lang="en-US" altLang="zh-CN" sz="2800" dirty="0" smtClean="0">
+                <a:latin typeface="+mj-lt"/>
+                <a:ea typeface="Microsoft Sans Serif" panose="020B0604020202020204" pitchFamily="34" charset="0"/>
+                <a:cs typeface="Microsoft Sans Serif" panose="020B0604020202020204" pitchFamily="34" charset="0"/>
+                <a:sym typeface="Wingdings" panose="05000000000000000000" pitchFamily="2" charset="2"/>
+              </a:rPr>
+              <a:t>There is always a deterministic optimal policy for any MDP</a:t>
+            </a:r>
+            <a:r>
+              <a:rPr lang="en-US" altLang="zh-CN" sz="2800" dirty="0" smtClean="0">
+                <a:latin typeface="+mj-lt"/>
+                <a:ea typeface="Microsoft Sans Serif" panose="020B0604020202020204" pitchFamily="34" charset="0"/>
+                <a:cs typeface="Microsoft Sans Serif" panose="020B0604020202020204" pitchFamily="34" charset="0"/>
+              </a:rPr>
+              <a:t>.</a:t>
+            </a:r>
+            <a:endParaRPr lang="en-US" altLang="zh-CN" sz="2800" dirty="0" smtClean="0">
+              <a:latin typeface="+mj-lt"/>
+            </a:endParaRPr>
+          </a:p>
+        </p:txBody>
+      </p:sp>
+    </p:spTree>
+    <p:extLst>
+      <p:ext uri="{BB962C8B-B14F-4D97-AF65-F5344CB8AC3E}">
+        <p14:creationId xmlns:p14="http://schemas.microsoft.com/office/powerpoint/2010/main" val="862065479"/>
+      </p:ext>
+    </p:extLst>
+  </p:cSld>
+  <p:clrMapOvr>
+    <a:masterClrMapping/>
+  </p:clrMapOvr>
+  <mc:AlternateContent xmlns:mc="http://schemas.openxmlformats.org/markup-compatibility/2006" xmlns:p14="http://schemas.microsoft.com/office/powerpoint/2010/main">
+    <mc:Choice Requires="p14">
+      <p:transition spd="med" p14:dur="700">
+        <p:fade/>
+      </p:transition>
+    </mc:Choice>
+    <mc:Fallback xmlns="">
+      <p:transition spd="med">
+        <p:fade/>
+      </p:transition>
+    </mc:Fallback>
+  </mc:AlternateContent>
+  <p:timing>
+    <p:tnLst>
+      <p:par>
+        <p:cTn id="1" dur="indefinite" restart="never" nodeType="tmRoot"/>
+      </p:par>
+    </p:tnLst>
+  </p:timing>
+</p:sld>
+</file>
+
+<file path=ppt/slides/slide45.xml><?xml version="1.0" encoding="utf-8"?>
+<p:sld xmlns:a="http://schemas.openxmlformats.org/drawingml/2006/main" xmlns:r="http://schemas.openxmlformats.org/officeDocument/2006/relationships" xmlns:p="http://schemas.openxmlformats.org/presentationml/2006/main">
+  <p:cSld>
+    <p:spTree>
+      <p:nvGrpSpPr>
+        <p:cNvPr id="1" name=""/>
+        <p:cNvGrpSpPr/>
+        <p:nvPr/>
+      </p:nvGrpSpPr>
+      <p:grpSpPr>
+        <a:xfrm>
+          <a:off x="0" y="0"/>
+          <a:ext cx="0" cy="0"/>
+          <a:chOff x="0" y="0"/>
+          <a:chExt cx="0" cy="0"/>
+        </a:xfrm>
+      </p:grpSpPr>
+      <p:sp>
+        <p:nvSpPr>
+          <p:cNvPr id="2" name="标题 1"/>
+          <p:cNvSpPr>
+            <a:spLocks noGrp="1"/>
+          </p:cNvSpPr>
+          <p:nvPr>
+            <p:ph type="title"/>
+          </p:nvPr>
+        </p:nvSpPr>
+        <p:spPr>
+          <a:xfrm>
+            <a:off x="1522413" y="393777"/>
+            <a:ext cx="9144001" cy="762000"/>
+          </a:xfrm>
+        </p:spPr>
+        <p:txBody>
+          <a:bodyPr>
+            <a:normAutofit/>
+          </a:bodyPr>
+          <a:lstStyle/>
+          <a:p>
+            <a:r>
               <a:rPr lang="en-US" altLang="zh-TW" dirty="0"/>
               <a:t>Markov </a:t>
             </a:r>
@@ -30617,7 +30869,7 @@
 </p:sld>
 </file>
 
-<file path=ppt/slides/slide45.xml><?xml version="1.0" encoding="utf-8"?>
+<file path=ppt/slides/slide46.xml><?xml version="1.0" encoding="utf-8"?>
 <p:sld xmlns:a="http://schemas.openxmlformats.org/drawingml/2006/main" xmlns:r="http://schemas.openxmlformats.org/officeDocument/2006/relationships" xmlns:p="http://schemas.openxmlformats.org/presentationml/2006/main">
   <p:cSld>
     <p:spTree>
@@ -30863,11 +31115,29 @@
             </a:endParaRPr>
           </a:p>
           <a:p>
-            <a:endParaRPr lang="en-US" altLang="zh-CN" sz="1800" dirty="0">
-              <a:solidFill>
-                <a:srgbClr val="FFFF00"/>
-              </a:solidFill>
-            </a:endParaRPr>
+            <a:r>
+              <a:rPr lang="en-US" altLang="zh-CN" sz="1800" dirty="0"/>
+              <a:t>A state St is Markov if and only if </a:t>
+            </a:r>
+            <a:endParaRPr lang="en-US" altLang="zh-CN" sz="1800" dirty="0" smtClean="0"/>
+          </a:p>
+          <a:p>
+            <a:pPr marL="0" indent="0">
+              <a:buNone/>
+            </a:pPr>
+            <a:r>
+              <a:rPr lang="en-US" altLang="zh-CN" sz="1800" dirty="0" smtClean="0"/>
+              <a:t>   	  	  </a:t>
+            </a:r>
+            <a:r>
+              <a:rPr lang="en-US" altLang="zh-CN" sz="2800" dirty="0" smtClean="0"/>
+              <a:t>P[St+1 </a:t>
+            </a:r>
+            <a:r>
+              <a:rPr lang="en-US" altLang="zh-CN" sz="2800" dirty="0"/>
+              <a:t>| St] = P[St+1 | S1,...,St]</a:t>
+            </a:r>
+            <a:endParaRPr lang="en-US" altLang="zh-CN" sz="2800" dirty="0"/>
           </a:p>
           <a:p>
             <a:endParaRPr lang="en-US" altLang="zh-CN" sz="1800" dirty="0">
@@ -30937,30 +31207,6 @@
       </p:pic>
       <p:pic>
         <p:nvPicPr>
-          <p:cNvPr id="10" name="图片 9"/>
-          <p:cNvPicPr>
-            <a:picLocks noChangeAspect="1"/>
-          </p:cNvPicPr>
-          <p:nvPr/>
-        </p:nvPicPr>
-        <p:blipFill>
-          <a:blip r:embed="rId4"/>
-          <a:stretch>
-            <a:fillRect/>
-          </a:stretch>
-        </p:blipFill>
-        <p:spPr>
-          <a:xfrm>
-            <a:off x="2284412" y="2742283"/>
-            <a:ext cx="6399004" cy="834653"/>
-          </a:xfrm>
-          <a:prstGeom prst="rect">
-            <a:avLst/>
-          </a:prstGeom>
-        </p:spPr>
-      </p:pic>
-      <p:pic>
-        <p:nvPicPr>
           <p:cNvPr id="7" name="图片 6"/>
           <p:cNvPicPr>
             <a:picLocks noChangeAspect="1"/>
@@ -30968,7 +31214,7 @@
           <p:nvPr/>
         </p:nvPicPr>
         <p:blipFill>
-          <a:blip r:embed="rId5"/>
+          <a:blip r:embed="rId4"/>
           <a:stretch>
             <a:fillRect/>
           </a:stretch>
@@ -31153,7 +31399,62 @@
             <a:endParaRPr lang="en-US" altLang="zh-CN" sz="1800" dirty="0" smtClean="0"/>
           </a:p>
           <a:p>
-            <a:endParaRPr lang="en-US" altLang="zh-CN" sz="1800" dirty="0" smtClean="0"/>
+            <a:pPr marL="0" indent="0">
+              <a:buNone/>
+            </a:pPr>
+            <a:r>
+              <a:rPr lang="en-US" altLang="zh-CN" sz="1800" dirty="0" smtClean="0"/>
+              <a:t>			</a:t>
+            </a:r>
+            <a:r>
+              <a:rPr lang="en-US" altLang="zh-CN" sz="3200" dirty="0" smtClean="0"/>
+              <a:t>P</a:t>
+            </a:r>
+            <a:r>
+              <a:rPr lang="en-US" altLang="zh-CN" sz="3200" baseline="-25000" dirty="0" smtClean="0"/>
+              <a:t>ss' </a:t>
+            </a:r>
+            <a:r>
+              <a:rPr lang="en-US" altLang="zh-CN" sz="3200" dirty="0"/>
+              <a:t>= </a:t>
+            </a:r>
+            <a:r>
+              <a:rPr lang="en-US" altLang="zh-CN" sz="3200" dirty="0" smtClean="0"/>
+              <a:t>P[S</a:t>
+            </a:r>
+            <a:r>
+              <a:rPr lang="en-US" altLang="zh-CN" baseline="-25000" dirty="0" smtClean="0"/>
+              <a:t>t+1</a:t>
+            </a:r>
+            <a:r>
+              <a:rPr lang="en-US" altLang="zh-CN" sz="3200" dirty="0" smtClean="0"/>
+              <a:t> </a:t>
+            </a:r>
+            <a:r>
+              <a:rPr lang="en-US" altLang="zh-CN" sz="3200" dirty="0"/>
+              <a:t>= </a:t>
+            </a:r>
+            <a:r>
+              <a:rPr lang="en-US" altLang="zh-CN" sz="3200" dirty="0" smtClean="0"/>
+              <a:t>s' </a:t>
+            </a:r>
+            <a:r>
+              <a:rPr lang="en-US" altLang="zh-CN" sz="3200" dirty="0"/>
+              <a:t>| S</a:t>
+            </a:r>
+            <a:r>
+              <a:rPr lang="en-US" altLang="zh-CN" sz="3200" baseline="-25000" dirty="0"/>
+              <a:t>t</a:t>
+            </a:r>
+            <a:r>
+              <a:rPr lang="en-US" altLang="zh-CN" sz="3200" dirty="0"/>
+              <a:t> = </a:t>
+            </a:r>
+            <a:r>
+              <a:rPr lang="en-US" altLang="zh-CN" sz="3200" dirty="0" smtClean="0"/>
+              <a:t>s]</a:t>
+            </a:r>
+            <a:endParaRPr lang="en-US" altLang="zh-CN" sz="3200" dirty="0" smtClean="0"/>
           </a:p>
           <a:p>
             <a:r>
@@ -31162,9 +31463,6 @@
             </a:r>
           </a:p>
           <a:p>
-            <a:endParaRPr lang="en-US" altLang="zh-CN" sz="1800" dirty="0"/>
-          </a:p>
-          <a:p>
             <a:endParaRPr lang="en-US" altLang="zh-CN" sz="1800" dirty="0" smtClean="0"/>
           </a:p>
           <a:p>
@@ -31186,7 +31484,7 @@
       </p:sp>
       <p:pic>
         <p:nvPicPr>
-          <p:cNvPr id="7" name="内容占位符 2"/>
+          <p:cNvPr id="3" name="图片 2"/>
           <p:cNvPicPr>
             <a:picLocks noChangeAspect="1"/>
           </p:cNvPicPr>
@@ -31200,30 +31498,6 @@
         </p:blipFill>
         <p:spPr>
           <a:xfrm>
-            <a:off x="4341812" y="2919254"/>
-            <a:ext cx="3810000" cy="588818"/>
-          </a:xfrm>
-          <a:prstGeom prst="rect">
-            <a:avLst/>
-          </a:prstGeom>
-        </p:spPr>
-      </p:pic>
-      <p:pic>
-        <p:nvPicPr>
-          <p:cNvPr id="3" name="图片 2"/>
-          <p:cNvPicPr>
-            <a:picLocks noChangeAspect="1"/>
-          </p:cNvPicPr>
-          <p:nvPr/>
-        </p:nvPicPr>
-        <p:blipFill>
-          <a:blip r:embed="rId3"/>
-          <a:stretch>
-            <a:fillRect/>
-          </a:stretch>
-        </p:blipFill>
-        <p:spPr>
-          <a:xfrm>
             <a:off x="5561012" y="4536136"/>
             <a:ext cx="3467101" cy="2108563"/>
           </a:xfrm>
@@ -31241,7 +31515,7 @@
           <p:nvPr/>
         </p:nvPicPr>
         <p:blipFill>
-          <a:blip r:embed="rId4"/>
+          <a:blip r:embed="rId3"/>
           <a:stretch>
             <a:fillRect/>
           </a:stretch>
@@ -35858,6 +36132,15 @@
 </file>
 
 <file path=customXml/item1.xml><?xml version="1.0" encoding="utf-8"?>
+<?mso-contentType ?>
+<FormTemplates xmlns="http://schemas.microsoft.com/sharepoint/v3/contenttype/forms">
+  <Display>DocumentLibraryForm</Display>
+  <Edit>AssetEditForm</Edit>
+  <New>DocumentLibraryForm</New>
+</FormTemplates>
+</file>
+
+<file path=customXml/item2.xml><?xml version="1.0" encoding="utf-8"?>
 <p:properties xmlns:p="http://schemas.microsoft.com/office/2006/metadata/properties" xmlns:xsi="http://www.w3.org/2001/XMLSchema-instance" xmlns:pc="http://schemas.microsoft.com/office/infopath/2007/PartnerControls">
   <documentManagement>
     <DirectSourceMarket xmlns="4873beb7-5857-4685-be1f-d57550cc96cc" xsi:nil="true"/>
@@ -35982,15 +36265,6 @@
     <LocMarketGroupTiers2 xmlns="4873beb7-5857-4685-be1f-d57550cc96cc" xsi:nil="true"/>
   </documentManagement>
 </p:properties>
-</file>
-
-<file path=customXml/item2.xml><?xml version="1.0" encoding="utf-8"?>
-<?mso-contentType ?>
-<FormTemplates xmlns="http://schemas.microsoft.com/sharepoint/v3/contenttype/forms">
-  <Display>DocumentLibraryForm</Display>
-  <Edit>AssetEditForm</Edit>
-  <New>DocumentLibraryForm</New>
-</FormTemplates>
 </file>
 
 <file path=customXml/item3.xml><?xml version="1.0" encoding="utf-8"?>
@@ -37034,19 +37308,19 @@
 </file>
 
 <file path=customXml/itemProps1.xml><?xml version="1.0" encoding="utf-8"?>
+<ds:datastoreItem xmlns:ds="http://schemas.openxmlformats.org/officeDocument/2006/customXml" ds:itemID="{74228E6B-D70C-44BB-A81F-A245495F612B}">
+  <ds:schemaRefs>
+    <ds:schemaRef ds:uri="http://schemas.microsoft.com/sharepoint/v3/contenttype/forms"/>
+  </ds:schemaRefs>
+</ds:datastoreItem>
+</file>
+
+<file path=customXml/itemProps2.xml><?xml version="1.0" encoding="utf-8"?>
 <ds:datastoreItem xmlns:ds="http://schemas.openxmlformats.org/officeDocument/2006/customXml" ds:itemID="{00E41224-0370-4595-877C-23316CD80004}">
   <ds:schemaRefs>
     <ds:schemaRef ds:uri="http://schemas.microsoft.com/office/2006/metadata/properties"/>
     <ds:schemaRef ds:uri="http://schemas.microsoft.com/office/infopath/2007/PartnerControls"/>
     <ds:schemaRef ds:uri="4873beb7-5857-4685-be1f-d57550cc96cc"/>
-  </ds:schemaRefs>
-</ds:datastoreItem>
-</file>
-
-<file path=customXml/itemProps2.xml><?xml version="1.0" encoding="utf-8"?>
-<ds:datastoreItem xmlns:ds="http://schemas.openxmlformats.org/officeDocument/2006/customXml" ds:itemID="{74228E6B-D70C-44BB-A81F-A245495F612B}">
-  <ds:schemaRefs>
-    <ds:schemaRef ds:uri="http://schemas.microsoft.com/sharepoint/v3/contenttype/forms"/>
   </ds:schemaRefs>
 </ds:datastoreItem>
 </file>
